--- a/報告用簡報.pptx
+++ b/報告用簡報.pptx
@@ -4,11 +4,20 @@
   <p:sldMasterIdLst>
     <p:sldMasterId id="2147483720" r:id="rId1"/>
   </p:sldMasterIdLst>
+  <p:handoutMasterIdLst>
+    <p:handoutMasterId r:id="rId12"/>
+  </p:handoutMasterIdLst>
   <p:sldIdLst>
     <p:sldId id="256" r:id="rId2"/>
     <p:sldId id="257" r:id="rId3"/>
     <p:sldId id="258" r:id="rId4"/>
     <p:sldId id="259" r:id="rId5"/>
+    <p:sldId id="260" r:id="rId6"/>
+    <p:sldId id="261" r:id="rId7"/>
+    <p:sldId id="265" r:id="rId8"/>
+    <p:sldId id="266" r:id="rId9"/>
+    <p:sldId id="264" r:id="rId10"/>
+    <p:sldId id="262" r:id="rId11"/>
   </p:sldIdLst>
   <p:sldSz cx="9144000" cy="6858000" type="screen4x3"/>
   <p:notesSz cx="6858000" cy="9144000"/>
@@ -110,6 +119,3859 @@
 </p:presentation>
 </file>
 
+<file path=ppt/diagrams/colors1.xml><?xml version="1.0" encoding="utf-8"?>
+<dgm:colorsDef xmlns:dgm="http://schemas.openxmlformats.org/drawingml/2006/diagram" xmlns:a="http://schemas.openxmlformats.org/drawingml/2006/main" uniqueId="urn:microsoft.com/office/officeart/2005/8/colors/accent1_2">
+  <dgm:title val=""/>
+  <dgm:desc val=""/>
+  <dgm:catLst>
+    <dgm:cat type="accent1" pri="11200"/>
+  </dgm:catLst>
+  <dgm:styleLbl name="node0">
+    <dgm:fillClrLst meth="repeat">
+      <a:schemeClr val="accent1"/>
+    </dgm:fillClrLst>
+    <dgm:linClrLst meth="repeat">
+      <a:schemeClr val="lt1"/>
+    </dgm:linClrLst>
+    <dgm:effectClrLst/>
+    <dgm:txLinClrLst/>
+    <dgm:txFillClrLst/>
+    <dgm:txEffectClrLst/>
+  </dgm:styleLbl>
+  <dgm:styleLbl name="alignNode1">
+    <dgm:fillClrLst meth="repeat">
+      <a:schemeClr val="accent1"/>
+    </dgm:fillClrLst>
+    <dgm:linClrLst meth="repeat">
+      <a:schemeClr val="accent1"/>
+    </dgm:linClrLst>
+    <dgm:effectClrLst/>
+    <dgm:txLinClrLst/>
+    <dgm:txFillClrLst/>
+    <dgm:txEffectClrLst/>
+  </dgm:styleLbl>
+  <dgm:styleLbl name="node1">
+    <dgm:fillClrLst meth="repeat">
+      <a:schemeClr val="accent1"/>
+    </dgm:fillClrLst>
+    <dgm:linClrLst meth="repeat">
+      <a:schemeClr val="lt1"/>
+    </dgm:linClrLst>
+    <dgm:effectClrLst/>
+    <dgm:txLinClrLst/>
+    <dgm:txFillClrLst/>
+    <dgm:txEffectClrLst/>
+  </dgm:styleLbl>
+  <dgm:styleLbl name="lnNode1">
+    <dgm:fillClrLst meth="repeat">
+      <a:schemeClr val="accent1"/>
+    </dgm:fillClrLst>
+    <dgm:linClrLst meth="repeat">
+      <a:schemeClr val="lt1"/>
+    </dgm:linClrLst>
+    <dgm:effectClrLst/>
+    <dgm:txLinClrLst/>
+    <dgm:txFillClrLst/>
+    <dgm:txEffectClrLst/>
+  </dgm:styleLbl>
+  <dgm:styleLbl name="vennNode1">
+    <dgm:fillClrLst meth="repeat">
+      <a:schemeClr val="accent1">
+        <a:alpha val="50000"/>
+      </a:schemeClr>
+    </dgm:fillClrLst>
+    <dgm:linClrLst meth="repeat">
+      <a:schemeClr val="lt1"/>
+    </dgm:linClrLst>
+    <dgm:effectClrLst/>
+    <dgm:txLinClrLst/>
+    <dgm:txFillClrLst/>
+    <dgm:txEffectClrLst/>
+  </dgm:styleLbl>
+  <dgm:styleLbl name="node2">
+    <dgm:fillClrLst meth="repeat">
+      <a:schemeClr val="accent1"/>
+    </dgm:fillClrLst>
+    <dgm:linClrLst meth="repeat">
+      <a:schemeClr val="lt1"/>
+    </dgm:linClrLst>
+    <dgm:effectClrLst/>
+    <dgm:txLinClrLst/>
+    <dgm:txFillClrLst/>
+    <dgm:txEffectClrLst/>
+  </dgm:styleLbl>
+  <dgm:styleLbl name="node3">
+    <dgm:fillClrLst meth="repeat">
+      <a:schemeClr val="accent1"/>
+    </dgm:fillClrLst>
+    <dgm:linClrLst meth="repeat">
+      <a:schemeClr val="lt1"/>
+    </dgm:linClrLst>
+    <dgm:effectClrLst/>
+    <dgm:txLinClrLst/>
+    <dgm:txFillClrLst/>
+    <dgm:txEffectClrLst/>
+  </dgm:styleLbl>
+  <dgm:styleLbl name="node4">
+    <dgm:fillClrLst meth="repeat">
+      <a:schemeClr val="accent1"/>
+    </dgm:fillClrLst>
+    <dgm:linClrLst meth="repeat">
+      <a:schemeClr val="lt1"/>
+    </dgm:linClrLst>
+    <dgm:effectClrLst/>
+    <dgm:txLinClrLst/>
+    <dgm:txFillClrLst/>
+    <dgm:txEffectClrLst/>
+  </dgm:styleLbl>
+  <dgm:styleLbl name="fgImgPlace1">
+    <dgm:fillClrLst meth="repeat">
+      <a:schemeClr val="accent1">
+        <a:tint val="50000"/>
+      </a:schemeClr>
+    </dgm:fillClrLst>
+    <dgm:linClrLst meth="repeat">
+      <a:schemeClr val="lt1"/>
+    </dgm:linClrLst>
+    <dgm:effectClrLst/>
+    <dgm:txLinClrLst/>
+    <dgm:txFillClrLst meth="repeat">
+      <a:schemeClr val="lt1"/>
+    </dgm:txFillClrLst>
+    <dgm:txEffectClrLst/>
+  </dgm:styleLbl>
+  <dgm:styleLbl name="alignImgPlace1">
+    <dgm:fillClrLst meth="repeat">
+      <a:schemeClr val="accent1">
+        <a:tint val="50000"/>
+      </a:schemeClr>
+    </dgm:fillClrLst>
+    <dgm:linClrLst meth="repeat">
+      <a:schemeClr val="lt1"/>
+    </dgm:linClrLst>
+    <dgm:effectClrLst/>
+    <dgm:txLinClrLst/>
+    <dgm:txFillClrLst meth="repeat">
+      <a:schemeClr val="lt1"/>
+    </dgm:txFillClrLst>
+    <dgm:txEffectClrLst/>
+  </dgm:styleLbl>
+  <dgm:styleLbl name="bgImgPlace1">
+    <dgm:fillClrLst meth="repeat">
+      <a:schemeClr val="accent1">
+        <a:tint val="50000"/>
+      </a:schemeClr>
+    </dgm:fillClrLst>
+    <dgm:linClrLst meth="repeat">
+      <a:schemeClr val="lt1"/>
+    </dgm:linClrLst>
+    <dgm:effectClrLst/>
+    <dgm:txLinClrLst/>
+    <dgm:txFillClrLst meth="repeat">
+      <a:schemeClr val="lt1"/>
+    </dgm:txFillClrLst>
+    <dgm:txEffectClrLst/>
+  </dgm:styleLbl>
+  <dgm:styleLbl name="sibTrans2D1">
+    <dgm:fillClrLst meth="repeat">
+      <a:schemeClr val="accent1">
+        <a:tint val="60000"/>
+      </a:schemeClr>
+    </dgm:fillClrLst>
+    <dgm:linClrLst meth="repeat">
+      <a:schemeClr val="accent1">
+        <a:tint val="60000"/>
+      </a:schemeClr>
+    </dgm:linClrLst>
+    <dgm:effectClrLst/>
+    <dgm:txLinClrLst/>
+    <dgm:txFillClrLst/>
+    <dgm:txEffectClrLst/>
+  </dgm:styleLbl>
+  <dgm:styleLbl name="fgSibTrans2D1">
+    <dgm:fillClrLst meth="repeat">
+      <a:schemeClr val="accent1">
+        <a:tint val="60000"/>
+      </a:schemeClr>
+    </dgm:fillClrLst>
+    <dgm:linClrLst meth="repeat">
+      <a:schemeClr val="accent1">
+        <a:tint val="60000"/>
+      </a:schemeClr>
+    </dgm:linClrLst>
+    <dgm:effectClrLst/>
+    <dgm:txLinClrLst/>
+    <dgm:txFillClrLst/>
+    <dgm:txEffectClrLst/>
+  </dgm:styleLbl>
+  <dgm:styleLbl name="bgSibTrans2D1">
+    <dgm:fillClrLst meth="repeat">
+      <a:schemeClr val="accent1">
+        <a:tint val="60000"/>
+      </a:schemeClr>
+    </dgm:fillClrLst>
+    <dgm:linClrLst meth="repeat">
+      <a:schemeClr val="accent1">
+        <a:tint val="60000"/>
+      </a:schemeClr>
+    </dgm:linClrLst>
+    <dgm:effectClrLst/>
+    <dgm:txLinClrLst/>
+    <dgm:txFillClrLst/>
+    <dgm:txEffectClrLst/>
+  </dgm:styleLbl>
+  <dgm:styleLbl name="sibTrans1D1">
+    <dgm:fillClrLst meth="repeat">
+      <a:schemeClr val="accent1"/>
+    </dgm:fillClrLst>
+    <dgm:linClrLst meth="repeat">
+      <a:schemeClr val="accent1"/>
+    </dgm:linClrLst>
+    <dgm:effectClrLst/>
+    <dgm:txLinClrLst/>
+    <dgm:txFillClrLst meth="repeat">
+      <a:schemeClr val="tx1"/>
+    </dgm:txFillClrLst>
+    <dgm:txEffectClrLst/>
+  </dgm:styleLbl>
+  <dgm:styleLbl name="callout">
+    <dgm:fillClrLst meth="repeat">
+      <a:schemeClr val="accent1"/>
+    </dgm:fillClrLst>
+    <dgm:linClrLst meth="repeat">
+      <a:schemeClr val="accent1">
+        <a:tint val="50000"/>
+      </a:schemeClr>
+    </dgm:linClrLst>
+    <dgm:effectClrLst/>
+    <dgm:txLinClrLst/>
+    <dgm:txFillClrLst meth="repeat">
+      <a:schemeClr val="tx1"/>
+    </dgm:txFillClrLst>
+    <dgm:txEffectClrLst/>
+  </dgm:styleLbl>
+  <dgm:styleLbl name="asst0">
+    <dgm:fillClrLst meth="repeat">
+      <a:schemeClr val="accent1"/>
+    </dgm:fillClrLst>
+    <dgm:linClrLst meth="repeat">
+      <a:schemeClr val="lt1"/>
+    </dgm:linClrLst>
+    <dgm:effectClrLst/>
+    <dgm:txLinClrLst/>
+    <dgm:txFillClrLst/>
+    <dgm:txEffectClrLst/>
+  </dgm:styleLbl>
+  <dgm:styleLbl name="asst1">
+    <dgm:fillClrLst meth="repeat">
+      <a:schemeClr val="accent1"/>
+    </dgm:fillClrLst>
+    <dgm:linClrLst meth="repeat">
+      <a:schemeClr val="lt1"/>
+    </dgm:linClrLst>
+    <dgm:effectClrLst/>
+    <dgm:txLinClrLst/>
+    <dgm:txFillClrLst/>
+    <dgm:txEffectClrLst/>
+  </dgm:styleLbl>
+  <dgm:styleLbl name="asst2">
+    <dgm:fillClrLst meth="repeat">
+      <a:schemeClr val="accent1"/>
+    </dgm:fillClrLst>
+    <dgm:linClrLst meth="repeat">
+      <a:schemeClr val="lt1"/>
+    </dgm:linClrLst>
+    <dgm:effectClrLst/>
+    <dgm:txLinClrLst/>
+    <dgm:txFillClrLst/>
+    <dgm:txEffectClrLst/>
+  </dgm:styleLbl>
+  <dgm:styleLbl name="asst3">
+    <dgm:fillClrLst meth="repeat">
+      <a:schemeClr val="accent1"/>
+    </dgm:fillClrLst>
+    <dgm:linClrLst meth="repeat">
+      <a:schemeClr val="lt1"/>
+    </dgm:linClrLst>
+    <dgm:effectClrLst/>
+    <dgm:txLinClrLst/>
+    <dgm:txFillClrLst/>
+    <dgm:txEffectClrLst/>
+  </dgm:styleLbl>
+  <dgm:styleLbl name="asst4">
+    <dgm:fillClrLst meth="repeat">
+      <a:schemeClr val="accent1"/>
+    </dgm:fillClrLst>
+    <dgm:linClrLst meth="repeat">
+      <a:schemeClr val="lt1"/>
+    </dgm:linClrLst>
+    <dgm:effectClrLst/>
+    <dgm:txLinClrLst/>
+    <dgm:txFillClrLst/>
+    <dgm:txEffectClrLst/>
+  </dgm:styleLbl>
+  <dgm:styleLbl name="parChTrans2D1">
+    <dgm:fillClrLst meth="repeat">
+      <a:schemeClr val="accent1">
+        <a:tint val="60000"/>
+      </a:schemeClr>
+    </dgm:fillClrLst>
+    <dgm:linClrLst meth="repeat">
+      <a:schemeClr val="accent1">
+        <a:tint val="60000"/>
+      </a:schemeClr>
+    </dgm:linClrLst>
+    <dgm:effectClrLst/>
+    <dgm:txLinClrLst/>
+    <dgm:txFillClrLst meth="repeat">
+      <a:schemeClr val="lt1"/>
+    </dgm:txFillClrLst>
+    <dgm:txEffectClrLst/>
+  </dgm:styleLbl>
+  <dgm:styleLbl name="parChTrans2D2">
+    <dgm:fillClrLst meth="repeat">
+      <a:schemeClr val="accent1"/>
+    </dgm:fillClrLst>
+    <dgm:linClrLst meth="repeat">
+      <a:schemeClr val="accent1"/>
+    </dgm:linClrLst>
+    <dgm:effectClrLst/>
+    <dgm:txLinClrLst/>
+    <dgm:txFillClrLst meth="repeat">
+      <a:schemeClr val="lt1"/>
+    </dgm:txFillClrLst>
+    <dgm:txEffectClrLst/>
+  </dgm:styleLbl>
+  <dgm:styleLbl name="parChTrans2D3">
+    <dgm:fillClrLst meth="repeat">
+      <a:schemeClr val="accent1"/>
+    </dgm:fillClrLst>
+    <dgm:linClrLst meth="repeat">
+      <a:schemeClr val="accent1"/>
+    </dgm:linClrLst>
+    <dgm:effectClrLst/>
+    <dgm:txLinClrLst/>
+    <dgm:txFillClrLst meth="repeat">
+      <a:schemeClr val="lt1"/>
+    </dgm:txFillClrLst>
+    <dgm:txEffectClrLst/>
+  </dgm:styleLbl>
+  <dgm:styleLbl name="parChTrans2D4">
+    <dgm:fillClrLst meth="repeat">
+      <a:schemeClr val="accent1"/>
+    </dgm:fillClrLst>
+    <dgm:linClrLst meth="repeat">
+      <a:schemeClr val="accent1"/>
+    </dgm:linClrLst>
+    <dgm:effectClrLst/>
+    <dgm:txLinClrLst/>
+    <dgm:txFillClrLst meth="repeat">
+      <a:schemeClr val="lt1"/>
+    </dgm:txFillClrLst>
+    <dgm:txEffectClrLst/>
+  </dgm:styleLbl>
+  <dgm:styleLbl name="parChTrans1D1">
+    <dgm:fillClrLst meth="repeat">
+      <a:schemeClr val="accent1"/>
+    </dgm:fillClrLst>
+    <dgm:linClrLst meth="repeat">
+      <a:schemeClr val="accent1">
+        <a:shade val="60000"/>
+      </a:schemeClr>
+    </dgm:linClrLst>
+    <dgm:effectClrLst/>
+    <dgm:txLinClrLst/>
+    <dgm:txFillClrLst meth="repeat">
+      <a:schemeClr val="tx1"/>
+    </dgm:txFillClrLst>
+    <dgm:txEffectClrLst/>
+  </dgm:styleLbl>
+  <dgm:styleLbl name="parChTrans1D2">
+    <dgm:fillClrLst meth="repeat">
+      <a:schemeClr val="accent1"/>
+    </dgm:fillClrLst>
+    <dgm:linClrLst meth="repeat">
+      <a:schemeClr val="accent1">
+        <a:shade val="60000"/>
+      </a:schemeClr>
+    </dgm:linClrLst>
+    <dgm:effectClrLst/>
+    <dgm:txLinClrLst/>
+    <dgm:txFillClrLst meth="repeat">
+      <a:schemeClr val="tx1"/>
+    </dgm:txFillClrLst>
+    <dgm:txEffectClrLst/>
+  </dgm:styleLbl>
+  <dgm:styleLbl name="parChTrans1D3">
+    <dgm:fillClrLst meth="repeat">
+      <a:schemeClr val="accent1"/>
+    </dgm:fillClrLst>
+    <dgm:linClrLst meth="repeat">
+      <a:schemeClr val="accent1">
+        <a:shade val="80000"/>
+      </a:schemeClr>
+    </dgm:linClrLst>
+    <dgm:effectClrLst/>
+    <dgm:txLinClrLst/>
+    <dgm:txFillClrLst meth="repeat">
+      <a:schemeClr val="tx1"/>
+    </dgm:txFillClrLst>
+    <dgm:txEffectClrLst/>
+  </dgm:styleLbl>
+  <dgm:styleLbl name="parChTrans1D4">
+    <dgm:fillClrLst meth="repeat">
+      <a:schemeClr val="accent1"/>
+    </dgm:fillClrLst>
+    <dgm:linClrLst meth="repeat">
+      <a:schemeClr val="accent1">
+        <a:shade val="80000"/>
+      </a:schemeClr>
+    </dgm:linClrLst>
+    <dgm:effectClrLst/>
+    <dgm:txLinClrLst/>
+    <dgm:txFillClrLst meth="repeat">
+      <a:schemeClr val="tx1"/>
+    </dgm:txFillClrLst>
+    <dgm:txEffectClrLst/>
+  </dgm:styleLbl>
+  <dgm:styleLbl name="fgAcc1">
+    <dgm:fillClrLst meth="repeat">
+      <a:schemeClr val="lt1">
+        <a:alpha val="90000"/>
+      </a:schemeClr>
+    </dgm:fillClrLst>
+    <dgm:linClrLst meth="repeat">
+      <a:schemeClr val="accent1"/>
+    </dgm:linClrLst>
+    <dgm:effectClrLst/>
+    <dgm:txLinClrLst/>
+    <dgm:txFillClrLst meth="repeat">
+      <a:schemeClr val="dk1"/>
+    </dgm:txFillClrLst>
+    <dgm:txEffectClrLst/>
+  </dgm:styleLbl>
+  <dgm:styleLbl name="conFgAcc1">
+    <dgm:fillClrLst meth="repeat">
+      <a:schemeClr val="lt1">
+        <a:alpha val="90000"/>
+      </a:schemeClr>
+    </dgm:fillClrLst>
+    <dgm:linClrLst meth="repeat">
+      <a:schemeClr val="accent1"/>
+    </dgm:linClrLst>
+    <dgm:effectClrLst/>
+    <dgm:txLinClrLst/>
+    <dgm:txFillClrLst meth="repeat">
+      <a:schemeClr val="dk1"/>
+    </dgm:txFillClrLst>
+    <dgm:txEffectClrLst/>
+  </dgm:styleLbl>
+  <dgm:styleLbl name="alignAcc1">
+    <dgm:fillClrLst meth="repeat">
+      <a:schemeClr val="lt1">
+        <a:alpha val="90000"/>
+      </a:schemeClr>
+    </dgm:fillClrLst>
+    <dgm:linClrLst meth="repeat">
+      <a:schemeClr val="accent1"/>
+    </dgm:linClrLst>
+    <dgm:effectClrLst/>
+    <dgm:txLinClrLst/>
+    <dgm:txFillClrLst meth="repeat">
+      <a:schemeClr val="dk1"/>
+    </dgm:txFillClrLst>
+    <dgm:txEffectClrLst/>
+  </dgm:styleLbl>
+  <dgm:styleLbl name="trAlignAcc1">
+    <dgm:fillClrLst meth="repeat">
+      <a:schemeClr val="lt1">
+        <a:alpha val="40000"/>
+      </a:schemeClr>
+    </dgm:fillClrLst>
+    <dgm:linClrLst meth="repeat">
+      <a:schemeClr val="accent1"/>
+    </dgm:linClrLst>
+    <dgm:effectClrLst/>
+    <dgm:txLinClrLst/>
+    <dgm:txFillClrLst meth="repeat">
+      <a:schemeClr val="dk1"/>
+    </dgm:txFillClrLst>
+    <dgm:txEffectClrLst/>
+  </dgm:styleLbl>
+  <dgm:styleLbl name="bgAcc1">
+    <dgm:fillClrLst meth="repeat">
+      <a:schemeClr val="lt1">
+        <a:alpha val="90000"/>
+      </a:schemeClr>
+    </dgm:fillClrLst>
+    <dgm:linClrLst meth="repeat">
+      <a:schemeClr val="accent1"/>
+    </dgm:linClrLst>
+    <dgm:effectClrLst/>
+    <dgm:txLinClrLst/>
+    <dgm:txFillClrLst meth="repeat">
+      <a:schemeClr val="dk1"/>
+    </dgm:txFillClrLst>
+    <dgm:txEffectClrLst/>
+  </dgm:styleLbl>
+  <dgm:styleLbl name="solidFgAcc1">
+    <dgm:fillClrLst meth="repeat">
+      <a:schemeClr val="lt1"/>
+    </dgm:fillClrLst>
+    <dgm:linClrLst meth="repeat">
+      <a:schemeClr val="accent1"/>
+    </dgm:linClrLst>
+    <dgm:effectClrLst/>
+    <dgm:txLinClrLst/>
+    <dgm:txFillClrLst meth="repeat">
+      <a:schemeClr val="dk1"/>
+    </dgm:txFillClrLst>
+    <dgm:txEffectClrLst/>
+  </dgm:styleLbl>
+  <dgm:styleLbl name="solidAlignAcc1">
+    <dgm:fillClrLst meth="repeat">
+      <a:schemeClr val="lt1"/>
+    </dgm:fillClrLst>
+    <dgm:linClrLst meth="repeat">
+      <a:schemeClr val="accent1"/>
+    </dgm:linClrLst>
+    <dgm:effectClrLst/>
+    <dgm:txLinClrLst/>
+    <dgm:txFillClrLst meth="repeat">
+      <a:schemeClr val="dk1"/>
+    </dgm:txFillClrLst>
+    <dgm:txEffectClrLst/>
+  </dgm:styleLbl>
+  <dgm:styleLbl name="solidBgAcc1">
+    <dgm:fillClrLst meth="repeat">
+      <a:schemeClr val="lt1"/>
+    </dgm:fillClrLst>
+    <dgm:linClrLst meth="repeat">
+      <a:schemeClr val="accent1"/>
+    </dgm:linClrLst>
+    <dgm:effectClrLst/>
+    <dgm:txLinClrLst/>
+    <dgm:txFillClrLst meth="repeat">
+      <a:schemeClr val="dk1"/>
+    </dgm:txFillClrLst>
+    <dgm:txEffectClrLst/>
+  </dgm:styleLbl>
+  <dgm:styleLbl name="fgAccFollowNode1">
+    <dgm:fillClrLst meth="repeat">
+      <a:schemeClr val="accent1">
+        <a:alpha val="90000"/>
+        <a:tint val="40000"/>
+      </a:schemeClr>
+    </dgm:fillClrLst>
+    <dgm:linClrLst meth="repeat">
+      <a:schemeClr val="accent1">
+        <a:alpha val="90000"/>
+        <a:tint val="40000"/>
+      </a:schemeClr>
+    </dgm:linClrLst>
+    <dgm:effectClrLst/>
+    <dgm:txLinClrLst/>
+    <dgm:txFillClrLst meth="repeat">
+      <a:schemeClr val="dk1"/>
+    </dgm:txFillClrLst>
+    <dgm:txEffectClrLst/>
+  </dgm:styleLbl>
+  <dgm:styleLbl name="alignAccFollowNode1">
+    <dgm:fillClrLst meth="repeat">
+      <a:schemeClr val="accent1">
+        <a:alpha val="90000"/>
+        <a:tint val="40000"/>
+      </a:schemeClr>
+    </dgm:fillClrLst>
+    <dgm:linClrLst meth="repeat">
+      <a:schemeClr val="accent1">
+        <a:alpha val="90000"/>
+        <a:tint val="40000"/>
+      </a:schemeClr>
+    </dgm:linClrLst>
+    <dgm:effectClrLst/>
+    <dgm:txLinClrLst/>
+    <dgm:txFillClrLst meth="repeat">
+      <a:schemeClr val="dk1"/>
+    </dgm:txFillClrLst>
+    <dgm:txEffectClrLst/>
+  </dgm:styleLbl>
+  <dgm:styleLbl name="bgAccFollowNode1">
+    <dgm:fillClrLst meth="repeat">
+      <a:schemeClr val="accent1">
+        <a:alpha val="90000"/>
+        <a:tint val="40000"/>
+      </a:schemeClr>
+    </dgm:fillClrLst>
+    <dgm:linClrLst meth="repeat">
+      <a:schemeClr val="accent1">
+        <a:alpha val="90000"/>
+        <a:tint val="40000"/>
+      </a:schemeClr>
+    </dgm:linClrLst>
+    <dgm:effectClrLst/>
+    <dgm:txLinClrLst/>
+    <dgm:txFillClrLst meth="repeat">
+      <a:schemeClr val="dk1"/>
+    </dgm:txFillClrLst>
+    <dgm:txEffectClrLst/>
+  </dgm:styleLbl>
+  <dgm:styleLbl name="fgAcc0">
+    <dgm:fillClrLst meth="repeat">
+      <a:schemeClr val="lt1">
+        <a:alpha val="90000"/>
+      </a:schemeClr>
+    </dgm:fillClrLst>
+    <dgm:linClrLst meth="repeat">
+      <a:schemeClr val="accent1"/>
+    </dgm:linClrLst>
+    <dgm:effectClrLst/>
+    <dgm:txLinClrLst/>
+    <dgm:txFillClrLst meth="repeat">
+      <a:schemeClr val="dk1"/>
+    </dgm:txFillClrLst>
+    <dgm:txEffectClrLst/>
+  </dgm:styleLbl>
+  <dgm:styleLbl name="fgAcc2">
+    <dgm:fillClrLst meth="repeat">
+      <a:schemeClr val="lt1">
+        <a:alpha val="90000"/>
+      </a:schemeClr>
+    </dgm:fillClrLst>
+    <dgm:linClrLst meth="repeat">
+      <a:schemeClr val="accent1"/>
+    </dgm:linClrLst>
+    <dgm:effectClrLst/>
+    <dgm:txLinClrLst/>
+    <dgm:txFillClrLst meth="repeat">
+      <a:schemeClr val="dk1"/>
+    </dgm:txFillClrLst>
+    <dgm:txEffectClrLst/>
+  </dgm:styleLbl>
+  <dgm:styleLbl name="fgAcc3">
+    <dgm:fillClrLst meth="repeat">
+      <a:schemeClr val="lt1">
+        <a:alpha val="90000"/>
+      </a:schemeClr>
+    </dgm:fillClrLst>
+    <dgm:linClrLst meth="repeat">
+      <a:schemeClr val="accent1"/>
+    </dgm:linClrLst>
+    <dgm:effectClrLst/>
+    <dgm:txLinClrLst/>
+    <dgm:txFillClrLst meth="repeat">
+      <a:schemeClr val="dk1"/>
+    </dgm:txFillClrLst>
+    <dgm:txEffectClrLst/>
+  </dgm:styleLbl>
+  <dgm:styleLbl name="fgAcc4">
+    <dgm:fillClrLst meth="repeat">
+      <a:schemeClr val="lt1">
+        <a:alpha val="90000"/>
+      </a:schemeClr>
+    </dgm:fillClrLst>
+    <dgm:linClrLst meth="repeat">
+      <a:schemeClr val="accent1"/>
+    </dgm:linClrLst>
+    <dgm:effectClrLst/>
+    <dgm:txLinClrLst/>
+    <dgm:txFillClrLst meth="repeat">
+      <a:schemeClr val="dk1"/>
+    </dgm:txFillClrLst>
+    <dgm:txEffectClrLst/>
+  </dgm:styleLbl>
+  <dgm:styleLbl name="bgShp">
+    <dgm:fillClrLst meth="repeat">
+      <a:schemeClr val="accent1">
+        <a:tint val="40000"/>
+      </a:schemeClr>
+    </dgm:fillClrLst>
+    <dgm:linClrLst meth="repeat">
+      <a:schemeClr val="accent1"/>
+    </dgm:linClrLst>
+    <dgm:effectClrLst/>
+    <dgm:txLinClrLst/>
+    <dgm:txFillClrLst meth="repeat">
+      <a:schemeClr val="dk1"/>
+    </dgm:txFillClrLst>
+    <dgm:txEffectClrLst/>
+  </dgm:styleLbl>
+  <dgm:styleLbl name="dkBgShp">
+    <dgm:fillClrLst meth="repeat">
+      <a:schemeClr val="accent1">
+        <a:shade val="80000"/>
+      </a:schemeClr>
+    </dgm:fillClrLst>
+    <dgm:linClrLst meth="repeat">
+      <a:schemeClr val="accent1"/>
+    </dgm:linClrLst>
+    <dgm:effectClrLst/>
+    <dgm:txLinClrLst/>
+    <dgm:txFillClrLst meth="repeat">
+      <a:schemeClr val="lt1"/>
+    </dgm:txFillClrLst>
+    <dgm:txEffectClrLst/>
+  </dgm:styleLbl>
+  <dgm:styleLbl name="trBgShp">
+    <dgm:fillClrLst meth="repeat">
+      <a:schemeClr val="accent1">
+        <a:tint val="50000"/>
+        <a:alpha val="40000"/>
+      </a:schemeClr>
+    </dgm:fillClrLst>
+    <dgm:linClrLst meth="repeat">
+      <a:schemeClr val="accent1"/>
+    </dgm:linClrLst>
+    <dgm:effectClrLst/>
+    <dgm:txLinClrLst/>
+    <dgm:txFillClrLst meth="repeat">
+      <a:schemeClr val="lt1"/>
+    </dgm:txFillClrLst>
+    <dgm:txEffectClrLst/>
+  </dgm:styleLbl>
+  <dgm:styleLbl name="fgShp">
+    <dgm:fillClrLst meth="repeat">
+      <a:schemeClr val="accent1">
+        <a:tint val="60000"/>
+      </a:schemeClr>
+    </dgm:fillClrLst>
+    <dgm:linClrLst meth="repeat">
+      <a:schemeClr val="lt1"/>
+    </dgm:linClrLst>
+    <dgm:effectClrLst/>
+    <dgm:txLinClrLst/>
+    <dgm:txFillClrLst meth="repeat">
+      <a:schemeClr val="dk1"/>
+    </dgm:txFillClrLst>
+    <dgm:txEffectClrLst/>
+  </dgm:styleLbl>
+  <dgm:styleLbl name="revTx">
+    <dgm:fillClrLst meth="repeat">
+      <a:schemeClr val="lt1">
+        <a:alpha val="0"/>
+      </a:schemeClr>
+    </dgm:fillClrLst>
+    <dgm:linClrLst meth="repeat">
+      <a:schemeClr val="dk1">
+        <a:alpha val="0"/>
+      </a:schemeClr>
+    </dgm:linClrLst>
+    <dgm:effectClrLst/>
+    <dgm:txLinClrLst/>
+    <dgm:txFillClrLst meth="repeat">
+      <a:schemeClr val="tx1"/>
+    </dgm:txFillClrLst>
+    <dgm:txEffectClrLst/>
+  </dgm:styleLbl>
+</dgm:colorsDef>
+</file>
+
+<file path=ppt/diagrams/data1.xml><?xml version="1.0" encoding="utf-8"?>
+<dgm:dataModel xmlns:dgm="http://schemas.openxmlformats.org/drawingml/2006/diagram" xmlns:a="http://schemas.openxmlformats.org/drawingml/2006/main">
+  <dgm:ptLst>
+    <dgm:pt modelId="{AB698A50-665E-4178-AB8A-47D140CAB2FF}" type="doc">
+      <dgm:prSet loTypeId="urn:microsoft.com/office/officeart/2005/8/layout/hList1" loCatId="list" qsTypeId="urn:microsoft.com/office/officeart/2005/8/quickstyle/simple1" qsCatId="simple" csTypeId="urn:microsoft.com/office/officeart/2005/8/colors/accent1_2" csCatId="accent1" phldr="1"/>
+      <dgm:spPr/>
+      <dgm:t>
+        <a:bodyPr/>
+        <a:lstStyle/>
+        <a:p>
+          <a:endParaRPr lang="zh-TW" altLang="en-US"/>
+        </a:p>
+      </dgm:t>
+    </dgm:pt>
+    <dgm:pt modelId="{8FBAAD78-E988-4C8D-9864-328B9B91ACED}">
+      <dgm:prSet phldrT="[文字]"/>
+      <dgm:spPr/>
+      <dgm:t>
+        <a:bodyPr/>
+        <a:lstStyle/>
+        <a:p>
+          <a:r>
+            <a:rPr lang="en-US" altLang="zh-TW" dirty="0" smtClean="0"/>
+            <a:t>Client</a:t>
+          </a:r>
+          <a:endParaRPr lang="zh-TW" altLang="en-US" dirty="0"/>
+        </a:p>
+      </dgm:t>
+    </dgm:pt>
+    <dgm:pt modelId="{63366CF2-5184-42E1-A272-9CEFF5C24AD6}" type="parTrans" cxnId="{1EE7C740-61BF-4509-B36D-B4919A350E13}">
+      <dgm:prSet/>
+      <dgm:spPr/>
+      <dgm:t>
+        <a:bodyPr/>
+        <a:lstStyle/>
+        <a:p>
+          <a:endParaRPr lang="zh-TW" altLang="en-US"/>
+        </a:p>
+      </dgm:t>
+    </dgm:pt>
+    <dgm:pt modelId="{B02F1293-5AF4-4042-9098-017FDCFBA6E5}" type="sibTrans" cxnId="{1EE7C740-61BF-4509-B36D-B4919A350E13}">
+      <dgm:prSet/>
+      <dgm:spPr/>
+      <dgm:t>
+        <a:bodyPr/>
+        <a:lstStyle/>
+        <a:p>
+          <a:endParaRPr lang="zh-TW" altLang="en-US"/>
+        </a:p>
+      </dgm:t>
+    </dgm:pt>
+    <dgm:pt modelId="{C44124C2-95FA-42FA-AA35-349D75C71768}">
+      <dgm:prSet phldrT="[文字]" custT="1"/>
+      <dgm:spPr/>
+      <dgm:t>
+        <a:bodyPr/>
+        <a:lstStyle/>
+        <a:p>
+          <a:r>
+            <a:rPr lang="en-US" altLang="zh-TW" sz="3200" dirty="0" smtClean="0"/>
+            <a:t>HTML5</a:t>
+          </a:r>
+          <a:endParaRPr lang="zh-TW" altLang="en-US" sz="3200" dirty="0"/>
+        </a:p>
+      </dgm:t>
+    </dgm:pt>
+    <dgm:pt modelId="{5D402DB2-35F4-4B9E-9CDF-554752638135}" type="parTrans" cxnId="{C90FFF5E-BC90-4D64-8E2D-AB22AA330848}">
+      <dgm:prSet/>
+      <dgm:spPr/>
+      <dgm:t>
+        <a:bodyPr/>
+        <a:lstStyle/>
+        <a:p>
+          <a:endParaRPr lang="zh-TW" altLang="en-US"/>
+        </a:p>
+      </dgm:t>
+    </dgm:pt>
+    <dgm:pt modelId="{7E13F29D-6ADF-4124-AABD-BBC2F19FB740}" type="sibTrans" cxnId="{C90FFF5E-BC90-4D64-8E2D-AB22AA330848}">
+      <dgm:prSet/>
+      <dgm:spPr/>
+      <dgm:t>
+        <a:bodyPr/>
+        <a:lstStyle/>
+        <a:p>
+          <a:endParaRPr lang="zh-TW" altLang="en-US"/>
+        </a:p>
+      </dgm:t>
+    </dgm:pt>
+    <dgm:pt modelId="{F8A0B711-52E2-4DE3-8CF4-23E74088D9CB}">
+      <dgm:prSet phldrT="[文字]" custT="1"/>
+      <dgm:spPr/>
+      <dgm:t>
+        <a:bodyPr/>
+        <a:lstStyle/>
+        <a:p>
+          <a:r>
+            <a:rPr lang="en-US" altLang="zh-TW" sz="3200" dirty="0" smtClean="0"/>
+            <a:t>CSS3</a:t>
+          </a:r>
+          <a:endParaRPr lang="zh-TW" altLang="en-US" sz="3200" dirty="0"/>
+        </a:p>
+      </dgm:t>
+    </dgm:pt>
+    <dgm:pt modelId="{787DC713-C42E-437D-918C-025ABCEF2F51}" type="parTrans" cxnId="{F22DBA15-4207-410F-BB40-B69C6521006C}">
+      <dgm:prSet/>
+      <dgm:spPr/>
+      <dgm:t>
+        <a:bodyPr/>
+        <a:lstStyle/>
+        <a:p>
+          <a:endParaRPr lang="zh-TW" altLang="en-US"/>
+        </a:p>
+      </dgm:t>
+    </dgm:pt>
+    <dgm:pt modelId="{E98F2866-2848-42D7-A615-F1B4266044A0}" type="sibTrans" cxnId="{F22DBA15-4207-410F-BB40-B69C6521006C}">
+      <dgm:prSet/>
+      <dgm:spPr/>
+      <dgm:t>
+        <a:bodyPr/>
+        <a:lstStyle/>
+        <a:p>
+          <a:endParaRPr lang="zh-TW" altLang="en-US"/>
+        </a:p>
+      </dgm:t>
+    </dgm:pt>
+    <dgm:pt modelId="{F8C10FD7-E254-4AFF-A982-BABFE085F7D4}">
+      <dgm:prSet phldrT="[文字]"/>
+      <dgm:spPr/>
+      <dgm:t>
+        <a:bodyPr/>
+        <a:lstStyle/>
+        <a:p>
+          <a:r>
+            <a:rPr lang="en-US" altLang="zh-TW" dirty="0" smtClean="0"/>
+            <a:t>Server</a:t>
+          </a:r>
+          <a:endParaRPr lang="zh-TW" altLang="en-US" dirty="0"/>
+        </a:p>
+      </dgm:t>
+    </dgm:pt>
+    <dgm:pt modelId="{76237B24-AE62-44CA-8B77-14C24F7E2318}" type="parTrans" cxnId="{8B8DA2A1-257B-4E8A-A950-A4058E019E9A}">
+      <dgm:prSet/>
+      <dgm:spPr/>
+      <dgm:t>
+        <a:bodyPr/>
+        <a:lstStyle/>
+        <a:p>
+          <a:endParaRPr lang="zh-TW" altLang="en-US"/>
+        </a:p>
+      </dgm:t>
+    </dgm:pt>
+    <dgm:pt modelId="{E18BB3B4-FCE9-4F4C-95B2-686FB2634D7A}" type="sibTrans" cxnId="{8B8DA2A1-257B-4E8A-A950-A4058E019E9A}">
+      <dgm:prSet/>
+      <dgm:spPr/>
+      <dgm:t>
+        <a:bodyPr/>
+        <a:lstStyle/>
+        <a:p>
+          <a:endParaRPr lang="zh-TW" altLang="en-US"/>
+        </a:p>
+      </dgm:t>
+    </dgm:pt>
+    <dgm:pt modelId="{395D26FE-342F-487A-ADA4-AA4154859C02}">
+      <dgm:prSet phldrT="[文字]" custT="1"/>
+      <dgm:spPr/>
+      <dgm:t>
+        <a:bodyPr/>
+        <a:lstStyle/>
+        <a:p>
+          <a:r>
+            <a:rPr lang="en-US" altLang="zh-TW" sz="3200" dirty="0" smtClean="0"/>
+            <a:t>JDK</a:t>
+          </a:r>
+          <a:endParaRPr lang="zh-TW" altLang="en-US" sz="3200" dirty="0"/>
+        </a:p>
+      </dgm:t>
+    </dgm:pt>
+    <dgm:pt modelId="{82CD440F-AE95-450E-BB10-2CEAD3FCCEF7}" type="parTrans" cxnId="{063FBFB6-5D80-43BF-9316-B8143F9BD2EA}">
+      <dgm:prSet/>
+      <dgm:spPr/>
+      <dgm:t>
+        <a:bodyPr/>
+        <a:lstStyle/>
+        <a:p>
+          <a:endParaRPr lang="zh-TW" altLang="en-US"/>
+        </a:p>
+      </dgm:t>
+    </dgm:pt>
+    <dgm:pt modelId="{DBE9C501-BD98-46C7-AE4E-909E6F28DF62}" type="sibTrans" cxnId="{063FBFB6-5D80-43BF-9316-B8143F9BD2EA}">
+      <dgm:prSet/>
+      <dgm:spPr/>
+      <dgm:t>
+        <a:bodyPr/>
+        <a:lstStyle/>
+        <a:p>
+          <a:endParaRPr lang="zh-TW" altLang="en-US"/>
+        </a:p>
+      </dgm:t>
+    </dgm:pt>
+    <dgm:pt modelId="{5EC30141-15D2-489E-87E3-1D99F2306AE3}">
+      <dgm:prSet phldrT="[文字]" custT="1"/>
+      <dgm:spPr/>
+      <dgm:t>
+        <a:bodyPr/>
+        <a:lstStyle/>
+        <a:p>
+          <a:r>
+            <a:rPr lang="en-US" altLang="zh-TW" sz="3200" dirty="0" err="1" smtClean="0"/>
+            <a:t>MySQL</a:t>
+          </a:r>
+          <a:endParaRPr lang="zh-TW" altLang="en-US" sz="3200" dirty="0"/>
+        </a:p>
+      </dgm:t>
+    </dgm:pt>
+    <dgm:pt modelId="{98AAF1F6-4AE2-445A-A7C8-148F7707EDCA}" type="parTrans" cxnId="{D35BD593-F999-4EEE-A861-D810586C3322}">
+      <dgm:prSet/>
+      <dgm:spPr/>
+      <dgm:t>
+        <a:bodyPr/>
+        <a:lstStyle/>
+        <a:p>
+          <a:endParaRPr lang="zh-TW" altLang="en-US"/>
+        </a:p>
+      </dgm:t>
+    </dgm:pt>
+    <dgm:pt modelId="{2D6A68EC-3ACF-4B56-82F4-89F4236915E2}" type="sibTrans" cxnId="{D35BD593-F999-4EEE-A861-D810586C3322}">
+      <dgm:prSet/>
+      <dgm:spPr/>
+      <dgm:t>
+        <a:bodyPr/>
+        <a:lstStyle/>
+        <a:p>
+          <a:endParaRPr lang="zh-TW" altLang="en-US"/>
+        </a:p>
+      </dgm:t>
+    </dgm:pt>
+    <dgm:pt modelId="{083F7AC3-65A5-4392-9373-9138FF937BD5}">
+      <dgm:prSet phldrT="[文字]"/>
+      <dgm:spPr/>
+      <dgm:t>
+        <a:bodyPr/>
+        <a:lstStyle/>
+        <a:p>
+          <a:r>
+            <a:rPr lang="en-US" altLang="zh-TW" dirty="0" smtClean="0"/>
+            <a:t>Developer Tools</a:t>
+          </a:r>
+          <a:endParaRPr lang="zh-TW" altLang="en-US" dirty="0"/>
+        </a:p>
+      </dgm:t>
+    </dgm:pt>
+    <dgm:pt modelId="{6FF2BDA4-8516-45A4-A186-2F56587B834C}" type="parTrans" cxnId="{8501A141-0EF5-44DF-9266-605EC9D2D700}">
+      <dgm:prSet/>
+      <dgm:spPr/>
+      <dgm:t>
+        <a:bodyPr/>
+        <a:lstStyle/>
+        <a:p>
+          <a:endParaRPr lang="zh-TW" altLang="en-US"/>
+        </a:p>
+      </dgm:t>
+    </dgm:pt>
+    <dgm:pt modelId="{41CCF7A0-1B32-485B-82CF-262F7435D81C}" type="sibTrans" cxnId="{8501A141-0EF5-44DF-9266-605EC9D2D700}">
+      <dgm:prSet/>
+      <dgm:spPr/>
+      <dgm:t>
+        <a:bodyPr/>
+        <a:lstStyle/>
+        <a:p>
+          <a:endParaRPr lang="zh-TW" altLang="en-US"/>
+        </a:p>
+      </dgm:t>
+    </dgm:pt>
+    <dgm:pt modelId="{E667E400-FE8F-4849-9150-4A89B188607C}">
+      <dgm:prSet phldrT="[文字]" custT="1"/>
+      <dgm:spPr/>
+      <dgm:t>
+        <a:bodyPr/>
+        <a:lstStyle/>
+        <a:p>
+          <a:r>
+            <a:rPr lang="en-US" altLang="zh-TW" sz="3200" dirty="0" err="1" smtClean="0"/>
+            <a:t>NetBeans</a:t>
+          </a:r>
+          <a:endParaRPr lang="zh-TW" altLang="en-US" sz="3200" dirty="0"/>
+        </a:p>
+      </dgm:t>
+    </dgm:pt>
+    <dgm:pt modelId="{05DA4D02-A254-4EEC-93B4-1CF8FFEA51E0}" type="parTrans" cxnId="{DC4E8734-A38D-4270-B1A6-2742D63EBEE0}">
+      <dgm:prSet/>
+      <dgm:spPr/>
+      <dgm:t>
+        <a:bodyPr/>
+        <a:lstStyle/>
+        <a:p>
+          <a:endParaRPr lang="zh-TW" altLang="en-US"/>
+        </a:p>
+      </dgm:t>
+    </dgm:pt>
+    <dgm:pt modelId="{D1279CA7-4BF8-4DCC-8809-5B1E87D54BEB}" type="sibTrans" cxnId="{DC4E8734-A38D-4270-B1A6-2742D63EBEE0}">
+      <dgm:prSet/>
+      <dgm:spPr/>
+      <dgm:t>
+        <a:bodyPr/>
+        <a:lstStyle/>
+        <a:p>
+          <a:endParaRPr lang="zh-TW" altLang="en-US"/>
+        </a:p>
+      </dgm:t>
+    </dgm:pt>
+    <dgm:pt modelId="{0C2ADC60-BB94-4866-91EC-2CE2ED2198B2}">
+      <dgm:prSet phldrT="[文字]" custT="1"/>
+      <dgm:spPr/>
+      <dgm:t>
+        <a:bodyPr/>
+        <a:lstStyle/>
+        <a:p>
+          <a:r>
+            <a:rPr lang="en-US" altLang="zh-TW" sz="3200" dirty="0" err="1" smtClean="0"/>
+            <a:t>GitHubs</a:t>
+          </a:r>
+          <a:endParaRPr lang="zh-TW" altLang="en-US" sz="3200" dirty="0"/>
+        </a:p>
+      </dgm:t>
+    </dgm:pt>
+    <dgm:pt modelId="{7890BAAD-E71C-407B-9942-BFC5B99C655A}" type="parTrans" cxnId="{BC36807D-AD19-4C7D-896F-058BDA938BA1}">
+      <dgm:prSet/>
+      <dgm:spPr/>
+      <dgm:t>
+        <a:bodyPr/>
+        <a:lstStyle/>
+        <a:p>
+          <a:endParaRPr lang="zh-TW" altLang="en-US"/>
+        </a:p>
+      </dgm:t>
+    </dgm:pt>
+    <dgm:pt modelId="{AD2ACCF7-C023-41A8-A43D-C2CC9FB756D0}" type="sibTrans" cxnId="{BC36807D-AD19-4C7D-896F-058BDA938BA1}">
+      <dgm:prSet/>
+      <dgm:spPr/>
+      <dgm:t>
+        <a:bodyPr/>
+        <a:lstStyle/>
+        <a:p>
+          <a:endParaRPr lang="zh-TW" altLang="en-US"/>
+        </a:p>
+      </dgm:t>
+    </dgm:pt>
+    <dgm:pt modelId="{A150236D-2139-4292-9A36-2FCDF0AFB94A}">
+      <dgm:prSet phldrT="[文字]" custT="1"/>
+      <dgm:spPr/>
+      <dgm:t>
+        <a:bodyPr/>
+        <a:lstStyle/>
+        <a:p>
+          <a:r>
+            <a:rPr lang="en-US" altLang="zh-TW" sz="3200" dirty="0" smtClean="0"/>
+            <a:t>JavaScript</a:t>
+          </a:r>
+          <a:endParaRPr lang="zh-TW" altLang="en-US" sz="3200" dirty="0"/>
+        </a:p>
+      </dgm:t>
+    </dgm:pt>
+    <dgm:pt modelId="{53EDF6FF-7435-4CFF-A24E-A51F9D706A6E}" type="parTrans" cxnId="{6087C1C9-17A0-4DEF-A77F-2F49C1D55176}">
+      <dgm:prSet/>
+      <dgm:spPr/>
+      <dgm:t>
+        <a:bodyPr/>
+        <a:lstStyle/>
+        <a:p>
+          <a:endParaRPr lang="zh-TW" altLang="en-US"/>
+        </a:p>
+      </dgm:t>
+    </dgm:pt>
+    <dgm:pt modelId="{DBFBB943-51BB-49F9-8FEA-3B495DCF02E8}" type="sibTrans" cxnId="{6087C1C9-17A0-4DEF-A77F-2F49C1D55176}">
+      <dgm:prSet/>
+      <dgm:spPr/>
+      <dgm:t>
+        <a:bodyPr/>
+        <a:lstStyle/>
+        <a:p>
+          <a:endParaRPr lang="zh-TW" altLang="en-US"/>
+        </a:p>
+      </dgm:t>
+    </dgm:pt>
+    <dgm:pt modelId="{19E37A8F-B38C-4B6F-A44E-15290C639A69}">
+      <dgm:prSet phldrT="[文字]" custT="1"/>
+      <dgm:spPr/>
+      <dgm:t>
+        <a:bodyPr/>
+        <a:lstStyle/>
+        <a:p>
+          <a:r>
+            <a:rPr lang="en-US" altLang="zh-TW" sz="3200" dirty="0" err="1" smtClean="0"/>
+            <a:t>JQuery</a:t>
+          </a:r>
+          <a:endParaRPr lang="zh-TW" altLang="en-US" sz="3200" dirty="0"/>
+        </a:p>
+      </dgm:t>
+    </dgm:pt>
+    <dgm:pt modelId="{9F02B944-9218-45C2-9C1C-4E57FBF653E1}" type="parTrans" cxnId="{5B867E8F-39C3-4BCB-9AD1-D029D86BACF3}">
+      <dgm:prSet/>
+      <dgm:spPr/>
+      <dgm:t>
+        <a:bodyPr/>
+        <a:lstStyle/>
+        <a:p>
+          <a:endParaRPr lang="zh-TW" altLang="en-US"/>
+        </a:p>
+      </dgm:t>
+    </dgm:pt>
+    <dgm:pt modelId="{32C32F39-BCB6-4F6E-B794-2AAF97BFAE50}" type="sibTrans" cxnId="{5B867E8F-39C3-4BCB-9AD1-D029D86BACF3}">
+      <dgm:prSet/>
+      <dgm:spPr/>
+      <dgm:t>
+        <a:bodyPr/>
+        <a:lstStyle/>
+        <a:p>
+          <a:endParaRPr lang="zh-TW" altLang="en-US"/>
+        </a:p>
+      </dgm:t>
+    </dgm:pt>
+    <dgm:pt modelId="{5B793D32-ADB6-4775-8580-9F47A4DB85D5}">
+      <dgm:prSet phldrT="[文字]" custT="1"/>
+      <dgm:spPr/>
+      <dgm:t>
+        <a:bodyPr/>
+        <a:lstStyle/>
+        <a:p>
+          <a:r>
+            <a:rPr lang="en-US" altLang="zh-TW" sz="3200" dirty="0" err="1" smtClean="0"/>
+            <a:t>JavaMail</a:t>
+          </a:r>
+          <a:endParaRPr lang="zh-TW" altLang="en-US" sz="3200" dirty="0"/>
+        </a:p>
+      </dgm:t>
+    </dgm:pt>
+    <dgm:pt modelId="{0169E46E-5C43-4CB8-807A-A0D5032BD40D}" type="parTrans" cxnId="{7678E2F1-7B53-4B9C-B327-7420838F8A20}">
+      <dgm:prSet/>
+      <dgm:spPr/>
+      <dgm:t>
+        <a:bodyPr/>
+        <a:lstStyle/>
+        <a:p>
+          <a:endParaRPr lang="zh-TW" altLang="en-US"/>
+        </a:p>
+      </dgm:t>
+    </dgm:pt>
+    <dgm:pt modelId="{82B45D2C-72AD-4247-9131-9B190C41AA12}" type="sibTrans" cxnId="{7678E2F1-7B53-4B9C-B327-7420838F8A20}">
+      <dgm:prSet/>
+      <dgm:spPr/>
+      <dgm:t>
+        <a:bodyPr/>
+        <a:lstStyle/>
+        <a:p>
+          <a:endParaRPr lang="zh-TW" altLang="en-US"/>
+        </a:p>
+      </dgm:t>
+    </dgm:pt>
+    <dgm:pt modelId="{AB66B9BE-BF51-47BE-A612-3BE94896F06E}">
+      <dgm:prSet phldrT="[文字]" custT="1"/>
+      <dgm:spPr/>
+      <dgm:t>
+        <a:bodyPr/>
+        <a:lstStyle/>
+        <a:p>
+          <a:r>
+            <a:rPr lang="en-US" altLang="zh-TW" sz="3200" dirty="0" smtClean="0"/>
+            <a:t>Tomcat 8.X</a:t>
+          </a:r>
+          <a:endParaRPr lang="zh-TW" altLang="en-US" sz="3200" dirty="0"/>
+        </a:p>
+      </dgm:t>
+    </dgm:pt>
+    <dgm:pt modelId="{27DEA1D8-7D34-4BF3-A089-A7CF977B1981}" type="parTrans" cxnId="{4578431B-70D7-43D4-BBF6-BDEB3C83795D}">
+      <dgm:prSet/>
+      <dgm:spPr/>
+      <dgm:t>
+        <a:bodyPr/>
+        <a:lstStyle/>
+        <a:p>
+          <a:endParaRPr lang="zh-TW" altLang="en-US"/>
+        </a:p>
+      </dgm:t>
+    </dgm:pt>
+    <dgm:pt modelId="{B66F7415-53C9-465A-A693-A0358D1559AC}" type="sibTrans" cxnId="{4578431B-70D7-43D4-BBF6-BDEB3C83795D}">
+      <dgm:prSet/>
+      <dgm:spPr/>
+      <dgm:t>
+        <a:bodyPr/>
+        <a:lstStyle/>
+        <a:p>
+          <a:endParaRPr lang="zh-TW" altLang="en-US"/>
+        </a:p>
+      </dgm:t>
+    </dgm:pt>
+    <dgm:pt modelId="{1F4A4EC4-792E-4990-9FD7-38A02909BAB6}">
+      <dgm:prSet phldrT="[文字]" custT="1"/>
+      <dgm:spPr/>
+      <dgm:t>
+        <a:bodyPr/>
+        <a:lstStyle/>
+        <a:p>
+          <a:r>
+            <a:rPr lang="en-US" altLang="zh-TW" sz="3200" dirty="0" err="1" smtClean="0"/>
+            <a:t>Servlet</a:t>
+          </a:r>
+          <a:r>
+            <a:rPr lang="en-US" altLang="zh-TW" sz="3200" dirty="0" smtClean="0"/>
+            <a:t> 3.X</a:t>
+          </a:r>
+          <a:endParaRPr lang="zh-TW" altLang="en-US" sz="3200" dirty="0"/>
+        </a:p>
+      </dgm:t>
+    </dgm:pt>
+    <dgm:pt modelId="{161E20F0-795C-4206-A495-4C0930529515}" type="parTrans" cxnId="{39F189D2-B59D-4073-A069-3E866B2B5812}">
+      <dgm:prSet/>
+      <dgm:spPr/>
+      <dgm:t>
+        <a:bodyPr/>
+        <a:lstStyle/>
+        <a:p>
+          <a:endParaRPr lang="zh-TW" altLang="en-US"/>
+        </a:p>
+      </dgm:t>
+    </dgm:pt>
+    <dgm:pt modelId="{5A035004-8424-4804-A119-31C1DE85B3A9}" type="sibTrans" cxnId="{39F189D2-B59D-4073-A069-3E866B2B5812}">
+      <dgm:prSet/>
+      <dgm:spPr/>
+      <dgm:t>
+        <a:bodyPr/>
+        <a:lstStyle/>
+        <a:p>
+          <a:endParaRPr lang="zh-TW" altLang="en-US"/>
+        </a:p>
+      </dgm:t>
+    </dgm:pt>
+    <dgm:pt modelId="{FE7F276A-AB35-484B-B489-DF332C3A339F}">
+      <dgm:prSet phldrT="[文字]" custT="1"/>
+      <dgm:spPr/>
+      <dgm:t>
+        <a:bodyPr/>
+        <a:lstStyle/>
+        <a:p>
+          <a:r>
+            <a:rPr lang="en-US" altLang="zh-TW" sz="3200" dirty="0" smtClean="0"/>
+            <a:t>JSP 2.X</a:t>
+          </a:r>
+          <a:endParaRPr lang="zh-TW" altLang="en-US" sz="3200" dirty="0"/>
+        </a:p>
+      </dgm:t>
+    </dgm:pt>
+    <dgm:pt modelId="{50E4BF02-9CFE-49A8-A173-0CD4225DDC19}" type="parTrans" cxnId="{B09CC504-D4CD-451E-824B-5782157B506B}">
+      <dgm:prSet/>
+      <dgm:spPr/>
+      <dgm:t>
+        <a:bodyPr/>
+        <a:lstStyle/>
+        <a:p>
+          <a:endParaRPr lang="zh-TW" altLang="en-US"/>
+        </a:p>
+      </dgm:t>
+    </dgm:pt>
+    <dgm:pt modelId="{798033EB-11F7-4FD7-A65F-3C3F3AF53B13}" type="sibTrans" cxnId="{B09CC504-D4CD-451E-824B-5782157B506B}">
+      <dgm:prSet/>
+      <dgm:spPr/>
+      <dgm:t>
+        <a:bodyPr/>
+        <a:lstStyle/>
+        <a:p>
+          <a:endParaRPr lang="zh-TW" altLang="en-US"/>
+        </a:p>
+      </dgm:t>
+    </dgm:pt>
+    <dgm:pt modelId="{0385C40B-4E49-4718-AD1F-60699FC19C64}">
+      <dgm:prSet phldrT="[文字]" custT="1"/>
+      <dgm:spPr/>
+      <dgm:t>
+        <a:bodyPr/>
+        <a:lstStyle/>
+        <a:p>
+          <a:r>
+            <a:rPr lang="en-US" altLang="zh-TW" sz="3200" dirty="0" smtClean="0"/>
+            <a:t>Notepad++</a:t>
+          </a:r>
+          <a:endParaRPr lang="zh-TW" altLang="en-US" sz="3200" dirty="0"/>
+        </a:p>
+      </dgm:t>
+    </dgm:pt>
+    <dgm:pt modelId="{A32F4E5D-8686-4004-A68B-DD48E38E41EA}" type="parTrans" cxnId="{8995382F-554A-4B2F-A068-ECE89B42E8FD}">
+      <dgm:prSet/>
+      <dgm:spPr/>
+      <dgm:t>
+        <a:bodyPr/>
+        <a:lstStyle/>
+        <a:p>
+          <a:endParaRPr lang="zh-TW" altLang="en-US"/>
+        </a:p>
+      </dgm:t>
+    </dgm:pt>
+    <dgm:pt modelId="{D150301B-B36A-4A58-A441-5ACE29AF3514}" type="sibTrans" cxnId="{8995382F-554A-4B2F-A068-ECE89B42E8FD}">
+      <dgm:prSet/>
+      <dgm:spPr/>
+      <dgm:t>
+        <a:bodyPr/>
+        <a:lstStyle/>
+        <a:p>
+          <a:endParaRPr lang="zh-TW" altLang="en-US"/>
+        </a:p>
+      </dgm:t>
+    </dgm:pt>
+    <dgm:pt modelId="{49CC5307-C4B2-4F1C-922E-95C84BE64D3F}">
+      <dgm:prSet phldrT="[文字]" custT="1"/>
+      <dgm:spPr/>
+      <dgm:t>
+        <a:bodyPr/>
+        <a:lstStyle/>
+        <a:p>
+          <a:r>
+            <a:rPr lang="en-US" altLang="zh-TW" sz="3200" dirty="0" err="1" smtClean="0"/>
+            <a:t>PhotoShop</a:t>
+          </a:r>
+          <a:endParaRPr lang="zh-TW" altLang="en-US" sz="3200" dirty="0"/>
+        </a:p>
+      </dgm:t>
+    </dgm:pt>
+    <dgm:pt modelId="{6D3DDD1D-93B9-41DE-899A-6C87837D836E}" type="parTrans" cxnId="{80B7EA35-A0B3-4F3D-89DB-04437AE80812}">
+      <dgm:prSet/>
+      <dgm:spPr/>
+      <dgm:t>
+        <a:bodyPr/>
+        <a:lstStyle/>
+        <a:p>
+          <a:endParaRPr lang="zh-TW" altLang="en-US"/>
+        </a:p>
+      </dgm:t>
+    </dgm:pt>
+    <dgm:pt modelId="{DFA2AE3D-7BB6-4076-AEA3-882D7FDA6007}" type="sibTrans" cxnId="{80B7EA35-A0B3-4F3D-89DB-04437AE80812}">
+      <dgm:prSet/>
+      <dgm:spPr/>
+      <dgm:t>
+        <a:bodyPr/>
+        <a:lstStyle/>
+        <a:p>
+          <a:endParaRPr lang="zh-TW" altLang="en-US"/>
+        </a:p>
+      </dgm:t>
+    </dgm:pt>
+    <dgm:pt modelId="{CB878E19-E1DF-4EBC-A209-FC60BA78ED93}">
+      <dgm:prSet phldrT="[文字]" custT="1"/>
+      <dgm:spPr/>
+      <dgm:t>
+        <a:bodyPr/>
+        <a:lstStyle/>
+        <a:p>
+          <a:r>
+            <a:rPr lang="en-US" altLang="zh-TW" sz="3200" dirty="0" err="1" smtClean="0"/>
+            <a:t>TeamViewer</a:t>
+          </a:r>
+          <a:endParaRPr lang="zh-TW" altLang="en-US" sz="3200" dirty="0"/>
+        </a:p>
+      </dgm:t>
+    </dgm:pt>
+    <dgm:pt modelId="{DD9EA74E-CFE9-4438-95FA-BA99E01D9C69}" type="parTrans" cxnId="{88ECE59D-E6B8-4D72-BB7B-53736D385067}">
+      <dgm:prSet/>
+      <dgm:spPr/>
+      <dgm:t>
+        <a:bodyPr/>
+        <a:lstStyle/>
+        <a:p>
+          <a:endParaRPr lang="zh-TW" altLang="en-US"/>
+        </a:p>
+      </dgm:t>
+    </dgm:pt>
+    <dgm:pt modelId="{71621B82-3700-42DC-AC23-5D6B435A2770}" type="sibTrans" cxnId="{88ECE59D-E6B8-4D72-BB7B-53736D385067}">
+      <dgm:prSet/>
+      <dgm:spPr/>
+      <dgm:t>
+        <a:bodyPr/>
+        <a:lstStyle/>
+        <a:p>
+          <a:endParaRPr lang="zh-TW" altLang="en-US"/>
+        </a:p>
+      </dgm:t>
+    </dgm:pt>
+    <dgm:pt modelId="{9D42B3DD-C62E-4676-870D-A20B2D12019E}">
+      <dgm:prSet phldrT="[文字]" custT="1"/>
+      <dgm:spPr/>
+      <dgm:t>
+        <a:bodyPr/>
+        <a:lstStyle/>
+        <a:p>
+          <a:r>
+            <a:rPr lang="en-US" altLang="zh-TW" sz="3200" dirty="0" smtClean="0"/>
+            <a:t>JUDE</a:t>
+          </a:r>
+          <a:endParaRPr lang="zh-TW" altLang="en-US" sz="3200" dirty="0"/>
+        </a:p>
+      </dgm:t>
+    </dgm:pt>
+    <dgm:pt modelId="{BD4F5FF5-1386-412C-9979-97801A8BF76F}" type="parTrans" cxnId="{D133E937-CA62-4AD3-B656-A1FCAC50253A}">
+      <dgm:prSet/>
+      <dgm:spPr/>
+      <dgm:t>
+        <a:bodyPr/>
+        <a:lstStyle/>
+        <a:p>
+          <a:endParaRPr lang="zh-TW" altLang="en-US"/>
+        </a:p>
+      </dgm:t>
+    </dgm:pt>
+    <dgm:pt modelId="{3EF892BB-E8B7-4499-B6EB-E63CD20A5783}" type="sibTrans" cxnId="{D133E937-CA62-4AD3-B656-A1FCAC50253A}">
+      <dgm:prSet/>
+      <dgm:spPr/>
+      <dgm:t>
+        <a:bodyPr/>
+        <a:lstStyle/>
+        <a:p>
+          <a:endParaRPr lang="zh-TW" altLang="en-US"/>
+        </a:p>
+      </dgm:t>
+    </dgm:pt>
+    <dgm:pt modelId="{959E4AE4-6F26-40DD-BDFE-79CC1381B4D3}">
+      <dgm:prSet phldrT="[文字]" custT="1"/>
+      <dgm:spPr/>
+      <dgm:t>
+        <a:bodyPr/>
+        <a:lstStyle/>
+        <a:p>
+          <a:r>
+            <a:rPr lang="en-US" altLang="zh-TW" sz="3200" dirty="0" smtClean="0"/>
+            <a:t>Free Mind</a:t>
+          </a:r>
+          <a:endParaRPr lang="zh-TW" altLang="en-US" sz="3200" dirty="0"/>
+        </a:p>
+      </dgm:t>
+    </dgm:pt>
+    <dgm:pt modelId="{27FB158F-0C30-48BC-9BE0-9BD588271DF9}" type="parTrans" cxnId="{60854834-CCED-42B5-B97B-EBA73BFFCD4C}">
+      <dgm:prSet/>
+      <dgm:spPr/>
+      <dgm:t>
+        <a:bodyPr/>
+        <a:lstStyle/>
+        <a:p>
+          <a:endParaRPr lang="zh-TW" altLang="en-US"/>
+        </a:p>
+      </dgm:t>
+    </dgm:pt>
+    <dgm:pt modelId="{C309FE9C-CEA2-4B42-8D21-C26A1B9DDD24}" type="sibTrans" cxnId="{60854834-CCED-42B5-B97B-EBA73BFFCD4C}">
+      <dgm:prSet/>
+      <dgm:spPr/>
+      <dgm:t>
+        <a:bodyPr/>
+        <a:lstStyle/>
+        <a:p>
+          <a:endParaRPr lang="zh-TW" altLang="en-US"/>
+        </a:p>
+      </dgm:t>
+    </dgm:pt>
+    <dgm:pt modelId="{C6994C09-E26F-4346-8AF1-E309E17EB794}" type="pres">
+      <dgm:prSet presAssocID="{AB698A50-665E-4178-AB8A-47D140CAB2FF}" presName="Name0" presStyleCnt="0">
+        <dgm:presLayoutVars>
+          <dgm:dir/>
+          <dgm:animLvl val="lvl"/>
+          <dgm:resizeHandles val="exact"/>
+        </dgm:presLayoutVars>
+      </dgm:prSet>
+      <dgm:spPr/>
+    </dgm:pt>
+    <dgm:pt modelId="{A843E040-918B-41DE-B55C-A1D9CA5E07BA}" type="pres">
+      <dgm:prSet presAssocID="{8FBAAD78-E988-4C8D-9864-328B9B91ACED}" presName="composite" presStyleCnt="0"/>
+      <dgm:spPr/>
+    </dgm:pt>
+    <dgm:pt modelId="{F5774E87-E1DC-4870-A387-2CF0F947A17D}" type="pres">
+      <dgm:prSet presAssocID="{8FBAAD78-E988-4C8D-9864-328B9B91ACED}" presName="parTx" presStyleLbl="alignNode1" presStyleIdx="0" presStyleCnt="3">
+        <dgm:presLayoutVars>
+          <dgm:chMax val="0"/>
+          <dgm:chPref val="0"/>
+          <dgm:bulletEnabled val="1"/>
+        </dgm:presLayoutVars>
+      </dgm:prSet>
+      <dgm:spPr/>
+      <dgm:t>
+        <a:bodyPr/>
+        <a:lstStyle/>
+        <a:p>
+          <a:endParaRPr lang="zh-TW" altLang="en-US"/>
+        </a:p>
+      </dgm:t>
+    </dgm:pt>
+    <dgm:pt modelId="{6498C4BF-2B9C-4D46-B5EF-A70350E550FC}" type="pres">
+      <dgm:prSet presAssocID="{8FBAAD78-E988-4C8D-9864-328B9B91ACED}" presName="desTx" presStyleLbl="alignAccFollowNode1" presStyleIdx="0" presStyleCnt="3">
+        <dgm:presLayoutVars>
+          <dgm:bulletEnabled val="1"/>
+        </dgm:presLayoutVars>
+      </dgm:prSet>
+      <dgm:spPr/>
+      <dgm:t>
+        <a:bodyPr/>
+        <a:lstStyle/>
+        <a:p>
+          <a:endParaRPr lang="zh-TW" altLang="en-US"/>
+        </a:p>
+      </dgm:t>
+    </dgm:pt>
+    <dgm:pt modelId="{572CDCDB-6527-4227-9EF4-CD6CF375FDB2}" type="pres">
+      <dgm:prSet presAssocID="{B02F1293-5AF4-4042-9098-017FDCFBA6E5}" presName="space" presStyleCnt="0"/>
+      <dgm:spPr/>
+    </dgm:pt>
+    <dgm:pt modelId="{5A71FA02-CE23-453C-8E48-0151DA2E9AF0}" type="pres">
+      <dgm:prSet presAssocID="{F8C10FD7-E254-4AFF-A982-BABFE085F7D4}" presName="composite" presStyleCnt="0"/>
+      <dgm:spPr/>
+    </dgm:pt>
+    <dgm:pt modelId="{873465E8-B549-4CA8-911A-B5C026F3C662}" type="pres">
+      <dgm:prSet presAssocID="{F8C10FD7-E254-4AFF-A982-BABFE085F7D4}" presName="parTx" presStyleLbl="alignNode1" presStyleIdx="1" presStyleCnt="3">
+        <dgm:presLayoutVars>
+          <dgm:chMax val="0"/>
+          <dgm:chPref val="0"/>
+          <dgm:bulletEnabled val="1"/>
+        </dgm:presLayoutVars>
+      </dgm:prSet>
+      <dgm:spPr/>
+    </dgm:pt>
+    <dgm:pt modelId="{DA0EBEFD-C79A-47BF-8CFA-100D24FDDCDF}" type="pres">
+      <dgm:prSet presAssocID="{F8C10FD7-E254-4AFF-A982-BABFE085F7D4}" presName="desTx" presStyleLbl="alignAccFollowNode1" presStyleIdx="1" presStyleCnt="3">
+        <dgm:presLayoutVars>
+          <dgm:bulletEnabled val="1"/>
+        </dgm:presLayoutVars>
+      </dgm:prSet>
+      <dgm:spPr/>
+      <dgm:t>
+        <a:bodyPr/>
+        <a:lstStyle/>
+        <a:p>
+          <a:endParaRPr lang="zh-TW" altLang="en-US"/>
+        </a:p>
+      </dgm:t>
+    </dgm:pt>
+    <dgm:pt modelId="{870DFB3B-A259-4B89-A213-8021CA9E91E6}" type="pres">
+      <dgm:prSet presAssocID="{E18BB3B4-FCE9-4F4C-95B2-686FB2634D7A}" presName="space" presStyleCnt="0"/>
+      <dgm:spPr/>
+    </dgm:pt>
+    <dgm:pt modelId="{96E507F0-2089-491F-8AC4-47183FC81792}" type="pres">
+      <dgm:prSet presAssocID="{083F7AC3-65A5-4392-9373-9138FF937BD5}" presName="composite" presStyleCnt="0"/>
+      <dgm:spPr/>
+    </dgm:pt>
+    <dgm:pt modelId="{2663F2C0-F58D-451C-877F-121DF2901B69}" type="pres">
+      <dgm:prSet presAssocID="{083F7AC3-65A5-4392-9373-9138FF937BD5}" presName="parTx" presStyleLbl="alignNode1" presStyleIdx="2" presStyleCnt="3">
+        <dgm:presLayoutVars>
+          <dgm:chMax val="0"/>
+          <dgm:chPref val="0"/>
+          <dgm:bulletEnabled val="1"/>
+        </dgm:presLayoutVars>
+      </dgm:prSet>
+      <dgm:spPr/>
+      <dgm:t>
+        <a:bodyPr/>
+        <a:lstStyle/>
+        <a:p>
+          <a:endParaRPr lang="zh-TW" altLang="en-US"/>
+        </a:p>
+      </dgm:t>
+    </dgm:pt>
+    <dgm:pt modelId="{737F2801-BDC3-4F68-A16A-2A4A99D14196}" type="pres">
+      <dgm:prSet presAssocID="{083F7AC3-65A5-4392-9373-9138FF937BD5}" presName="desTx" presStyleLbl="alignAccFollowNode1" presStyleIdx="2" presStyleCnt="3">
+        <dgm:presLayoutVars>
+          <dgm:bulletEnabled val="1"/>
+        </dgm:presLayoutVars>
+      </dgm:prSet>
+      <dgm:spPr/>
+      <dgm:t>
+        <a:bodyPr/>
+        <a:lstStyle/>
+        <a:p>
+          <a:endParaRPr lang="zh-TW" altLang="en-US"/>
+        </a:p>
+      </dgm:t>
+    </dgm:pt>
+  </dgm:ptLst>
+  <dgm:cxnLst>
+    <dgm:cxn modelId="{1EE7C740-61BF-4509-B36D-B4919A350E13}" srcId="{AB698A50-665E-4178-AB8A-47D140CAB2FF}" destId="{8FBAAD78-E988-4C8D-9864-328B9B91ACED}" srcOrd="0" destOrd="0" parTransId="{63366CF2-5184-42E1-A272-9CEFF5C24AD6}" sibTransId="{B02F1293-5AF4-4042-9098-017FDCFBA6E5}"/>
+    <dgm:cxn modelId="{288A2443-4CF5-4264-A269-6E1B0D31B50F}" type="presOf" srcId="{49CC5307-C4B2-4F1C-922E-95C84BE64D3F}" destId="{737F2801-BDC3-4F68-A16A-2A4A99D14196}" srcOrd="0" destOrd="3" presId="urn:microsoft.com/office/officeart/2005/8/layout/hList1"/>
+    <dgm:cxn modelId="{F22DBA15-4207-410F-BB40-B69C6521006C}" srcId="{8FBAAD78-E988-4C8D-9864-328B9B91ACED}" destId="{F8A0B711-52E2-4DE3-8CF4-23E74088D9CB}" srcOrd="1" destOrd="0" parTransId="{787DC713-C42E-437D-918C-025ABCEF2F51}" sibTransId="{E98F2866-2848-42D7-A615-F1B4266044A0}"/>
+    <dgm:cxn modelId="{7678E2F1-7B53-4B9C-B327-7420838F8A20}" srcId="{F8C10FD7-E254-4AFF-A982-BABFE085F7D4}" destId="{5B793D32-ADB6-4775-8580-9F47A4DB85D5}" srcOrd="2" destOrd="0" parTransId="{0169E46E-5C43-4CB8-807A-A0D5032BD40D}" sibTransId="{82B45D2C-72AD-4247-9131-9B190C41AA12}"/>
+    <dgm:cxn modelId="{D35BD593-F999-4EEE-A861-D810586C3322}" srcId="{F8C10FD7-E254-4AFF-A982-BABFE085F7D4}" destId="{5EC30141-15D2-489E-87E3-1D99F2306AE3}" srcOrd="1" destOrd="0" parTransId="{98AAF1F6-4AE2-445A-A7C8-148F7707EDCA}" sibTransId="{2D6A68EC-3ACF-4B56-82F4-89F4236915E2}"/>
+    <dgm:cxn modelId="{83DE7EF7-EA6F-43F1-9FB4-B4DEFD19A839}" type="presOf" srcId="{AB698A50-665E-4178-AB8A-47D140CAB2FF}" destId="{C6994C09-E26F-4346-8AF1-E309E17EB794}" srcOrd="0" destOrd="0" presId="urn:microsoft.com/office/officeart/2005/8/layout/hList1"/>
+    <dgm:cxn modelId="{4C71B11A-DF5B-4A56-B2F0-DDD58DD0418A}" type="presOf" srcId="{5EC30141-15D2-489E-87E3-1D99F2306AE3}" destId="{DA0EBEFD-C79A-47BF-8CFA-100D24FDDCDF}" srcOrd="0" destOrd="1" presId="urn:microsoft.com/office/officeart/2005/8/layout/hList1"/>
+    <dgm:cxn modelId="{0850840B-021C-4874-97AD-3A2C06CCBD8C}" type="presOf" srcId="{1F4A4EC4-792E-4990-9FD7-38A02909BAB6}" destId="{DA0EBEFD-C79A-47BF-8CFA-100D24FDDCDF}" srcOrd="0" destOrd="4" presId="urn:microsoft.com/office/officeart/2005/8/layout/hList1"/>
+    <dgm:cxn modelId="{80B7EA35-A0B3-4F3D-89DB-04437AE80812}" srcId="{083F7AC3-65A5-4392-9373-9138FF937BD5}" destId="{49CC5307-C4B2-4F1C-922E-95C84BE64D3F}" srcOrd="3" destOrd="0" parTransId="{6D3DDD1D-93B9-41DE-899A-6C87837D836E}" sibTransId="{DFA2AE3D-7BB6-4076-AEA3-882D7FDA6007}"/>
+    <dgm:cxn modelId="{0884240B-492A-4ACD-9D69-0A9CA2A1B132}" type="presOf" srcId="{A150236D-2139-4292-9A36-2FCDF0AFB94A}" destId="{6498C4BF-2B9C-4D46-B5EF-A70350E550FC}" srcOrd="0" destOrd="2" presId="urn:microsoft.com/office/officeart/2005/8/layout/hList1"/>
+    <dgm:cxn modelId="{6B3683A3-F882-4920-8C9A-FAB23A1E5E50}" type="presOf" srcId="{19E37A8F-B38C-4B6F-A44E-15290C639A69}" destId="{6498C4BF-2B9C-4D46-B5EF-A70350E550FC}" srcOrd="0" destOrd="3" presId="urn:microsoft.com/office/officeart/2005/8/layout/hList1"/>
+    <dgm:cxn modelId="{A33E50B3-B4FE-41E4-A2E7-7D6CDB1BBD47}" type="presOf" srcId="{FE7F276A-AB35-484B-B489-DF332C3A339F}" destId="{DA0EBEFD-C79A-47BF-8CFA-100D24FDDCDF}" srcOrd="0" destOrd="5" presId="urn:microsoft.com/office/officeart/2005/8/layout/hList1"/>
+    <dgm:cxn modelId="{C90FFF5E-BC90-4D64-8E2D-AB22AA330848}" srcId="{8FBAAD78-E988-4C8D-9864-328B9B91ACED}" destId="{C44124C2-95FA-42FA-AA35-349D75C71768}" srcOrd="0" destOrd="0" parTransId="{5D402DB2-35F4-4B9E-9CDF-554752638135}" sibTransId="{7E13F29D-6ADF-4124-AABD-BBC2F19FB740}"/>
+    <dgm:cxn modelId="{06A1530C-0010-41BF-9C27-E180FD768705}" type="presOf" srcId="{083F7AC3-65A5-4392-9373-9138FF937BD5}" destId="{2663F2C0-F58D-451C-877F-121DF2901B69}" srcOrd="0" destOrd="0" presId="urn:microsoft.com/office/officeart/2005/8/layout/hList1"/>
+    <dgm:cxn modelId="{60854834-CCED-42B5-B97B-EBA73BFFCD4C}" srcId="{083F7AC3-65A5-4392-9373-9138FF937BD5}" destId="{959E4AE4-6F26-40DD-BDFE-79CC1381B4D3}" srcOrd="6" destOrd="0" parTransId="{27FB158F-0C30-48BC-9BE0-9BD588271DF9}" sibTransId="{C309FE9C-CEA2-4B42-8D21-C26A1B9DDD24}"/>
+    <dgm:cxn modelId="{6087C1C9-17A0-4DEF-A77F-2F49C1D55176}" srcId="{8FBAAD78-E988-4C8D-9864-328B9B91ACED}" destId="{A150236D-2139-4292-9A36-2FCDF0AFB94A}" srcOrd="2" destOrd="0" parTransId="{53EDF6FF-7435-4CFF-A24E-A51F9D706A6E}" sibTransId="{DBFBB943-51BB-49F9-8FEA-3B495DCF02E8}"/>
+    <dgm:cxn modelId="{B09CC504-D4CD-451E-824B-5782157B506B}" srcId="{F8C10FD7-E254-4AFF-A982-BABFE085F7D4}" destId="{FE7F276A-AB35-484B-B489-DF332C3A339F}" srcOrd="5" destOrd="0" parTransId="{50E4BF02-9CFE-49A8-A173-0CD4225DDC19}" sibTransId="{798033EB-11F7-4FD7-A65F-3C3F3AF53B13}"/>
+    <dgm:cxn modelId="{D7C07C6B-160B-44D2-A839-BFBA7B9F8955}" type="presOf" srcId="{8FBAAD78-E988-4C8D-9864-328B9B91ACED}" destId="{F5774E87-E1DC-4870-A387-2CF0F947A17D}" srcOrd="0" destOrd="0" presId="urn:microsoft.com/office/officeart/2005/8/layout/hList1"/>
+    <dgm:cxn modelId="{8501A141-0EF5-44DF-9266-605EC9D2D700}" srcId="{AB698A50-665E-4178-AB8A-47D140CAB2FF}" destId="{083F7AC3-65A5-4392-9373-9138FF937BD5}" srcOrd="2" destOrd="0" parTransId="{6FF2BDA4-8516-45A4-A186-2F56587B834C}" sibTransId="{41CCF7A0-1B32-485B-82CF-262F7435D81C}"/>
+    <dgm:cxn modelId="{F9693700-C86C-4E8A-AC78-EC12DD1AE066}" type="presOf" srcId="{E667E400-FE8F-4849-9150-4A89B188607C}" destId="{737F2801-BDC3-4F68-A16A-2A4A99D14196}" srcOrd="0" destOrd="0" presId="urn:microsoft.com/office/officeart/2005/8/layout/hList1"/>
+    <dgm:cxn modelId="{4578431B-70D7-43D4-BBF6-BDEB3C83795D}" srcId="{F8C10FD7-E254-4AFF-A982-BABFE085F7D4}" destId="{AB66B9BE-BF51-47BE-A612-3BE94896F06E}" srcOrd="3" destOrd="0" parTransId="{27DEA1D8-7D34-4BF3-A089-A7CF977B1981}" sibTransId="{B66F7415-53C9-465A-A693-A0358D1559AC}"/>
+    <dgm:cxn modelId="{1348FF91-70AA-4C24-8A69-B7BE6E5864CD}" type="presOf" srcId="{F8A0B711-52E2-4DE3-8CF4-23E74088D9CB}" destId="{6498C4BF-2B9C-4D46-B5EF-A70350E550FC}" srcOrd="0" destOrd="1" presId="urn:microsoft.com/office/officeart/2005/8/layout/hList1"/>
+    <dgm:cxn modelId="{39F189D2-B59D-4073-A069-3E866B2B5812}" srcId="{F8C10FD7-E254-4AFF-A982-BABFE085F7D4}" destId="{1F4A4EC4-792E-4990-9FD7-38A02909BAB6}" srcOrd="4" destOrd="0" parTransId="{161E20F0-795C-4206-A495-4C0930529515}" sibTransId="{5A035004-8424-4804-A119-31C1DE85B3A9}"/>
+    <dgm:cxn modelId="{5332E601-7DF6-42B6-8F1D-58EE8E83C52B}" type="presOf" srcId="{395D26FE-342F-487A-ADA4-AA4154859C02}" destId="{DA0EBEFD-C79A-47BF-8CFA-100D24FDDCDF}" srcOrd="0" destOrd="0" presId="urn:microsoft.com/office/officeart/2005/8/layout/hList1"/>
+    <dgm:cxn modelId="{92360E6D-6DDC-4748-9EB4-07A6A2805CA3}" type="presOf" srcId="{9D42B3DD-C62E-4676-870D-A20B2D12019E}" destId="{737F2801-BDC3-4F68-A16A-2A4A99D14196}" srcOrd="0" destOrd="5" presId="urn:microsoft.com/office/officeart/2005/8/layout/hList1"/>
+    <dgm:cxn modelId="{E7BECDCA-CC0F-4FB0-9DFC-B9BB0C5D39C5}" type="presOf" srcId="{AB66B9BE-BF51-47BE-A612-3BE94896F06E}" destId="{DA0EBEFD-C79A-47BF-8CFA-100D24FDDCDF}" srcOrd="0" destOrd="3" presId="urn:microsoft.com/office/officeart/2005/8/layout/hList1"/>
+    <dgm:cxn modelId="{522DEE45-93FA-4A9F-98E6-3926BEE2CEFB}" type="presOf" srcId="{0C2ADC60-BB94-4866-91EC-2CE2ED2198B2}" destId="{737F2801-BDC3-4F68-A16A-2A4A99D14196}" srcOrd="0" destOrd="1" presId="urn:microsoft.com/office/officeart/2005/8/layout/hList1"/>
+    <dgm:cxn modelId="{BC36807D-AD19-4C7D-896F-058BDA938BA1}" srcId="{083F7AC3-65A5-4392-9373-9138FF937BD5}" destId="{0C2ADC60-BB94-4866-91EC-2CE2ED2198B2}" srcOrd="1" destOrd="0" parTransId="{7890BAAD-E71C-407B-9942-BFC5B99C655A}" sibTransId="{AD2ACCF7-C023-41A8-A43D-C2CC9FB756D0}"/>
+    <dgm:cxn modelId="{5B867E8F-39C3-4BCB-9AD1-D029D86BACF3}" srcId="{8FBAAD78-E988-4C8D-9864-328B9B91ACED}" destId="{19E37A8F-B38C-4B6F-A44E-15290C639A69}" srcOrd="3" destOrd="0" parTransId="{9F02B944-9218-45C2-9C1C-4E57FBF653E1}" sibTransId="{32C32F39-BCB6-4F6E-B794-2AAF97BFAE50}"/>
+    <dgm:cxn modelId="{063FBFB6-5D80-43BF-9316-B8143F9BD2EA}" srcId="{F8C10FD7-E254-4AFF-A982-BABFE085F7D4}" destId="{395D26FE-342F-487A-ADA4-AA4154859C02}" srcOrd="0" destOrd="0" parTransId="{82CD440F-AE95-450E-BB10-2CEAD3FCCEF7}" sibTransId="{DBE9C501-BD98-46C7-AE4E-909E6F28DF62}"/>
+    <dgm:cxn modelId="{B7C024F6-AB41-42D3-8F3A-DF02A0003704}" type="presOf" srcId="{C44124C2-95FA-42FA-AA35-349D75C71768}" destId="{6498C4BF-2B9C-4D46-B5EF-A70350E550FC}" srcOrd="0" destOrd="0" presId="urn:microsoft.com/office/officeart/2005/8/layout/hList1"/>
+    <dgm:cxn modelId="{DC4E8734-A38D-4270-B1A6-2742D63EBEE0}" srcId="{083F7AC3-65A5-4392-9373-9138FF937BD5}" destId="{E667E400-FE8F-4849-9150-4A89B188607C}" srcOrd="0" destOrd="0" parTransId="{05DA4D02-A254-4EEC-93B4-1CF8FFEA51E0}" sibTransId="{D1279CA7-4BF8-4DCC-8809-5B1E87D54BEB}"/>
+    <dgm:cxn modelId="{D133E937-CA62-4AD3-B656-A1FCAC50253A}" srcId="{083F7AC3-65A5-4392-9373-9138FF937BD5}" destId="{9D42B3DD-C62E-4676-870D-A20B2D12019E}" srcOrd="5" destOrd="0" parTransId="{BD4F5FF5-1386-412C-9979-97801A8BF76F}" sibTransId="{3EF892BB-E8B7-4499-B6EB-E63CD20A5783}"/>
+    <dgm:cxn modelId="{8B8DA2A1-257B-4E8A-A950-A4058E019E9A}" srcId="{AB698A50-665E-4178-AB8A-47D140CAB2FF}" destId="{F8C10FD7-E254-4AFF-A982-BABFE085F7D4}" srcOrd="1" destOrd="0" parTransId="{76237B24-AE62-44CA-8B77-14C24F7E2318}" sibTransId="{E18BB3B4-FCE9-4F4C-95B2-686FB2634D7A}"/>
+    <dgm:cxn modelId="{DDD4F812-FFE9-499E-8DD4-6842FCE2D318}" type="presOf" srcId="{5B793D32-ADB6-4775-8580-9F47A4DB85D5}" destId="{DA0EBEFD-C79A-47BF-8CFA-100D24FDDCDF}" srcOrd="0" destOrd="2" presId="urn:microsoft.com/office/officeart/2005/8/layout/hList1"/>
+    <dgm:cxn modelId="{88ECE59D-E6B8-4D72-BB7B-53736D385067}" srcId="{083F7AC3-65A5-4392-9373-9138FF937BD5}" destId="{CB878E19-E1DF-4EBC-A209-FC60BA78ED93}" srcOrd="4" destOrd="0" parTransId="{DD9EA74E-CFE9-4438-95FA-BA99E01D9C69}" sibTransId="{71621B82-3700-42DC-AC23-5D6B435A2770}"/>
+    <dgm:cxn modelId="{41DFB640-D320-4BD4-B5A5-A051437B19F3}" type="presOf" srcId="{0385C40B-4E49-4718-AD1F-60699FC19C64}" destId="{737F2801-BDC3-4F68-A16A-2A4A99D14196}" srcOrd="0" destOrd="2" presId="urn:microsoft.com/office/officeart/2005/8/layout/hList1"/>
+    <dgm:cxn modelId="{17170D0C-D877-4BEC-9B8F-7F4F1B83648A}" type="presOf" srcId="{959E4AE4-6F26-40DD-BDFE-79CC1381B4D3}" destId="{737F2801-BDC3-4F68-A16A-2A4A99D14196}" srcOrd="0" destOrd="6" presId="urn:microsoft.com/office/officeart/2005/8/layout/hList1"/>
+    <dgm:cxn modelId="{D976BCA2-5329-4794-831F-8C7CA222C517}" type="presOf" srcId="{CB878E19-E1DF-4EBC-A209-FC60BA78ED93}" destId="{737F2801-BDC3-4F68-A16A-2A4A99D14196}" srcOrd="0" destOrd="4" presId="urn:microsoft.com/office/officeart/2005/8/layout/hList1"/>
+    <dgm:cxn modelId="{8995382F-554A-4B2F-A068-ECE89B42E8FD}" srcId="{083F7AC3-65A5-4392-9373-9138FF937BD5}" destId="{0385C40B-4E49-4718-AD1F-60699FC19C64}" srcOrd="2" destOrd="0" parTransId="{A32F4E5D-8686-4004-A68B-DD48E38E41EA}" sibTransId="{D150301B-B36A-4A58-A441-5ACE29AF3514}"/>
+    <dgm:cxn modelId="{3FA84DA7-5262-49A9-9D41-073E22B77DE9}" type="presOf" srcId="{F8C10FD7-E254-4AFF-A982-BABFE085F7D4}" destId="{873465E8-B549-4CA8-911A-B5C026F3C662}" srcOrd="0" destOrd="0" presId="urn:microsoft.com/office/officeart/2005/8/layout/hList1"/>
+    <dgm:cxn modelId="{E95FB3BE-3D1E-4C50-BD58-E9EA4A4592F7}" type="presParOf" srcId="{C6994C09-E26F-4346-8AF1-E309E17EB794}" destId="{A843E040-918B-41DE-B55C-A1D9CA5E07BA}" srcOrd="0" destOrd="0" presId="urn:microsoft.com/office/officeart/2005/8/layout/hList1"/>
+    <dgm:cxn modelId="{92993D1D-52F2-4926-BDCF-4F82DAE8E460}" type="presParOf" srcId="{A843E040-918B-41DE-B55C-A1D9CA5E07BA}" destId="{F5774E87-E1DC-4870-A387-2CF0F947A17D}" srcOrd="0" destOrd="0" presId="urn:microsoft.com/office/officeart/2005/8/layout/hList1"/>
+    <dgm:cxn modelId="{F20D6926-B812-4EBE-A695-8A04C1149ABF}" type="presParOf" srcId="{A843E040-918B-41DE-B55C-A1D9CA5E07BA}" destId="{6498C4BF-2B9C-4D46-B5EF-A70350E550FC}" srcOrd="1" destOrd="0" presId="urn:microsoft.com/office/officeart/2005/8/layout/hList1"/>
+    <dgm:cxn modelId="{055FB8EB-8CE6-46A3-90A6-D42A81AF48B7}" type="presParOf" srcId="{C6994C09-E26F-4346-8AF1-E309E17EB794}" destId="{572CDCDB-6527-4227-9EF4-CD6CF375FDB2}" srcOrd="1" destOrd="0" presId="urn:microsoft.com/office/officeart/2005/8/layout/hList1"/>
+    <dgm:cxn modelId="{DAE75893-99E2-41AB-A1D3-C1F8899A5439}" type="presParOf" srcId="{C6994C09-E26F-4346-8AF1-E309E17EB794}" destId="{5A71FA02-CE23-453C-8E48-0151DA2E9AF0}" srcOrd="2" destOrd="0" presId="urn:microsoft.com/office/officeart/2005/8/layout/hList1"/>
+    <dgm:cxn modelId="{CC21E53F-DF1F-472E-AB44-7F45C6291579}" type="presParOf" srcId="{5A71FA02-CE23-453C-8E48-0151DA2E9AF0}" destId="{873465E8-B549-4CA8-911A-B5C026F3C662}" srcOrd="0" destOrd="0" presId="urn:microsoft.com/office/officeart/2005/8/layout/hList1"/>
+    <dgm:cxn modelId="{EB32FE52-56DB-4599-8239-CB9DDE651C98}" type="presParOf" srcId="{5A71FA02-CE23-453C-8E48-0151DA2E9AF0}" destId="{DA0EBEFD-C79A-47BF-8CFA-100D24FDDCDF}" srcOrd="1" destOrd="0" presId="urn:microsoft.com/office/officeart/2005/8/layout/hList1"/>
+    <dgm:cxn modelId="{FEE2C21A-62AD-40C7-83EB-59BC93F20FC0}" type="presParOf" srcId="{C6994C09-E26F-4346-8AF1-E309E17EB794}" destId="{870DFB3B-A259-4B89-A213-8021CA9E91E6}" srcOrd="3" destOrd="0" presId="urn:microsoft.com/office/officeart/2005/8/layout/hList1"/>
+    <dgm:cxn modelId="{FE72033A-8D98-47EE-8A86-1944CEEC9F4B}" type="presParOf" srcId="{C6994C09-E26F-4346-8AF1-E309E17EB794}" destId="{96E507F0-2089-491F-8AC4-47183FC81792}" srcOrd="4" destOrd="0" presId="urn:microsoft.com/office/officeart/2005/8/layout/hList1"/>
+    <dgm:cxn modelId="{AF9D7D8D-8FC4-4D03-B958-D07458EEDA08}" type="presParOf" srcId="{96E507F0-2089-491F-8AC4-47183FC81792}" destId="{2663F2C0-F58D-451C-877F-121DF2901B69}" srcOrd="0" destOrd="0" presId="urn:microsoft.com/office/officeart/2005/8/layout/hList1"/>
+    <dgm:cxn modelId="{341E3D47-31DE-4118-AC51-AC466A11F4CF}" type="presParOf" srcId="{96E507F0-2089-491F-8AC4-47183FC81792}" destId="{737F2801-BDC3-4F68-A16A-2A4A99D14196}" srcOrd="1" destOrd="0" presId="urn:microsoft.com/office/officeart/2005/8/layout/hList1"/>
+  </dgm:cxnLst>
+  <dgm:bg/>
+  <dgm:whole/>
+  <dgm:extLst>
+    <a:ext uri="http://schemas.microsoft.com/office/drawing/2008/diagram">
+      <dsp:dataModelExt xmlns:dsp="http://schemas.microsoft.com/office/drawing/2008/diagram" xmlns="" relId="rId6" minVer="http://schemas.openxmlformats.org/drawingml/2006/diagram"/>
+    </a:ext>
+  </dgm:extLst>
+</dgm:dataModel>
+</file>
+
+<file path=ppt/diagrams/drawing1.xml><?xml version="1.0" encoding="utf-8"?>
+<dsp:drawing xmlns:dgm="http://schemas.openxmlformats.org/drawingml/2006/diagram" xmlns:a="http://schemas.openxmlformats.org/drawingml/2006/main" xmlns:dsp="http://schemas.microsoft.com/office/drawing/2008/diagram">
+  <dsp:spTree>
+    <dsp:nvGrpSpPr>
+      <dsp:cNvPr id="0" name=""/>
+      <dsp:cNvGrpSpPr/>
+    </dsp:nvGrpSpPr>
+    <dsp:grpSpPr/>
+    <dsp:sp modelId="{F5774E87-E1DC-4870-A387-2CF0F947A17D}">
+      <dsp:nvSpPr>
+        <dsp:cNvPr id="0" name=""/>
+        <dsp:cNvSpPr/>
+      </dsp:nvSpPr>
+      <dsp:spPr>
+        <a:xfrm>
+          <a:off x="2857" y="727308"/>
+          <a:ext cx="2786062" cy="1093921"/>
+        </a:xfrm>
+        <a:prstGeom prst="rect">
+          <a:avLst/>
+        </a:prstGeom>
+        <a:solidFill>
+          <a:schemeClr val="accent1">
+            <a:hueOff val="0"/>
+            <a:satOff val="0"/>
+            <a:lumOff val="0"/>
+            <a:alphaOff val="0"/>
+          </a:schemeClr>
+        </a:solidFill>
+        <a:ln w="19050" cap="flat" cmpd="sng" algn="ctr">
+          <a:solidFill>
+            <a:schemeClr val="accent1">
+              <a:hueOff val="0"/>
+              <a:satOff val="0"/>
+              <a:lumOff val="0"/>
+              <a:alphaOff val="0"/>
+            </a:schemeClr>
+          </a:solidFill>
+          <a:prstDash val="solid"/>
+        </a:ln>
+        <a:effectLst/>
+      </dsp:spPr>
+      <dsp:style>
+        <a:lnRef idx="2">
+          <a:scrgbClr r="0" g="0" b="0"/>
+        </a:lnRef>
+        <a:fillRef idx="1">
+          <a:scrgbClr r="0" g="0" b="0"/>
+        </a:fillRef>
+        <a:effectRef idx="0">
+          <a:scrgbClr r="0" g="0" b="0"/>
+        </a:effectRef>
+        <a:fontRef idx="minor">
+          <a:schemeClr val="lt1"/>
+        </a:fontRef>
+      </dsp:style>
+      <dsp:txBody>
+        <a:bodyPr spcFirstLastPara="0" vert="horz" wrap="square" lIns="234696" tIns="134112" rIns="234696" bIns="134112" numCol="1" spcCol="1270" anchor="ctr" anchorCtr="0">
+          <a:noAutofit/>
+        </a:bodyPr>
+        <a:lstStyle/>
+        <a:p>
+          <a:pPr lvl="0" algn="ctr" defTabSz="1466850">
+            <a:lnSpc>
+              <a:spcPct val="90000"/>
+            </a:lnSpc>
+            <a:spcBef>
+              <a:spcPct val="0"/>
+            </a:spcBef>
+            <a:spcAft>
+              <a:spcPct val="35000"/>
+            </a:spcAft>
+          </a:pPr>
+          <a:r>
+            <a:rPr lang="en-US" altLang="zh-TW" sz="3300" kern="1200" dirty="0" smtClean="0"/>
+            <a:t>Client</a:t>
+          </a:r>
+          <a:endParaRPr lang="zh-TW" altLang="en-US" sz="3300" kern="1200" dirty="0"/>
+        </a:p>
+      </dsp:txBody>
+      <dsp:txXfrm>
+        <a:off x="2857" y="727308"/>
+        <a:ext cx="2786062" cy="1093921"/>
+      </dsp:txXfrm>
+    </dsp:sp>
+    <dsp:sp modelId="{6498C4BF-2B9C-4D46-B5EF-A70350E550FC}">
+      <dsp:nvSpPr>
+        <dsp:cNvPr id="0" name=""/>
+        <dsp:cNvSpPr/>
+      </dsp:nvSpPr>
+      <dsp:spPr>
+        <a:xfrm>
+          <a:off x="2857" y="1821230"/>
+          <a:ext cx="2786062" cy="3688773"/>
+        </a:xfrm>
+        <a:prstGeom prst="rect">
+          <a:avLst/>
+        </a:prstGeom>
+        <a:solidFill>
+          <a:schemeClr val="accent1">
+            <a:alpha val="90000"/>
+            <a:tint val="40000"/>
+            <a:hueOff val="0"/>
+            <a:satOff val="0"/>
+            <a:lumOff val="0"/>
+            <a:alphaOff val="0"/>
+          </a:schemeClr>
+        </a:solidFill>
+        <a:ln w="19050" cap="flat" cmpd="sng" algn="ctr">
+          <a:solidFill>
+            <a:schemeClr val="accent1">
+              <a:alpha val="90000"/>
+              <a:tint val="40000"/>
+              <a:hueOff val="0"/>
+              <a:satOff val="0"/>
+              <a:lumOff val="0"/>
+              <a:alphaOff val="0"/>
+            </a:schemeClr>
+          </a:solidFill>
+          <a:prstDash val="solid"/>
+        </a:ln>
+        <a:effectLst/>
+      </dsp:spPr>
+      <dsp:style>
+        <a:lnRef idx="2">
+          <a:scrgbClr r="0" g="0" b="0"/>
+        </a:lnRef>
+        <a:fillRef idx="1">
+          <a:scrgbClr r="0" g="0" b="0"/>
+        </a:fillRef>
+        <a:effectRef idx="0">
+          <a:scrgbClr r="0" g="0" b="0"/>
+        </a:effectRef>
+        <a:fontRef idx="minor"/>
+      </dsp:style>
+      <dsp:txBody>
+        <a:bodyPr spcFirstLastPara="0" vert="horz" wrap="square" lIns="170688" tIns="170688" rIns="227584" bIns="256032" numCol="1" spcCol="1270" anchor="t" anchorCtr="0">
+          <a:noAutofit/>
+        </a:bodyPr>
+        <a:lstStyle/>
+        <a:p>
+          <a:pPr marL="285750" lvl="1" indent="-285750" algn="l" defTabSz="1422400">
+            <a:lnSpc>
+              <a:spcPct val="90000"/>
+            </a:lnSpc>
+            <a:spcBef>
+              <a:spcPct val="0"/>
+            </a:spcBef>
+            <a:spcAft>
+              <a:spcPct val="15000"/>
+            </a:spcAft>
+            <a:buChar char="••"/>
+          </a:pPr>
+          <a:r>
+            <a:rPr lang="en-US" altLang="zh-TW" sz="3200" kern="1200" dirty="0" smtClean="0"/>
+            <a:t>HTML5</a:t>
+          </a:r>
+          <a:endParaRPr lang="zh-TW" altLang="en-US" sz="3200" kern="1200" dirty="0"/>
+        </a:p>
+        <a:p>
+          <a:pPr marL="285750" lvl="1" indent="-285750" algn="l" defTabSz="1422400">
+            <a:lnSpc>
+              <a:spcPct val="90000"/>
+            </a:lnSpc>
+            <a:spcBef>
+              <a:spcPct val="0"/>
+            </a:spcBef>
+            <a:spcAft>
+              <a:spcPct val="15000"/>
+            </a:spcAft>
+            <a:buChar char="••"/>
+          </a:pPr>
+          <a:r>
+            <a:rPr lang="en-US" altLang="zh-TW" sz="3200" kern="1200" dirty="0" smtClean="0"/>
+            <a:t>CSS3</a:t>
+          </a:r>
+          <a:endParaRPr lang="zh-TW" altLang="en-US" sz="3200" kern="1200" dirty="0"/>
+        </a:p>
+        <a:p>
+          <a:pPr marL="285750" lvl="1" indent="-285750" algn="l" defTabSz="1422400">
+            <a:lnSpc>
+              <a:spcPct val="90000"/>
+            </a:lnSpc>
+            <a:spcBef>
+              <a:spcPct val="0"/>
+            </a:spcBef>
+            <a:spcAft>
+              <a:spcPct val="15000"/>
+            </a:spcAft>
+            <a:buChar char="••"/>
+          </a:pPr>
+          <a:r>
+            <a:rPr lang="en-US" altLang="zh-TW" sz="3200" kern="1200" dirty="0" smtClean="0"/>
+            <a:t>JavaScript</a:t>
+          </a:r>
+          <a:endParaRPr lang="zh-TW" altLang="en-US" sz="3200" kern="1200" dirty="0"/>
+        </a:p>
+        <a:p>
+          <a:pPr marL="285750" lvl="1" indent="-285750" algn="l" defTabSz="1422400">
+            <a:lnSpc>
+              <a:spcPct val="90000"/>
+            </a:lnSpc>
+            <a:spcBef>
+              <a:spcPct val="0"/>
+            </a:spcBef>
+            <a:spcAft>
+              <a:spcPct val="15000"/>
+            </a:spcAft>
+            <a:buChar char="••"/>
+          </a:pPr>
+          <a:r>
+            <a:rPr lang="en-US" altLang="zh-TW" sz="3200" kern="1200" dirty="0" err="1" smtClean="0"/>
+            <a:t>JQuery</a:t>
+          </a:r>
+          <a:endParaRPr lang="zh-TW" altLang="en-US" sz="3200" kern="1200" dirty="0"/>
+        </a:p>
+      </dsp:txBody>
+      <dsp:txXfrm>
+        <a:off x="2857" y="1821230"/>
+        <a:ext cx="2786062" cy="3688773"/>
+      </dsp:txXfrm>
+    </dsp:sp>
+    <dsp:sp modelId="{873465E8-B549-4CA8-911A-B5C026F3C662}">
+      <dsp:nvSpPr>
+        <dsp:cNvPr id="0" name=""/>
+        <dsp:cNvSpPr/>
+      </dsp:nvSpPr>
+      <dsp:spPr>
+        <a:xfrm>
+          <a:off x="3178968" y="727308"/>
+          <a:ext cx="2786062" cy="1093921"/>
+        </a:xfrm>
+        <a:prstGeom prst="rect">
+          <a:avLst/>
+        </a:prstGeom>
+        <a:solidFill>
+          <a:schemeClr val="accent1">
+            <a:hueOff val="0"/>
+            <a:satOff val="0"/>
+            <a:lumOff val="0"/>
+            <a:alphaOff val="0"/>
+          </a:schemeClr>
+        </a:solidFill>
+        <a:ln w="19050" cap="flat" cmpd="sng" algn="ctr">
+          <a:solidFill>
+            <a:schemeClr val="accent1">
+              <a:hueOff val="0"/>
+              <a:satOff val="0"/>
+              <a:lumOff val="0"/>
+              <a:alphaOff val="0"/>
+            </a:schemeClr>
+          </a:solidFill>
+          <a:prstDash val="solid"/>
+        </a:ln>
+        <a:effectLst/>
+      </dsp:spPr>
+      <dsp:style>
+        <a:lnRef idx="2">
+          <a:scrgbClr r="0" g="0" b="0"/>
+        </a:lnRef>
+        <a:fillRef idx="1">
+          <a:scrgbClr r="0" g="0" b="0"/>
+        </a:fillRef>
+        <a:effectRef idx="0">
+          <a:scrgbClr r="0" g="0" b="0"/>
+        </a:effectRef>
+        <a:fontRef idx="minor">
+          <a:schemeClr val="lt1"/>
+        </a:fontRef>
+      </dsp:style>
+      <dsp:txBody>
+        <a:bodyPr spcFirstLastPara="0" vert="horz" wrap="square" lIns="234696" tIns="134112" rIns="234696" bIns="134112" numCol="1" spcCol="1270" anchor="ctr" anchorCtr="0">
+          <a:noAutofit/>
+        </a:bodyPr>
+        <a:lstStyle/>
+        <a:p>
+          <a:pPr lvl="0" algn="ctr" defTabSz="1466850">
+            <a:lnSpc>
+              <a:spcPct val="90000"/>
+            </a:lnSpc>
+            <a:spcBef>
+              <a:spcPct val="0"/>
+            </a:spcBef>
+            <a:spcAft>
+              <a:spcPct val="35000"/>
+            </a:spcAft>
+          </a:pPr>
+          <a:r>
+            <a:rPr lang="en-US" altLang="zh-TW" sz="3300" kern="1200" dirty="0" smtClean="0"/>
+            <a:t>Server</a:t>
+          </a:r>
+          <a:endParaRPr lang="zh-TW" altLang="en-US" sz="3300" kern="1200" dirty="0"/>
+        </a:p>
+      </dsp:txBody>
+      <dsp:txXfrm>
+        <a:off x="3178968" y="727308"/>
+        <a:ext cx="2786062" cy="1093921"/>
+      </dsp:txXfrm>
+    </dsp:sp>
+    <dsp:sp modelId="{DA0EBEFD-C79A-47BF-8CFA-100D24FDDCDF}">
+      <dsp:nvSpPr>
+        <dsp:cNvPr id="0" name=""/>
+        <dsp:cNvSpPr/>
+      </dsp:nvSpPr>
+      <dsp:spPr>
+        <a:xfrm>
+          <a:off x="3178968" y="1821230"/>
+          <a:ext cx="2786062" cy="3688773"/>
+        </a:xfrm>
+        <a:prstGeom prst="rect">
+          <a:avLst/>
+        </a:prstGeom>
+        <a:solidFill>
+          <a:schemeClr val="accent1">
+            <a:alpha val="90000"/>
+            <a:tint val="40000"/>
+            <a:hueOff val="0"/>
+            <a:satOff val="0"/>
+            <a:lumOff val="0"/>
+            <a:alphaOff val="0"/>
+          </a:schemeClr>
+        </a:solidFill>
+        <a:ln w="19050" cap="flat" cmpd="sng" algn="ctr">
+          <a:solidFill>
+            <a:schemeClr val="accent1">
+              <a:alpha val="90000"/>
+              <a:tint val="40000"/>
+              <a:hueOff val="0"/>
+              <a:satOff val="0"/>
+              <a:lumOff val="0"/>
+              <a:alphaOff val="0"/>
+            </a:schemeClr>
+          </a:solidFill>
+          <a:prstDash val="solid"/>
+        </a:ln>
+        <a:effectLst/>
+      </dsp:spPr>
+      <dsp:style>
+        <a:lnRef idx="2">
+          <a:scrgbClr r="0" g="0" b="0"/>
+        </a:lnRef>
+        <a:fillRef idx="1">
+          <a:scrgbClr r="0" g="0" b="0"/>
+        </a:fillRef>
+        <a:effectRef idx="0">
+          <a:scrgbClr r="0" g="0" b="0"/>
+        </a:effectRef>
+        <a:fontRef idx="minor"/>
+      </dsp:style>
+      <dsp:txBody>
+        <a:bodyPr spcFirstLastPara="0" vert="horz" wrap="square" lIns="170688" tIns="170688" rIns="227584" bIns="256032" numCol="1" spcCol="1270" anchor="t" anchorCtr="0">
+          <a:noAutofit/>
+        </a:bodyPr>
+        <a:lstStyle/>
+        <a:p>
+          <a:pPr marL="285750" lvl="1" indent="-285750" algn="l" defTabSz="1422400">
+            <a:lnSpc>
+              <a:spcPct val="90000"/>
+            </a:lnSpc>
+            <a:spcBef>
+              <a:spcPct val="0"/>
+            </a:spcBef>
+            <a:spcAft>
+              <a:spcPct val="15000"/>
+            </a:spcAft>
+            <a:buChar char="••"/>
+          </a:pPr>
+          <a:r>
+            <a:rPr lang="en-US" altLang="zh-TW" sz="3200" kern="1200" dirty="0" smtClean="0"/>
+            <a:t>JDK</a:t>
+          </a:r>
+          <a:endParaRPr lang="zh-TW" altLang="en-US" sz="3200" kern="1200" dirty="0"/>
+        </a:p>
+        <a:p>
+          <a:pPr marL="285750" lvl="1" indent="-285750" algn="l" defTabSz="1422400">
+            <a:lnSpc>
+              <a:spcPct val="90000"/>
+            </a:lnSpc>
+            <a:spcBef>
+              <a:spcPct val="0"/>
+            </a:spcBef>
+            <a:spcAft>
+              <a:spcPct val="15000"/>
+            </a:spcAft>
+            <a:buChar char="••"/>
+          </a:pPr>
+          <a:r>
+            <a:rPr lang="en-US" altLang="zh-TW" sz="3200" kern="1200" dirty="0" err="1" smtClean="0"/>
+            <a:t>MySQL</a:t>
+          </a:r>
+          <a:endParaRPr lang="zh-TW" altLang="en-US" sz="3200" kern="1200" dirty="0"/>
+        </a:p>
+        <a:p>
+          <a:pPr marL="285750" lvl="1" indent="-285750" algn="l" defTabSz="1422400">
+            <a:lnSpc>
+              <a:spcPct val="90000"/>
+            </a:lnSpc>
+            <a:spcBef>
+              <a:spcPct val="0"/>
+            </a:spcBef>
+            <a:spcAft>
+              <a:spcPct val="15000"/>
+            </a:spcAft>
+            <a:buChar char="••"/>
+          </a:pPr>
+          <a:r>
+            <a:rPr lang="en-US" altLang="zh-TW" sz="3200" kern="1200" dirty="0" err="1" smtClean="0"/>
+            <a:t>JavaMail</a:t>
+          </a:r>
+          <a:endParaRPr lang="zh-TW" altLang="en-US" sz="3200" kern="1200" dirty="0"/>
+        </a:p>
+        <a:p>
+          <a:pPr marL="285750" lvl="1" indent="-285750" algn="l" defTabSz="1422400">
+            <a:lnSpc>
+              <a:spcPct val="90000"/>
+            </a:lnSpc>
+            <a:spcBef>
+              <a:spcPct val="0"/>
+            </a:spcBef>
+            <a:spcAft>
+              <a:spcPct val="15000"/>
+            </a:spcAft>
+            <a:buChar char="••"/>
+          </a:pPr>
+          <a:r>
+            <a:rPr lang="en-US" altLang="zh-TW" sz="3200" kern="1200" dirty="0" smtClean="0"/>
+            <a:t>Tomcat 8.X</a:t>
+          </a:r>
+          <a:endParaRPr lang="zh-TW" altLang="en-US" sz="3200" kern="1200" dirty="0"/>
+        </a:p>
+        <a:p>
+          <a:pPr marL="285750" lvl="1" indent="-285750" algn="l" defTabSz="1422400">
+            <a:lnSpc>
+              <a:spcPct val="90000"/>
+            </a:lnSpc>
+            <a:spcBef>
+              <a:spcPct val="0"/>
+            </a:spcBef>
+            <a:spcAft>
+              <a:spcPct val="15000"/>
+            </a:spcAft>
+            <a:buChar char="••"/>
+          </a:pPr>
+          <a:r>
+            <a:rPr lang="en-US" altLang="zh-TW" sz="3200" kern="1200" dirty="0" err="1" smtClean="0"/>
+            <a:t>Servlet</a:t>
+          </a:r>
+          <a:r>
+            <a:rPr lang="en-US" altLang="zh-TW" sz="3200" kern="1200" dirty="0" smtClean="0"/>
+            <a:t> 3.X</a:t>
+          </a:r>
+          <a:endParaRPr lang="zh-TW" altLang="en-US" sz="3200" kern="1200" dirty="0"/>
+        </a:p>
+        <a:p>
+          <a:pPr marL="285750" lvl="1" indent="-285750" algn="l" defTabSz="1422400">
+            <a:lnSpc>
+              <a:spcPct val="90000"/>
+            </a:lnSpc>
+            <a:spcBef>
+              <a:spcPct val="0"/>
+            </a:spcBef>
+            <a:spcAft>
+              <a:spcPct val="15000"/>
+            </a:spcAft>
+            <a:buChar char="••"/>
+          </a:pPr>
+          <a:r>
+            <a:rPr lang="en-US" altLang="zh-TW" sz="3200" kern="1200" dirty="0" smtClean="0"/>
+            <a:t>JSP 2.X</a:t>
+          </a:r>
+          <a:endParaRPr lang="zh-TW" altLang="en-US" sz="3200" kern="1200" dirty="0"/>
+        </a:p>
+      </dsp:txBody>
+      <dsp:txXfrm>
+        <a:off x="3178968" y="1821230"/>
+        <a:ext cx="2786062" cy="3688773"/>
+      </dsp:txXfrm>
+    </dsp:sp>
+    <dsp:sp modelId="{2663F2C0-F58D-451C-877F-121DF2901B69}">
+      <dsp:nvSpPr>
+        <dsp:cNvPr id="0" name=""/>
+        <dsp:cNvSpPr/>
+      </dsp:nvSpPr>
+      <dsp:spPr>
+        <a:xfrm>
+          <a:off x="6355080" y="727308"/>
+          <a:ext cx="2786062" cy="1093921"/>
+        </a:xfrm>
+        <a:prstGeom prst="rect">
+          <a:avLst/>
+        </a:prstGeom>
+        <a:solidFill>
+          <a:schemeClr val="accent1">
+            <a:hueOff val="0"/>
+            <a:satOff val="0"/>
+            <a:lumOff val="0"/>
+            <a:alphaOff val="0"/>
+          </a:schemeClr>
+        </a:solidFill>
+        <a:ln w="19050" cap="flat" cmpd="sng" algn="ctr">
+          <a:solidFill>
+            <a:schemeClr val="accent1">
+              <a:hueOff val="0"/>
+              <a:satOff val="0"/>
+              <a:lumOff val="0"/>
+              <a:alphaOff val="0"/>
+            </a:schemeClr>
+          </a:solidFill>
+          <a:prstDash val="solid"/>
+        </a:ln>
+        <a:effectLst/>
+      </dsp:spPr>
+      <dsp:style>
+        <a:lnRef idx="2">
+          <a:scrgbClr r="0" g="0" b="0"/>
+        </a:lnRef>
+        <a:fillRef idx="1">
+          <a:scrgbClr r="0" g="0" b="0"/>
+        </a:fillRef>
+        <a:effectRef idx="0">
+          <a:scrgbClr r="0" g="0" b="0"/>
+        </a:effectRef>
+        <a:fontRef idx="minor">
+          <a:schemeClr val="lt1"/>
+        </a:fontRef>
+      </dsp:style>
+      <dsp:txBody>
+        <a:bodyPr spcFirstLastPara="0" vert="horz" wrap="square" lIns="234696" tIns="134112" rIns="234696" bIns="134112" numCol="1" spcCol="1270" anchor="ctr" anchorCtr="0">
+          <a:noAutofit/>
+        </a:bodyPr>
+        <a:lstStyle/>
+        <a:p>
+          <a:pPr lvl="0" algn="ctr" defTabSz="1466850">
+            <a:lnSpc>
+              <a:spcPct val="90000"/>
+            </a:lnSpc>
+            <a:spcBef>
+              <a:spcPct val="0"/>
+            </a:spcBef>
+            <a:spcAft>
+              <a:spcPct val="35000"/>
+            </a:spcAft>
+          </a:pPr>
+          <a:r>
+            <a:rPr lang="en-US" altLang="zh-TW" sz="3300" kern="1200" dirty="0" smtClean="0"/>
+            <a:t>Developer Tools</a:t>
+          </a:r>
+          <a:endParaRPr lang="zh-TW" altLang="en-US" sz="3300" kern="1200" dirty="0"/>
+        </a:p>
+      </dsp:txBody>
+      <dsp:txXfrm>
+        <a:off x="6355080" y="727308"/>
+        <a:ext cx="2786062" cy="1093921"/>
+      </dsp:txXfrm>
+    </dsp:sp>
+    <dsp:sp modelId="{737F2801-BDC3-4F68-A16A-2A4A99D14196}">
+      <dsp:nvSpPr>
+        <dsp:cNvPr id="0" name=""/>
+        <dsp:cNvSpPr/>
+      </dsp:nvSpPr>
+      <dsp:spPr>
+        <a:xfrm>
+          <a:off x="6355080" y="1821230"/>
+          <a:ext cx="2786062" cy="3688773"/>
+        </a:xfrm>
+        <a:prstGeom prst="rect">
+          <a:avLst/>
+        </a:prstGeom>
+        <a:solidFill>
+          <a:schemeClr val="accent1">
+            <a:alpha val="90000"/>
+            <a:tint val="40000"/>
+            <a:hueOff val="0"/>
+            <a:satOff val="0"/>
+            <a:lumOff val="0"/>
+            <a:alphaOff val="0"/>
+          </a:schemeClr>
+        </a:solidFill>
+        <a:ln w="19050" cap="flat" cmpd="sng" algn="ctr">
+          <a:solidFill>
+            <a:schemeClr val="accent1">
+              <a:alpha val="90000"/>
+              <a:tint val="40000"/>
+              <a:hueOff val="0"/>
+              <a:satOff val="0"/>
+              <a:lumOff val="0"/>
+              <a:alphaOff val="0"/>
+            </a:schemeClr>
+          </a:solidFill>
+          <a:prstDash val="solid"/>
+        </a:ln>
+        <a:effectLst/>
+      </dsp:spPr>
+      <dsp:style>
+        <a:lnRef idx="2">
+          <a:scrgbClr r="0" g="0" b="0"/>
+        </a:lnRef>
+        <a:fillRef idx="1">
+          <a:scrgbClr r="0" g="0" b="0"/>
+        </a:fillRef>
+        <a:effectRef idx="0">
+          <a:scrgbClr r="0" g="0" b="0"/>
+        </a:effectRef>
+        <a:fontRef idx="minor"/>
+      </dsp:style>
+      <dsp:txBody>
+        <a:bodyPr spcFirstLastPara="0" vert="horz" wrap="square" lIns="170688" tIns="170688" rIns="227584" bIns="256032" numCol="1" spcCol="1270" anchor="t" anchorCtr="0">
+          <a:noAutofit/>
+        </a:bodyPr>
+        <a:lstStyle/>
+        <a:p>
+          <a:pPr marL="285750" lvl="1" indent="-285750" algn="l" defTabSz="1422400">
+            <a:lnSpc>
+              <a:spcPct val="90000"/>
+            </a:lnSpc>
+            <a:spcBef>
+              <a:spcPct val="0"/>
+            </a:spcBef>
+            <a:spcAft>
+              <a:spcPct val="15000"/>
+            </a:spcAft>
+            <a:buChar char="••"/>
+          </a:pPr>
+          <a:r>
+            <a:rPr lang="en-US" altLang="zh-TW" sz="3200" kern="1200" dirty="0" err="1" smtClean="0"/>
+            <a:t>NetBeans</a:t>
+          </a:r>
+          <a:endParaRPr lang="zh-TW" altLang="en-US" sz="3200" kern="1200" dirty="0"/>
+        </a:p>
+        <a:p>
+          <a:pPr marL="285750" lvl="1" indent="-285750" algn="l" defTabSz="1422400">
+            <a:lnSpc>
+              <a:spcPct val="90000"/>
+            </a:lnSpc>
+            <a:spcBef>
+              <a:spcPct val="0"/>
+            </a:spcBef>
+            <a:spcAft>
+              <a:spcPct val="15000"/>
+            </a:spcAft>
+            <a:buChar char="••"/>
+          </a:pPr>
+          <a:r>
+            <a:rPr lang="en-US" altLang="zh-TW" sz="3200" kern="1200" dirty="0" err="1" smtClean="0"/>
+            <a:t>GitHubs</a:t>
+          </a:r>
+          <a:endParaRPr lang="zh-TW" altLang="en-US" sz="3200" kern="1200" dirty="0"/>
+        </a:p>
+        <a:p>
+          <a:pPr marL="285750" lvl="1" indent="-285750" algn="l" defTabSz="1422400">
+            <a:lnSpc>
+              <a:spcPct val="90000"/>
+            </a:lnSpc>
+            <a:spcBef>
+              <a:spcPct val="0"/>
+            </a:spcBef>
+            <a:spcAft>
+              <a:spcPct val="15000"/>
+            </a:spcAft>
+            <a:buChar char="••"/>
+          </a:pPr>
+          <a:r>
+            <a:rPr lang="en-US" altLang="zh-TW" sz="3200" kern="1200" dirty="0" smtClean="0"/>
+            <a:t>Notepad++</a:t>
+          </a:r>
+          <a:endParaRPr lang="zh-TW" altLang="en-US" sz="3200" kern="1200" dirty="0"/>
+        </a:p>
+        <a:p>
+          <a:pPr marL="285750" lvl="1" indent="-285750" algn="l" defTabSz="1422400">
+            <a:lnSpc>
+              <a:spcPct val="90000"/>
+            </a:lnSpc>
+            <a:spcBef>
+              <a:spcPct val="0"/>
+            </a:spcBef>
+            <a:spcAft>
+              <a:spcPct val="15000"/>
+            </a:spcAft>
+            <a:buChar char="••"/>
+          </a:pPr>
+          <a:r>
+            <a:rPr lang="en-US" altLang="zh-TW" sz="3200" kern="1200" dirty="0" err="1" smtClean="0"/>
+            <a:t>PhotoShop</a:t>
+          </a:r>
+          <a:endParaRPr lang="zh-TW" altLang="en-US" sz="3200" kern="1200" dirty="0"/>
+        </a:p>
+        <a:p>
+          <a:pPr marL="285750" lvl="1" indent="-285750" algn="l" defTabSz="1422400">
+            <a:lnSpc>
+              <a:spcPct val="90000"/>
+            </a:lnSpc>
+            <a:spcBef>
+              <a:spcPct val="0"/>
+            </a:spcBef>
+            <a:spcAft>
+              <a:spcPct val="15000"/>
+            </a:spcAft>
+            <a:buChar char="••"/>
+          </a:pPr>
+          <a:r>
+            <a:rPr lang="en-US" altLang="zh-TW" sz="3200" kern="1200" dirty="0" err="1" smtClean="0"/>
+            <a:t>TeamViewer</a:t>
+          </a:r>
+          <a:endParaRPr lang="zh-TW" altLang="en-US" sz="3200" kern="1200" dirty="0"/>
+        </a:p>
+        <a:p>
+          <a:pPr marL="285750" lvl="1" indent="-285750" algn="l" defTabSz="1422400">
+            <a:lnSpc>
+              <a:spcPct val="90000"/>
+            </a:lnSpc>
+            <a:spcBef>
+              <a:spcPct val="0"/>
+            </a:spcBef>
+            <a:spcAft>
+              <a:spcPct val="15000"/>
+            </a:spcAft>
+            <a:buChar char="••"/>
+          </a:pPr>
+          <a:r>
+            <a:rPr lang="en-US" altLang="zh-TW" sz="3200" kern="1200" dirty="0" smtClean="0"/>
+            <a:t>JUDE</a:t>
+          </a:r>
+          <a:endParaRPr lang="zh-TW" altLang="en-US" sz="3200" kern="1200" dirty="0"/>
+        </a:p>
+        <a:p>
+          <a:pPr marL="285750" lvl="1" indent="-285750" algn="l" defTabSz="1422400">
+            <a:lnSpc>
+              <a:spcPct val="90000"/>
+            </a:lnSpc>
+            <a:spcBef>
+              <a:spcPct val="0"/>
+            </a:spcBef>
+            <a:spcAft>
+              <a:spcPct val="15000"/>
+            </a:spcAft>
+            <a:buChar char="••"/>
+          </a:pPr>
+          <a:r>
+            <a:rPr lang="en-US" altLang="zh-TW" sz="3200" kern="1200" dirty="0" smtClean="0"/>
+            <a:t>Free Mind</a:t>
+          </a:r>
+          <a:endParaRPr lang="zh-TW" altLang="en-US" sz="3200" kern="1200" dirty="0"/>
+        </a:p>
+      </dsp:txBody>
+      <dsp:txXfrm>
+        <a:off x="6355080" y="1821230"/>
+        <a:ext cx="2786062" cy="3688773"/>
+      </dsp:txXfrm>
+    </dsp:sp>
+  </dsp:spTree>
+</dsp:drawing>
+</file>
+
+<file path=ppt/diagrams/layout1.xml><?xml version="1.0" encoding="utf-8"?>
+<dgm:layoutDef xmlns:dgm="http://schemas.openxmlformats.org/drawingml/2006/diagram" xmlns:a="http://schemas.openxmlformats.org/drawingml/2006/main" uniqueId="urn:microsoft.com/office/officeart/2005/8/layout/hList1">
+  <dgm:title val=""/>
+  <dgm:desc val=""/>
+  <dgm:catLst>
+    <dgm:cat type="list" pri="5000"/>
+    <dgm:cat type="convert" pri="5000"/>
+  </dgm:catLst>
+  <dgm:sampData>
+    <dgm:dataModel>
+      <dgm:ptLst>
+        <dgm:pt modelId="0" type="doc"/>
+        <dgm:pt modelId="1">
+          <dgm:prSet phldr="1"/>
+        </dgm:pt>
+        <dgm:pt modelId="11">
+          <dgm:prSet phldr="1"/>
+        </dgm:pt>
+        <dgm:pt modelId="12">
+          <dgm:prSet phldr="1"/>
+        </dgm:pt>
+        <dgm:pt modelId="2">
+          <dgm:prSet phldr="1"/>
+        </dgm:pt>
+        <dgm:pt modelId="21">
+          <dgm:prSet phldr="1"/>
+        </dgm:pt>
+        <dgm:pt modelId="22">
+          <dgm:prSet phldr="1"/>
+        </dgm:pt>
+        <dgm:pt modelId="3">
+          <dgm:prSet phldr="1"/>
+        </dgm:pt>
+        <dgm:pt modelId="31">
+          <dgm:prSet phldr="1"/>
+        </dgm:pt>
+        <dgm:pt modelId="32">
+          <dgm:prSet phldr="1"/>
+        </dgm:pt>
+      </dgm:ptLst>
+      <dgm:cxnLst>
+        <dgm:cxn modelId="4" srcId="0" destId="1" srcOrd="0" destOrd="0"/>
+        <dgm:cxn modelId="5" srcId="0" destId="2" srcOrd="1" destOrd="0"/>
+        <dgm:cxn modelId="6" srcId="0" destId="3" srcOrd="2" destOrd="0"/>
+        <dgm:cxn modelId="13" srcId="1" destId="11" srcOrd="0" destOrd="0"/>
+        <dgm:cxn modelId="14" srcId="1" destId="12" srcOrd="1" destOrd="0"/>
+        <dgm:cxn modelId="23" srcId="2" destId="21" srcOrd="0" destOrd="0"/>
+        <dgm:cxn modelId="24" srcId="2" destId="22" srcOrd="1" destOrd="0"/>
+        <dgm:cxn modelId="33" srcId="3" destId="31" srcOrd="0" destOrd="0"/>
+        <dgm:cxn modelId="34" srcId="3" destId="32" srcOrd="1" destOrd="0"/>
+      </dgm:cxnLst>
+      <dgm:bg/>
+      <dgm:whole/>
+    </dgm:dataModel>
+  </dgm:sampData>
+  <dgm:styleData>
+    <dgm:dataModel>
+      <dgm:ptLst>
+        <dgm:pt modelId="0" type="doc"/>
+        <dgm:pt modelId="1">
+          <dgm:prSet phldr="1"/>
+        </dgm:pt>
+        <dgm:pt modelId="2">
+          <dgm:prSet phldr="1"/>
+        </dgm:pt>
+      </dgm:ptLst>
+      <dgm:cxnLst>
+        <dgm:cxn modelId="3" srcId="0" destId="1" srcOrd="0" destOrd="0"/>
+        <dgm:cxn modelId="4" srcId="0" destId="2" srcOrd="1" destOrd="0"/>
+      </dgm:cxnLst>
+      <dgm:bg/>
+      <dgm:whole/>
+    </dgm:dataModel>
+  </dgm:styleData>
+  <dgm:clrData>
+    <dgm:dataModel>
+      <dgm:ptLst>
+        <dgm:pt modelId="0" type="doc"/>
+        <dgm:pt modelId="1">
+          <dgm:prSet phldr="1"/>
+        </dgm:pt>
+        <dgm:pt modelId="2">
+          <dgm:prSet phldr="1"/>
+        </dgm:pt>
+        <dgm:pt modelId="3">
+          <dgm:prSet phldr="1"/>
+        </dgm:pt>
+        <dgm:pt modelId="4">
+          <dgm:prSet phldr="1"/>
+        </dgm:pt>
+      </dgm:ptLst>
+      <dgm:cxnLst>
+        <dgm:cxn modelId="5" srcId="0" destId="1" srcOrd="0" destOrd="0"/>
+        <dgm:cxn modelId="6" srcId="0" destId="2" srcOrd="1" destOrd="0"/>
+        <dgm:cxn modelId="7" srcId="0" destId="3" srcOrd="2" destOrd="0"/>
+        <dgm:cxn modelId="8" srcId="0" destId="4" srcOrd="3" destOrd="0"/>
+      </dgm:cxnLst>
+      <dgm:bg/>
+      <dgm:whole/>
+    </dgm:dataModel>
+  </dgm:clrData>
+  <dgm:layoutNode name="Name0">
+    <dgm:varLst>
+      <dgm:dir/>
+      <dgm:animLvl val="lvl"/>
+      <dgm:resizeHandles val="exact"/>
+    </dgm:varLst>
+    <dgm:choose name="Name1">
+      <dgm:if name="Name2" func="var" arg="dir" op="equ" val="norm">
+        <dgm:alg type="lin"/>
+      </dgm:if>
+      <dgm:else name="Name3">
+        <dgm:alg type="lin">
+          <dgm:param type="linDir" val="fromR"/>
+        </dgm:alg>
+      </dgm:else>
+    </dgm:choose>
+    <dgm:shape xmlns:r="http://schemas.openxmlformats.org/officeDocument/2006/relationships" r:blip="">
+      <dgm:adjLst/>
+    </dgm:shape>
+    <dgm:presOf/>
+    <dgm:constrLst>
+      <dgm:constr type="h" for="ch" forName="composite" refType="h"/>
+      <dgm:constr type="w" for="ch" forName="composite" refType="w"/>
+      <dgm:constr type="w" for="des" forName="parTx"/>
+      <dgm:constr type="h" for="des" forName="parTx" op="equ"/>
+      <dgm:constr type="w" for="des" forName="desTx"/>
+      <dgm:constr type="h" for="des" forName="desTx" op="equ"/>
+      <dgm:constr type="primFontSz" for="des" forName="parTx" val="65"/>
+      <dgm:constr type="secFontSz" for="des" forName="desTx" refType="primFontSz" refFor="des" refForName="parTx" op="equ"/>
+      <dgm:constr type="h" for="des" forName="parTx" refType="primFontSz" refFor="des" refForName="parTx" fact="0.8"/>
+      <dgm:constr type="h" for="des" forName="desTx" refType="primFontSz" refFor="des" refForName="parTx" fact="1.22"/>
+      <dgm:constr type="w" for="ch" forName="space" refType="w" refFor="ch" refForName="composite" op="equ" fact="0.14"/>
+    </dgm:constrLst>
+    <dgm:ruleLst>
+      <dgm:rule type="w" for="ch" forName="composite" val="0" fact="NaN" max="NaN"/>
+      <dgm:rule type="primFontSz" for="des" forName="parTx" val="5" fact="NaN" max="NaN"/>
+    </dgm:ruleLst>
+    <dgm:forEach name="Name4" axis="ch" ptType="node">
+      <dgm:layoutNode name="composite">
+        <dgm:alg type="composite"/>
+        <dgm:shape xmlns:r="http://schemas.openxmlformats.org/officeDocument/2006/relationships" r:blip="">
+          <dgm:adjLst/>
+        </dgm:shape>
+        <dgm:presOf/>
+        <dgm:constrLst>
+          <dgm:constr type="l" for="ch" forName="parTx"/>
+          <dgm:constr type="w" for="ch" forName="parTx" refType="w"/>
+          <dgm:constr type="t" for="ch" forName="parTx"/>
+          <dgm:constr type="l" for="ch" forName="desTx"/>
+          <dgm:constr type="w" for="ch" forName="desTx" refType="w" refFor="ch" refForName="parTx"/>
+          <dgm:constr type="t" for="ch" forName="desTx" refType="h" refFor="ch" refForName="parTx"/>
+        </dgm:constrLst>
+        <dgm:ruleLst>
+          <dgm:rule type="h" val="INF" fact="NaN" max="NaN"/>
+        </dgm:ruleLst>
+        <dgm:layoutNode name="parTx" styleLbl="alignNode1">
+          <dgm:varLst>
+            <dgm:chMax val="0"/>
+            <dgm:chPref val="0"/>
+            <dgm:bulletEnabled val="1"/>
+          </dgm:varLst>
+          <dgm:alg type="tx"/>
+          <dgm:shape xmlns:r="http://schemas.openxmlformats.org/officeDocument/2006/relationships" type="rect" r:blip="">
+            <dgm:adjLst/>
+          </dgm:shape>
+          <dgm:presOf axis="self" ptType="node"/>
+          <dgm:constrLst>
+            <dgm:constr type="h" refType="w" op="lte" fact="0.4"/>
+            <dgm:constr type="h"/>
+            <dgm:constr type="tMarg" refType="primFontSz" fact="0.32"/>
+            <dgm:constr type="bMarg" refType="primFontSz" fact="0.32"/>
+          </dgm:constrLst>
+          <dgm:ruleLst>
+            <dgm:rule type="h" val="INF" fact="NaN" max="NaN"/>
+          </dgm:ruleLst>
+        </dgm:layoutNode>
+        <dgm:layoutNode name="desTx" styleLbl="alignAccFollowNode1">
+          <dgm:varLst>
+            <dgm:bulletEnabled val="1"/>
+          </dgm:varLst>
+          <dgm:alg type="tx">
+            <dgm:param type="stBulletLvl" val="1"/>
+          </dgm:alg>
+          <dgm:shape xmlns:r="http://schemas.openxmlformats.org/officeDocument/2006/relationships" type="rect" r:blip="">
+            <dgm:adjLst/>
+          </dgm:shape>
+          <dgm:presOf axis="des" ptType="node"/>
+          <dgm:constrLst>
+            <dgm:constr type="secFontSz" val="65"/>
+            <dgm:constr type="primFontSz" refType="secFontSz"/>
+            <dgm:constr type="h"/>
+            <dgm:constr type="lMarg" refType="primFontSz" fact="0.42"/>
+            <dgm:constr type="tMarg" refType="primFontSz" fact="0.42"/>
+            <dgm:constr type="bMarg" refType="primFontSz" fact="0.63"/>
+          </dgm:constrLst>
+          <dgm:ruleLst>
+            <dgm:rule type="h" val="INF" fact="NaN" max="NaN"/>
+          </dgm:ruleLst>
+        </dgm:layoutNode>
+      </dgm:layoutNode>
+      <dgm:forEach name="Name5" axis="followSib" ptType="sibTrans" cnt="1">
+        <dgm:layoutNode name="space">
+          <dgm:alg type="sp"/>
+          <dgm:shape xmlns:r="http://schemas.openxmlformats.org/officeDocument/2006/relationships" r:blip="">
+            <dgm:adjLst/>
+          </dgm:shape>
+          <dgm:presOf/>
+          <dgm:constrLst/>
+          <dgm:ruleLst/>
+        </dgm:layoutNode>
+      </dgm:forEach>
+    </dgm:forEach>
+  </dgm:layoutNode>
+</dgm:layoutDef>
+</file>
+
+<file path=ppt/diagrams/quickStyle1.xml><?xml version="1.0" encoding="utf-8"?>
+<dgm:styleDef xmlns:dgm="http://schemas.openxmlformats.org/drawingml/2006/diagram" xmlns:a="http://schemas.openxmlformats.org/drawingml/2006/main" uniqueId="urn:microsoft.com/office/officeart/2005/8/quickstyle/simple1">
+  <dgm:title val=""/>
+  <dgm:desc val=""/>
+  <dgm:catLst>
+    <dgm:cat type="simple" pri="10100"/>
+  </dgm:catLst>
+  <dgm:scene3d>
+    <a:camera prst="orthographicFront"/>
+    <a:lightRig rig="threePt" dir="t"/>
+  </dgm:scene3d>
+  <dgm:styleLbl name="node0">
+    <dgm:scene3d>
+      <a:camera prst="orthographicFront"/>
+      <a:lightRig rig="threePt" dir="t"/>
+    </dgm:scene3d>
+    <dgm:sp3d/>
+    <dgm:txPr/>
+    <dgm:style>
+      <a:lnRef idx="2">
+        <a:scrgbClr r="0" g="0" b="0"/>
+      </a:lnRef>
+      <a:fillRef idx="1">
+        <a:scrgbClr r="0" g="0" b="0"/>
+      </a:fillRef>
+      <a:effectRef idx="0">
+        <a:scrgbClr r="0" g="0" b="0"/>
+      </a:effectRef>
+      <a:fontRef idx="minor">
+        <a:schemeClr val="lt1"/>
+      </a:fontRef>
+    </dgm:style>
+  </dgm:styleLbl>
+  <dgm:styleLbl name="lnNode1">
+    <dgm:scene3d>
+      <a:camera prst="orthographicFront"/>
+      <a:lightRig rig="threePt" dir="t"/>
+    </dgm:scene3d>
+    <dgm:sp3d/>
+    <dgm:txPr/>
+    <dgm:style>
+      <a:lnRef idx="2">
+        <a:scrgbClr r="0" g="0" b="0"/>
+      </a:lnRef>
+      <a:fillRef idx="1">
+        <a:scrgbClr r="0" g="0" b="0"/>
+      </a:fillRef>
+      <a:effectRef idx="0">
+        <a:scrgbClr r="0" g="0" b="0"/>
+      </a:effectRef>
+      <a:fontRef idx="minor">
+        <a:schemeClr val="lt1"/>
+      </a:fontRef>
+    </dgm:style>
+  </dgm:styleLbl>
+  <dgm:styleLbl name="vennNode1">
+    <dgm:scene3d>
+      <a:camera prst="orthographicFront"/>
+      <a:lightRig rig="threePt" dir="t"/>
+    </dgm:scene3d>
+    <dgm:sp3d/>
+    <dgm:txPr/>
+    <dgm:style>
+      <a:lnRef idx="2">
+        <a:scrgbClr r="0" g="0" b="0"/>
+      </a:lnRef>
+      <a:fillRef idx="1">
+        <a:scrgbClr r="0" g="0" b="0"/>
+      </a:fillRef>
+      <a:effectRef idx="0">
+        <a:scrgbClr r="0" g="0" b="0"/>
+      </a:effectRef>
+      <a:fontRef idx="minor">
+        <a:schemeClr val="tx1"/>
+      </a:fontRef>
+    </dgm:style>
+  </dgm:styleLbl>
+  <dgm:styleLbl name="alignNode1">
+    <dgm:scene3d>
+      <a:camera prst="orthographicFront"/>
+      <a:lightRig rig="threePt" dir="t"/>
+    </dgm:scene3d>
+    <dgm:sp3d/>
+    <dgm:txPr/>
+    <dgm:style>
+      <a:lnRef idx="2">
+        <a:scrgbClr r="0" g="0" b="0"/>
+      </a:lnRef>
+      <a:fillRef idx="1">
+        <a:scrgbClr r="0" g="0" b="0"/>
+      </a:fillRef>
+      <a:effectRef idx="0">
+        <a:scrgbClr r="0" g="0" b="0"/>
+      </a:effectRef>
+      <a:fontRef idx="minor">
+        <a:schemeClr val="lt1"/>
+      </a:fontRef>
+    </dgm:style>
+  </dgm:styleLbl>
+  <dgm:styleLbl name="node1">
+    <dgm:scene3d>
+      <a:camera prst="orthographicFront"/>
+      <a:lightRig rig="threePt" dir="t"/>
+    </dgm:scene3d>
+    <dgm:sp3d/>
+    <dgm:txPr/>
+    <dgm:style>
+      <a:lnRef idx="2">
+        <a:scrgbClr r="0" g="0" b="0"/>
+      </a:lnRef>
+      <a:fillRef idx="1">
+        <a:scrgbClr r="0" g="0" b="0"/>
+      </a:fillRef>
+      <a:effectRef idx="0">
+        <a:scrgbClr r="0" g="0" b="0"/>
+      </a:effectRef>
+      <a:fontRef idx="minor">
+        <a:schemeClr val="lt1"/>
+      </a:fontRef>
+    </dgm:style>
+  </dgm:styleLbl>
+  <dgm:styleLbl name="node2">
+    <dgm:scene3d>
+      <a:camera prst="orthographicFront"/>
+      <a:lightRig rig="threePt" dir="t"/>
+    </dgm:scene3d>
+    <dgm:sp3d/>
+    <dgm:txPr/>
+    <dgm:style>
+      <a:lnRef idx="2">
+        <a:scrgbClr r="0" g="0" b="0"/>
+      </a:lnRef>
+      <a:fillRef idx="1">
+        <a:scrgbClr r="0" g="0" b="0"/>
+      </a:fillRef>
+      <a:effectRef idx="0">
+        <a:scrgbClr r="0" g="0" b="0"/>
+      </a:effectRef>
+      <a:fontRef idx="minor">
+        <a:schemeClr val="lt1"/>
+      </a:fontRef>
+    </dgm:style>
+  </dgm:styleLbl>
+  <dgm:styleLbl name="node3">
+    <dgm:scene3d>
+      <a:camera prst="orthographicFront"/>
+      <a:lightRig rig="threePt" dir="t"/>
+    </dgm:scene3d>
+    <dgm:sp3d/>
+    <dgm:txPr/>
+    <dgm:style>
+      <a:lnRef idx="2">
+        <a:scrgbClr r="0" g="0" b="0"/>
+      </a:lnRef>
+      <a:fillRef idx="1">
+        <a:scrgbClr r="0" g="0" b="0"/>
+      </a:fillRef>
+      <a:effectRef idx="0">
+        <a:scrgbClr r="0" g="0" b="0"/>
+      </a:effectRef>
+      <a:fontRef idx="minor">
+        <a:schemeClr val="lt1"/>
+      </a:fontRef>
+    </dgm:style>
+  </dgm:styleLbl>
+  <dgm:styleLbl name="node4">
+    <dgm:scene3d>
+      <a:camera prst="orthographicFront"/>
+      <a:lightRig rig="threePt" dir="t"/>
+    </dgm:scene3d>
+    <dgm:sp3d/>
+    <dgm:txPr/>
+    <dgm:style>
+      <a:lnRef idx="2">
+        <a:scrgbClr r="0" g="0" b="0"/>
+      </a:lnRef>
+      <a:fillRef idx="1">
+        <a:scrgbClr r="0" g="0" b="0"/>
+      </a:fillRef>
+      <a:effectRef idx="0">
+        <a:scrgbClr r="0" g="0" b="0"/>
+      </a:effectRef>
+      <a:fontRef idx="minor">
+        <a:schemeClr val="lt1"/>
+      </a:fontRef>
+    </dgm:style>
+  </dgm:styleLbl>
+  <dgm:styleLbl name="fgImgPlace1">
+    <dgm:scene3d>
+      <a:camera prst="orthographicFront"/>
+      <a:lightRig rig="threePt" dir="t"/>
+    </dgm:scene3d>
+    <dgm:sp3d/>
+    <dgm:txPr/>
+    <dgm:style>
+      <a:lnRef idx="2">
+        <a:scrgbClr r="0" g="0" b="0"/>
+      </a:lnRef>
+      <a:fillRef idx="1">
+        <a:scrgbClr r="0" g="0" b="0"/>
+      </a:fillRef>
+      <a:effectRef idx="0">
+        <a:scrgbClr r="0" g="0" b="0"/>
+      </a:effectRef>
+      <a:fontRef idx="minor"/>
+    </dgm:style>
+  </dgm:styleLbl>
+  <dgm:styleLbl name="alignImgPlace1">
+    <dgm:scene3d>
+      <a:camera prst="orthographicFront"/>
+      <a:lightRig rig="threePt" dir="t"/>
+    </dgm:scene3d>
+    <dgm:sp3d/>
+    <dgm:txPr/>
+    <dgm:style>
+      <a:lnRef idx="2">
+        <a:scrgbClr r="0" g="0" b="0"/>
+      </a:lnRef>
+      <a:fillRef idx="1">
+        <a:scrgbClr r="0" g="0" b="0"/>
+      </a:fillRef>
+      <a:effectRef idx="0">
+        <a:scrgbClr r="0" g="0" b="0"/>
+      </a:effectRef>
+      <a:fontRef idx="minor"/>
+    </dgm:style>
+  </dgm:styleLbl>
+  <dgm:styleLbl name="bgImgPlace1">
+    <dgm:scene3d>
+      <a:camera prst="orthographicFront"/>
+      <a:lightRig rig="threePt" dir="t"/>
+    </dgm:scene3d>
+    <dgm:sp3d/>
+    <dgm:txPr/>
+    <dgm:style>
+      <a:lnRef idx="2">
+        <a:scrgbClr r="0" g="0" b="0"/>
+      </a:lnRef>
+      <a:fillRef idx="1">
+        <a:scrgbClr r="0" g="0" b="0"/>
+      </a:fillRef>
+      <a:effectRef idx="0">
+        <a:scrgbClr r="0" g="0" b="0"/>
+      </a:effectRef>
+      <a:fontRef idx="minor"/>
+    </dgm:style>
+  </dgm:styleLbl>
+  <dgm:styleLbl name="sibTrans2D1">
+    <dgm:scene3d>
+      <a:camera prst="orthographicFront"/>
+      <a:lightRig rig="threePt" dir="t"/>
+    </dgm:scene3d>
+    <dgm:sp3d/>
+    <dgm:txPr/>
+    <dgm:style>
+      <a:lnRef idx="0">
+        <a:scrgbClr r="0" g="0" b="0"/>
+      </a:lnRef>
+      <a:fillRef idx="1">
+        <a:scrgbClr r="0" g="0" b="0"/>
+      </a:fillRef>
+      <a:effectRef idx="0">
+        <a:scrgbClr r="0" g="0" b="0"/>
+      </a:effectRef>
+      <a:fontRef idx="minor">
+        <a:schemeClr val="lt1"/>
+      </a:fontRef>
+    </dgm:style>
+  </dgm:styleLbl>
+  <dgm:styleLbl name="fgSibTrans2D1">
+    <dgm:scene3d>
+      <a:camera prst="orthographicFront"/>
+      <a:lightRig rig="threePt" dir="t"/>
+    </dgm:scene3d>
+    <dgm:sp3d/>
+    <dgm:txPr/>
+    <dgm:style>
+      <a:lnRef idx="0">
+        <a:scrgbClr r="0" g="0" b="0"/>
+      </a:lnRef>
+      <a:fillRef idx="1">
+        <a:scrgbClr r="0" g="0" b="0"/>
+      </a:fillRef>
+      <a:effectRef idx="0">
+        <a:scrgbClr r="0" g="0" b="0"/>
+      </a:effectRef>
+      <a:fontRef idx="minor">
+        <a:schemeClr val="lt1"/>
+      </a:fontRef>
+    </dgm:style>
+  </dgm:styleLbl>
+  <dgm:styleLbl name="bgSibTrans2D1">
+    <dgm:scene3d>
+      <a:camera prst="orthographicFront"/>
+      <a:lightRig rig="threePt" dir="t"/>
+    </dgm:scene3d>
+    <dgm:sp3d/>
+    <dgm:txPr/>
+    <dgm:style>
+      <a:lnRef idx="0">
+        <a:scrgbClr r="0" g="0" b="0"/>
+      </a:lnRef>
+      <a:fillRef idx="1">
+        <a:scrgbClr r="0" g="0" b="0"/>
+      </a:fillRef>
+      <a:effectRef idx="0">
+        <a:scrgbClr r="0" g="0" b="0"/>
+      </a:effectRef>
+      <a:fontRef idx="minor">
+        <a:schemeClr val="lt1"/>
+      </a:fontRef>
+    </dgm:style>
+  </dgm:styleLbl>
+  <dgm:styleLbl name="sibTrans1D1">
+    <dgm:scene3d>
+      <a:camera prst="orthographicFront"/>
+      <a:lightRig rig="threePt" dir="t"/>
+    </dgm:scene3d>
+    <dgm:sp3d/>
+    <dgm:txPr/>
+    <dgm:style>
+      <a:lnRef idx="1">
+        <a:scrgbClr r="0" g="0" b="0"/>
+      </a:lnRef>
+      <a:fillRef idx="0">
+        <a:scrgbClr r="0" g="0" b="0"/>
+      </a:fillRef>
+      <a:effectRef idx="0">
+        <a:scrgbClr r="0" g="0" b="0"/>
+      </a:effectRef>
+      <a:fontRef idx="minor"/>
+    </dgm:style>
+  </dgm:styleLbl>
+  <dgm:styleLbl name="callout">
+    <dgm:scene3d>
+      <a:camera prst="orthographicFront"/>
+      <a:lightRig rig="threePt" dir="t"/>
+    </dgm:scene3d>
+    <dgm:sp3d/>
+    <dgm:txPr/>
+    <dgm:style>
+      <a:lnRef idx="2">
+        <a:scrgbClr r="0" g="0" b="0"/>
+      </a:lnRef>
+      <a:fillRef idx="1">
+        <a:scrgbClr r="0" g="0" b="0"/>
+      </a:fillRef>
+      <a:effectRef idx="0">
+        <a:scrgbClr r="0" g="0" b="0"/>
+      </a:effectRef>
+      <a:fontRef idx="minor"/>
+    </dgm:style>
+  </dgm:styleLbl>
+  <dgm:styleLbl name="asst0">
+    <dgm:scene3d>
+      <a:camera prst="orthographicFront"/>
+      <a:lightRig rig="threePt" dir="t"/>
+    </dgm:scene3d>
+    <dgm:sp3d/>
+    <dgm:txPr/>
+    <dgm:style>
+      <a:lnRef idx="2">
+        <a:scrgbClr r="0" g="0" b="0"/>
+      </a:lnRef>
+      <a:fillRef idx="1">
+        <a:scrgbClr r="0" g="0" b="0"/>
+      </a:fillRef>
+      <a:effectRef idx="0">
+        <a:scrgbClr r="0" g="0" b="0"/>
+      </a:effectRef>
+      <a:fontRef idx="minor">
+        <a:schemeClr val="lt1"/>
+      </a:fontRef>
+    </dgm:style>
+  </dgm:styleLbl>
+  <dgm:styleLbl name="asst1">
+    <dgm:scene3d>
+      <a:camera prst="orthographicFront"/>
+      <a:lightRig rig="threePt" dir="t"/>
+    </dgm:scene3d>
+    <dgm:sp3d/>
+    <dgm:txPr/>
+    <dgm:style>
+      <a:lnRef idx="2">
+        <a:scrgbClr r="0" g="0" b="0"/>
+      </a:lnRef>
+      <a:fillRef idx="1">
+        <a:scrgbClr r="0" g="0" b="0"/>
+      </a:fillRef>
+      <a:effectRef idx="0">
+        <a:scrgbClr r="0" g="0" b="0"/>
+      </a:effectRef>
+      <a:fontRef idx="minor">
+        <a:schemeClr val="lt1"/>
+      </a:fontRef>
+    </dgm:style>
+  </dgm:styleLbl>
+  <dgm:styleLbl name="asst2">
+    <dgm:scene3d>
+      <a:camera prst="orthographicFront"/>
+      <a:lightRig rig="threePt" dir="t"/>
+    </dgm:scene3d>
+    <dgm:sp3d/>
+    <dgm:txPr/>
+    <dgm:style>
+      <a:lnRef idx="2">
+        <a:scrgbClr r="0" g="0" b="0"/>
+      </a:lnRef>
+      <a:fillRef idx="1">
+        <a:scrgbClr r="0" g="0" b="0"/>
+      </a:fillRef>
+      <a:effectRef idx="0">
+        <a:scrgbClr r="0" g="0" b="0"/>
+      </a:effectRef>
+      <a:fontRef idx="minor">
+        <a:schemeClr val="lt1"/>
+      </a:fontRef>
+    </dgm:style>
+  </dgm:styleLbl>
+  <dgm:styleLbl name="asst3">
+    <dgm:scene3d>
+      <a:camera prst="orthographicFront"/>
+      <a:lightRig rig="threePt" dir="t"/>
+    </dgm:scene3d>
+    <dgm:sp3d/>
+    <dgm:txPr/>
+    <dgm:style>
+      <a:lnRef idx="2">
+        <a:scrgbClr r="0" g="0" b="0"/>
+      </a:lnRef>
+      <a:fillRef idx="1">
+        <a:scrgbClr r="0" g="0" b="0"/>
+      </a:fillRef>
+      <a:effectRef idx="0">
+        <a:scrgbClr r="0" g="0" b="0"/>
+      </a:effectRef>
+      <a:fontRef idx="minor">
+        <a:schemeClr val="lt1"/>
+      </a:fontRef>
+    </dgm:style>
+  </dgm:styleLbl>
+  <dgm:styleLbl name="asst4">
+    <dgm:scene3d>
+      <a:camera prst="orthographicFront"/>
+      <a:lightRig rig="threePt" dir="t"/>
+    </dgm:scene3d>
+    <dgm:sp3d/>
+    <dgm:txPr/>
+    <dgm:style>
+      <a:lnRef idx="2">
+        <a:scrgbClr r="0" g="0" b="0"/>
+      </a:lnRef>
+      <a:fillRef idx="1">
+        <a:scrgbClr r="0" g="0" b="0"/>
+      </a:fillRef>
+      <a:effectRef idx="0">
+        <a:scrgbClr r="0" g="0" b="0"/>
+      </a:effectRef>
+      <a:fontRef idx="minor">
+        <a:schemeClr val="lt1"/>
+      </a:fontRef>
+    </dgm:style>
+  </dgm:styleLbl>
+  <dgm:styleLbl name="parChTrans2D1">
+    <dgm:scene3d>
+      <a:camera prst="orthographicFront"/>
+      <a:lightRig rig="threePt" dir="t"/>
+    </dgm:scene3d>
+    <dgm:sp3d/>
+    <dgm:txPr/>
+    <dgm:style>
+      <a:lnRef idx="2">
+        <a:scrgbClr r="0" g="0" b="0"/>
+      </a:lnRef>
+      <a:fillRef idx="1">
+        <a:scrgbClr r="0" g="0" b="0"/>
+      </a:fillRef>
+      <a:effectRef idx="0">
+        <a:scrgbClr r="0" g="0" b="0"/>
+      </a:effectRef>
+      <a:fontRef idx="minor">
+        <a:schemeClr val="lt1"/>
+      </a:fontRef>
+    </dgm:style>
+  </dgm:styleLbl>
+  <dgm:styleLbl name="parChTrans2D2">
+    <dgm:scene3d>
+      <a:camera prst="orthographicFront"/>
+      <a:lightRig rig="threePt" dir="t"/>
+    </dgm:scene3d>
+    <dgm:sp3d/>
+    <dgm:txPr/>
+    <dgm:style>
+      <a:lnRef idx="2">
+        <a:scrgbClr r="0" g="0" b="0"/>
+      </a:lnRef>
+      <a:fillRef idx="1">
+        <a:scrgbClr r="0" g="0" b="0"/>
+      </a:fillRef>
+      <a:effectRef idx="0">
+        <a:scrgbClr r="0" g="0" b="0"/>
+      </a:effectRef>
+      <a:fontRef idx="minor">
+        <a:schemeClr val="lt1"/>
+      </a:fontRef>
+    </dgm:style>
+  </dgm:styleLbl>
+  <dgm:styleLbl name="parChTrans2D3">
+    <dgm:scene3d>
+      <a:camera prst="orthographicFront"/>
+      <a:lightRig rig="threePt" dir="t"/>
+    </dgm:scene3d>
+    <dgm:sp3d/>
+    <dgm:txPr/>
+    <dgm:style>
+      <a:lnRef idx="2">
+        <a:scrgbClr r="0" g="0" b="0"/>
+      </a:lnRef>
+      <a:fillRef idx="1">
+        <a:scrgbClr r="0" g="0" b="0"/>
+      </a:fillRef>
+      <a:effectRef idx="0">
+        <a:scrgbClr r="0" g="0" b="0"/>
+      </a:effectRef>
+      <a:fontRef idx="minor">
+        <a:schemeClr val="lt1"/>
+      </a:fontRef>
+    </dgm:style>
+  </dgm:styleLbl>
+  <dgm:styleLbl name="parChTrans2D4">
+    <dgm:scene3d>
+      <a:camera prst="orthographicFront"/>
+      <a:lightRig rig="threePt" dir="t"/>
+    </dgm:scene3d>
+    <dgm:sp3d/>
+    <dgm:txPr/>
+    <dgm:style>
+      <a:lnRef idx="2">
+        <a:scrgbClr r="0" g="0" b="0"/>
+      </a:lnRef>
+      <a:fillRef idx="1">
+        <a:scrgbClr r="0" g="0" b="0"/>
+      </a:fillRef>
+      <a:effectRef idx="0">
+        <a:scrgbClr r="0" g="0" b="0"/>
+      </a:effectRef>
+      <a:fontRef idx="minor">
+        <a:schemeClr val="lt1"/>
+      </a:fontRef>
+    </dgm:style>
+  </dgm:styleLbl>
+  <dgm:styleLbl name="parChTrans1D1">
+    <dgm:scene3d>
+      <a:camera prst="orthographicFront"/>
+      <a:lightRig rig="threePt" dir="t"/>
+    </dgm:scene3d>
+    <dgm:sp3d/>
+    <dgm:txPr/>
+    <dgm:style>
+      <a:lnRef idx="2">
+        <a:scrgbClr r="0" g="0" b="0"/>
+      </a:lnRef>
+      <a:fillRef idx="0">
+        <a:scrgbClr r="0" g="0" b="0"/>
+      </a:fillRef>
+      <a:effectRef idx="0">
+        <a:scrgbClr r="0" g="0" b="0"/>
+      </a:effectRef>
+      <a:fontRef idx="minor"/>
+    </dgm:style>
+  </dgm:styleLbl>
+  <dgm:styleLbl name="parChTrans1D2">
+    <dgm:scene3d>
+      <a:camera prst="orthographicFront"/>
+      <a:lightRig rig="threePt" dir="t"/>
+    </dgm:scene3d>
+    <dgm:sp3d/>
+    <dgm:txPr/>
+    <dgm:style>
+      <a:lnRef idx="2">
+        <a:scrgbClr r="0" g="0" b="0"/>
+      </a:lnRef>
+      <a:fillRef idx="0">
+        <a:scrgbClr r="0" g="0" b="0"/>
+      </a:fillRef>
+      <a:effectRef idx="0">
+        <a:scrgbClr r="0" g="0" b="0"/>
+      </a:effectRef>
+      <a:fontRef idx="minor"/>
+    </dgm:style>
+  </dgm:styleLbl>
+  <dgm:styleLbl name="parChTrans1D3">
+    <dgm:scene3d>
+      <a:camera prst="orthographicFront"/>
+      <a:lightRig rig="threePt" dir="t"/>
+    </dgm:scene3d>
+    <dgm:sp3d/>
+    <dgm:txPr/>
+    <dgm:style>
+      <a:lnRef idx="2">
+        <a:scrgbClr r="0" g="0" b="0"/>
+      </a:lnRef>
+      <a:fillRef idx="0">
+        <a:scrgbClr r="0" g="0" b="0"/>
+      </a:fillRef>
+      <a:effectRef idx="0">
+        <a:scrgbClr r="0" g="0" b="0"/>
+      </a:effectRef>
+      <a:fontRef idx="minor"/>
+    </dgm:style>
+  </dgm:styleLbl>
+  <dgm:styleLbl name="parChTrans1D4">
+    <dgm:scene3d>
+      <a:camera prst="orthographicFront"/>
+      <a:lightRig rig="threePt" dir="t"/>
+    </dgm:scene3d>
+    <dgm:sp3d/>
+    <dgm:txPr/>
+    <dgm:style>
+      <a:lnRef idx="2">
+        <a:scrgbClr r="0" g="0" b="0"/>
+      </a:lnRef>
+      <a:fillRef idx="0">
+        <a:scrgbClr r="0" g="0" b="0"/>
+      </a:fillRef>
+      <a:effectRef idx="0">
+        <a:scrgbClr r="0" g="0" b="0"/>
+      </a:effectRef>
+      <a:fontRef idx="minor"/>
+    </dgm:style>
+  </dgm:styleLbl>
+  <dgm:styleLbl name="fgAcc1">
+    <dgm:scene3d>
+      <a:camera prst="orthographicFront"/>
+      <a:lightRig rig="threePt" dir="t"/>
+    </dgm:scene3d>
+    <dgm:sp3d/>
+    <dgm:txPr/>
+    <dgm:style>
+      <a:lnRef idx="2">
+        <a:scrgbClr r="0" g="0" b="0"/>
+      </a:lnRef>
+      <a:fillRef idx="1">
+        <a:scrgbClr r="0" g="0" b="0"/>
+      </a:fillRef>
+      <a:effectRef idx="0">
+        <a:scrgbClr r="0" g="0" b="0"/>
+      </a:effectRef>
+      <a:fontRef idx="minor"/>
+    </dgm:style>
+  </dgm:styleLbl>
+  <dgm:styleLbl name="conFgAcc1">
+    <dgm:scene3d>
+      <a:camera prst="orthographicFront"/>
+      <a:lightRig rig="threePt" dir="t"/>
+    </dgm:scene3d>
+    <dgm:sp3d/>
+    <dgm:txPr/>
+    <dgm:style>
+      <a:lnRef idx="2">
+        <a:scrgbClr r="0" g="0" b="0"/>
+      </a:lnRef>
+      <a:fillRef idx="1">
+        <a:scrgbClr r="0" g="0" b="0"/>
+      </a:fillRef>
+      <a:effectRef idx="0">
+        <a:scrgbClr r="0" g="0" b="0"/>
+      </a:effectRef>
+      <a:fontRef idx="minor"/>
+    </dgm:style>
+  </dgm:styleLbl>
+  <dgm:styleLbl name="alignAcc1">
+    <dgm:scene3d>
+      <a:camera prst="orthographicFront"/>
+      <a:lightRig rig="threePt" dir="t"/>
+    </dgm:scene3d>
+    <dgm:sp3d/>
+    <dgm:txPr/>
+    <dgm:style>
+      <a:lnRef idx="2">
+        <a:scrgbClr r="0" g="0" b="0"/>
+      </a:lnRef>
+      <a:fillRef idx="1">
+        <a:scrgbClr r="0" g="0" b="0"/>
+      </a:fillRef>
+      <a:effectRef idx="0">
+        <a:scrgbClr r="0" g="0" b="0"/>
+      </a:effectRef>
+      <a:fontRef idx="minor"/>
+    </dgm:style>
+  </dgm:styleLbl>
+  <dgm:styleLbl name="trAlignAcc1">
+    <dgm:scene3d>
+      <a:camera prst="orthographicFront"/>
+      <a:lightRig rig="threePt" dir="t"/>
+    </dgm:scene3d>
+    <dgm:sp3d/>
+    <dgm:txPr/>
+    <dgm:style>
+      <a:lnRef idx="1">
+        <a:scrgbClr r="0" g="0" b="0"/>
+      </a:lnRef>
+      <a:fillRef idx="1">
+        <a:scrgbClr r="0" g="0" b="0"/>
+      </a:fillRef>
+      <a:effectRef idx="0">
+        <a:scrgbClr r="0" g="0" b="0"/>
+      </a:effectRef>
+      <a:fontRef idx="minor"/>
+    </dgm:style>
+  </dgm:styleLbl>
+  <dgm:styleLbl name="bgAcc1">
+    <dgm:scene3d>
+      <a:camera prst="orthographicFront"/>
+      <a:lightRig rig="threePt" dir="t"/>
+    </dgm:scene3d>
+    <dgm:sp3d/>
+    <dgm:txPr/>
+    <dgm:style>
+      <a:lnRef idx="2">
+        <a:scrgbClr r="0" g="0" b="0"/>
+      </a:lnRef>
+      <a:fillRef idx="1">
+        <a:scrgbClr r="0" g="0" b="0"/>
+      </a:fillRef>
+      <a:effectRef idx="0">
+        <a:scrgbClr r="0" g="0" b="0"/>
+      </a:effectRef>
+      <a:fontRef idx="minor"/>
+    </dgm:style>
+  </dgm:styleLbl>
+  <dgm:styleLbl name="solidFgAcc1">
+    <dgm:scene3d>
+      <a:camera prst="orthographicFront"/>
+      <a:lightRig rig="threePt" dir="t"/>
+    </dgm:scene3d>
+    <dgm:sp3d/>
+    <dgm:txPr/>
+    <dgm:style>
+      <a:lnRef idx="2">
+        <a:scrgbClr r="0" g="0" b="0"/>
+      </a:lnRef>
+      <a:fillRef idx="1">
+        <a:scrgbClr r="0" g="0" b="0"/>
+      </a:fillRef>
+      <a:effectRef idx="0">
+        <a:scrgbClr r="0" g="0" b="0"/>
+      </a:effectRef>
+      <a:fontRef idx="minor"/>
+    </dgm:style>
+  </dgm:styleLbl>
+  <dgm:styleLbl name="solidAlignAcc1">
+    <dgm:scene3d>
+      <a:camera prst="orthographicFront"/>
+      <a:lightRig rig="threePt" dir="t"/>
+    </dgm:scene3d>
+    <dgm:sp3d/>
+    <dgm:txPr/>
+    <dgm:style>
+      <a:lnRef idx="2">
+        <a:scrgbClr r="0" g="0" b="0"/>
+      </a:lnRef>
+      <a:fillRef idx="1">
+        <a:scrgbClr r="0" g="0" b="0"/>
+      </a:fillRef>
+      <a:effectRef idx="0">
+        <a:scrgbClr r="0" g="0" b="0"/>
+      </a:effectRef>
+      <a:fontRef idx="minor"/>
+    </dgm:style>
+  </dgm:styleLbl>
+  <dgm:styleLbl name="solidBgAcc1">
+    <dgm:scene3d>
+      <a:camera prst="orthographicFront"/>
+      <a:lightRig rig="threePt" dir="t"/>
+    </dgm:scene3d>
+    <dgm:sp3d/>
+    <dgm:txPr/>
+    <dgm:style>
+      <a:lnRef idx="2">
+        <a:scrgbClr r="0" g="0" b="0"/>
+      </a:lnRef>
+      <a:fillRef idx="1">
+        <a:scrgbClr r="0" g="0" b="0"/>
+      </a:fillRef>
+      <a:effectRef idx="0">
+        <a:scrgbClr r="0" g="0" b="0"/>
+      </a:effectRef>
+      <a:fontRef idx="minor"/>
+    </dgm:style>
+  </dgm:styleLbl>
+  <dgm:styleLbl name="fgAccFollowNode1">
+    <dgm:scene3d>
+      <a:camera prst="orthographicFront"/>
+      <a:lightRig rig="threePt" dir="t"/>
+    </dgm:scene3d>
+    <dgm:sp3d/>
+    <dgm:txPr/>
+    <dgm:style>
+      <a:lnRef idx="2">
+        <a:scrgbClr r="0" g="0" b="0"/>
+      </a:lnRef>
+      <a:fillRef idx="1">
+        <a:scrgbClr r="0" g="0" b="0"/>
+      </a:fillRef>
+      <a:effectRef idx="0">
+        <a:scrgbClr r="0" g="0" b="0"/>
+      </a:effectRef>
+      <a:fontRef idx="minor"/>
+    </dgm:style>
+  </dgm:styleLbl>
+  <dgm:styleLbl name="alignAccFollowNode1">
+    <dgm:scene3d>
+      <a:camera prst="orthographicFront"/>
+      <a:lightRig rig="threePt" dir="t"/>
+    </dgm:scene3d>
+    <dgm:sp3d/>
+    <dgm:txPr/>
+    <dgm:style>
+      <a:lnRef idx="2">
+        <a:scrgbClr r="0" g="0" b="0"/>
+      </a:lnRef>
+      <a:fillRef idx="1">
+        <a:scrgbClr r="0" g="0" b="0"/>
+      </a:fillRef>
+      <a:effectRef idx="0">
+        <a:scrgbClr r="0" g="0" b="0"/>
+      </a:effectRef>
+      <a:fontRef idx="minor"/>
+    </dgm:style>
+  </dgm:styleLbl>
+  <dgm:styleLbl name="bgAccFollowNode1">
+    <dgm:scene3d>
+      <a:camera prst="orthographicFront"/>
+      <a:lightRig rig="threePt" dir="t"/>
+    </dgm:scene3d>
+    <dgm:sp3d/>
+    <dgm:txPr/>
+    <dgm:style>
+      <a:lnRef idx="2">
+        <a:scrgbClr r="0" g="0" b="0"/>
+      </a:lnRef>
+      <a:fillRef idx="1">
+        <a:scrgbClr r="0" g="0" b="0"/>
+      </a:fillRef>
+      <a:effectRef idx="0">
+        <a:scrgbClr r="0" g="0" b="0"/>
+      </a:effectRef>
+      <a:fontRef idx="minor"/>
+    </dgm:style>
+  </dgm:styleLbl>
+  <dgm:styleLbl name="fgAcc0">
+    <dgm:scene3d>
+      <a:camera prst="orthographicFront"/>
+      <a:lightRig rig="threePt" dir="t"/>
+    </dgm:scene3d>
+    <dgm:sp3d/>
+    <dgm:txPr/>
+    <dgm:style>
+      <a:lnRef idx="2">
+        <a:scrgbClr r="0" g="0" b="0"/>
+      </a:lnRef>
+      <a:fillRef idx="1">
+        <a:scrgbClr r="0" g="0" b="0"/>
+      </a:fillRef>
+      <a:effectRef idx="0">
+        <a:scrgbClr r="0" g="0" b="0"/>
+      </a:effectRef>
+      <a:fontRef idx="minor"/>
+    </dgm:style>
+  </dgm:styleLbl>
+  <dgm:styleLbl name="fgAcc2">
+    <dgm:scene3d>
+      <a:camera prst="orthographicFront"/>
+      <a:lightRig rig="threePt" dir="t"/>
+    </dgm:scene3d>
+    <dgm:sp3d/>
+    <dgm:txPr/>
+    <dgm:style>
+      <a:lnRef idx="2">
+        <a:scrgbClr r="0" g="0" b="0"/>
+      </a:lnRef>
+      <a:fillRef idx="1">
+        <a:scrgbClr r="0" g="0" b="0"/>
+      </a:fillRef>
+      <a:effectRef idx="0">
+        <a:scrgbClr r="0" g="0" b="0"/>
+      </a:effectRef>
+      <a:fontRef idx="minor"/>
+    </dgm:style>
+  </dgm:styleLbl>
+  <dgm:styleLbl name="fgAcc3">
+    <dgm:scene3d>
+      <a:camera prst="orthographicFront"/>
+      <a:lightRig rig="threePt" dir="t"/>
+    </dgm:scene3d>
+    <dgm:sp3d/>
+    <dgm:txPr/>
+    <dgm:style>
+      <a:lnRef idx="2">
+        <a:scrgbClr r="0" g="0" b="0"/>
+      </a:lnRef>
+      <a:fillRef idx="1">
+        <a:scrgbClr r="0" g="0" b="0"/>
+      </a:fillRef>
+      <a:effectRef idx="0">
+        <a:scrgbClr r="0" g="0" b="0"/>
+      </a:effectRef>
+      <a:fontRef idx="minor"/>
+    </dgm:style>
+  </dgm:styleLbl>
+  <dgm:styleLbl name="fgAcc4">
+    <dgm:scene3d>
+      <a:camera prst="orthographicFront"/>
+      <a:lightRig rig="threePt" dir="t"/>
+    </dgm:scene3d>
+    <dgm:sp3d/>
+    <dgm:txPr/>
+    <dgm:style>
+      <a:lnRef idx="2">
+        <a:scrgbClr r="0" g="0" b="0"/>
+      </a:lnRef>
+      <a:fillRef idx="1">
+        <a:scrgbClr r="0" g="0" b="0"/>
+      </a:fillRef>
+      <a:effectRef idx="0">
+        <a:scrgbClr r="0" g="0" b="0"/>
+      </a:effectRef>
+      <a:fontRef idx="minor"/>
+    </dgm:style>
+  </dgm:styleLbl>
+  <dgm:styleLbl name="bgShp">
+    <dgm:scene3d>
+      <a:camera prst="orthographicFront"/>
+      <a:lightRig rig="threePt" dir="t"/>
+    </dgm:scene3d>
+    <dgm:sp3d/>
+    <dgm:txPr/>
+    <dgm:style>
+      <a:lnRef idx="0">
+        <a:scrgbClr r="0" g="0" b="0"/>
+      </a:lnRef>
+      <a:fillRef idx="1">
+        <a:scrgbClr r="0" g="0" b="0"/>
+      </a:fillRef>
+      <a:effectRef idx="0">
+        <a:scrgbClr r="0" g="0" b="0"/>
+      </a:effectRef>
+      <a:fontRef idx="minor"/>
+    </dgm:style>
+  </dgm:styleLbl>
+  <dgm:styleLbl name="dkBgShp">
+    <dgm:scene3d>
+      <a:camera prst="orthographicFront"/>
+      <a:lightRig rig="threePt" dir="t"/>
+    </dgm:scene3d>
+    <dgm:sp3d/>
+    <dgm:txPr/>
+    <dgm:style>
+      <a:lnRef idx="0">
+        <a:scrgbClr r="0" g="0" b="0"/>
+      </a:lnRef>
+      <a:fillRef idx="1">
+        <a:scrgbClr r="0" g="0" b="0"/>
+      </a:fillRef>
+      <a:effectRef idx="0">
+        <a:scrgbClr r="0" g="0" b="0"/>
+      </a:effectRef>
+      <a:fontRef idx="minor"/>
+    </dgm:style>
+  </dgm:styleLbl>
+  <dgm:styleLbl name="trBgShp">
+    <dgm:scene3d>
+      <a:camera prst="orthographicFront"/>
+      <a:lightRig rig="threePt" dir="t"/>
+    </dgm:scene3d>
+    <dgm:sp3d/>
+    <dgm:txPr/>
+    <dgm:style>
+      <a:lnRef idx="0">
+        <a:scrgbClr r="0" g="0" b="0"/>
+      </a:lnRef>
+      <a:fillRef idx="1">
+        <a:scrgbClr r="0" g="0" b="0"/>
+      </a:fillRef>
+      <a:effectRef idx="0">
+        <a:scrgbClr r="0" g="0" b="0"/>
+      </a:effectRef>
+      <a:fontRef idx="minor"/>
+    </dgm:style>
+  </dgm:styleLbl>
+  <dgm:styleLbl name="fgShp">
+    <dgm:scene3d>
+      <a:camera prst="orthographicFront"/>
+      <a:lightRig rig="threePt" dir="t"/>
+    </dgm:scene3d>
+    <dgm:sp3d/>
+    <dgm:txPr/>
+    <dgm:style>
+      <a:lnRef idx="2">
+        <a:scrgbClr r="0" g="0" b="0"/>
+      </a:lnRef>
+      <a:fillRef idx="1">
+        <a:scrgbClr r="0" g="0" b="0"/>
+      </a:fillRef>
+      <a:effectRef idx="0">
+        <a:scrgbClr r="0" g="0" b="0"/>
+      </a:effectRef>
+      <a:fontRef idx="minor"/>
+    </dgm:style>
+  </dgm:styleLbl>
+  <dgm:styleLbl name="revTx">
+    <dgm:scene3d>
+      <a:camera prst="orthographicFront"/>
+      <a:lightRig rig="threePt" dir="t"/>
+    </dgm:scene3d>
+    <dgm:sp3d/>
+    <dgm:txPr/>
+    <dgm:style>
+      <a:lnRef idx="0">
+        <a:scrgbClr r="0" g="0" b="0"/>
+      </a:lnRef>
+      <a:fillRef idx="0">
+        <a:scrgbClr r="0" g="0" b="0"/>
+      </a:fillRef>
+      <a:effectRef idx="0">
+        <a:scrgbClr r="0" g="0" b="0"/>
+      </a:effectRef>
+      <a:fontRef idx="minor"/>
+    </dgm:style>
+  </dgm:styleLbl>
+</dgm:styleDef>
+</file>
+
+<file path=ppt/handoutMasters/handoutMaster1.xml><?xml version="1.0" encoding="utf-8"?>
+<p:handoutMaster xmlns:a="http://schemas.openxmlformats.org/drawingml/2006/main" xmlns:r="http://schemas.openxmlformats.org/officeDocument/2006/relationships" xmlns:p="http://schemas.openxmlformats.org/presentationml/2006/main">
+  <p:cSld>
+    <p:bg>
+      <p:bgRef idx="1001">
+        <a:schemeClr val="bg1"/>
+      </p:bgRef>
+    </p:bg>
+    <p:spTree>
+      <p:nvGrpSpPr>
+        <p:cNvPr id="1" name=""/>
+        <p:cNvGrpSpPr/>
+        <p:nvPr/>
+      </p:nvGrpSpPr>
+      <p:grpSpPr>
+        <a:xfrm>
+          <a:off x="0" y="0"/>
+          <a:ext cx="0" cy="0"/>
+          <a:chOff x="0" y="0"/>
+          <a:chExt cx="0" cy="0"/>
+        </a:xfrm>
+      </p:grpSpPr>
+      <p:sp>
+        <p:nvSpPr>
+          <p:cNvPr id="2" name="頁首版面配置區 1"/>
+          <p:cNvSpPr>
+            <a:spLocks noGrp="1"/>
+          </p:cNvSpPr>
+          <p:nvPr>
+            <p:ph type="hdr" sz="quarter"/>
+          </p:nvPr>
+        </p:nvSpPr>
+        <p:spPr>
+          <a:xfrm>
+            <a:off x="0" y="0"/>
+            <a:ext cx="2971800" cy="457200"/>
+          </a:xfrm>
+          <a:prstGeom prst="rect">
+            <a:avLst/>
+          </a:prstGeom>
+        </p:spPr>
+        <p:txBody>
+          <a:bodyPr vert="horz" lIns="91440" tIns="45720" rIns="91440" bIns="45720" rtlCol="0"/>
+          <a:lstStyle>
+            <a:lvl1pPr algn="l">
+              <a:defRPr sz="1200"/>
+            </a:lvl1pPr>
+          </a:lstStyle>
+          <a:p>
+            <a:endParaRPr lang="zh-TW" altLang="en-US"/>
+          </a:p>
+        </p:txBody>
+      </p:sp>
+      <p:sp>
+        <p:nvSpPr>
+          <p:cNvPr id="3" name="日期版面配置區 2"/>
+          <p:cNvSpPr>
+            <a:spLocks noGrp="1"/>
+          </p:cNvSpPr>
+          <p:nvPr>
+            <p:ph type="dt" sz="quarter" idx="1"/>
+          </p:nvPr>
+        </p:nvSpPr>
+        <p:spPr>
+          <a:xfrm>
+            <a:off x="3884613" y="0"/>
+            <a:ext cx="2971800" cy="457200"/>
+          </a:xfrm>
+          <a:prstGeom prst="rect">
+            <a:avLst/>
+          </a:prstGeom>
+        </p:spPr>
+        <p:txBody>
+          <a:bodyPr vert="horz" lIns="91440" tIns="45720" rIns="91440" bIns="45720" rtlCol="0"/>
+          <a:lstStyle>
+            <a:lvl1pPr algn="r">
+              <a:defRPr sz="1200"/>
+            </a:lvl1pPr>
+          </a:lstStyle>
+          <a:p>
+            <a:fld id="{E29A2734-3BDF-447D-A685-28FF2A03ED99}" type="datetimeFigureOut">
+              <a:rPr lang="zh-TW" altLang="en-US" smtClean="0"/>
+              <a:t>2016/7/14</a:t>
+            </a:fld>
+            <a:endParaRPr lang="zh-TW" altLang="en-US"/>
+          </a:p>
+        </p:txBody>
+      </p:sp>
+      <p:sp>
+        <p:nvSpPr>
+          <p:cNvPr id="4" name="頁尾版面配置區 3"/>
+          <p:cNvSpPr>
+            <a:spLocks noGrp="1"/>
+          </p:cNvSpPr>
+          <p:nvPr>
+            <p:ph type="ftr" sz="quarter" idx="2"/>
+          </p:nvPr>
+        </p:nvSpPr>
+        <p:spPr>
+          <a:xfrm>
+            <a:off x="0" y="8685213"/>
+            <a:ext cx="2971800" cy="457200"/>
+          </a:xfrm>
+          <a:prstGeom prst="rect">
+            <a:avLst/>
+          </a:prstGeom>
+        </p:spPr>
+        <p:txBody>
+          <a:bodyPr vert="horz" lIns="91440" tIns="45720" rIns="91440" bIns="45720" rtlCol="0" anchor="b"/>
+          <a:lstStyle>
+            <a:lvl1pPr algn="l">
+              <a:defRPr sz="1200"/>
+            </a:lvl1pPr>
+          </a:lstStyle>
+          <a:p>
+            <a:endParaRPr lang="zh-TW" altLang="en-US"/>
+          </a:p>
+        </p:txBody>
+      </p:sp>
+      <p:sp>
+        <p:nvSpPr>
+          <p:cNvPr id="5" name="投影片編號版面配置區 4"/>
+          <p:cNvSpPr>
+            <a:spLocks noGrp="1"/>
+          </p:cNvSpPr>
+          <p:nvPr>
+            <p:ph type="sldNum" sz="quarter" idx="3"/>
+          </p:nvPr>
+        </p:nvSpPr>
+        <p:spPr>
+          <a:xfrm>
+            <a:off x="3884613" y="8685213"/>
+            <a:ext cx="2971800" cy="457200"/>
+          </a:xfrm>
+          <a:prstGeom prst="rect">
+            <a:avLst/>
+          </a:prstGeom>
+        </p:spPr>
+        <p:txBody>
+          <a:bodyPr vert="horz" lIns="91440" tIns="45720" rIns="91440" bIns="45720" rtlCol="0" anchor="b"/>
+          <a:lstStyle>
+            <a:lvl1pPr algn="r">
+              <a:defRPr sz="1200"/>
+            </a:lvl1pPr>
+          </a:lstStyle>
+          <a:p>
+            <a:fld id="{2706C4AA-F17D-49A4-A273-06B6143A1D1E}" type="slidenum">
+              <a:rPr lang="zh-TW" altLang="en-US" smtClean="0"/>
+              <a:t>‹#›</a:t>
+            </a:fld>
+            <a:endParaRPr lang="zh-TW" altLang="en-US"/>
+          </a:p>
+        </p:txBody>
+      </p:sp>
+    </p:spTree>
+  </p:cSld>
+  <p:clrMap bg1="lt1" tx1="dk1" bg2="lt2" tx2="dk2" accent1="accent1" accent2="accent2" accent3="accent3" accent4="accent4" accent5="accent5" accent6="accent6" hlink="hlink" folHlink="folHlink"/>
+</p:handoutMaster>
+</file>
+
 <file path=ppt/slideLayouts/slideLayout1.xml><?xml version="1.0" encoding="utf-8"?>
 <p:sldLayout xmlns:a="http://schemas.openxmlformats.org/drawingml/2006/main" xmlns:r="http://schemas.openxmlformats.org/officeDocument/2006/relationships" xmlns:p="http://schemas.openxmlformats.org/presentationml/2006/main" showMasterSp="0" type="title" preserve="1">
   <p:cSld name="標題投影片">
@@ -401,7 +4263,8 @@
           <a:p>
             <a:fld id="{B6C996B5-BAD4-4DC8-B079-0BE3F811F4FD}" type="datetimeFigureOut">
               <a:rPr lang="zh-TW" altLang="en-US" smtClean="0"/>
-              <a:t>2016/7/13</a:t>
+              <a:pPr/>
+              <a:t>2016/7/14</a:t>
             </a:fld>
             <a:endParaRPr lang="zh-TW" altLang="en-US"/>
           </a:p>
@@ -469,6 +4332,7 @@
           <a:p>
             <a:fld id="{0CC3DD80-9D97-453F-AA5F-842CA42FE4DB}" type="slidenum">
               <a:rPr lang="zh-TW" altLang="en-US" smtClean="0"/>
+              <a:pPr/>
               <a:t>‹#›</a:t>
             </a:fld>
             <a:endParaRPr lang="zh-TW" altLang="en-US"/>
@@ -592,7 +4456,8 @@
           <a:p>
             <a:fld id="{B6C996B5-BAD4-4DC8-B079-0BE3F811F4FD}" type="datetimeFigureOut">
               <a:rPr lang="zh-TW" altLang="en-US" smtClean="0"/>
-              <a:t>2016/7/13</a:t>
+              <a:pPr/>
+              <a:t>2016/7/14</a:t>
             </a:fld>
             <a:endParaRPr lang="zh-TW" altLang="en-US"/>
           </a:p>
@@ -634,6 +4499,7 @@
           <a:p>
             <a:fld id="{0CC3DD80-9D97-453F-AA5F-842CA42FE4DB}" type="slidenum">
               <a:rPr lang="zh-TW" altLang="en-US" smtClean="0"/>
+              <a:pPr/>
               <a:t>‹#›</a:t>
             </a:fld>
             <a:endParaRPr lang="zh-TW" altLang="en-US"/>
@@ -777,7 +4643,8 @@
           <a:p>
             <a:fld id="{B6C996B5-BAD4-4DC8-B079-0BE3F811F4FD}" type="datetimeFigureOut">
               <a:rPr lang="zh-TW" altLang="en-US" smtClean="0"/>
-              <a:t>2016/7/13</a:t>
+              <a:pPr/>
+              <a:t>2016/7/14</a:t>
             </a:fld>
             <a:endParaRPr lang="zh-TW" altLang="en-US"/>
           </a:p>
@@ -964,6 +4831,7 @@
           <a:p>
             <a:fld id="{0CC3DD80-9D97-453F-AA5F-842CA42FE4DB}" type="slidenum">
               <a:rPr lang="zh-TW" altLang="en-US" smtClean="0"/>
+              <a:pPr/>
               <a:t>‹#›</a:t>
             </a:fld>
             <a:endParaRPr lang="zh-TW" altLang="en-US"/>
@@ -1040,7 +4908,8 @@
           <a:p>
             <a:fld id="{B6C996B5-BAD4-4DC8-B079-0BE3F811F4FD}" type="datetimeFigureOut">
               <a:rPr lang="zh-TW" altLang="en-US" smtClean="0"/>
-              <a:t>2016/7/13</a:t>
+              <a:pPr/>
+              <a:t>2016/7/14</a:t>
             </a:fld>
             <a:endParaRPr lang="zh-TW" altLang="en-US"/>
           </a:p>
@@ -1090,6 +4959,7 @@
           <a:p>
             <a:fld id="{0CC3DD80-9D97-453F-AA5F-842CA42FE4DB}" type="slidenum">
               <a:rPr lang="zh-TW" altLang="en-US" smtClean="0"/>
+              <a:pPr/>
               <a:t>‹#›</a:t>
             </a:fld>
             <a:endParaRPr lang="zh-TW" altLang="en-US"/>
@@ -1158,6 +5028,13 @@
   <p:clrMapOvr>
     <a:masterClrMapping/>
   </p:clrMapOvr>
+  <p:timing>
+    <p:tnLst>
+      <p:par>
+        <p:cTn id="1" dur="indefinite" restart="never" nodeType="tmRoot"/>
+      </p:par>
+    </p:tnLst>
+  </p:timing>
 </p:sldLayout>
 </file>
 
@@ -1195,7 +5072,7 @@
         </p:nvSpPr>
         <p:spPr>
           <a:xfrm>
-            <a:off x="1371600" y="2743200"/>
+            <a:off x="1553343" y="2763887"/>
             <a:ext cx="7123113" cy="1673225"/>
           </a:xfrm>
         </p:spPr>
@@ -1254,7 +5131,7 @@
           <a:p>
             <a:pPr lvl="0" eaLnBrk="1" latinLnBrk="0" hangingPunct="1"/>
             <a:r>
-              <a:rPr kumimoji="0" lang="zh-TW" altLang="en-US" smtClean="0"/>
+              <a:rPr kumimoji="0" lang="zh-TW" altLang="en-US" dirty="0" smtClean="0"/>
               <a:t>按一下以編輯母片文字樣式</a:t>
             </a:r>
           </a:p>
@@ -1314,7 +5191,7 @@
         </p:nvSpPr>
         <p:spPr>
           <a:xfrm>
-            <a:off x="0" y="1600200"/>
+            <a:off x="0" y="1312168"/>
             <a:ext cx="1295400" cy="990600"/>
           </a:xfrm>
           <a:prstGeom prst="rect">
@@ -1362,7 +5239,7 @@
         </p:nvSpPr>
         <p:spPr>
           <a:xfrm>
-            <a:off x="1371600" y="1600200"/>
+            <a:off x="1371600" y="1314872"/>
             <a:ext cx="7772400" cy="990600"/>
           </a:xfrm>
           <a:prstGeom prst="rect">
@@ -1414,7 +5291,7 @@
         </p:nvSpPr>
         <p:spPr>
           <a:xfrm>
-            <a:off x="1371600" y="1600200"/>
+            <a:off x="1371600" y="1268760"/>
             <a:ext cx="7620000" cy="990600"/>
           </a:xfrm>
         </p:spPr>
@@ -1432,10 +5309,10 @@
           </a:lstStyle>
           <a:p>
             <a:r>
-              <a:rPr kumimoji="0" lang="zh-TW" altLang="en-US" smtClean="0"/>
+              <a:rPr kumimoji="0" lang="zh-TW" altLang="en-US" dirty="0" smtClean="0"/>
               <a:t>按一下以編輯母片標題樣式</a:t>
             </a:r>
-            <a:endParaRPr kumimoji="0" lang="en-US"/>
+            <a:endParaRPr kumimoji="0" lang="en-US" dirty="0"/>
           </a:p>
         </p:txBody>
       </p:sp>
@@ -1456,7 +5333,8 @@
           <a:p>
             <a:fld id="{B6C996B5-BAD4-4DC8-B079-0BE3F811F4FD}" type="datetimeFigureOut">
               <a:rPr lang="zh-TW" altLang="en-US" smtClean="0"/>
-              <a:t>2016/7/13</a:t>
+              <a:pPr/>
+              <a:t>2016/7/14</a:t>
             </a:fld>
             <a:endParaRPr lang="zh-TW" altLang="en-US"/>
           </a:p>
@@ -1474,7 +5352,7 @@
         </p:nvSpPr>
         <p:spPr>
           <a:xfrm>
-            <a:off x="0" y="1752600"/>
+            <a:off x="0" y="1464568"/>
             <a:ext cx="1295400" cy="701676"/>
           </a:xfrm>
         </p:spPr>
@@ -1494,6 +5372,7 @@
           <a:p>
             <a:fld id="{0CC3DD80-9D97-453F-AA5F-842CA42FE4DB}" type="slidenum">
               <a:rPr lang="zh-TW" altLang="en-US" smtClean="0"/>
+              <a:pPr/>
               <a:t>‹#›</a:t>
             </a:fld>
             <a:endParaRPr lang="zh-TW" altLang="en-US"/>
@@ -1519,11 +5398,42 @@
           </a:p>
         </p:txBody>
       </p:sp>
+      <p:pic>
+        <p:nvPicPr>
+          <p:cNvPr id="11" name="圖片 10" descr="LOGO走路.jpg"/>
+          <p:cNvPicPr>
+            <a:picLocks noChangeAspect="1"/>
+          </p:cNvPicPr>
+          <p:nvPr userDrawn="1"/>
+        </p:nvPicPr>
+        <p:blipFill>
+          <a:blip r:embed="rId2" cstate="print"/>
+          <a:stretch>
+            <a:fillRect/>
+          </a:stretch>
+        </p:blipFill>
+        <p:spPr>
+          <a:xfrm>
+            <a:off x="179512" y="116632"/>
+            <a:ext cx="2502024" cy="1055679"/>
+          </a:xfrm>
+          <a:prstGeom prst="rect">
+            <a:avLst/>
+          </a:prstGeom>
+        </p:spPr>
+      </p:pic>
     </p:spTree>
   </p:cSld>
   <p:clrMapOvr>
     <a:overrideClrMapping bg1="lt1" tx1="dk1" bg2="lt2" tx2="dk2" accent1="accent1" accent2="accent2" accent3="accent3" accent4="accent4" accent5="accent5" accent6="accent6" hlink="hlink" folHlink="folHlink"/>
   </p:clrMapOvr>
+  <p:timing>
+    <p:tnLst>
+      <p:par>
+        <p:cTn id="1" dur="indefinite" restart="never" nodeType="tmRoot"/>
+      </p:par>
+    </p:tnLst>
+  </p:timing>
 </p:sldLayout>
 </file>
 
@@ -1698,7 +5608,8 @@
           <a:p>
             <a:fld id="{B6C996B5-BAD4-4DC8-B079-0BE3F811F4FD}" type="datetimeFigureOut">
               <a:rPr lang="zh-TW" altLang="en-US" smtClean="0"/>
-              <a:t>2016/7/13</a:t>
+              <a:pPr/>
+              <a:t>2016/7/14</a:t>
             </a:fld>
             <a:endParaRPr lang="zh-TW" altLang="en-US"/>
           </a:p>
@@ -1721,6 +5632,7 @@
           <a:p>
             <a:fld id="{0CC3DD80-9D97-453F-AA5F-842CA42FE4DB}" type="slidenum">
               <a:rPr lang="zh-TW" altLang="en-US" smtClean="0"/>
+              <a:pPr/>
               <a:t>‹#›</a:t>
             </a:fld>
             <a:endParaRPr lang="zh-TW" altLang="en-US"/>
@@ -1751,6 +5663,13 @@
   <p:clrMapOvr>
     <a:masterClrMapping/>
   </p:clrMapOvr>
+  <p:timing>
+    <p:tnLst>
+      <p:par>
+        <p:cTn id="1" dur="indefinite" restart="never" nodeType="tmRoot"/>
+      </p:par>
+    </p:tnLst>
+  </p:timing>
 </p:sldLayout>
 </file>
 
@@ -1934,7 +5853,8 @@
           <a:p>
             <a:fld id="{B6C996B5-BAD4-4DC8-B079-0BE3F811F4FD}" type="datetimeFigureOut">
               <a:rPr lang="zh-TW" altLang="en-US" smtClean="0"/>
-              <a:t>2016/7/13</a:t>
+              <a:pPr/>
+              <a:t>2016/7/14</a:t>
             </a:fld>
             <a:endParaRPr lang="zh-TW" altLang="en-US"/>
           </a:p>
@@ -1957,6 +5877,7 @@
           <a:p>
             <a:fld id="{0CC3DD80-9D97-453F-AA5F-842CA42FE4DB}" type="slidenum">
               <a:rPr lang="zh-TW" altLang="en-US" smtClean="0"/>
+              <a:pPr/>
               <a:t>‹#›</a:t>
             </a:fld>
             <a:endParaRPr lang="zh-TW" altLang="en-US"/>
@@ -2069,6 +5990,13 @@
   <p:clrMapOvr>
     <a:masterClrMapping/>
   </p:clrMapOvr>
+  <p:timing>
+    <p:tnLst>
+      <p:par>
+        <p:cTn id="1" dur="indefinite" restart="never" nodeType="tmRoot"/>
+      </p:par>
+    </p:tnLst>
+  </p:timing>
 </p:sldLayout>
 </file>
 
@@ -2129,7 +6057,8 @@
           <a:p>
             <a:fld id="{B6C996B5-BAD4-4DC8-B079-0BE3F811F4FD}" type="datetimeFigureOut">
               <a:rPr lang="zh-TW" altLang="en-US" smtClean="0"/>
-              <a:t>2016/7/13</a:t>
+              <a:pPr/>
+              <a:t>2016/7/14</a:t>
             </a:fld>
             <a:endParaRPr lang="zh-TW" altLang="en-US"/>
           </a:p>
@@ -2179,6 +6108,7 @@
           <a:p>
             <a:fld id="{0CC3DD80-9D97-453F-AA5F-842CA42FE4DB}" type="slidenum">
               <a:rPr lang="zh-TW" altLang="en-US" smtClean="0"/>
+              <a:pPr/>
               <a:t>‹#›</a:t>
             </a:fld>
             <a:endParaRPr lang="zh-TW" altLang="en-US"/>
@@ -2227,7 +6157,8 @@
           <a:p>
             <a:fld id="{B6C996B5-BAD4-4DC8-B079-0BE3F811F4FD}" type="datetimeFigureOut">
               <a:rPr lang="zh-TW" altLang="en-US" smtClean="0"/>
-              <a:t>2016/7/13</a:t>
+              <a:pPr/>
+              <a:t>2016/7/14</a:t>
             </a:fld>
             <a:endParaRPr lang="zh-TW" altLang="en-US"/>
           </a:p>
@@ -2282,6 +6213,7 @@
           <a:p>
             <a:fld id="{0CC3DD80-9D97-453F-AA5F-842CA42FE4DB}" type="slidenum">
               <a:rPr lang="zh-TW" altLang="en-US" smtClean="0"/>
+              <a:pPr/>
               <a:t>‹#›</a:t>
             </a:fld>
             <a:endParaRPr lang="zh-TW" altLang="en-US"/>
@@ -2363,7 +6295,8 @@
           <a:p>
             <a:fld id="{B6C996B5-BAD4-4DC8-B079-0BE3F811F4FD}" type="datetimeFigureOut">
               <a:rPr lang="zh-TW" altLang="en-US" smtClean="0"/>
-              <a:t>2016/7/13</a:t>
+              <a:pPr/>
+              <a:t>2016/7/14</a:t>
             </a:fld>
             <a:endParaRPr lang="zh-TW" altLang="en-US"/>
           </a:p>
@@ -2413,6 +6346,7 @@
           <a:p>
             <a:fld id="{0CC3DD80-9D97-453F-AA5F-842CA42FE4DB}" type="slidenum">
               <a:rPr lang="zh-TW" altLang="en-US" smtClean="0"/>
+              <a:pPr/>
               <a:t>‹#›</a:t>
             </a:fld>
             <a:endParaRPr lang="zh-TW" altLang="en-US"/>
@@ -2881,7 +6815,8 @@
           <a:p>
             <a:fld id="{B6C996B5-BAD4-4DC8-B079-0BE3F811F4FD}" type="datetimeFigureOut">
               <a:rPr lang="zh-TW" altLang="en-US" smtClean="0"/>
-              <a:t>2016/7/13</a:t>
+              <a:pPr/>
+              <a:t>2016/7/14</a:t>
             </a:fld>
             <a:endParaRPr lang="zh-TW" altLang="en-US"/>
           </a:p>
@@ -2913,6 +6848,7 @@
           <a:p>
             <a:fld id="{0CC3DD80-9D97-453F-AA5F-842CA42FE4DB}" type="slidenum">
               <a:rPr lang="zh-TW" altLang="en-US" smtClean="0"/>
+              <a:pPr/>
               <a:t>‹#›</a:t>
             </a:fld>
             <a:endParaRPr lang="zh-TW" altLang="en-US"/>
@@ -3014,6 +6950,30 @@
           <a:chExt cx="0" cy="0"/>
         </a:xfrm>
       </p:grpSpPr>
+      <p:pic>
+        <p:nvPicPr>
+          <p:cNvPr id="11" name="圖片 10" descr="LOGO走路.jpg"/>
+          <p:cNvPicPr>
+            <a:picLocks noChangeAspect="1"/>
+          </p:cNvPicPr>
+          <p:nvPr userDrawn="1"/>
+        </p:nvPicPr>
+        <p:blipFill>
+          <a:blip r:embed="rId13" cstate="print"/>
+          <a:stretch>
+            <a:fillRect/>
+          </a:stretch>
+        </p:blipFill>
+        <p:spPr>
+          <a:xfrm>
+            <a:off x="179512" y="116632"/>
+            <a:ext cx="2502024" cy="1055679"/>
+          </a:xfrm>
+          <a:prstGeom prst="rect">
+            <a:avLst/>
+          </a:prstGeom>
+        </p:spPr>
+      </p:pic>
       <p:sp>
         <p:nvSpPr>
           <p:cNvPr id="22" name="標題版面配置區 21"/>
@@ -3142,7 +7102,8 @@
           <a:p>
             <a:fld id="{B6C996B5-BAD4-4DC8-B079-0BE3F811F4FD}" type="datetimeFigureOut">
               <a:rPr lang="zh-TW" altLang="en-US" smtClean="0"/>
-              <a:t>2016/7/13</a:t>
+              <a:pPr/>
+              <a:t>2016/7/14</a:t>
             </a:fld>
             <a:endParaRPr lang="zh-TW" altLang="en-US"/>
           </a:p>
@@ -3360,6 +7321,7 @@
           <a:p>
             <a:fld id="{0CC3DD80-9D97-453F-AA5F-842CA42FE4DB}" type="slidenum">
               <a:rPr lang="zh-TW" altLang="en-US" smtClean="0"/>
+              <a:pPr/>
               <a:t>‹#›</a:t>
             </a:fld>
             <a:endParaRPr lang="zh-TW" altLang="en-US"/>
@@ -3382,6 +7344,13 @@
     <p:sldLayoutId id="2147483730" r:id="rId10"/>
     <p:sldLayoutId id="2147483731" r:id="rId11"/>
   </p:sldLayoutIdLst>
+  <p:timing>
+    <p:tnLst>
+      <p:par>
+        <p:cTn id="1" dur="indefinite" restart="never" nodeType="tmRoot"/>
+      </p:par>
+    </p:tnLst>
+  </p:timing>
   <p:txStyles>
     <p:titleStyle>
       <a:lvl1pPr algn="l" rtl="0" eaLnBrk="1" latinLnBrk="0" hangingPunct="1">
@@ -4064,6 +8033,660 @@
   <p:clrMapOvr>
     <a:masterClrMapping/>
   </p:clrMapOvr>
+  <p:transition spd="med">
+    <p:fade/>
+  </p:transition>
+  <p:timing>
+    <p:tnLst>
+      <p:par>
+        <p:cTn id="1" dur="indefinite" restart="never" nodeType="tmRoot"/>
+      </p:par>
+    </p:tnLst>
+  </p:timing>
+</p:sld>
+</file>
+
+<file path=ppt/slides/slide10.xml><?xml version="1.0" encoding="utf-8"?>
+<p:sld xmlns:a="http://schemas.openxmlformats.org/drawingml/2006/main" xmlns:r="http://schemas.openxmlformats.org/officeDocument/2006/relationships" xmlns:p="http://schemas.openxmlformats.org/presentationml/2006/main">
+  <p:cSld>
+    <p:spTree>
+      <p:nvGrpSpPr>
+        <p:cNvPr id="1" name=""/>
+        <p:cNvGrpSpPr/>
+        <p:nvPr/>
+      </p:nvGrpSpPr>
+      <p:grpSpPr>
+        <a:xfrm>
+          <a:off x="0" y="0"/>
+          <a:ext cx="0" cy="0"/>
+          <a:chOff x="0" y="0"/>
+          <a:chExt cx="0" cy="0"/>
+        </a:xfrm>
+      </p:grpSpPr>
+      <p:pic>
+        <p:nvPicPr>
+          <p:cNvPr id="2050" name="Picture 2" descr="C:\Users\Administrator\Desktop\designthinking-300x214.jpg"/>
+          <p:cNvPicPr>
+            <a:picLocks noChangeAspect="1" noChangeArrowheads="1"/>
+          </p:cNvPicPr>
+          <p:nvPr/>
+        </p:nvPicPr>
+        <p:blipFill>
+          <a:blip r:embed="rId2" cstate="print"/>
+          <a:srcRect/>
+          <a:stretch>
+            <a:fillRect/>
+          </a:stretch>
+        </p:blipFill>
+        <p:spPr bwMode="auto">
+          <a:xfrm>
+            <a:off x="5940152" y="4700640"/>
+            <a:ext cx="3024336" cy="2157360"/>
+          </a:xfrm>
+          <a:prstGeom prst="rect">
+            <a:avLst/>
+          </a:prstGeom>
+          <a:noFill/>
+        </p:spPr>
+      </p:pic>
+      <p:sp>
+        <p:nvSpPr>
+          <p:cNvPr id="3" name="標題 2"/>
+          <p:cNvSpPr>
+            <a:spLocks noGrp="1"/>
+          </p:cNvSpPr>
+          <p:nvPr>
+            <p:ph type="title"/>
+          </p:nvPr>
+        </p:nvSpPr>
+        <p:spPr/>
+        <p:txBody>
+          <a:bodyPr/>
+          <a:lstStyle/>
+          <a:p>
+            <a:r>
+              <a:rPr lang="zh-TW" altLang="en-US" dirty="0" smtClean="0"/>
+              <a:t>未來展望</a:t>
+            </a:r>
+            <a:endParaRPr lang="zh-TW" altLang="en-US" dirty="0"/>
+          </a:p>
+        </p:txBody>
+      </p:sp>
+      <p:sp>
+        <p:nvSpPr>
+          <p:cNvPr id="4" name="文字版面配置區 1"/>
+          <p:cNvSpPr>
+            <a:spLocks noGrp="1"/>
+          </p:cNvSpPr>
+          <p:nvPr>
+            <p:ph type="body" idx="1"/>
+          </p:nvPr>
+        </p:nvSpPr>
+        <p:spPr>
+          <a:xfrm>
+            <a:off x="1553343" y="2619871"/>
+            <a:ext cx="7051105" cy="3689449"/>
+          </a:xfrm>
+        </p:spPr>
+        <p:txBody>
+          <a:bodyPr>
+            <a:normAutofit/>
+          </a:bodyPr>
+          <a:lstStyle/>
+          <a:p>
+            <a:pPr marL="0" lvl="1" indent="0">
+              <a:spcBef>
+                <a:spcPts val="1800"/>
+              </a:spcBef>
+              <a:buClr>
+                <a:srgbClr val="7030A0"/>
+              </a:buClr>
+              <a:buFont typeface="Wingdings" pitchFamily="2" charset="2"/>
+              <a:buChar char="p"/>
+            </a:pPr>
+            <a:r>
+              <a:rPr lang="zh-TW" altLang="en-US" sz="2800" dirty="0" smtClean="0">
+                <a:solidFill>
+                  <a:srgbClr val="FF0000"/>
+                </a:solidFill>
+              </a:rPr>
+              <a:t>店家加入</a:t>
+            </a:r>
+            <a:r>
+              <a:rPr lang="en-US" altLang="zh-TW" sz="2800" dirty="0" err="1" smtClean="0">
+                <a:solidFill>
+                  <a:srgbClr val="FF0000"/>
+                </a:solidFill>
+              </a:rPr>
+              <a:t>infowindow</a:t>
+            </a:r>
+            <a:r>
+              <a:rPr lang="en-US" altLang="zh-TW" sz="2800" dirty="0" smtClean="0">
+                <a:solidFill>
+                  <a:srgbClr val="FF0000"/>
+                </a:solidFill>
+              </a:rPr>
+              <a:t>,</a:t>
+            </a:r>
+            <a:r>
+              <a:rPr lang="zh-TW" altLang="en-US" sz="2800" dirty="0" smtClean="0">
+                <a:solidFill>
+                  <a:srgbClr val="FF0000"/>
+                </a:solidFill>
+              </a:rPr>
+              <a:t>讓使用者點擊標示可以秀出店家詳細</a:t>
+            </a:r>
+            <a:r>
+              <a:rPr lang="zh-TW" altLang="en-US" sz="2800" dirty="0" smtClean="0">
+                <a:solidFill>
+                  <a:srgbClr val="FF0000"/>
+                </a:solidFill>
+              </a:rPr>
+              <a:t>的資訊</a:t>
+            </a:r>
+            <a:r>
+              <a:rPr lang="zh-TW" altLang="en-US" sz="2800" dirty="0" smtClean="0">
+                <a:solidFill>
+                  <a:srgbClr val="FF0000"/>
+                </a:solidFill>
+              </a:rPr>
+              <a:t>。</a:t>
+            </a:r>
+            <a:endParaRPr lang="en-US" altLang="zh-TW" sz="2800" dirty="0" smtClean="0">
+              <a:solidFill>
+                <a:srgbClr val="FF0000"/>
+              </a:solidFill>
+            </a:endParaRPr>
+          </a:p>
+          <a:p>
+            <a:pPr marL="0" lvl="1" indent="0">
+              <a:spcBef>
+                <a:spcPts val="1800"/>
+              </a:spcBef>
+              <a:buClr>
+                <a:srgbClr val="7030A0"/>
+              </a:buClr>
+              <a:buFont typeface="Wingdings" pitchFamily="2" charset="2"/>
+              <a:buChar char="p"/>
+            </a:pPr>
+            <a:r>
+              <a:rPr lang="zh-TW" altLang="en-US" sz="2800" dirty="0" smtClean="0">
+                <a:solidFill>
+                  <a:srgbClr val="FF0000"/>
+                </a:solidFill>
+              </a:rPr>
+              <a:t>加入購物車時可以改成</a:t>
+            </a:r>
+            <a:r>
+              <a:rPr lang="en-US" altLang="zh-TW" sz="2800" dirty="0" smtClean="0">
+                <a:solidFill>
+                  <a:srgbClr val="FF0000"/>
+                </a:solidFill>
+              </a:rPr>
+              <a:t>JavaScript</a:t>
+            </a:r>
+            <a:r>
+              <a:rPr lang="zh-TW" altLang="en-US" sz="2800" dirty="0" smtClean="0">
+                <a:solidFill>
+                  <a:srgbClr val="FF0000"/>
+                </a:solidFill>
+              </a:rPr>
+              <a:t>動態加入購物車</a:t>
+            </a:r>
+            <a:r>
+              <a:rPr lang="en-US" altLang="zh-TW" sz="2800" dirty="0" smtClean="0">
+                <a:solidFill>
+                  <a:srgbClr val="FF0000"/>
+                </a:solidFill>
+              </a:rPr>
+              <a:t>,</a:t>
+            </a:r>
+            <a:r>
+              <a:rPr lang="zh-TW" altLang="en-US" sz="2800" dirty="0" smtClean="0">
+                <a:solidFill>
+                  <a:srgbClr val="FF0000"/>
+                </a:solidFill>
+              </a:rPr>
+              <a:t>而不是使用請求</a:t>
+            </a:r>
+            <a:r>
+              <a:rPr lang="en-US" altLang="zh-TW" sz="2800" dirty="0" smtClean="0">
+                <a:solidFill>
+                  <a:srgbClr val="FF0000"/>
+                </a:solidFill>
+              </a:rPr>
+              <a:t>,</a:t>
+            </a:r>
+            <a:r>
+              <a:rPr lang="zh-TW" altLang="en-US" sz="2800" dirty="0" smtClean="0">
+                <a:solidFill>
+                  <a:srgbClr val="FF0000"/>
+                </a:solidFill>
+              </a:rPr>
+              <a:t>會讓使用者看到頁面跳一下。</a:t>
+            </a:r>
+            <a:endParaRPr lang="en-US" altLang="zh-TW" sz="2800" dirty="0" smtClean="0">
+              <a:solidFill>
+                <a:srgbClr val="FF0000"/>
+              </a:solidFill>
+            </a:endParaRPr>
+          </a:p>
+          <a:p>
+            <a:pPr marL="0" lvl="1" indent="0">
+              <a:spcBef>
+                <a:spcPts val="1800"/>
+              </a:spcBef>
+              <a:buClr>
+                <a:srgbClr val="7030A0"/>
+              </a:buClr>
+              <a:buFont typeface="Wingdings" pitchFamily="2" charset="2"/>
+              <a:buChar char="p"/>
+            </a:pPr>
+            <a:r>
+              <a:rPr lang="zh-TW" altLang="en-US" sz="2800" dirty="0" smtClean="0">
+                <a:solidFill>
+                  <a:srgbClr val="FF0000"/>
+                </a:solidFill>
+              </a:rPr>
+              <a:t>新增店家資料庫</a:t>
+            </a:r>
+            <a:endParaRPr lang="en-US" altLang="zh-TW" sz="2800" dirty="0" smtClean="0">
+              <a:solidFill>
+                <a:srgbClr val="FF0000"/>
+              </a:solidFill>
+            </a:endParaRPr>
+          </a:p>
+          <a:p>
+            <a:pPr marL="0" lvl="1" indent="0">
+              <a:spcBef>
+                <a:spcPts val="1800"/>
+              </a:spcBef>
+              <a:buClr>
+                <a:schemeClr val="accent2"/>
+              </a:buClr>
+              <a:buSzPct val="60000"/>
+              <a:buFont typeface="Wingdings" pitchFamily="2" charset="2"/>
+              <a:buChar char="Ø"/>
+            </a:pPr>
+            <a:endParaRPr lang="en-US" altLang="zh-TW" sz="2800" dirty="0" smtClean="0">
+              <a:solidFill>
+                <a:srgbClr val="FF0000"/>
+              </a:solidFill>
+            </a:endParaRPr>
+          </a:p>
+        </p:txBody>
+      </p:sp>
+    </p:spTree>
+  </p:cSld>
+  <p:clrMapOvr>
+    <a:masterClrMapping/>
+  </p:clrMapOvr>
+  <p:transition>
+    <p:dissolve/>
+  </p:transition>
+  <p:timing>
+    <p:tnLst>
+      <p:par>
+        <p:cTn id="1" dur="indefinite" restart="never" nodeType="tmRoot">
+          <p:childTnLst>
+            <p:seq concurrent="1" nextAc="seek">
+              <p:cTn id="2" dur="indefinite" nodeType="mainSeq">
+                <p:childTnLst>
+                  <p:par>
+                    <p:cTn id="3" fill="hold">
+                      <p:stCondLst>
+                        <p:cond delay="indefinite"/>
+                        <p:cond evt="onBegin" delay="0">
+                          <p:tn val="2"/>
+                        </p:cond>
+                      </p:stCondLst>
+                      <p:childTnLst>
+                        <p:par>
+                          <p:cTn id="4" fill="hold">
+                            <p:stCondLst>
+                              <p:cond delay="0"/>
+                            </p:stCondLst>
+                            <p:childTnLst>
+                              <p:par>
+                                <p:cTn id="5" presetID="50" presetClass="entr" presetSubtype="0" decel="100000" fill="hold" grpId="0" nodeType="afterEffect">
+                                  <p:stCondLst>
+                                    <p:cond delay="0"/>
+                                  </p:stCondLst>
+                                  <p:childTnLst>
+                                    <p:set>
+                                      <p:cBhvr>
+                                        <p:cTn id="6" dur="1" fill="hold">
+                                          <p:stCondLst>
+                                            <p:cond delay="0"/>
+                                          </p:stCondLst>
+                                        </p:cTn>
+                                        <p:tgtEl>
+                                          <p:spTgt spid="4">
+                                            <p:txEl>
+                                              <p:pRg st="0" end="0"/>
+                                            </p:txEl>
+                                          </p:spTgt>
+                                        </p:tgtEl>
+                                        <p:attrNameLst>
+                                          <p:attrName>style.visibility</p:attrName>
+                                        </p:attrNameLst>
+                                      </p:cBhvr>
+                                      <p:to>
+                                        <p:strVal val="visible"/>
+                                      </p:to>
+                                    </p:set>
+                                    <p:anim calcmode="lin" valueType="num">
+                                      <p:cBhvr>
+                                        <p:cTn id="7" dur="1000" fill="hold"/>
+                                        <p:tgtEl>
+                                          <p:spTgt spid="4">
+                                            <p:txEl>
+                                              <p:pRg st="0" end="0"/>
+                                            </p:txEl>
+                                          </p:spTgt>
+                                        </p:tgtEl>
+                                        <p:attrNameLst>
+                                          <p:attrName>ppt_w</p:attrName>
+                                        </p:attrNameLst>
+                                      </p:cBhvr>
+                                      <p:tavLst>
+                                        <p:tav tm="0">
+                                          <p:val>
+                                            <p:strVal val="#ppt_w+.3"/>
+                                          </p:val>
+                                        </p:tav>
+                                        <p:tav tm="100000">
+                                          <p:val>
+                                            <p:strVal val="#ppt_w"/>
+                                          </p:val>
+                                        </p:tav>
+                                      </p:tavLst>
+                                    </p:anim>
+                                    <p:anim calcmode="lin" valueType="num">
+                                      <p:cBhvr>
+                                        <p:cTn id="8" dur="1000" fill="hold"/>
+                                        <p:tgtEl>
+                                          <p:spTgt spid="4">
+                                            <p:txEl>
+                                              <p:pRg st="0" end="0"/>
+                                            </p:txEl>
+                                          </p:spTgt>
+                                        </p:tgtEl>
+                                        <p:attrNameLst>
+                                          <p:attrName>ppt_h</p:attrName>
+                                        </p:attrNameLst>
+                                      </p:cBhvr>
+                                      <p:tavLst>
+                                        <p:tav tm="0">
+                                          <p:val>
+                                            <p:strVal val="#ppt_h"/>
+                                          </p:val>
+                                        </p:tav>
+                                        <p:tav tm="100000">
+                                          <p:val>
+                                            <p:strVal val="#ppt_h"/>
+                                          </p:val>
+                                        </p:tav>
+                                      </p:tavLst>
+                                    </p:anim>
+                                    <p:animEffect transition="in" filter="fade">
+                                      <p:cBhvr>
+                                        <p:cTn id="9" dur="1000"/>
+                                        <p:tgtEl>
+                                          <p:spTgt spid="4">
+                                            <p:txEl>
+                                              <p:pRg st="0" end="0"/>
+                                            </p:txEl>
+                                          </p:spTgt>
+                                        </p:tgtEl>
+                                      </p:cBhvr>
+                                    </p:animEffect>
+                                  </p:childTnLst>
+                                </p:cTn>
+                              </p:par>
+                            </p:childTnLst>
+                          </p:cTn>
+                        </p:par>
+                        <p:par>
+                          <p:cTn id="10" fill="hold">
+                            <p:stCondLst>
+                              <p:cond delay="1000"/>
+                            </p:stCondLst>
+                            <p:childTnLst>
+                              <p:par>
+                                <p:cTn id="11" presetID="50" presetClass="entr" presetSubtype="0" decel="100000" fill="hold" grpId="0" nodeType="afterEffect">
+                                  <p:stCondLst>
+                                    <p:cond delay="0"/>
+                                  </p:stCondLst>
+                                  <p:childTnLst>
+                                    <p:set>
+                                      <p:cBhvr>
+                                        <p:cTn id="12" dur="1" fill="hold">
+                                          <p:stCondLst>
+                                            <p:cond delay="0"/>
+                                          </p:stCondLst>
+                                        </p:cTn>
+                                        <p:tgtEl>
+                                          <p:spTgt spid="4">
+                                            <p:txEl>
+                                              <p:pRg st="1" end="1"/>
+                                            </p:txEl>
+                                          </p:spTgt>
+                                        </p:tgtEl>
+                                        <p:attrNameLst>
+                                          <p:attrName>style.visibility</p:attrName>
+                                        </p:attrNameLst>
+                                      </p:cBhvr>
+                                      <p:to>
+                                        <p:strVal val="visible"/>
+                                      </p:to>
+                                    </p:set>
+                                    <p:anim calcmode="lin" valueType="num">
+                                      <p:cBhvr>
+                                        <p:cTn id="13" dur="1000" fill="hold"/>
+                                        <p:tgtEl>
+                                          <p:spTgt spid="4">
+                                            <p:txEl>
+                                              <p:pRg st="1" end="1"/>
+                                            </p:txEl>
+                                          </p:spTgt>
+                                        </p:tgtEl>
+                                        <p:attrNameLst>
+                                          <p:attrName>ppt_w</p:attrName>
+                                        </p:attrNameLst>
+                                      </p:cBhvr>
+                                      <p:tavLst>
+                                        <p:tav tm="0">
+                                          <p:val>
+                                            <p:strVal val="#ppt_w+.3"/>
+                                          </p:val>
+                                        </p:tav>
+                                        <p:tav tm="100000">
+                                          <p:val>
+                                            <p:strVal val="#ppt_w"/>
+                                          </p:val>
+                                        </p:tav>
+                                      </p:tavLst>
+                                    </p:anim>
+                                    <p:anim calcmode="lin" valueType="num">
+                                      <p:cBhvr>
+                                        <p:cTn id="14" dur="1000" fill="hold"/>
+                                        <p:tgtEl>
+                                          <p:spTgt spid="4">
+                                            <p:txEl>
+                                              <p:pRg st="1" end="1"/>
+                                            </p:txEl>
+                                          </p:spTgt>
+                                        </p:tgtEl>
+                                        <p:attrNameLst>
+                                          <p:attrName>ppt_h</p:attrName>
+                                        </p:attrNameLst>
+                                      </p:cBhvr>
+                                      <p:tavLst>
+                                        <p:tav tm="0">
+                                          <p:val>
+                                            <p:strVal val="#ppt_h"/>
+                                          </p:val>
+                                        </p:tav>
+                                        <p:tav tm="100000">
+                                          <p:val>
+                                            <p:strVal val="#ppt_h"/>
+                                          </p:val>
+                                        </p:tav>
+                                      </p:tavLst>
+                                    </p:anim>
+                                    <p:animEffect transition="in" filter="fade">
+                                      <p:cBhvr>
+                                        <p:cTn id="15" dur="1000"/>
+                                        <p:tgtEl>
+                                          <p:spTgt spid="4">
+                                            <p:txEl>
+                                              <p:pRg st="1" end="1"/>
+                                            </p:txEl>
+                                          </p:spTgt>
+                                        </p:tgtEl>
+                                      </p:cBhvr>
+                                    </p:animEffect>
+                                  </p:childTnLst>
+                                </p:cTn>
+                              </p:par>
+                            </p:childTnLst>
+                          </p:cTn>
+                        </p:par>
+                        <p:par>
+                          <p:cTn id="16" fill="hold">
+                            <p:stCondLst>
+                              <p:cond delay="2000"/>
+                            </p:stCondLst>
+                            <p:childTnLst>
+                              <p:par>
+                                <p:cTn id="17" presetID="50" presetClass="entr" presetSubtype="0" decel="100000" fill="hold" grpId="0" nodeType="afterEffect">
+                                  <p:stCondLst>
+                                    <p:cond delay="0"/>
+                                  </p:stCondLst>
+                                  <p:childTnLst>
+                                    <p:set>
+                                      <p:cBhvr>
+                                        <p:cTn id="18" dur="1" fill="hold">
+                                          <p:stCondLst>
+                                            <p:cond delay="0"/>
+                                          </p:stCondLst>
+                                        </p:cTn>
+                                        <p:tgtEl>
+                                          <p:spTgt spid="4">
+                                            <p:txEl>
+                                              <p:pRg st="2" end="2"/>
+                                            </p:txEl>
+                                          </p:spTgt>
+                                        </p:tgtEl>
+                                        <p:attrNameLst>
+                                          <p:attrName>style.visibility</p:attrName>
+                                        </p:attrNameLst>
+                                      </p:cBhvr>
+                                      <p:to>
+                                        <p:strVal val="visible"/>
+                                      </p:to>
+                                    </p:set>
+                                    <p:anim calcmode="lin" valueType="num">
+                                      <p:cBhvr>
+                                        <p:cTn id="19" dur="1000" fill="hold"/>
+                                        <p:tgtEl>
+                                          <p:spTgt spid="4">
+                                            <p:txEl>
+                                              <p:pRg st="2" end="2"/>
+                                            </p:txEl>
+                                          </p:spTgt>
+                                        </p:tgtEl>
+                                        <p:attrNameLst>
+                                          <p:attrName>ppt_w</p:attrName>
+                                        </p:attrNameLst>
+                                      </p:cBhvr>
+                                      <p:tavLst>
+                                        <p:tav tm="0">
+                                          <p:val>
+                                            <p:strVal val="#ppt_w+.3"/>
+                                          </p:val>
+                                        </p:tav>
+                                        <p:tav tm="100000">
+                                          <p:val>
+                                            <p:strVal val="#ppt_w"/>
+                                          </p:val>
+                                        </p:tav>
+                                      </p:tavLst>
+                                    </p:anim>
+                                    <p:anim calcmode="lin" valueType="num">
+                                      <p:cBhvr>
+                                        <p:cTn id="20" dur="1000" fill="hold"/>
+                                        <p:tgtEl>
+                                          <p:spTgt spid="4">
+                                            <p:txEl>
+                                              <p:pRg st="2" end="2"/>
+                                            </p:txEl>
+                                          </p:spTgt>
+                                        </p:tgtEl>
+                                        <p:attrNameLst>
+                                          <p:attrName>ppt_h</p:attrName>
+                                        </p:attrNameLst>
+                                      </p:cBhvr>
+                                      <p:tavLst>
+                                        <p:tav tm="0">
+                                          <p:val>
+                                            <p:strVal val="#ppt_h"/>
+                                          </p:val>
+                                        </p:tav>
+                                        <p:tav tm="100000">
+                                          <p:val>
+                                            <p:strVal val="#ppt_h"/>
+                                          </p:val>
+                                        </p:tav>
+                                      </p:tavLst>
+                                    </p:anim>
+                                    <p:animEffect transition="in" filter="fade">
+                                      <p:cBhvr>
+                                        <p:cTn id="21" dur="1000"/>
+                                        <p:tgtEl>
+                                          <p:spTgt spid="4">
+                                            <p:txEl>
+                                              <p:pRg st="2" end="2"/>
+                                            </p:txEl>
+                                          </p:spTgt>
+                                        </p:tgtEl>
+                                      </p:cBhvr>
+                                    </p:animEffect>
+                                  </p:childTnLst>
+                                </p:cTn>
+                              </p:par>
+                            </p:childTnLst>
+                          </p:cTn>
+                        </p:par>
+                      </p:childTnLst>
+                    </p:cTn>
+                  </p:par>
+                </p:childTnLst>
+              </p:cTn>
+              <p:prevCondLst>
+                <p:cond evt="onPrev" delay="0">
+                  <p:tgtEl>
+                    <p:sldTgt/>
+                  </p:tgtEl>
+                </p:cond>
+              </p:prevCondLst>
+              <p:nextCondLst>
+                <p:cond evt="onNext" delay="0">
+                  <p:tgtEl>
+                    <p:sldTgt/>
+                  </p:tgtEl>
+                </p:cond>
+              </p:nextCondLst>
+            </p:seq>
+          </p:childTnLst>
+        </p:cTn>
+      </p:par>
+    </p:tnLst>
+    <p:bldLst>
+      <p:bldP spid="4" grpId="0" uiExpand="1" build="p"/>
+    </p:bldLst>
+  </p:timing>
 </p:sld>
 </file>
 
@@ -4084,6 +8707,32 @@
           <a:chExt cx="0" cy="0"/>
         </a:xfrm>
       </p:grpSpPr>
+      <p:pic>
+        <p:nvPicPr>
+          <p:cNvPr id="6" name="Picture 2" descr="C:\Users\Administrator\Desktop\235091-131012062Q923.jpg"/>
+          <p:cNvPicPr>
+            <a:picLocks noChangeAspect="1" noChangeArrowheads="1"/>
+          </p:cNvPicPr>
+          <p:nvPr/>
+        </p:nvPicPr>
+        <p:blipFill>
+          <a:blip r:embed="rId2" cstate="print"/>
+          <a:srcRect/>
+          <a:stretch>
+            <a:fillRect/>
+          </a:stretch>
+        </p:blipFill>
+        <p:spPr bwMode="auto">
+          <a:xfrm>
+            <a:off x="4967536" y="4360475"/>
+            <a:ext cx="4176464" cy="2497525"/>
+          </a:xfrm>
+          <a:prstGeom prst="rect">
+            <a:avLst/>
+          </a:prstGeom>
+          <a:noFill/>
+        </p:spPr>
+      </p:pic>
       <p:sp>
         <p:nvSpPr>
           <p:cNvPr id="2" name="文字版面配置區 1"/>
@@ -4108,11 +8757,7 @@
           <a:p>
             <a:r>
               <a:rPr lang="zh-TW" altLang="en-US" sz="3000" dirty="0" smtClean="0"/>
-              <a:t>有鑑於現代追求時間、</a:t>
-            </a:r>
-            <a:r>
-              <a:rPr lang="zh-TW" altLang="en-US" sz="3000" dirty="0" smtClean="0"/>
-              <a:t>效率</a:t>
+              <a:t>有鑑於現代追求時間、效率</a:t>
             </a:r>
             <a:r>
               <a:rPr lang="en-US" altLang="zh-TW" sz="3000" dirty="0" smtClean="0"/>
@@ -4128,15 +8773,7 @@
             </a:r>
             <a:r>
               <a:rPr lang="zh-TW" altLang="en-US" sz="3000" dirty="0" smtClean="0"/>
-              <a:t>因此想透過網路來讓客人可以在未到達前先訂購</a:t>
-            </a:r>
-            <a:r>
-              <a:rPr lang="zh-TW" altLang="en-US" sz="3000" dirty="0" smtClean="0"/>
-              <a:t>再</a:t>
-            </a:r>
-            <a:r>
-              <a:rPr lang="zh-TW" altLang="en-US" sz="3000" dirty="0" smtClean="0"/>
-              <a:t>前來取貨</a:t>
+              <a:t>因此想透過網路來讓客人可以在未到達前先訂購再前來取貨</a:t>
             </a:r>
             <a:r>
               <a:rPr lang="en-US" altLang="zh-TW" sz="3000" dirty="0" smtClean="0"/>
@@ -4178,6 +8815,16 @@
   <p:clrMapOvr>
     <a:masterClrMapping/>
   </p:clrMapOvr>
+  <p:transition>
+    <p:dissolve/>
+  </p:transition>
+  <p:timing>
+    <p:tnLst>
+      <p:par>
+        <p:cTn id="1" dur="indefinite" restart="never" nodeType="tmRoot"/>
+      </p:par>
+    </p:tnLst>
+  </p:timing>
 </p:sld>
 </file>
 
@@ -4210,13 +8857,13 @@
         </p:nvSpPr>
         <p:spPr>
           <a:xfrm>
-            <a:off x="1475656" y="2780928"/>
+            <a:off x="1475656" y="2564904"/>
             <a:ext cx="7123113" cy="3816424"/>
           </a:xfrm>
         </p:spPr>
         <p:txBody>
           <a:bodyPr>
-            <a:normAutofit fontScale="92500" lnSpcReduction="10000"/>
+            <a:normAutofit fontScale="92500" lnSpcReduction="20000"/>
           </a:bodyPr>
           <a:lstStyle/>
           <a:p>
@@ -4297,17 +8944,24 @@
             <a:endParaRPr lang="en-US" altLang="zh-TW" dirty="0" smtClean="0"/>
           </a:p>
           <a:p>
+            <a:pPr lvl="1">
+              <a:buFont typeface="Wingdings" pitchFamily="2" charset="2"/>
+              <a:buChar char="l"/>
+            </a:pPr>
+            <a:r>
+              <a:rPr lang="zh-TW" altLang="en-US" dirty="0" smtClean="0"/>
+              <a:t>店家位置</a:t>
+            </a:r>
+            <a:endParaRPr lang="en-US" altLang="zh-TW" dirty="0" smtClean="0"/>
+          </a:p>
+          <a:p>
             <a:pPr>
               <a:buFont typeface="Wingdings" pitchFamily="2" charset="2"/>
               <a:buChar char="l"/>
             </a:pPr>
             <a:r>
               <a:rPr lang="zh-TW" altLang="en-US" dirty="0" smtClean="0"/>
-              <a:t>購物</a:t>
-            </a:r>
-            <a:r>
-              <a:rPr lang="zh-TW" altLang="en-US" dirty="0" smtClean="0"/>
-              <a:t>車</a:t>
+              <a:t>購物車</a:t>
             </a:r>
             <a:endParaRPr lang="en-US" altLang="zh-TW" dirty="0" smtClean="0"/>
           </a:p>
@@ -4376,11 +9030,374 @@
           </a:p>
         </p:txBody>
       </p:sp>
+      <p:pic>
+        <p:nvPicPr>
+          <p:cNvPr id="4" name="圖片 3" descr="gwc.png"/>
+          <p:cNvPicPr>
+            <a:picLocks noChangeAspect="1"/>
+          </p:cNvPicPr>
+          <p:nvPr/>
+        </p:nvPicPr>
+        <p:blipFill>
+          <a:blip r:embed="rId2" cstate="print"/>
+          <a:stretch>
+            <a:fillRect/>
+          </a:stretch>
+        </p:blipFill>
+        <p:spPr>
+          <a:xfrm>
+            <a:off x="9222870" y="5329385"/>
+            <a:ext cx="1325794" cy="979935"/>
+          </a:xfrm>
+          <a:prstGeom prst="rect">
+            <a:avLst/>
+          </a:prstGeom>
+        </p:spPr>
+      </p:pic>
+      <p:pic>
+        <p:nvPicPr>
+          <p:cNvPr id="5" name="圖片 4" descr="使用者旗子.png"/>
+          <p:cNvPicPr>
+            <a:picLocks noChangeAspect="1"/>
+          </p:cNvPicPr>
+          <p:nvPr/>
+        </p:nvPicPr>
+        <p:blipFill>
+          <a:blip r:embed="rId3" cstate="print"/>
+          <a:stretch>
+            <a:fillRect/>
+          </a:stretch>
+        </p:blipFill>
+        <p:spPr>
+          <a:xfrm>
+            <a:off x="9279904" y="2808312"/>
+            <a:ext cx="1268760" cy="1268760"/>
+          </a:xfrm>
+          <a:prstGeom prst="rect">
+            <a:avLst/>
+          </a:prstGeom>
+        </p:spPr>
+      </p:pic>
+      <p:pic>
+        <p:nvPicPr>
+          <p:cNvPr id="7" name="圖片 6" descr="location_icon.png"/>
+          <p:cNvPicPr>
+            <a:picLocks noChangeAspect="1"/>
+          </p:cNvPicPr>
+          <p:nvPr/>
+        </p:nvPicPr>
+        <p:blipFill>
+          <a:blip r:embed="rId4" cstate="print"/>
+          <a:stretch>
+            <a:fillRect/>
+          </a:stretch>
+        </p:blipFill>
+        <p:spPr>
+          <a:xfrm>
+            <a:off x="9214023" y="4005064"/>
+            <a:ext cx="1262633" cy="1146471"/>
+          </a:xfrm>
+          <a:prstGeom prst="rect">
+            <a:avLst/>
+          </a:prstGeom>
+        </p:spPr>
+      </p:pic>
     </p:spTree>
   </p:cSld>
   <p:clrMapOvr>
     <a:masterClrMapping/>
   </p:clrMapOvr>
+  <p:transition>
+    <p:dissolve/>
+  </p:transition>
+  <p:timing>
+    <p:tnLst>
+      <p:par>
+        <p:cTn id="1" dur="indefinite" restart="never" nodeType="tmRoot">
+          <p:childTnLst>
+            <p:seq concurrent="1" nextAc="seek">
+              <p:cTn id="2" dur="indefinite" nodeType="mainSeq">
+                <p:childTnLst>
+                  <p:par>
+                    <p:cTn id="3" fill="hold">
+                      <p:stCondLst>
+                        <p:cond delay="indefinite"/>
+                        <p:cond evt="onBegin" delay="0">
+                          <p:tn val="2"/>
+                        </p:cond>
+                      </p:stCondLst>
+                      <p:childTnLst>
+                        <p:par>
+                          <p:cTn id="4" fill="hold">
+                            <p:stCondLst>
+                              <p:cond delay="0"/>
+                            </p:stCondLst>
+                            <p:childTnLst>
+                              <p:par>
+                                <p:cTn id="5" presetID="2" presetClass="entr" presetSubtype="8" fill="hold" nodeType="afterEffect">
+                                  <p:stCondLst>
+                                    <p:cond delay="0"/>
+                                  </p:stCondLst>
+                                  <p:childTnLst>
+                                    <p:set>
+                                      <p:cBhvr>
+                                        <p:cTn id="6" dur="1" fill="hold">
+                                          <p:stCondLst>
+                                            <p:cond delay="0"/>
+                                          </p:stCondLst>
+                                        </p:cTn>
+                                        <p:tgtEl>
+                                          <p:spTgt spid="5"/>
+                                        </p:tgtEl>
+                                        <p:attrNameLst>
+                                          <p:attrName>style.visibility</p:attrName>
+                                        </p:attrNameLst>
+                                      </p:cBhvr>
+                                      <p:to>
+                                        <p:strVal val="visible"/>
+                                      </p:to>
+                                    </p:set>
+                                    <p:anim calcmode="lin" valueType="num">
+                                      <p:cBhvr additive="base">
+                                        <p:cTn id="7" dur="500" fill="hold"/>
+                                        <p:tgtEl>
+                                          <p:spTgt spid="5"/>
+                                        </p:tgtEl>
+                                        <p:attrNameLst>
+                                          <p:attrName>ppt_x</p:attrName>
+                                        </p:attrNameLst>
+                                      </p:cBhvr>
+                                      <p:tavLst>
+                                        <p:tav tm="0">
+                                          <p:val>
+                                            <p:strVal val="0-#ppt_w/2"/>
+                                          </p:val>
+                                        </p:tav>
+                                        <p:tav tm="100000">
+                                          <p:val>
+                                            <p:strVal val="#ppt_x"/>
+                                          </p:val>
+                                        </p:tav>
+                                      </p:tavLst>
+                                    </p:anim>
+                                    <p:anim calcmode="lin" valueType="num">
+                                      <p:cBhvr additive="base">
+                                        <p:cTn id="8" dur="500" fill="hold"/>
+                                        <p:tgtEl>
+                                          <p:spTgt spid="5"/>
+                                        </p:tgtEl>
+                                        <p:attrNameLst>
+                                          <p:attrName>ppt_y</p:attrName>
+                                        </p:attrNameLst>
+                                      </p:cBhvr>
+                                      <p:tavLst>
+                                        <p:tav tm="0">
+                                          <p:val>
+                                            <p:strVal val="#ppt_y"/>
+                                          </p:val>
+                                        </p:tav>
+                                        <p:tav tm="100000">
+                                          <p:val>
+                                            <p:strVal val="#ppt_y"/>
+                                          </p:val>
+                                        </p:tav>
+                                      </p:tavLst>
+                                    </p:anim>
+                                  </p:childTnLst>
+                                </p:cTn>
+                              </p:par>
+                            </p:childTnLst>
+                          </p:cTn>
+                        </p:par>
+                        <p:par>
+                          <p:cTn id="9" fill="hold">
+                            <p:stCondLst>
+                              <p:cond delay="500"/>
+                            </p:stCondLst>
+                            <p:childTnLst>
+                              <p:par>
+                                <p:cTn id="10" presetID="2" presetClass="entr" presetSubtype="8" fill="hold" nodeType="afterEffect">
+                                  <p:stCondLst>
+                                    <p:cond delay="0"/>
+                                  </p:stCondLst>
+                                  <p:childTnLst>
+                                    <p:set>
+                                      <p:cBhvr>
+                                        <p:cTn id="11" dur="1" fill="hold">
+                                          <p:stCondLst>
+                                            <p:cond delay="0"/>
+                                          </p:stCondLst>
+                                        </p:cTn>
+                                        <p:tgtEl>
+                                          <p:spTgt spid="7"/>
+                                        </p:tgtEl>
+                                        <p:attrNameLst>
+                                          <p:attrName>style.visibility</p:attrName>
+                                        </p:attrNameLst>
+                                      </p:cBhvr>
+                                      <p:to>
+                                        <p:strVal val="visible"/>
+                                      </p:to>
+                                    </p:set>
+                                    <p:anim calcmode="lin" valueType="num">
+                                      <p:cBhvr additive="base">
+                                        <p:cTn id="12" dur="500" fill="hold"/>
+                                        <p:tgtEl>
+                                          <p:spTgt spid="7"/>
+                                        </p:tgtEl>
+                                        <p:attrNameLst>
+                                          <p:attrName>ppt_x</p:attrName>
+                                        </p:attrNameLst>
+                                      </p:cBhvr>
+                                      <p:tavLst>
+                                        <p:tav tm="0">
+                                          <p:val>
+                                            <p:strVal val="0-#ppt_w/2"/>
+                                          </p:val>
+                                        </p:tav>
+                                        <p:tav tm="100000">
+                                          <p:val>
+                                            <p:strVal val="#ppt_x"/>
+                                          </p:val>
+                                        </p:tav>
+                                      </p:tavLst>
+                                    </p:anim>
+                                    <p:anim calcmode="lin" valueType="num">
+                                      <p:cBhvr additive="base">
+                                        <p:cTn id="13" dur="500" fill="hold"/>
+                                        <p:tgtEl>
+                                          <p:spTgt spid="7"/>
+                                        </p:tgtEl>
+                                        <p:attrNameLst>
+                                          <p:attrName>ppt_y</p:attrName>
+                                        </p:attrNameLst>
+                                      </p:cBhvr>
+                                      <p:tavLst>
+                                        <p:tav tm="0">
+                                          <p:val>
+                                            <p:strVal val="#ppt_y"/>
+                                          </p:val>
+                                        </p:tav>
+                                        <p:tav tm="100000">
+                                          <p:val>
+                                            <p:strVal val="#ppt_y"/>
+                                          </p:val>
+                                        </p:tav>
+                                      </p:tavLst>
+                                    </p:anim>
+                                  </p:childTnLst>
+                                </p:cTn>
+                              </p:par>
+                            </p:childTnLst>
+                          </p:cTn>
+                        </p:par>
+                        <p:par>
+                          <p:cTn id="14" fill="hold">
+                            <p:stCondLst>
+                              <p:cond delay="1000"/>
+                            </p:stCondLst>
+                            <p:childTnLst>
+                              <p:par>
+                                <p:cTn id="15" presetID="2" presetClass="entr" presetSubtype="8" fill="hold" nodeType="afterEffect">
+                                  <p:stCondLst>
+                                    <p:cond delay="0"/>
+                                  </p:stCondLst>
+                                  <p:childTnLst>
+                                    <p:set>
+                                      <p:cBhvr>
+                                        <p:cTn id="16" dur="1" fill="hold">
+                                          <p:stCondLst>
+                                            <p:cond delay="0"/>
+                                          </p:stCondLst>
+                                        </p:cTn>
+                                        <p:tgtEl>
+                                          <p:spTgt spid="4"/>
+                                        </p:tgtEl>
+                                        <p:attrNameLst>
+                                          <p:attrName>style.visibility</p:attrName>
+                                        </p:attrNameLst>
+                                      </p:cBhvr>
+                                      <p:to>
+                                        <p:strVal val="visible"/>
+                                      </p:to>
+                                    </p:set>
+                                    <p:anim calcmode="lin" valueType="num">
+                                      <p:cBhvr additive="base">
+                                        <p:cTn id="17" dur="500" fill="hold"/>
+                                        <p:tgtEl>
+                                          <p:spTgt spid="4"/>
+                                        </p:tgtEl>
+                                        <p:attrNameLst>
+                                          <p:attrName>ppt_x</p:attrName>
+                                        </p:attrNameLst>
+                                      </p:cBhvr>
+                                      <p:tavLst>
+                                        <p:tav tm="0">
+                                          <p:val>
+                                            <p:strVal val="0-#ppt_w/2"/>
+                                          </p:val>
+                                        </p:tav>
+                                        <p:tav tm="100000">
+                                          <p:val>
+                                            <p:strVal val="#ppt_x"/>
+                                          </p:val>
+                                        </p:tav>
+                                      </p:tavLst>
+                                    </p:anim>
+                                    <p:anim calcmode="lin" valueType="num">
+                                      <p:cBhvr additive="base">
+                                        <p:cTn id="18" dur="500" fill="hold"/>
+                                        <p:tgtEl>
+                                          <p:spTgt spid="4"/>
+                                        </p:tgtEl>
+                                        <p:attrNameLst>
+                                          <p:attrName>ppt_y</p:attrName>
+                                        </p:attrNameLst>
+                                      </p:cBhvr>
+                                      <p:tavLst>
+                                        <p:tav tm="0">
+                                          <p:val>
+                                            <p:strVal val="#ppt_y"/>
+                                          </p:val>
+                                        </p:tav>
+                                        <p:tav tm="100000">
+                                          <p:val>
+                                            <p:strVal val="#ppt_y"/>
+                                          </p:val>
+                                        </p:tav>
+                                      </p:tavLst>
+                                    </p:anim>
+                                  </p:childTnLst>
+                                </p:cTn>
+                              </p:par>
+                            </p:childTnLst>
+                          </p:cTn>
+                        </p:par>
+                      </p:childTnLst>
+                    </p:cTn>
+                  </p:par>
+                </p:childTnLst>
+              </p:cTn>
+              <p:prevCondLst>
+                <p:cond evt="onPrev" delay="0">
+                  <p:tgtEl>
+                    <p:sldTgt/>
+                  </p:tgtEl>
+                </p:cond>
+              </p:prevCondLst>
+              <p:nextCondLst>
+                <p:cond evt="onNext" delay="0">
+                  <p:tgtEl>
+                    <p:sldTgt/>
+                  </p:tgtEl>
+                </p:cond>
+              </p:nextCondLst>
+            </p:seq>
+          </p:childTnLst>
+        </p:cTn>
+      </p:par>
+    </p:tnLst>
+  </p:timing>
 </p:sld>
 </file>
 
@@ -4411,14 +9428,2312 @@
             <p:ph type="body" idx="1"/>
           </p:nvPr>
         </p:nvSpPr>
+        <p:spPr>
+          <a:xfrm>
+            <a:off x="1659632" y="2996952"/>
+            <a:ext cx="4136504" cy="2774032"/>
+          </a:xfrm>
+        </p:spPr>
+        <p:txBody>
+          <a:bodyPr>
+            <a:normAutofit/>
+          </a:bodyPr>
+          <a:lstStyle/>
+          <a:p>
+            <a:pPr>
+              <a:spcBef>
+                <a:spcPts val="1800"/>
+              </a:spcBef>
+              <a:buFont typeface="Wingdings" pitchFamily="2" charset="2"/>
+              <a:buChar char="Ø"/>
+            </a:pPr>
+            <a:r>
+              <a:rPr lang="zh-TW" altLang="en-US" dirty="0" smtClean="0">
+                <a:solidFill>
+                  <a:srgbClr val="FF0000"/>
+                </a:solidFill>
+                <a:hlinkClick r:id="rId2"/>
+              </a:rPr>
+              <a:t>註冊</a:t>
+            </a:r>
+            <a:endParaRPr lang="en-US" altLang="zh-TW" dirty="0" smtClean="0">
+              <a:solidFill>
+                <a:srgbClr val="FF0000"/>
+              </a:solidFill>
+            </a:endParaRPr>
+          </a:p>
+          <a:p>
+            <a:pPr>
+              <a:spcBef>
+                <a:spcPts val="1800"/>
+              </a:spcBef>
+              <a:buFont typeface="Wingdings" pitchFamily="2" charset="2"/>
+              <a:buChar char="Ø"/>
+            </a:pPr>
+            <a:r>
+              <a:rPr lang="zh-TW" altLang="en-US" dirty="0" smtClean="0">
+                <a:solidFill>
+                  <a:srgbClr val="FF0000"/>
+                </a:solidFill>
+                <a:hlinkClick r:id="rId3"/>
+              </a:rPr>
+              <a:t>登入</a:t>
+            </a:r>
+            <a:endParaRPr lang="en-US" altLang="zh-TW" dirty="0" smtClean="0">
+              <a:solidFill>
+                <a:srgbClr val="FF0000"/>
+              </a:solidFill>
+            </a:endParaRPr>
+          </a:p>
+          <a:p>
+            <a:pPr>
+              <a:spcBef>
+                <a:spcPts val="1800"/>
+              </a:spcBef>
+              <a:buFont typeface="Wingdings" pitchFamily="2" charset="2"/>
+              <a:buChar char="Ø"/>
+            </a:pPr>
+            <a:r>
+              <a:rPr lang="zh-TW" altLang="en-US" dirty="0" smtClean="0">
+                <a:solidFill>
+                  <a:srgbClr val="FF0000"/>
+                </a:solidFill>
+                <a:hlinkClick r:id="rId4"/>
+              </a:rPr>
+              <a:t>會員修改</a:t>
+            </a:r>
+            <a:endParaRPr lang="en-US" altLang="zh-TW" dirty="0" smtClean="0">
+              <a:solidFill>
+                <a:srgbClr val="FF0000"/>
+              </a:solidFill>
+            </a:endParaRPr>
+          </a:p>
+          <a:p>
+            <a:pPr>
+              <a:spcBef>
+                <a:spcPts val="1800"/>
+              </a:spcBef>
+              <a:buFont typeface="Wingdings" pitchFamily="2" charset="2"/>
+              <a:buChar char="Ø"/>
+            </a:pPr>
+            <a:r>
+              <a:rPr lang="zh-TW" altLang="en-US" dirty="0" smtClean="0">
+                <a:solidFill>
+                  <a:srgbClr val="FF0000"/>
+                </a:solidFill>
+                <a:hlinkClick r:id="rId5"/>
+              </a:rPr>
+              <a:t>忘記</a:t>
+            </a:r>
+            <a:r>
+              <a:rPr lang="zh-TW" altLang="en-US" dirty="0" smtClean="0">
+                <a:solidFill>
+                  <a:srgbClr val="FF0000"/>
+                </a:solidFill>
+                <a:hlinkClick r:id="rId5"/>
+              </a:rPr>
+              <a:t>密碼</a:t>
+            </a:r>
+            <a:endParaRPr lang="en-US" altLang="zh-TW" dirty="0" smtClean="0">
+              <a:solidFill>
+                <a:srgbClr val="FF0000"/>
+              </a:solidFill>
+            </a:endParaRPr>
+          </a:p>
+          <a:p>
+            <a:pPr>
+              <a:spcBef>
+                <a:spcPts val="1800"/>
+              </a:spcBef>
+              <a:buFont typeface="Wingdings" pitchFamily="2" charset="2"/>
+              <a:buChar char="Ø"/>
+            </a:pPr>
+            <a:endParaRPr lang="en-US" altLang="zh-TW" dirty="0" smtClean="0">
+              <a:solidFill>
+                <a:srgbClr val="FF0000"/>
+              </a:solidFill>
+            </a:endParaRPr>
+          </a:p>
+        </p:txBody>
+      </p:sp>
+      <p:sp>
+        <p:nvSpPr>
+          <p:cNvPr id="3" name="標題 2"/>
+          <p:cNvSpPr>
+            <a:spLocks noGrp="1"/>
+          </p:cNvSpPr>
+          <p:nvPr>
+            <p:ph type="title"/>
+          </p:nvPr>
+        </p:nvSpPr>
+        <p:spPr/>
+        <p:txBody>
+          <a:bodyPr>
+            <a:normAutofit/>
+          </a:bodyPr>
+          <a:lstStyle/>
+          <a:p>
+            <a:r>
+              <a:rPr lang="zh-TW" altLang="en-US" dirty="0" smtClean="0"/>
+              <a:t>會員系統</a:t>
+            </a:r>
+            <a:endParaRPr lang="zh-TW" altLang="en-US" dirty="0"/>
+          </a:p>
+        </p:txBody>
+      </p:sp>
+      <p:pic>
+        <p:nvPicPr>
+          <p:cNvPr id="6" name="圖片 5" descr="使用者旗子.png"/>
+          <p:cNvPicPr>
+            <a:picLocks noChangeAspect="1"/>
+          </p:cNvPicPr>
+          <p:nvPr/>
+        </p:nvPicPr>
+        <p:blipFill>
+          <a:blip r:embed="rId6" cstate="print"/>
+          <a:stretch>
+            <a:fillRect/>
+          </a:stretch>
+        </p:blipFill>
+        <p:spPr>
+          <a:xfrm rot="20925767">
+            <a:off x="7491773" y="5340661"/>
+            <a:ext cx="1268760" cy="1268760"/>
+          </a:xfrm>
+          <a:prstGeom prst="rect">
+            <a:avLst/>
+          </a:prstGeom>
+        </p:spPr>
+      </p:pic>
+    </p:spTree>
+  </p:cSld>
+  <p:clrMapOvr>
+    <a:masterClrMapping/>
+  </p:clrMapOvr>
+  <p:transition>
+    <p:dissolve/>
+  </p:transition>
+  <p:timing>
+    <p:tnLst>
+      <p:par>
+        <p:cTn id="1" dur="indefinite" restart="never" nodeType="tmRoot">
+          <p:childTnLst>
+            <p:seq concurrent="1" nextAc="seek">
+              <p:cTn id="2" dur="indefinite" nodeType="mainSeq">
+                <p:childTnLst>
+                  <p:par>
+                    <p:cTn id="3" fill="hold">
+                      <p:stCondLst>
+                        <p:cond delay="indefinite"/>
+                        <p:cond evt="onBegin" delay="0">
+                          <p:tn val="2"/>
+                        </p:cond>
+                      </p:stCondLst>
+                      <p:childTnLst>
+                        <p:par>
+                          <p:cTn id="4" fill="hold">
+                            <p:stCondLst>
+                              <p:cond delay="0"/>
+                            </p:stCondLst>
+                            <p:childTnLst>
+                              <p:par>
+                                <p:cTn id="5" presetID="2" presetClass="entr" presetSubtype="8" fill="hold" grpId="0" nodeType="afterEffect">
+                                  <p:stCondLst>
+                                    <p:cond delay="0"/>
+                                  </p:stCondLst>
+                                  <p:childTnLst>
+                                    <p:set>
+                                      <p:cBhvr>
+                                        <p:cTn id="6" dur="1" fill="hold">
+                                          <p:stCondLst>
+                                            <p:cond delay="0"/>
+                                          </p:stCondLst>
+                                        </p:cTn>
+                                        <p:tgtEl>
+                                          <p:spTgt spid="2">
+                                            <p:txEl>
+                                              <p:pRg st="0" end="0"/>
+                                            </p:txEl>
+                                          </p:spTgt>
+                                        </p:tgtEl>
+                                        <p:attrNameLst>
+                                          <p:attrName>style.visibility</p:attrName>
+                                        </p:attrNameLst>
+                                      </p:cBhvr>
+                                      <p:to>
+                                        <p:strVal val="visible"/>
+                                      </p:to>
+                                    </p:set>
+                                    <p:anim calcmode="lin" valueType="num">
+                                      <p:cBhvr additive="base">
+                                        <p:cTn id="7" dur="500" fill="hold"/>
+                                        <p:tgtEl>
+                                          <p:spTgt spid="2">
+                                            <p:txEl>
+                                              <p:pRg st="0" end="0"/>
+                                            </p:txEl>
+                                          </p:spTgt>
+                                        </p:tgtEl>
+                                        <p:attrNameLst>
+                                          <p:attrName>ppt_x</p:attrName>
+                                        </p:attrNameLst>
+                                      </p:cBhvr>
+                                      <p:tavLst>
+                                        <p:tav tm="0">
+                                          <p:val>
+                                            <p:strVal val="0-#ppt_w/2"/>
+                                          </p:val>
+                                        </p:tav>
+                                        <p:tav tm="100000">
+                                          <p:val>
+                                            <p:strVal val="#ppt_x"/>
+                                          </p:val>
+                                        </p:tav>
+                                      </p:tavLst>
+                                    </p:anim>
+                                    <p:anim calcmode="lin" valueType="num">
+                                      <p:cBhvr additive="base">
+                                        <p:cTn id="8" dur="500" fill="hold"/>
+                                        <p:tgtEl>
+                                          <p:spTgt spid="2">
+                                            <p:txEl>
+                                              <p:pRg st="0" end="0"/>
+                                            </p:txEl>
+                                          </p:spTgt>
+                                        </p:tgtEl>
+                                        <p:attrNameLst>
+                                          <p:attrName>ppt_y</p:attrName>
+                                        </p:attrNameLst>
+                                      </p:cBhvr>
+                                      <p:tavLst>
+                                        <p:tav tm="0">
+                                          <p:val>
+                                            <p:strVal val="#ppt_y"/>
+                                          </p:val>
+                                        </p:tav>
+                                        <p:tav tm="100000">
+                                          <p:val>
+                                            <p:strVal val="#ppt_y"/>
+                                          </p:val>
+                                        </p:tav>
+                                      </p:tavLst>
+                                    </p:anim>
+                                  </p:childTnLst>
+                                </p:cTn>
+                              </p:par>
+                            </p:childTnLst>
+                          </p:cTn>
+                        </p:par>
+                        <p:par>
+                          <p:cTn id="9" fill="hold">
+                            <p:stCondLst>
+                              <p:cond delay="500"/>
+                            </p:stCondLst>
+                            <p:childTnLst>
+                              <p:par>
+                                <p:cTn id="10" presetID="2" presetClass="entr" presetSubtype="8" fill="hold" grpId="0" nodeType="afterEffect">
+                                  <p:stCondLst>
+                                    <p:cond delay="0"/>
+                                  </p:stCondLst>
+                                  <p:childTnLst>
+                                    <p:set>
+                                      <p:cBhvr>
+                                        <p:cTn id="11" dur="1" fill="hold">
+                                          <p:stCondLst>
+                                            <p:cond delay="0"/>
+                                          </p:stCondLst>
+                                        </p:cTn>
+                                        <p:tgtEl>
+                                          <p:spTgt spid="2">
+                                            <p:txEl>
+                                              <p:pRg st="1" end="1"/>
+                                            </p:txEl>
+                                          </p:spTgt>
+                                        </p:tgtEl>
+                                        <p:attrNameLst>
+                                          <p:attrName>style.visibility</p:attrName>
+                                        </p:attrNameLst>
+                                      </p:cBhvr>
+                                      <p:to>
+                                        <p:strVal val="visible"/>
+                                      </p:to>
+                                    </p:set>
+                                    <p:anim calcmode="lin" valueType="num">
+                                      <p:cBhvr additive="base">
+                                        <p:cTn id="12" dur="500" fill="hold"/>
+                                        <p:tgtEl>
+                                          <p:spTgt spid="2">
+                                            <p:txEl>
+                                              <p:pRg st="1" end="1"/>
+                                            </p:txEl>
+                                          </p:spTgt>
+                                        </p:tgtEl>
+                                        <p:attrNameLst>
+                                          <p:attrName>ppt_x</p:attrName>
+                                        </p:attrNameLst>
+                                      </p:cBhvr>
+                                      <p:tavLst>
+                                        <p:tav tm="0">
+                                          <p:val>
+                                            <p:strVal val="0-#ppt_w/2"/>
+                                          </p:val>
+                                        </p:tav>
+                                        <p:tav tm="100000">
+                                          <p:val>
+                                            <p:strVal val="#ppt_x"/>
+                                          </p:val>
+                                        </p:tav>
+                                      </p:tavLst>
+                                    </p:anim>
+                                    <p:anim calcmode="lin" valueType="num">
+                                      <p:cBhvr additive="base">
+                                        <p:cTn id="13" dur="500" fill="hold"/>
+                                        <p:tgtEl>
+                                          <p:spTgt spid="2">
+                                            <p:txEl>
+                                              <p:pRg st="1" end="1"/>
+                                            </p:txEl>
+                                          </p:spTgt>
+                                        </p:tgtEl>
+                                        <p:attrNameLst>
+                                          <p:attrName>ppt_y</p:attrName>
+                                        </p:attrNameLst>
+                                      </p:cBhvr>
+                                      <p:tavLst>
+                                        <p:tav tm="0">
+                                          <p:val>
+                                            <p:strVal val="#ppt_y"/>
+                                          </p:val>
+                                        </p:tav>
+                                        <p:tav tm="100000">
+                                          <p:val>
+                                            <p:strVal val="#ppt_y"/>
+                                          </p:val>
+                                        </p:tav>
+                                      </p:tavLst>
+                                    </p:anim>
+                                  </p:childTnLst>
+                                </p:cTn>
+                              </p:par>
+                            </p:childTnLst>
+                          </p:cTn>
+                        </p:par>
+                        <p:par>
+                          <p:cTn id="14" fill="hold">
+                            <p:stCondLst>
+                              <p:cond delay="1000"/>
+                            </p:stCondLst>
+                            <p:childTnLst>
+                              <p:par>
+                                <p:cTn id="15" presetID="2" presetClass="entr" presetSubtype="8" fill="hold" grpId="0" nodeType="afterEffect">
+                                  <p:stCondLst>
+                                    <p:cond delay="0"/>
+                                  </p:stCondLst>
+                                  <p:childTnLst>
+                                    <p:set>
+                                      <p:cBhvr>
+                                        <p:cTn id="16" dur="1" fill="hold">
+                                          <p:stCondLst>
+                                            <p:cond delay="0"/>
+                                          </p:stCondLst>
+                                        </p:cTn>
+                                        <p:tgtEl>
+                                          <p:spTgt spid="2">
+                                            <p:txEl>
+                                              <p:pRg st="2" end="2"/>
+                                            </p:txEl>
+                                          </p:spTgt>
+                                        </p:tgtEl>
+                                        <p:attrNameLst>
+                                          <p:attrName>style.visibility</p:attrName>
+                                        </p:attrNameLst>
+                                      </p:cBhvr>
+                                      <p:to>
+                                        <p:strVal val="visible"/>
+                                      </p:to>
+                                    </p:set>
+                                    <p:anim calcmode="lin" valueType="num">
+                                      <p:cBhvr additive="base">
+                                        <p:cTn id="17" dur="500" fill="hold"/>
+                                        <p:tgtEl>
+                                          <p:spTgt spid="2">
+                                            <p:txEl>
+                                              <p:pRg st="2" end="2"/>
+                                            </p:txEl>
+                                          </p:spTgt>
+                                        </p:tgtEl>
+                                        <p:attrNameLst>
+                                          <p:attrName>ppt_x</p:attrName>
+                                        </p:attrNameLst>
+                                      </p:cBhvr>
+                                      <p:tavLst>
+                                        <p:tav tm="0">
+                                          <p:val>
+                                            <p:strVal val="0-#ppt_w/2"/>
+                                          </p:val>
+                                        </p:tav>
+                                        <p:tav tm="100000">
+                                          <p:val>
+                                            <p:strVal val="#ppt_x"/>
+                                          </p:val>
+                                        </p:tav>
+                                      </p:tavLst>
+                                    </p:anim>
+                                    <p:anim calcmode="lin" valueType="num">
+                                      <p:cBhvr additive="base">
+                                        <p:cTn id="18" dur="500" fill="hold"/>
+                                        <p:tgtEl>
+                                          <p:spTgt spid="2">
+                                            <p:txEl>
+                                              <p:pRg st="2" end="2"/>
+                                            </p:txEl>
+                                          </p:spTgt>
+                                        </p:tgtEl>
+                                        <p:attrNameLst>
+                                          <p:attrName>ppt_y</p:attrName>
+                                        </p:attrNameLst>
+                                      </p:cBhvr>
+                                      <p:tavLst>
+                                        <p:tav tm="0">
+                                          <p:val>
+                                            <p:strVal val="#ppt_y"/>
+                                          </p:val>
+                                        </p:tav>
+                                        <p:tav tm="100000">
+                                          <p:val>
+                                            <p:strVal val="#ppt_y"/>
+                                          </p:val>
+                                        </p:tav>
+                                      </p:tavLst>
+                                    </p:anim>
+                                  </p:childTnLst>
+                                </p:cTn>
+                              </p:par>
+                            </p:childTnLst>
+                          </p:cTn>
+                        </p:par>
+                        <p:par>
+                          <p:cTn id="19" fill="hold">
+                            <p:stCondLst>
+                              <p:cond delay="1500"/>
+                            </p:stCondLst>
+                            <p:childTnLst>
+                              <p:par>
+                                <p:cTn id="20" presetID="2" presetClass="entr" presetSubtype="8" fill="hold" grpId="0" nodeType="afterEffect">
+                                  <p:stCondLst>
+                                    <p:cond delay="0"/>
+                                  </p:stCondLst>
+                                  <p:childTnLst>
+                                    <p:set>
+                                      <p:cBhvr>
+                                        <p:cTn id="21" dur="1" fill="hold">
+                                          <p:stCondLst>
+                                            <p:cond delay="0"/>
+                                          </p:stCondLst>
+                                        </p:cTn>
+                                        <p:tgtEl>
+                                          <p:spTgt spid="2">
+                                            <p:txEl>
+                                              <p:pRg st="3" end="3"/>
+                                            </p:txEl>
+                                          </p:spTgt>
+                                        </p:tgtEl>
+                                        <p:attrNameLst>
+                                          <p:attrName>style.visibility</p:attrName>
+                                        </p:attrNameLst>
+                                      </p:cBhvr>
+                                      <p:to>
+                                        <p:strVal val="visible"/>
+                                      </p:to>
+                                    </p:set>
+                                    <p:anim calcmode="lin" valueType="num">
+                                      <p:cBhvr additive="base">
+                                        <p:cTn id="22" dur="500" fill="hold"/>
+                                        <p:tgtEl>
+                                          <p:spTgt spid="2">
+                                            <p:txEl>
+                                              <p:pRg st="3" end="3"/>
+                                            </p:txEl>
+                                          </p:spTgt>
+                                        </p:tgtEl>
+                                        <p:attrNameLst>
+                                          <p:attrName>ppt_x</p:attrName>
+                                        </p:attrNameLst>
+                                      </p:cBhvr>
+                                      <p:tavLst>
+                                        <p:tav tm="0">
+                                          <p:val>
+                                            <p:strVal val="0-#ppt_w/2"/>
+                                          </p:val>
+                                        </p:tav>
+                                        <p:tav tm="100000">
+                                          <p:val>
+                                            <p:strVal val="#ppt_x"/>
+                                          </p:val>
+                                        </p:tav>
+                                      </p:tavLst>
+                                    </p:anim>
+                                    <p:anim calcmode="lin" valueType="num">
+                                      <p:cBhvr additive="base">
+                                        <p:cTn id="23" dur="500" fill="hold"/>
+                                        <p:tgtEl>
+                                          <p:spTgt spid="2">
+                                            <p:txEl>
+                                              <p:pRg st="3" end="3"/>
+                                            </p:txEl>
+                                          </p:spTgt>
+                                        </p:tgtEl>
+                                        <p:attrNameLst>
+                                          <p:attrName>ppt_y</p:attrName>
+                                        </p:attrNameLst>
+                                      </p:cBhvr>
+                                      <p:tavLst>
+                                        <p:tav tm="0">
+                                          <p:val>
+                                            <p:strVal val="#ppt_y"/>
+                                          </p:val>
+                                        </p:tav>
+                                        <p:tav tm="100000">
+                                          <p:val>
+                                            <p:strVal val="#ppt_y"/>
+                                          </p:val>
+                                        </p:tav>
+                                      </p:tavLst>
+                                    </p:anim>
+                                  </p:childTnLst>
+                                </p:cTn>
+                              </p:par>
+                            </p:childTnLst>
+                          </p:cTn>
+                        </p:par>
+                        <p:par>
+                          <p:cTn id="24" fill="hold">
+                            <p:stCondLst>
+                              <p:cond delay="2000"/>
+                            </p:stCondLst>
+                            <p:childTnLst>
+                              <p:par>
+                                <p:cTn id="25" presetID="2" presetClass="entr" presetSubtype="8" fill="hold" nodeType="afterEffect">
+                                  <p:stCondLst>
+                                    <p:cond delay="0"/>
+                                  </p:stCondLst>
+                                  <p:childTnLst>
+                                    <p:set>
+                                      <p:cBhvr>
+                                        <p:cTn id="26" dur="1" fill="hold">
+                                          <p:stCondLst>
+                                            <p:cond delay="0"/>
+                                          </p:stCondLst>
+                                        </p:cTn>
+                                        <p:tgtEl>
+                                          <p:spTgt spid="6"/>
+                                        </p:tgtEl>
+                                        <p:attrNameLst>
+                                          <p:attrName>style.visibility</p:attrName>
+                                        </p:attrNameLst>
+                                      </p:cBhvr>
+                                      <p:to>
+                                        <p:strVal val="visible"/>
+                                      </p:to>
+                                    </p:set>
+                                    <p:anim calcmode="lin" valueType="num">
+                                      <p:cBhvr additive="base">
+                                        <p:cTn id="27" dur="500" fill="hold"/>
+                                        <p:tgtEl>
+                                          <p:spTgt spid="6"/>
+                                        </p:tgtEl>
+                                        <p:attrNameLst>
+                                          <p:attrName>ppt_x</p:attrName>
+                                        </p:attrNameLst>
+                                      </p:cBhvr>
+                                      <p:tavLst>
+                                        <p:tav tm="0">
+                                          <p:val>
+                                            <p:strVal val="0-#ppt_w/2"/>
+                                          </p:val>
+                                        </p:tav>
+                                        <p:tav tm="100000">
+                                          <p:val>
+                                            <p:strVal val="#ppt_x"/>
+                                          </p:val>
+                                        </p:tav>
+                                      </p:tavLst>
+                                    </p:anim>
+                                    <p:anim calcmode="lin" valueType="num">
+                                      <p:cBhvr additive="base">
+                                        <p:cTn id="28" dur="500" fill="hold"/>
+                                        <p:tgtEl>
+                                          <p:spTgt spid="6"/>
+                                        </p:tgtEl>
+                                        <p:attrNameLst>
+                                          <p:attrName>ppt_y</p:attrName>
+                                        </p:attrNameLst>
+                                      </p:cBhvr>
+                                      <p:tavLst>
+                                        <p:tav tm="0">
+                                          <p:val>
+                                            <p:strVal val="#ppt_y"/>
+                                          </p:val>
+                                        </p:tav>
+                                        <p:tav tm="100000">
+                                          <p:val>
+                                            <p:strVal val="#ppt_y"/>
+                                          </p:val>
+                                        </p:tav>
+                                      </p:tavLst>
+                                    </p:anim>
+                                  </p:childTnLst>
+                                </p:cTn>
+                              </p:par>
+                            </p:childTnLst>
+                          </p:cTn>
+                        </p:par>
+                        <p:par>
+                          <p:cTn id="29" fill="hold">
+                            <p:stCondLst>
+                              <p:cond delay="2500"/>
+                            </p:stCondLst>
+                            <p:childTnLst>
+                              <p:par>
+                                <p:cTn id="30" presetID="32" presetClass="emph" presetSubtype="0" fill="hold" nodeType="afterEffect">
+                                  <p:stCondLst>
+                                    <p:cond delay="0"/>
+                                  </p:stCondLst>
+                                  <p:childTnLst>
+                                    <p:animClr clrSpc="rgb">
+                                      <p:cBhvr override="childStyle">
+                                        <p:cTn id="31" dur="100" fill="hold"/>
+                                        <p:tgtEl>
+                                          <p:spTgt spid="6"/>
+                                        </p:tgtEl>
+                                        <p:attrNameLst>
+                                          <p:attrName>style.color</p:attrName>
+                                        </p:attrNameLst>
+                                      </p:cBhvr>
+                                      <p:to>
+                                        <a:schemeClr val="bg1"/>
+                                      </p:to>
+                                    </p:animClr>
+                                    <p:animClr clrSpc="rgb">
+                                      <p:cBhvr>
+                                        <p:cTn id="32" dur="100" fill="hold"/>
+                                        <p:tgtEl>
+                                          <p:spTgt spid="6"/>
+                                        </p:tgtEl>
+                                        <p:attrNameLst>
+                                          <p:attrName>fillcolor</p:attrName>
+                                        </p:attrNameLst>
+                                      </p:cBhvr>
+                                      <p:to>
+                                        <a:schemeClr val="bg1"/>
+                                      </p:to>
+                                    </p:animClr>
+                                    <p:set>
+                                      <p:cBhvr>
+                                        <p:cTn id="33" dur="100" fill="hold"/>
+                                        <p:tgtEl>
+                                          <p:spTgt spid="6"/>
+                                        </p:tgtEl>
+                                        <p:attrNameLst>
+                                          <p:attrName>fill.type</p:attrName>
+                                        </p:attrNameLst>
+                                      </p:cBhvr>
+                                      <p:to>
+                                        <p:strVal val="solid"/>
+                                      </p:to>
+                                    </p:set>
+                                    <p:set>
+                                      <p:cBhvr>
+                                        <p:cTn id="34" dur="100" fill="hold"/>
+                                        <p:tgtEl>
+                                          <p:spTgt spid="6"/>
+                                        </p:tgtEl>
+                                        <p:attrNameLst>
+                                          <p:attrName>fill.on</p:attrName>
+                                        </p:attrNameLst>
+                                      </p:cBhvr>
+                                      <p:to>
+                                        <p:strVal val="true"/>
+                                      </p:to>
+                                    </p:set>
+                                    <p:animRot by="120000">
+                                      <p:cBhvr>
+                                        <p:cTn id="35" dur="100" fill="hold">
+                                          <p:stCondLst>
+                                            <p:cond delay="0"/>
+                                          </p:stCondLst>
+                                        </p:cTn>
+                                        <p:tgtEl>
+                                          <p:spTgt spid="6"/>
+                                        </p:tgtEl>
+                                        <p:attrNameLst>
+                                          <p:attrName>r</p:attrName>
+                                        </p:attrNameLst>
+                                      </p:cBhvr>
+                                    </p:animRot>
+                                    <p:animRot by="-240000">
+                                      <p:cBhvr>
+                                        <p:cTn id="36" dur="200" fill="hold">
+                                          <p:stCondLst>
+                                            <p:cond delay="200"/>
+                                          </p:stCondLst>
+                                        </p:cTn>
+                                        <p:tgtEl>
+                                          <p:spTgt spid="6"/>
+                                        </p:tgtEl>
+                                        <p:attrNameLst>
+                                          <p:attrName>r</p:attrName>
+                                        </p:attrNameLst>
+                                      </p:cBhvr>
+                                    </p:animRot>
+                                    <p:animRot by="240000">
+                                      <p:cBhvr>
+                                        <p:cTn id="37" dur="200" fill="hold">
+                                          <p:stCondLst>
+                                            <p:cond delay="400"/>
+                                          </p:stCondLst>
+                                        </p:cTn>
+                                        <p:tgtEl>
+                                          <p:spTgt spid="6"/>
+                                        </p:tgtEl>
+                                        <p:attrNameLst>
+                                          <p:attrName>r</p:attrName>
+                                        </p:attrNameLst>
+                                      </p:cBhvr>
+                                    </p:animRot>
+                                    <p:animRot by="-240000">
+                                      <p:cBhvr>
+                                        <p:cTn id="38" dur="200" fill="hold">
+                                          <p:stCondLst>
+                                            <p:cond delay="600"/>
+                                          </p:stCondLst>
+                                        </p:cTn>
+                                        <p:tgtEl>
+                                          <p:spTgt spid="6"/>
+                                        </p:tgtEl>
+                                        <p:attrNameLst>
+                                          <p:attrName>r</p:attrName>
+                                        </p:attrNameLst>
+                                      </p:cBhvr>
+                                    </p:animRot>
+                                    <p:animRot by="120000">
+                                      <p:cBhvr>
+                                        <p:cTn id="39" dur="200" fill="hold">
+                                          <p:stCondLst>
+                                            <p:cond delay="800"/>
+                                          </p:stCondLst>
+                                        </p:cTn>
+                                        <p:tgtEl>
+                                          <p:spTgt spid="6"/>
+                                        </p:tgtEl>
+                                        <p:attrNameLst>
+                                          <p:attrName>r</p:attrName>
+                                        </p:attrNameLst>
+                                      </p:cBhvr>
+                                    </p:animRot>
+                                  </p:childTnLst>
+                                </p:cTn>
+                              </p:par>
+                            </p:childTnLst>
+                          </p:cTn>
+                        </p:par>
+                      </p:childTnLst>
+                    </p:cTn>
+                  </p:par>
+                </p:childTnLst>
+              </p:cTn>
+              <p:prevCondLst>
+                <p:cond evt="onPrev" delay="0">
+                  <p:tgtEl>
+                    <p:sldTgt/>
+                  </p:tgtEl>
+                </p:cond>
+              </p:prevCondLst>
+              <p:nextCondLst>
+                <p:cond evt="onNext" delay="0">
+                  <p:tgtEl>
+                    <p:sldTgt/>
+                  </p:tgtEl>
+                </p:cond>
+              </p:nextCondLst>
+            </p:seq>
+          </p:childTnLst>
+        </p:cTn>
+      </p:par>
+    </p:tnLst>
+    <p:bldLst>
+      <p:bldP spid="2" grpId="0" uiExpand="1" build="p"/>
+    </p:bldLst>
+  </p:timing>
+</p:sld>
+</file>
+
+<file path=ppt/slides/slide5.xml><?xml version="1.0" encoding="utf-8"?>
+<p:sld xmlns:a="http://schemas.openxmlformats.org/drawingml/2006/main" xmlns:r="http://schemas.openxmlformats.org/officeDocument/2006/relationships" xmlns:p="http://schemas.openxmlformats.org/presentationml/2006/main">
+  <p:cSld>
+    <p:spTree>
+      <p:nvGrpSpPr>
+        <p:cNvPr id="1" name=""/>
+        <p:cNvGrpSpPr/>
+        <p:nvPr/>
+      </p:nvGrpSpPr>
+      <p:grpSpPr>
+        <a:xfrm>
+          <a:off x="0" y="0"/>
+          <a:ext cx="0" cy="0"/>
+          <a:chOff x="0" y="0"/>
+          <a:chExt cx="0" cy="0"/>
+        </a:xfrm>
+      </p:grpSpPr>
+      <p:sp>
+        <p:nvSpPr>
+          <p:cNvPr id="2" name="文字版面配置區 1"/>
+          <p:cNvSpPr>
+            <a:spLocks noGrp="1"/>
+          </p:cNvSpPr>
+          <p:nvPr>
+            <p:ph type="body" idx="1"/>
+          </p:nvPr>
+        </p:nvSpPr>
+        <p:spPr>
+          <a:xfrm>
+            <a:off x="1659632" y="2996952"/>
+            <a:ext cx="4136504" cy="2774032"/>
+          </a:xfrm>
+        </p:spPr>
+        <p:txBody>
+          <a:bodyPr>
+            <a:normAutofit/>
+          </a:bodyPr>
+          <a:lstStyle/>
+          <a:p>
+            <a:pPr>
+              <a:spcBef>
+                <a:spcPts val="1800"/>
+              </a:spcBef>
+              <a:buFont typeface="Wingdings" pitchFamily="2" charset="2"/>
+              <a:buChar char="Ø"/>
+            </a:pPr>
+            <a:r>
+              <a:rPr lang="zh-TW" altLang="en-US" dirty="0" smtClean="0">
+                <a:solidFill>
+                  <a:srgbClr val="FF0000"/>
+                </a:solidFill>
+              </a:rPr>
+              <a:t>定位</a:t>
+            </a:r>
+            <a:endParaRPr lang="en-US" altLang="zh-TW" dirty="0" smtClean="0">
+              <a:solidFill>
+                <a:srgbClr val="FF0000"/>
+              </a:solidFill>
+            </a:endParaRPr>
+          </a:p>
+          <a:p>
+            <a:pPr>
+              <a:spcBef>
+                <a:spcPts val="1800"/>
+              </a:spcBef>
+              <a:buFont typeface="Wingdings" pitchFamily="2" charset="2"/>
+              <a:buChar char="Ø"/>
+            </a:pPr>
+            <a:r>
+              <a:rPr lang="zh-TW" altLang="en-US" dirty="0" smtClean="0">
+                <a:solidFill>
+                  <a:srgbClr val="FF0000"/>
+                </a:solidFill>
+              </a:rPr>
+              <a:t>店家</a:t>
+            </a:r>
+            <a:r>
+              <a:rPr lang="zh-TW" altLang="en-US" dirty="0" smtClean="0">
+                <a:solidFill>
+                  <a:srgbClr val="FF0000"/>
+                </a:solidFill>
+              </a:rPr>
+              <a:t>位置</a:t>
+            </a:r>
+            <a:endParaRPr lang="en-US" altLang="zh-TW" dirty="0" smtClean="0">
+              <a:solidFill>
+                <a:srgbClr val="FF0000"/>
+              </a:solidFill>
+            </a:endParaRPr>
+          </a:p>
+          <a:p>
+            <a:pPr>
+              <a:spcBef>
+                <a:spcPts val="1800"/>
+              </a:spcBef>
+              <a:buFont typeface="Wingdings" pitchFamily="2" charset="2"/>
+              <a:buChar char="Ø"/>
+            </a:pPr>
+            <a:endParaRPr lang="en-US" altLang="zh-TW" dirty="0" smtClean="0">
+              <a:solidFill>
+                <a:srgbClr val="FF0000"/>
+              </a:solidFill>
+            </a:endParaRPr>
+          </a:p>
+        </p:txBody>
+      </p:sp>
+      <p:sp>
+        <p:nvSpPr>
+          <p:cNvPr id="3" name="標題 2"/>
+          <p:cNvSpPr>
+            <a:spLocks noGrp="1"/>
+          </p:cNvSpPr>
+          <p:nvPr>
+            <p:ph type="title"/>
+          </p:nvPr>
+        </p:nvSpPr>
+        <p:spPr/>
+        <p:txBody>
+          <a:bodyPr>
+            <a:normAutofit/>
+          </a:bodyPr>
+          <a:lstStyle/>
+          <a:p>
+            <a:r>
+              <a:rPr lang="zh-TW" altLang="en-US" dirty="0" smtClean="0"/>
+              <a:t>地圖</a:t>
+            </a:r>
+            <a:endParaRPr lang="en-US" altLang="zh-TW" dirty="0" smtClean="0"/>
+          </a:p>
+        </p:txBody>
+      </p:sp>
+      <p:pic>
+        <p:nvPicPr>
+          <p:cNvPr id="5" name="圖片 4" descr="location_icon.png">
+            <a:hlinkClick r:id="rId2"/>
+          </p:cNvPr>
+          <p:cNvPicPr>
+            <a:picLocks noChangeAspect="1"/>
+          </p:cNvPicPr>
+          <p:nvPr/>
+        </p:nvPicPr>
+        <p:blipFill>
+          <a:blip r:embed="rId3" cstate="print"/>
+          <a:stretch>
+            <a:fillRect/>
+          </a:stretch>
+        </p:blipFill>
+        <p:spPr>
+          <a:xfrm>
+            <a:off x="7668344" y="5517232"/>
+            <a:ext cx="1262633" cy="1146471"/>
+          </a:xfrm>
+          <a:prstGeom prst="rect">
+            <a:avLst/>
+          </a:prstGeom>
+        </p:spPr>
+      </p:pic>
+    </p:spTree>
+  </p:cSld>
+  <p:clrMapOvr>
+    <a:masterClrMapping/>
+  </p:clrMapOvr>
+  <p:transition>
+    <p:dissolve/>
+  </p:transition>
+  <p:timing>
+    <p:tnLst>
+      <p:par>
+        <p:cTn id="1" dur="indefinite" restart="never" nodeType="tmRoot">
+          <p:childTnLst>
+            <p:seq concurrent="1" nextAc="seek">
+              <p:cTn id="2" dur="indefinite" nodeType="mainSeq">
+                <p:childTnLst>
+                  <p:par>
+                    <p:cTn id="3" fill="hold">
+                      <p:stCondLst>
+                        <p:cond delay="indefinite"/>
+                        <p:cond evt="onBegin" delay="0">
+                          <p:tn val="2"/>
+                        </p:cond>
+                      </p:stCondLst>
+                      <p:childTnLst>
+                        <p:par>
+                          <p:cTn id="4" fill="hold">
+                            <p:stCondLst>
+                              <p:cond delay="0"/>
+                            </p:stCondLst>
+                            <p:childTnLst>
+                              <p:par>
+                                <p:cTn id="5" presetID="26" presetClass="entr" presetSubtype="0" fill="hold" nodeType="afterEffect">
+                                  <p:stCondLst>
+                                    <p:cond delay="0"/>
+                                  </p:stCondLst>
+                                  <p:childTnLst>
+                                    <p:set>
+                                      <p:cBhvr>
+                                        <p:cTn id="6" dur="1" fill="hold">
+                                          <p:stCondLst>
+                                            <p:cond delay="0"/>
+                                          </p:stCondLst>
+                                        </p:cTn>
+                                        <p:tgtEl>
+                                          <p:spTgt spid="5"/>
+                                        </p:tgtEl>
+                                        <p:attrNameLst>
+                                          <p:attrName>style.visibility</p:attrName>
+                                        </p:attrNameLst>
+                                      </p:cBhvr>
+                                      <p:to>
+                                        <p:strVal val="visible"/>
+                                      </p:to>
+                                    </p:set>
+                                    <p:animEffect transition="in" filter="wipe(down)">
+                                      <p:cBhvr>
+                                        <p:cTn id="7" dur="580">
+                                          <p:stCondLst>
+                                            <p:cond delay="0"/>
+                                          </p:stCondLst>
+                                        </p:cTn>
+                                        <p:tgtEl>
+                                          <p:spTgt spid="5"/>
+                                        </p:tgtEl>
+                                      </p:cBhvr>
+                                    </p:animEffect>
+                                    <p:anim calcmode="lin" valueType="num">
+                                      <p:cBhvr>
+                                        <p:cTn id="8" dur="1822" tmFilter="0,0; 0.14,0.36; 0.43,0.73; 0.71,0.91; 1.0,1.0">
+                                          <p:stCondLst>
+                                            <p:cond delay="0"/>
+                                          </p:stCondLst>
+                                        </p:cTn>
+                                        <p:tgtEl>
+                                          <p:spTgt spid="5"/>
+                                        </p:tgtEl>
+                                        <p:attrNameLst>
+                                          <p:attrName>ppt_x</p:attrName>
+                                        </p:attrNameLst>
+                                      </p:cBhvr>
+                                      <p:tavLst>
+                                        <p:tav tm="0">
+                                          <p:val>
+                                            <p:strVal val="#ppt_x-0.25"/>
+                                          </p:val>
+                                        </p:tav>
+                                        <p:tav tm="100000">
+                                          <p:val>
+                                            <p:strVal val="#ppt_x"/>
+                                          </p:val>
+                                        </p:tav>
+                                      </p:tavLst>
+                                    </p:anim>
+                                    <p:anim calcmode="lin" valueType="num">
+                                      <p:cBhvr>
+                                        <p:cTn id="9" dur="664" tmFilter="0.0,0.0; 0.25,0.07; 0.50,0.2; 0.75,0.467; 1.0,1.0">
+                                          <p:stCondLst>
+                                            <p:cond delay="0"/>
+                                          </p:stCondLst>
+                                        </p:cTn>
+                                        <p:tgtEl>
+                                          <p:spTgt spid="5"/>
+                                        </p:tgtEl>
+                                        <p:attrNameLst>
+                                          <p:attrName>ppt_y</p:attrName>
+                                        </p:attrNameLst>
+                                      </p:cBhvr>
+                                      <p:tavLst>
+                                        <p:tav tm="0" fmla="#ppt_y-sin(pi*$)/3">
+                                          <p:val>
+                                            <p:fltVal val="0.5"/>
+                                          </p:val>
+                                        </p:tav>
+                                        <p:tav tm="100000">
+                                          <p:val>
+                                            <p:fltVal val="1"/>
+                                          </p:val>
+                                        </p:tav>
+                                      </p:tavLst>
+                                    </p:anim>
+                                    <p:anim calcmode="lin" valueType="num">
+                                      <p:cBhvr>
+                                        <p:cTn id="10" dur="664" tmFilter="0, 0; 0.125,0.2665; 0.25,0.4; 0.375,0.465; 0.5,0.5;  0.625,0.535; 0.75,0.6; 0.875,0.7335; 1,1">
+                                          <p:stCondLst>
+                                            <p:cond delay="664"/>
+                                          </p:stCondLst>
+                                        </p:cTn>
+                                        <p:tgtEl>
+                                          <p:spTgt spid="5"/>
+                                        </p:tgtEl>
+                                        <p:attrNameLst>
+                                          <p:attrName>ppt_y</p:attrName>
+                                        </p:attrNameLst>
+                                      </p:cBhvr>
+                                      <p:tavLst>
+                                        <p:tav tm="0" fmla="#ppt_y-sin(pi*$)/9">
+                                          <p:val>
+                                            <p:fltVal val="0"/>
+                                          </p:val>
+                                        </p:tav>
+                                        <p:tav tm="100000">
+                                          <p:val>
+                                            <p:fltVal val="1"/>
+                                          </p:val>
+                                        </p:tav>
+                                      </p:tavLst>
+                                    </p:anim>
+                                    <p:anim calcmode="lin" valueType="num">
+                                      <p:cBhvr>
+                                        <p:cTn id="11" dur="332" tmFilter="0, 0; 0.125,0.2665; 0.25,0.4; 0.375,0.465; 0.5,0.5;  0.625,0.535; 0.75,0.6; 0.875,0.7335; 1,1">
+                                          <p:stCondLst>
+                                            <p:cond delay="1324"/>
+                                          </p:stCondLst>
+                                        </p:cTn>
+                                        <p:tgtEl>
+                                          <p:spTgt spid="5"/>
+                                        </p:tgtEl>
+                                        <p:attrNameLst>
+                                          <p:attrName>ppt_y</p:attrName>
+                                        </p:attrNameLst>
+                                      </p:cBhvr>
+                                      <p:tavLst>
+                                        <p:tav tm="0" fmla="#ppt_y-sin(pi*$)/27">
+                                          <p:val>
+                                            <p:fltVal val="0"/>
+                                          </p:val>
+                                        </p:tav>
+                                        <p:tav tm="100000">
+                                          <p:val>
+                                            <p:fltVal val="1"/>
+                                          </p:val>
+                                        </p:tav>
+                                      </p:tavLst>
+                                    </p:anim>
+                                    <p:anim calcmode="lin" valueType="num">
+                                      <p:cBhvr>
+                                        <p:cTn id="12" dur="164" tmFilter="0, 0; 0.125,0.2665; 0.25,0.4; 0.375,0.465; 0.5,0.5;  0.625,0.535; 0.75,0.6; 0.875,0.7335; 1,1">
+                                          <p:stCondLst>
+                                            <p:cond delay="1656"/>
+                                          </p:stCondLst>
+                                        </p:cTn>
+                                        <p:tgtEl>
+                                          <p:spTgt spid="5"/>
+                                        </p:tgtEl>
+                                        <p:attrNameLst>
+                                          <p:attrName>ppt_y</p:attrName>
+                                        </p:attrNameLst>
+                                      </p:cBhvr>
+                                      <p:tavLst>
+                                        <p:tav tm="0" fmla="#ppt_y-sin(pi*$)/81">
+                                          <p:val>
+                                            <p:fltVal val="0"/>
+                                          </p:val>
+                                        </p:tav>
+                                        <p:tav tm="100000">
+                                          <p:val>
+                                            <p:fltVal val="1"/>
+                                          </p:val>
+                                        </p:tav>
+                                      </p:tavLst>
+                                    </p:anim>
+                                    <p:animScale>
+                                      <p:cBhvr>
+                                        <p:cTn id="13" dur="26">
+                                          <p:stCondLst>
+                                            <p:cond delay="650"/>
+                                          </p:stCondLst>
+                                        </p:cTn>
+                                        <p:tgtEl>
+                                          <p:spTgt spid="5"/>
+                                        </p:tgtEl>
+                                      </p:cBhvr>
+                                      <p:to x="100000" y="60000"/>
+                                    </p:animScale>
+                                    <p:animScale>
+                                      <p:cBhvr>
+                                        <p:cTn id="14" dur="166" decel="50000">
+                                          <p:stCondLst>
+                                            <p:cond delay="676"/>
+                                          </p:stCondLst>
+                                        </p:cTn>
+                                        <p:tgtEl>
+                                          <p:spTgt spid="5"/>
+                                        </p:tgtEl>
+                                      </p:cBhvr>
+                                      <p:to x="100000" y="100000"/>
+                                    </p:animScale>
+                                    <p:animScale>
+                                      <p:cBhvr>
+                                        <p:cTn id="15" dur="26">
+                                          <p:stCondLst>
+                                            <p:cond delay="1312"/>
+                                          </p:stCondLst>
+                                        </p:cTn>
+                                        <p:tgtEl>
+                                          <p:spTgt spid="5"/>
+                                        </p:tgtEl>
+                                      </p:cBhvr>
+                                      <p:to x="100000" y="80000"/>
+                                    </p:animScale>
+                                    <p:animScale>
+                                      <p:cBhvr>
+                                        <p:cTn id="16" dur="166" decel="50000">
+                                          <p:stCondLst>
+                                            <p:cond delay="1338"/>
+                                          </p:stCondLst>
+                                        </p:cTn>
+                                        <p:tgtEl>
+                                          <p:spTgt spid="5"/>
+                                        </p:tgtEl>
+                                      </p:cBhvr>
+                                      <p:to x="100000" y="100000"/>
+                                    </p:animScale>
+                                    <p:animScale>
+                                      <p:cBhvr>
+                                        <p:cTn id="17" dur="26">
+                                          <p:stCondLst>
+                                            <p:cond delay="1642"/>
+                                          </p:stCondLst>
+                                        </p:cTn>
+                                        <p:tgtEl>
+                                          <p:spTgt spid="5"/>
+                                        </p:tgtEl>
+                                      </p:cBhvr>
+                                      <p:to x="100000" y="90000"/>
+                                    </p:animScale>
+                                    <p:animScale>
+                                      <p:cBhvr>
+                                        <p:cTn id="18" dur="166" decel="50000">
+                                          <p:stCondLst>
+                                            <p:cond delay="1668"/>
+                                          </p:stCondLst>
+                                        </p:cTn>
+                                        <p:tgtEl>
+                                          <p:spTgt spid="5"/>
+                                        </p:tgtEl>
+                                      </p:cBhvr>
+                                      <p:to x="100000" y="100000"/>
+                                    </p:animScale>
+                                    <p:animScale>
+                                      <p:cBhvr>
+                                        <p:cTn id="19" dur="26">
+                                          <p:stCondLst>
+                                            <p:cond delay="1808"/>
+                                          </p:stCondLst>
+                                        </p:cTn>
+                                        <p:tgtEl>
+                                          <p:spTgt spid="5"/>
+                                        </p:tgtEl>
+                                      </p:cBhvr>
+                                      <p:to x="100000" y="95000"/>
+                                    </p:animScale>
+                                    <p:animScale>
+                                      <p:cBhvr>
+                                        <p:cTn id="20" dur="166" decel="50000">
+                                          <p:stCondLst>
+                                            <p:cond delay="1834"/>
+                                          </p:stCondLst>
+                                        </p:cTn>
+                                        <p:tgtEl>
+                                          <p:spTgt spid="5"/>
+                                        </p:tgtEl>
+                                      </p:cBhvr>
+                                      <p:to x="100000" y="100000"/>
+                                    </p:animScale>
+                                  </p:childTnLst>
+                                </p:cTn>
+                              </p:par>
+                            </p:childTnLst>
+                          </p:cTn>
+                        </p:par>
+                      </p:childTnLst>
+                    </p:cTn>
+                  </p:par>
+                </p:childTnLst>
+              </p:cTn>
+              <p:prevCondLst>
+                <p:cond evt="onPrev" delay="0">
+                  <p:tgtEl>
+                    <p:sldTgt/>
+                  </p:tgtEl>
+                </p:cond>
+              </p:prevCondLst>
+              <p:nextCondLst>
+                <p:cond evt="onNext" delay="0">
+                  <p:tgtEl>
+                    <p:sldTgt/>
+                  </p:tgtEl>
+                </p:cond>
+              </p:nextCondLst>
+            </p:seq>
+          </p:childTnLst>
+        </p:cTn>
+      </p:par>
+    </p:tnLst>
+  </p:timing>
+</p:sld>
+</file>
+
+<file path=ppt/slides/slide6.xml><?xml version="1.0" encoding="utf-8"?>
+<p:sld xmlns:a="http://schemas.openxmlformats.org/drawingml/2006/main" xmlns:r="http://schemas.openxmlformats.org/officeDocument/2006/relationships" xmlns:p="http://schemas.openxmlformats.org/presentationml/2006/main">
+  <p:cSld>
+    <p:spTree>
+      <p:nvGrpSpPr>
+        <p:cNvPr id="1" name=""/>
+        <p:cNvGrpSpPr/>
+        <p:nvPr/>
+      </p:nvGrpSpPr>
+      <p:grpSpPr>
+        <a:xfrm>
+          <a:off x="0" y="0"/>
+          <a:ext cx="0" cy="0"/>
+          <a:chOff x="0" y="0"/>
+          <a:chExt cx="0" cy="0"/>
+        </a:xfrm>
+      </p:grpSpPr>
+      <p:sp>
+        <p:nvSpPr>
+          <p:cNvPr id="2" name="文字版面配置區 1"/>
+          <p:cNvSpPr>
+            <a:spLocks noGrp="1"/>
+          </p:cNvSpPr>
+          <p:nvPr>
+            <p:ph type="body" idx="1"/>
+          </p:nvPr>
+        </p:nvSpPr>
+        <p:spPr>
+          <a:xfrm>
+            <a:off x="1659632" y="2996952"/>
+            <a:ext cx="4136504" cy="2774032"/>
+          </a:xfrm>
+        </p:spPr>
+        <p:txBody>
+          <a:bodyPr>
+            <a:normAutofit/>
+          </a:bodyPr>
+          <a:lstStyle/>
+          <a:p>
+            <a:pPr marL="0" lvl="1" indent="0">
+              <a:spcBef>
+                <a:spcPts val="1800"/>
+              </a:spcBef>
+              <a:buClr>
+                <a:schemeClr val="accent2"/>
+              </a:buClr>
+              <a:buSzPct val="60000"/>
+              <a:buFont typeface="Wingdings" pitchFamily="2" charset="2"/>
+              <a:buChar char="Ø"/>
+            </a:pPr>
+            <a:r>
+              <a:rPr lang="zh-TW" altLang="en-US" sz="2800" dirty="0" smtClean="0">
+                <a:solidFill>
+                  <a:srgbClr val="FF0000"/>
+                </a:solidFill>
+              </a:rPr>
+              <a:t>加入購物車</a:t>
+            </a:r>
+            <a:endParaRPr lang="en-US" altLang="zh-TW" sz="2800" dirty="0" smtClean="0">
+              <a:solidFill>
+                <a:srgbClr val="FF0000"/>
+              </a:solidFill>
+            </a:endParaRPr>
+          </a:p>
+          <a:p>
+            <a:pPr marL="0" lvl="1" indent="0">
+              <a:spcBef>
+                <a:spcPts val="1800"/>
+              </a:spcBef>
+              <a:buClr>
+                <a:schemeClr val="accent2"/>
+              </a:buClr>
+              <a:buSzPct val="60000"/>
+              <a:buFont typeface="Wingdings" pitchFamily="2" charset="2"/>
+              <a:buChar char="Ø"/>
+            </a:pPr>
+            <a:r>
+              <a:rPr lang="zh-TW" altLang="en-US" sz="2800" dirty="0" smtClean="0">
+                <a:solidFill>
+                  <a:srgbClr val="FF0000"/>
+                </a:solidFill>
+              </a:rPr>
+              <a:t>結帳</a:t>
+            </a:r>
+            <a:endParaRPr lang="en-US" altLang="zh-TW" sz="2800" dirty="0" smtClean="0">
+              <a:solidFill>
+                <a:srgbClr val="FF0000"/>
+              </a:solidFill>
+            </a:endParaRPr>
+          </a:p>
+          <a:p>
+            <a:pPr marL="0" lvl="1" indent="0">
+              <a:spcBef>
+                <a:spcPts val="1800"/>
+              </a:spcBef>
+              <a:buClr>
+                <a:schemeClr val="accent2"/>
+              </a:buClr>
+              <a:buSzPct val="60000"/>
+              <a:buFont typeface="Wingdings" pitchFamily="2" charset="2"/>
+              <a:buChar char="Ø"/>
+            </a:pPr>
+            <a:r>
+              <a:rPr lang="zh-TW" altLang="en-US" sz="2800" dirty="0" smtClean="0">
+                <a:solidFill>
+                  <a:srgbClr val="FF0000"/>
+                </a:solidFill>
+              </a:rPr>
+              <a:t>查詢歷史訂單</a:t>
+            </a:r>
+            <a:endParaRPr lang="en-US" altLang="zh-TW" sz="2800" dirty="0" smtClean="0">
+              <a:solidFill>
+                <a:srgbClr val="FF0000"/>
+              </a:solidFill>
+            </a:endParaRPr>
+          </a:p>
+        </p:txBody>
+      </p:sp>
+      <p:sp>
+        <p:nvSpPr>
+          <p:cNvPr id="3" name="標題 2"/>
+          <p:cNvSpPr>
+            <a:spLocks noGrp="1"/>
+          </p:cNvSpPr>
+          <p:nvPr>
+            <p:ph type="title"/>
+          </p:nvPr>
+        </p:nvSpPr>
+        <p:spPr/>
+        <p:txBody>
+          <a:bodyPr>
+            <a:normAutofit/>
+          </a:bodyPr>
+          <a:lstStyle/>
+          <a:p>
+            <a:r>
+              <a:rPr lang="zh-TW" altLang="en-US" dirty="0" smtClean="0"/>
+              <a:t>購物車</a:t>
+            </a:r>
+            <a:endParaRPr lang="en-US" altLang="zh-TW" dirty="0" smtClean="0"/>
+          </a:p>
+        </p:txBody>
+      </p:sp>
+      <p:pic>
+        <p:nvPicPr>
+          <p:cNvPr id="5" name="圖片 4" descr="gwc.png">
+            <a:hlinkClick r:id="rId2"/>
+          </p:cNvPr>
+          <p:cNvPicPr>
+            <a:picLocks noChangeAspect="1"/>
+          </p:cNvPicPr>
+          <p:nvPr/>
+        </p:nvPicPr>
+        <p:blipFill>
+          <a:blip r:embed="rId3" cstate="print"/>
+          <a:stretch>
+            <a:fillRect/>
+          </a:stretch>
+        </p:blipFill>
+        <p:spPr>
+          <a:xfrm rot="21085875">
+            <a:off x="7596336" y="5589240"/>
+            <a:ext cx="1325794" cy="979935"/>
+          </a:xfrm>
+          <a:prstGeom prst="rect">
+            <a:avLst/>
+          </a:prstGeom>
+        </p:spPr>
+      </p:pic>
+      <p:pic>
+        <p:nvPicPr>
+          <p:cNvPr id="5123" name="Picture 3" descr="C:\Users\Administrator\Desktop\瑟雷西.png"/>
+          <p:cNvPicPr>
+            <a:picLocks noChangeAspect="1" noChangeArrowheads="1"/>
+          </p:cNvPicPr>
+          <p:nvPr/>
+        </p:nvPicPr>
+        <p:blipFill>
+          <a:blip r:embed="rId4" cstate="print"/>
+          <a:srcRect/>
+          <a:stretch>
+            <a:fillRect/>
+          </a:stretch>
+        </p:blipFill>
+        <p:spPr bwMode="auto">
+          <a:xfrm>
+            <a:off x="7566341" y="4653136"/>
+            <a:ext cx="1577659" cy="2003376"/>
+          </a:xfrm>
+          <a:prstGeom prst="rect">
+            <a:avLst/>
+          </a:prstGeom>
+          <a:noFill/>
+        </p:spPr>
+      </p:pic>
+    </p:spTree>
+  </p:cSld>
+  <p:clrMapOvr>
+    <a:masterClrMapping/>
+  </p:clrMapOvr>
+  <p:transition>
+    <p:dissolve/>
+  </p:transition>
+  <p:timing>
+    <p:tnLst>
+      <p:par>
+        <p:cTn id="1" dur="indefinite" restart="never" nodeType="tmRoot">
+          <p:childTnLst>
+            <p:seq concurrent="1" nextAc="seek">
+              <p:cTn id="2" dur="indefinite" nodeType="mainSeq">
+                <p:childTnLst>
+                  <p:par>
+                    <p:cTn id="3" fill="hold">
+                      <p:stCondLst>
+                        <p:cond delay="indefinite"/>
+                        <p:cond evt="onBegin" delay="0">
+                          <p:tn val="2"/>
+                        </p:cond>
+                      </p:stCondLst>
+                      <p:childTnLst>
+                        <p:par>
+                          <p:cTn id="4" fill="hold">
+                            <p:stCondLst>
+                              <p:cond delay="0"/>
+                            </p:stCondLst>
+                            <p:childTnLst>
+                              <p:par>
+                                <p:cTn id="5" presetID="2" presetClass="entr" presetSubtype="8" fill="hold" grpId="0" nodeType="afterEffect">
+                                  <p:stCondLst>
+                                    <p:cond delay="0"/>
+                                  </p:stCondLst>
+                                  <p:childTnLst>
+                                    <p:set>
+                                      <p:cBhvr>
+                                        <p:cTn id="6" dur="1" fill="hold">
+                                          <p:stCondLst>
+                                            <p:cond delay="0"/>
+                                          </p:stCondLst>
+                                        </p:cTn>
+                                        <p:tgtEl>
+                                          <p:spTgt spid="2">
+                                            <p:txEl>
+                                              <p:pRg st="0" end="0"/>
+                                            </p:txEl>
+                                          </p:spTgt>
+                                        </p:tgtEl>
+                                        <p:attrNameLst>
+                                          <p:attrName>style.visibility</p:attrName>
+                                        </p:attrNameLst>
+                                      </p:cBhvr>
+                                      <p:to>
+                                        <p:strVal val="visible"/>
+                                      </p:to>
+                                    </p:set>
+                                    <p:anim calcmode="lin" valueType="num">
+                                      <p:cBhvr additive="base">
+                                        <p:cTn id="7" dur="500" fill="hold"/>
+                                        <p:tgtEl>
+                                          <p:spTgt spid="2">
+                                            <p:txEl>
+                                              <p:pRg st="0" end="0"/>
+                                            </p:txEl>
+                                          </p:spTgt>
+                                        </p:tgtEl>
+                                        <p:attrNameLst>
+                                          <p:attrName>ppt_x</p:attrName>
+                                        </p:attrNameLst>
+                                      </p:cBhvr>
+                                      <p:tavLst>
+                                        <p:tav tm="0">
+                                          <p:val>
+                                            <p:strVal val="0-#ppt_w/2"/>
+                                          </p:val>
+                                        </p:tav>
+                                        <p:tav tm="100000">
+                                          <p:val>
+                                            <p:strVal val="#ppt_x"/>
+                                          </p:val>
+                                        </p:tav>
+                                      </p:tavLst>
+                                    </p:anim>
+                                    <p:anim calcmode="lin" valueType="num">
+                                      <p:cBhvr additive="base">
+                                        <p:cTn id="8" dur="500" fill="hold"/>
+                                        <p:tgtEl>
+                                          <p:spTgt spid="2">
+                                            <p:txEl>
+                                              <p:pRg st="0" end="0"/>
+                                            </p:txEl>
+                                          </p:spTgt>
+                                        </p:tgtEl>
+                                        <p:attrNameLst>
+                                          <p:attrName>ppt_y</p:attrName>
+                                        </p:attrNameLst>
+                                      </p:cBhvr>
+                                      <p:tavLst>
+                                        <p:tav tm="0">
+                                          <p:val>
+                                            <p:strVal val="#ppt_y"/>
+                                          </p:val>
+                                        </p:tav>
+                                        <p:tav tm="100000">
+                                          <p:val>
+                                            <p:strVal val="#ppt_y"/>
+                                          </p:val>
+                                        </p:tav>
+                                      </p:tavLst>
+                                    </p:anim>
+                                  </p:childTnLst>
+                                </p:cTn>
+                              </p:par>
+                            </p:childTnLst>
+                          </p:cTn>
+                        </p:par>
+                        <p:par>
+                          <p:cTn id="9" fill="hold">
+                            <p:stCondLst>
+                              <p:cond delay="500"/>
+                            </p:stCondLst>
+                            <p:childTnLst>
+                              <p:par>
+                                <p:cTn id="10" presetID="2" presetClass="entr" presetSubtype="8" fill="hold" grpId="0" nodeType="afterEffect">
+                                  <p:stCondLst>
+                                    <p:cond delay="0"/>
+                                  </p:stCondLst>
+                                  <p:childTnLst>
+                                    <p:set>
+                                      <p:cBhvr>
+                                        <p:cTn id="11" dur="1" fill="hold">
+                                          <p:stCondLst>
+                                            <p:cond delay="0"/>
+                                          </p:stCondLst>
+                                        </p:cTn>
+                                        <p:tgtEl>
+                                          <p:spTgt spid="2">
+                                            <p:txEl>
+                                              <p:pRg st="1" end="1"/>
+                                            </p:txEl>
+                                          </p:spTgt>
+                                        </p:tgtEl>
+                                        <p:attrNameLst>
+                                          <p:attrName>style.visibility</p:attrName>
+                                        </p:attrNameLst>
+                                      </p:cBhvr>
+                                      <p:to>
+                                        <p:strVal val="visible"/>
+                                      </p:to>
+                                    </p:set>
+                                    <p:anim calcmode="lin" valueType="num">
+                                      <p:cBhvr additive="base">
+                                        <p:cTn id="12" dur="500" fill="hold"/>
+                                        <p:tgtEl>
+                                          <p:spTgt spid="2">
+                                            <p:txEl>
+                                              <p:pRg st="1" end="1"/>
+                                            </p:txEl>
+                                          </p:spTgt>
+                                        </p:tgtEl>
+                                        <p:attrNameLst>
+                                          <p:attrName>ppt_x</p:attrName>
+                                        </p:attrNameLst>
+                                      </p:cBhvr>
+                                      <p:tavLst>
+                                        <p:tav tm="0">
+                                          <p:val>
+                                            <p:strVal val="0-#ppt_w/2"/>
+                                          </p:val>
+                                        </p:tav>
+                                        <p:tav tm="100000">
+                                          <p:val>
+                                            <p:strVal val="#ppt_x"/>
+                                          </p:val>
+                                        </p:tav>
+                                      </p:tavLst>
+                                    </p:anim>
+                                    <p:anim calcmode="lin" valueType="num">
+                                      <p:cBhvr additive="base">
+                                        <p:cTn id="13" dur="500" fill="hold"/>
+                                        <p:tgtEl>
+                                          <p:spTgt spid="2">
+                                            <p:txEl>
+                                              <p:pRg st="1" end="1"/>
+                                            </p:txEl>
+                                          </p:spTgt>
+                                        </p:tgtEl>
+                                        <p:attrNameLst>
+                                          <p:attrName>ppt_y</p:attrName>
+                                        </p:attrNameLst>
+                                      </p:cBhvr>
+                                      <p:tavLst>
+                                        <p:tav tm="0">
+                                          <p:val>
+                                            <p:strVal val="#ppt_y"/>
+                                          </p:val>
+                                        </p:tav>
+                                        <p:tav tm="100000">
+                                          <p:val>
+                                            <p:strVal val="#ppt_y"/>
+                                          </p:val>
+                                        </p:tav>
+                                      </p:tavLst>
+                                    </p:anim>
+                                  </p:childTnLst>
+                                </p:cTn>
+                              </p:par>
+                            </p:childTnLst>
+                          </p:cTn>
+                        </p:par>
+                        <p:par>
+                          <p:cTn id="14" fill="hold">
+                            <p:stCondLst>
+                              <p:cond delay="1000"/>
+                            </p:stCondLst>
+                            <p:childTnLst>
+                              <p:par>
+                                <p:cTn id="15" presetID="2" presetClass="entr" presetSubtype="8" fill="hold" grpId="0" nodeType="afterEffect">
+                                  <p:stCondLst>
+                                    <p:cond delay="0"/>
+                                  </p:stCondLst>
+                                  <p:childTnLst>
+                                    <p:set>
+                                      <p:cBhvr>
+                                        <p:cTn id="16" dur="1" fill="hold">
+                                          <p:stCondLst>
+                                            <p:cond delay="0"/>
+                                          </p:stCondLst>
+                                        </p:cTn>
+                                        <p:tgtEl>
+                                          <p:spTgt spid="2">
+                                            <p:txEl>
+                                              <p:pRg st="2" end="2"/>
+                                            </p:txEl>
+                                          </p:spTgt>
+                                        </p:tgtEl>
+                                        <p:attrNameLst>
+                                          <p:attrName>style.visibility</p:attrName>
+                                        </p:attrNameLst>
+                                      </p:cBhvr>
+                                      <p:to>
+                                        <p:strVal val="visible"/>
+                                      </p:to>
+                                    </p:set>
+                                    <p:anim calcmode="lin" valueType="num">
+                                      <p:cBhvr additive="base">
+                                        <p:cTn id="17" dur="500" fill="hold"/>
+                                        <p:tgtEl>
+                                          <p:spTgt spid="2">
+                                            <p:txEl>
+                                              <p:pRg st="2" end="2"/>
+                                            </p:txEl>
+                                          </p:spTgt>
+                                        </p:tgtEl>
+                                        <p:attrNameLst>
+                                          <p:attrName>ppt_x</p:attrName>
+                                        </p:attrNameLst>
+                                      </p:cBhvr>
+                                      <p:tavLst>
+                                        <p:tav tm="0">
+                                          <p:val>
+                                            <p:strVal val="0-#ppt_w/2"/>
+                                          </p:val>
+                                        </p:tav>
+                                        <p:tav tm="100000">
+                                          <p:val>
+                                            <p:strVal val="#ppt_x"/>
+                                          </p:val>
+                                        </p:tav>
+                                      </p:tavLst>
+                                    </p:anim>
+                                    <p:anim calcmode="lin" valueType="num">
+                                      <p:cBhvr additive="base">
+                                        <p:cTn id="18" dur="500" fill="hold"/>
+                                        <p:tgtEl>
+                                          <p:spTgt spid="2">
+                                            <p:txEl>
+                                              <p:pRg st="2" end="2"/>
+                                            </p:txEl>
+                                          </p:spTgt>
+                                        </p:tgtEl>
+                                        <p:attrNameLst>
+                                          <p:attrName>ppt_y</p:attrName>
+                                        </p:attrNameLst>
+                                      </p:cBhvr>
+                                      <p:tavLst>
+                                        <p:tav tm="0">
+                                          <p:val>
+                                            <p:strVal val="#ppt_y"/>
+                                          </p:val>
+                                        </p:tav>
+                                        <p:tav tm="100000">
+                                          <p:val>
+                                            <p:strVal val="#ppt_y"/>
+                                          </p:val>
+                                        </p:tav>
+                                      </p:tavLst>
+                                    </p:anim>
+                                  </p:childTnLst>
+                                </p:cTn>
+                              </p:par>
+                            </p:childTnLst>
+                          </p:cTn>
+                        </p:par>
+                      </p:childTnLst>
+                    </p:cTn>
+                  </p:par>
+                  <p:par>
+                    <p:cTn id="19" fill="hold">
+                      <p:stCondLst>
+                        <p:cond delay="indefinite"/>
+                      </p:stCondLst>
+                      <p:childTnLst>
+                        <p:par>
+                          <p:cTn id="20" fill="hold">
+                            <p:stCondLst>
+                              <p:cond delay="0"/>
+                            </p:stCondLst>
+                            <p:childTnLst>
+                              <p:par>
+                                <p:cTn id="21" presetID="10" presetClass="entr" presetSubtype="0" fill="hold" nodeType="clickEffect">
+                                  <p:stCondLst>
+                                    <p:cond delay="0"/>
+                                  </p:stCondLst>
+                                  <p:childTnLst>
+                                    <p:set>
+                                      <p:cBhvr>
+                                        <p:cTn id="22" dur="1" fill="hold">
+                                          <p:stCondLst>
+                                            <p:cond delay="0"/>
+                                          </p:stCondLst>
+                                        </p:cTn>
+                                        <p:tgtEl>
+                                          <p:spTgt spid="5123"/>
+                                        </p:tgtEl>
+                                        <p:attrNameLst>
+                                          <p:attrName>style.visibility</p:attrName>
+                                        </p:attrNameLst>
+                                      </p:cBhvr>
+                                      <p:to>
+                                        <p:strVal val="visible"/>
+                                      </p:to>
+                                    </p:set>
+                                    <p:animEffect transition="in" filter="fade">
+                                      <p:cBhvr>
+                                        <p:cTn id="23" dur="2000"/>
+                                        <p:tgtEl>
+                                          <p:spTgt spid="5123"/>
+                                        </p:tgtEl>
+                                      </p:cBhvr>
+                                    </p:animEffect>
+                                  </p:childTnLst>
+                                </p:cTn>
+                              </p:par>
+                              <p:par>
+                                <p:cTn id="24" presetID="64" presetClass="path" presetSubtype="0" accel="50000" decel="50000" fill="hold" nodeType="withEffect">
+                                  <p:stCondLst>
+                                    <p:cond delay="800"/>
+                                  </p:stCondLst>
+                                  <p:childTnLst>
+                                    <p:animMotion origin="layout" path="M -1.11111E-6 2.96296E-6 L -1.11111E-6 -0.17755 " pathEditMode="relative" rAng="0" ptsTypes="AA">
+                                      <p:cBhvr>
+                                        <p:cTn id="25" dur="1200" fill="hold"/>
+                                        <p:tgtEl>
+                                          <p:spTgt spid="5123"/>
+                                        </p:tgtEl>
+                                        <p:attrNameLst>
+                                          <p:attrName>ppt_x</p:attrName>
+                                          <p:attrName>ppt_y</p:attrName>
+                                        </p:attrNameLst>
+                                      </p:cBhvr>
+                                      <p:rCtr x="0" y="-89"/>
+                                    </p:animMotion>
+                                  </p:childTnLst>
+                                </p:cTn>
+                              </p:par>
+                              <p:par>
+                                <p:cTn id="26" presetID="2" presetClass="entr" presetSubtype="8" fill="hold" nodeType="withEffect">
+                                  <p:stCondLst>
+                                    <p:cond delay="0"/>
+                                  </p:stCondLst>
+                                  <p:childTnLst>
+                                    <p:set>
+                                      <p:cBhvr>
+                                        <p:cTn id="27" dur="1" fill="hold">
+                                          <p:stCondLst>
+                                            <p:cond delay="0"/>
+                                          </p:stCondLst>
+                                        </p:cTn>
+                                        <p:tgtEl>
+                                          <p:spTgt spid="5"/>
+                                        </p:tgtEl>
+                                        <p:attrNameLst>
+                                          <p:attrName>style.visibility</p:attrName>
+                                        </p:attrNameLst>
+                                      </p:cBhvr>
+                                      <p:to>
+                                        <p:strVal val="visible"/>
+                                      </p:to>
+                                    </p:set>
+                                    <p:anim calcmode="lin" valueType="num">
+                                      <p:cBhvr additive="base">
+                                        <p:cTn id="28" dur="500" fill="hold"/>
+                                        <p:tgtEl>
+                                          <p:spTgt spid="5"/>
+                                        </p:tgtEl>
+                                        <p:attrNameLst>
+                                          <p:attrName>ppt_x</p:attrName>
+                                        </p:attrNameLst>
+                                      </p:cBhvr>
+                                      <p:tavLst>
+                                        <p:tav tm="0">
+                                          <p:val>
+                                            <p:strVal val="0-#ppt_w/2"/>
+                                          </p:val>
+                                        </p:tav>
+                                        <p:tav tm="100000">
+                                          <p:val>
+                                            <p:strVal val="#ppt_x"/>
+                                          </p:val>
+                                        </p:tav>
+                                      </p:tavLst>
+                                    </p:anim>
+                                    <p:anim calcmode="lin" valueType="num">
+                                      <p:cBhvr additive="base">
+                                        <p:cTn id="29" dur="500" fill="hold"/>
+                                        <p:tgtEl>
+                                          <p:spTgt spid="5"/>
+                                        </p:tgtEl>
+                                        <p:attrNameLst>
+                                          <p:attrName>ppt_y</p:attrName>
+                                        </p:attrNameLst>
+                                      </p:cBhvr>
+                                      <p:tavLst>
+                                        <p:tav tm="0">
+                                          <p:val>
+                                            <p:strVal val="#ppt_y"/>
+                                          </p:val>
+                                        </p:tav>
+                                        <p:tav tm="100000">
+                                          <p:val>
+                                            <p:strVal val="#ppt_y"/>
+                                          </p:val>
+                                        </p:tav>
+                                      </p:tavLst>
+                                    </p:anim>
+                                  </p:childTnLst>
+                                </p:cTn>
+                              </p:par>
+                            </p:childTnLst>
+                          </p:cTn>
+                        </p:par>
+                      </p:childTnLst>
+                    </p:cTn>
+                  </p:par>
+                </p:childTnLst>
+              </p:cTn>
+              <p:prevCondLst>
+                <p:cond evt="onPrev" delay="0">
+                  <p:tgtEl>
+                    <p:sldTgt/>
+                  </p:tgtEl>
+                </p:cond>
+              </p:prevCondLst>
+              <p:nextCondLst>
+                <p:cond evt="onNext" delay="0">
+                  <p:tgtEl>
+                    <p:sldTgt/>
+                  </p:tgtEl>
+                </p:cond>
+              </p:nextCondLst>
+            </p:seq>
+          </p:childTnLst>
+        </p:cTn>
+      </p:par>
+    </p:tnLst>
+    <p:bldLst>
+      <p:bldP spid="2" grpId="0" uiExpand="1" build="p"/>
+    </p:bldLst>
+  </p:timing>
+</p:sld>
+</file>
+
+<file path=ppt/slides/slide7.xml><?xml version="1.0" encoding="utf-8"?>
+<p:sld xmlns:a="http://schemas.openxmlformats.org/drawingml/2006/main" xmlns:r="http://schemas.openxmlformats.org/officeDocument/2006/relationships" xmlns:p="http://schemas.openxmlformats.org/presentationml/2006/main">
+  <p:cSld>
+    <p:spTree>
+      <p:nvGrpSpPr>
+        <p:cNvPr id="1" name=""/>
+        <p:cNvGrpSpPr/>
+        <p:nvPr/>
+      </p:nvGrpSpPr>
+      <p:grpSpPr>
+        <a:xfrm>
+          <a:off x="0" y="0"/>
+          <a:ext cx="0" cy="0"/>
+          <a:chOff x="0" y="0"/>
+          <a:chExt cx="0" cy="0"/>
+        </a:xfrm>
+      </p:grpSpPr>
+      <p:sp>
+        <p:nvSpPr>
+          <p:cNvPr id="2" name="標題 1"/>
+          <p:cNvSpPr>
+            <a:spLocks noGrp="1"/>
+          </p:cNvSpPr>
+          <p:nvPr>
+            <p:ph type="title"/>
+          </p:nvPr>
+        </p:nvSpPr>
+        <p:spPr>
+          <a:xfrm>
+            <a:off x="3635896" y="273050"/>
+            <a:ext cx="5050904" cy="869950"/>
+          </a:xfrm>
+        </p:spPr>
+        <p:txBody>
+          <a:bodyPr/>
+          <a:lstStyle/>
+          <a:p>
+            <a:r>
+              <a:rPr lang="zh-TW" altLang="en-US" dirty="0" smtClean="0"/>
+              <a:t>工作分配</a:t>
+            </a:r>
+            <a:endParaRPr lang="zh-TW" altLang="en-US" dirty="0"/>
+          </a:p>
+        </p:txBody>
+      </p:sp>
+      <p:sp>
+        <p:nvSpPr>
+          <p:cNvPr id="3" name="內容版面配置區 2"/>
+          <p:cNvSpPr>
+            <a:spLocks noGrp="1"/>
+          </p:cNvSpPr>
+          <p:nvPr>
+            <p:ph sz="quarter" idx="2"/>
+          </p:nvPr>
+        </p:nvSpPr>
         <p:spPr/>
         <p:txBody>
           <a:bodyPr/>
           <a:lstStyle/>
           <a:p>
             <a:r>
+              <a:rPr lang="en-US" altLang="zh-TW" dirty="0" smtClean="0"/>
+              <a:t>CSS</a:t>
+            </a:r>
+          </a:p>
+          <a:p>
+            <a:r>
+              <a:rPr lang="en-US" altLang="zh-TW" dirty="0" smtClean="0"/>
+              <a:t>HTML</a:t>
+            </a:r>
+          </a:p>
+          <a:p>
+            <a:r>
+              <a:rPr lang="en-US" altLang="zh-TW" dirty="0" err="1" smtClean="0"/>
+              <a:t>PhotoShop</a:t>
+            </a:r>
+            <a:endParaRPr lang="en-US" altLang="zh-TW" dirty="0" smtClean="0"/>
+          </a:p>
+          <a:p>
+            <a:pPr lvl="0"/>
+            <a:r>
+              <a:rPr lang="en-US" altLang="zh-TW" sz="2800" dirty="0" err="1" smtClean="0"/>
+              <a:t>Jquery</a:t>
+            </a:r>
+            <a:endParaRPr lang="en-US" altLang="zh-TW" sz="2800" dirty="0" smtClean="0"/>
+          </a:p>
+          <a:p>
+            <a:pPr lvl="0"/>
+            <a:r>
+              <a:rPr lang="en-US" altLang="zh-TW" sz="2800" dirty="0" smtClean="0"/>
+              <a:t>JavaScript</a:t>
+            </a:r>
+            <a:endParaRPr lang="en-US" altLang="zh-TW" dirty="0" smtClean="0"/>
+          </a:p>
+          <a:p>
+            <a:endParaRPr lang="zh-TW" altLang="en-US" dirty="0"/>
+          </a:p>
+        </p:txBody>
+      </p:sp>
+      <p:sp>
+        <p:nvSpPr>
+          <p:cNvPr id="4" name="內容版面配置區 3"/>
+          <p:cNvSpPr>
+            <a:spLocks noGrp="1"/>
+          </p:cNvSpPr>
+          <p:nvPr>
+            <p:ph sz="quarter" idx="4"/>
+          </p:nvPr>
+        </p:nvSpPr>
+        <p:spPr/>
+        <p:txBody>
+          <a:bodyPr/>
+          <a:lstStyle/>
+          <a:p>
+            <a:r>
+              <a:rPr lang="en-US" altLang="zh-TW" dirty="0" smtClean="0"/>
+              <a:t>Java</a:t>
+            </a:r>
+          </a:p>
+          <a:p>
+            <a:r>
+              <a:rPr lang="en-US" altLang="zh-TW" dirty="0" err="1" smtClean="0"/>
+              <a:t>MySQL</a:t>
+            </a:r>
+            <a:endParaRPr lang="en-US" altLang="zh-TW" dirty="0" smtClean="0"/>
+          </a:p>
+          <a:p>
+            <a:r>
+              <a:rPr lang="en-US" altLang="zh-TW" dirty="0" smtClean="0"/>
+              <a:t>JSP</a:t>
+            </a:r>
+          </a:p>
+          <a:p>
+            <a:r>
+              <a:rPr lang="en-US" altLang="zh-TW" dirty="0" err="1" smtClean="0"/>
+              <a:t>Servlet</a:t>
+            </a:r>
+            <a:endParaRPr lang="en-US" altLang="zh-TW" dirty="0" smtClean="0"/>
+          </a:p>
+          <a:p>
+            <a:r>
+              <a:rPr lang="en-US" altLang="zh-TW" sz="2800" dirty="0" smtClean="0"/>
+              <a:t>JavaScript</a:t>
+            </a:r>
+          </a:p>
+          <a:p>
+            <a:endParaRPr lang="zh-TW" altLang="en-US" dirty="0"/>
+          </a:p>
+        </p:txBody>
+      </p:sp>
+      <p:sp>
+        <p:nvSpPr>
+          <p:cNvPr id="5" name="文字版面配置區 4"/>
+          <p:cNvSpPr>
+            <a:spLocks noGrp="1"/>
+          </p:cNvSpPr>
+          <p:nvPr>
+            <p:ph type="body" sz="quarter" idx="1"/>
+          </p:nvPr>
+        </p:nvSpPr>
+        <p:spPr/>
+        <p:txBody>
+          <a:bodyPr/>
+          <a:lstStyle/>
+          <a:p>
+            <a:r>
+              <a:rPr lang="zh-TW" altLang="en-US" spc="300" dirty="0" smtClean="0">
+                <a:ln w="50800"/>
+                <a:solidFill>
+                  <a:schemeClr val="tx1"/>
+                </a:solidFill>
+              </a:rPr>
+              <a:t>陳楷</a:t>
+            </a:r>
+            <a:r>
+              <a:rPr lang="zh-TW" altLang="en-US" spc="300" dirty="0" smtClean="0">
+                <a:ln w="50800"/>
+                <a:solidFill>
+                  <a:schemeClr val="tx1"/>
+                </a:solidFill>
+              </a:rPr>
+              <a:t>升</a:t>
+            </a:r>
+            <a:endParaRPr lang="zh-TW" altLang="en-US" spc="300" dirty="0" smtClean="0">
+              <a:ln w="50800"/>
+              <a:solidFill>
+                <a:schemeClr val="tx1"/>
+              </a:solidFill>
+            </a:endParaRPr>
+          </a:p>
+        </p:txBody>
+      </p:sp>
+      <p:sp>
+        <p:nvSpPr>
+          <p:cNvPr id="6" name="文字版面配置區 5"/>
+          <p:cNvSpPr>
+            <a:spLocks noGrp="1"/>
+          </p:cNvSpPr>
+          <p:nvPr>
+            <p:ph type="body" sz="quarter" idx="3"/>
+          </p:nvPr>
+        </p:nvSpPr>
+        <p:spPr/>
+        <p:txBody>
+          <a:bodyPr/>
+          <a:lstStyle/>
+          <a:p>
+            <a:r>
+              <a:rPr lang="zh-TW" altLang="en-US" spc="300" dirty="0" smtClean="0">
+                <a:ln w="50800"/>
+                <a:solidFill>
+                  <a:schemeClr val="tx1"/>
+                </a:solidFill>
+              </a:rPr>
+              <a:t>高朝魁</a:t>
+            </a:r>
+            <a:endParaRPr lang="zh-TW" altLang="en-US" spc="300" dirty="0" smtClean="0">
+              <a:ln w="50800"/>
+              <a:solidFill>
+                <a:schemeClr val="tx1"/>
+              </a:solidFill>
+            </a:endParaRPr>
+          </a:p>
+        </p:txBody>
+      </p:sp>
+    </p:spTree>
+  </p:cSld>
+  <p:clrMapOvr>
+    <a:masterClrMapping/>
+  </p:clrMapOvr>
+  <p:transition>
+    <p:dissolve/>
+  </p:transition>
+  <p:timing>
+    <p:tnLst>
+      <p:par>
+        <p:cTn id="1" dur="indefinite" restart="never" nodeType="tmRoot"/>
+      </p:par>
+    </p:tnLst>
+  </p:timing>
+</p:sld>
+</file>
+
+<file path=ppt/slides/slide8.xml><?xml version="1.0" encoding="utf-8"?>
+<p:sld xmlns:a="http://schemas.openxmlformats.org/drawingml/2006/main" xmlns:r="http://schemas.openxmlformats.org/officeDocument/2006/relationships" xmlns:p="http://schemas.openxmlformats.org/presentationml/2006/main">
+  <p:cSld>
+    <p:spTree>
+      <p:nvGrpSpPr>
+        <p:cNvPr id="1" name=""/>
+        <p:cNvGrpSpPr/>
+        <p:nvPr/>
+      </p:nvGrpSpPr>
+      <p:grpSpPr>
+        <a:xfrm>
+          <a:off x="0" y="0"/>
+          <a:ext cx="0" cy="0"/>
+          <a:chOff x="0" y="0"/>
+          <a:chExt cx="0" cy="0"/>
+        </a:xfrm>
+      </p:grpSpPr>
+      <p:sp>
+        <p:nvSpPr>
+          <p:cNvPr id="2" name="文字版面配置區 1"/>
+          <p:cNvSpPr>
+            <a:spLocks noGrp="1"/>
+          </p:cNvSpPr>
+          <p:nvPr>
+            <p:ph type="body" sz="half" idx="2"/>
+          </p:nvPr>
+        </p:nvSpPr>
+        <p:spPr/>
+        <p:txBody>
+          <a:bodyPr>
+            <a:normAutofit/>
+          </a:bodyPr>
+          <a:lstStyle/>
+          <a:p>
+            <a:r>
               <a:rPr lang="zh-TW" altLang="en-US" dirty="0" smtClean="0"/>
-              <a:t>登入</a:t>
+              <a:t>在</a:t>
+            </a:r>
+            <a:r>
+              <a:rPr lang="en-US" altLang="zh-TW" dirty="0" err="1" smtClean="0"/>
+              <a:t>GitHubg</a:t>
+            </a:r>
+            <a:r>
+              <a:rPr lang="zh-TW" altLang="en-US" dirty="0" smtClean="0"/>
+              <a:t>上各週的上傳紀錄</a:t>
             </a:r>
             <a:endParaRPr lang="zh-TW" altLang="en-US" dirty="0"/>
           </a:p>
@@ -4441,17 +11756,1417 @@
           <a:p>
             <a:r>
               <a:rPr lang="zh-TW" altLang="en-US" dirty="0" smtClean="0"/>
-              <a:t>會員系統</a:t>
+              <a:t>時程表</a:t>
             </a:r>
             <a:endParaRPr lang="zh-TW" altLang="en-US" dirty="0"/>
           </a:p>
         </p:txBody>
       </p:sp>
+      <p:pic>
+        <p:nvPicPr>
+          <p:cNvPr id="25603" name="Picture 3"/>
+          <p:cNvPicPr>
+            <a:picLocks noChangeAspect="1" noChangeArrowheads="1"/>
+          </p:cNvPicPr>
+          <p:nvPr/>
+        </p:nvPicPr>
+        <p:blipFill>
+          <a:blip r:embed="rId2" cstate="print"/>
+          <a:srcRect l="71794" t="35235" r="11610" b="50738"/>
+          <a:stretch>
+            <a:fillRect/>
+          </a:stretch>
+        </p:blipFill>
+        <p:spPr bwMode="auto">
+          <a:xfrm>
+            <a:off x="2987824" y="476672"/>
+            <a:ext cx="5400600" cy="3651759"/>
+          </a:xfrm>
+          <a:prstGeom prst="rect">
+            <a:avLst/>
+          </a:prstGeom>
+          <a:noFill/>
+          <a:ln w="9525">
+            <a:noFill/>
+            <a:miter lim="800000"/>
+            <a:headEnd/>
+            <a:tailEnd/>
+          </a:ln>
+        </p:spPr>
+      </p:pic>
+      <p:pic>
+        <p:nvPicPr>
+          <p:cNvPr id="8" name="Picture 3"/>
+          <p:cNvPicPr>
+            <a:picLocks noChangeAspect="1" noChangeArrowheads="1"/>
+          </p:cNvPicPr>
+          <p:nvPr/>
+        </p:nvPicPr>
+        <p:blipFill>
+          <a:blip r:embed="rId2" cstate="print"/>
+          <a:srcRect l="8066" t="35235" r="89942" b="50738"/>
+          <a:stretch>
+            <a:fillRect/>
+          </a:stretch>
+        </p:blipFill>
+        <p:spPr bwMode="auto">
+          <a:xfrm>
+            <a:off x="2339752" y="476672"/>
+            <a:ext cx="648072" cy="3651759"/>
+          </a:xfrm>
+          <a:prstGeom prst="rect">
+            <a:avLst/>
+          </a:prstGeom>
+          <a:noFill/>
+          <a:ln w="9525">
+            <a:noFill/>
+            <a:miter lim="800000"/>
+            <a:headEnd/>
+            <a:tailEnd/>
+          </a:ln>
+        </p:spPr>
+      </p:pic>
     </p:spTree>
   </p:cSld>
   <p:clrMapOvr>
     <a:masterClrMapping/>
   </p:clrMapOvr>
+  <p:transition>
+    <p:dissolve/>
+  </p:transition>
+  <p:timing>
+    <p:tnLst>
+      <p:par>
+        <p:cTn id="1" dur="indefinite" restart="never" nodeType="tmRoot"/>
+      </p:par>
+    </p:tnLst>
+  </p:timing>
+</p:sld>
+</file>
+
+<file path=ppt/slides/slide9.xml><?xml version="1.0" encoding="utf-8"?>
+<p:sld xmlns:a="http://schemas.openxmlformats.org/drawingml/2006/main" xmlns:r="http://schemas.openxmlformats.org/officeDocument/2006/relationships" xmlns:p="http://schemas.openxmlformats.org/presentationml/2006/main">
+  <p:cSld>
+    <p:spTree>
+      <p:nvGrpSpPr>
+        <p:cNvPr id="1" name=""/>
+        <p:cNvGrpSpPr/>
+        <p:nvPr/>
+      </p:nvGrpSpPr>
+      <p:grpSpPr>
+        <a:xfrm>
+          <a:off x="0" y="0"/>
+          <a:ext cx="0" cy="0"/>
+          <a:chOff x="0" y="0"/>
+          <a:chExt cx="0" cy="0"/>
+        </a:xfrm>
+      </p:grpSpPr>
+      <p:sp>
+        <p:nvSpPr>
+          <p:cNvPr id="2" name="標題 1"/>
+          <p:cNvSpPr>
+            <a:spLocks noGrp="1"/>
+          </p:cNvSpPr>
+          <p:nvPr>
+            <p:ph type="title"/>
+          </p:nvPr>
+        </p:nvSpPr>
+        <p:spPr>
+          <a:xfrm>
+            <a:off x="5148064" y="188640"/>
+            <a:ext cx="3326904" cy="990600"/>
+          </a:xfrm>
+        </p:spPr>
+        <p:txBody>
+          <a:bodyPr>
+            <a:normAutofit/>
+          </a:bodyPr>
+          <a:lstStyle/>
+          <a:p>
+            <a:r>
+              <a:rPr lang="zh-TW" altLang="en-US" b="1" spc="500" dirty="0" smtClean="0">
+                <a:effectLst>
+                  <a:outerShdw blurRad="50800" dist="38100" algn="l" rotWithShape="0">
+                    <a:prstClr val="black">
+                      <a:alpha val="40000"/>
+                    </a:prstClr>
+                  </a:outerShdw>
+                </a:effectLst>
+              </a:rPr>
+              <a:t>使用的技術</a:t>
+            </a:r>
+            <a:endParaRPr lang="zh-TW" altLang="en-US" b="1" spc="500" dirty="0">
+              <a:effectLst>
+                <a:outerShdw blurRad="50800" dist="38100" algn="l" rotWithShape="0">
+                  <a:prstClr val="black">
+                    <a:alpha val="40000"/>
+                  </a:prstClr>
+                </a:outerShdw>
+              </a:effectLst>
+            </a:endParaRPr>
+          </a:p>
+        </p:txBody>
+      </p:sp>
+      <p:graphicFrame>
+        <p:nvGraphicFramePr>
+          <p:cNvPr id="4" name="資料庫圖表 3"/>
+          <p:cNvGraphicFramePr/>
+          <p:nvPr/>
+        </p:nvGraphicFramePr>
+        <p:xfrm>
+          <a:off x="0" y="936104"/>
+          <a:ext cx="9144000" cy="6237312"/>
+        </p:xfrm>
+        <a:graphic>
+          <a:graphicData uri="http://schemas.openxmlformats.org/drawingml/2006/diagram">
+            <dgm:relIds xmlns:dgm="http://schemas.openxmlformats.org/drawingml/2006/diagram" xmlns:r="http://schemas.openxmlformats.org/officeDocument/2006/relationships" r:dm="rId2" r:lo="rId3" r:qs="rId4" r:cs="rId5"/>
+          </a:graphicData>
+        </a:graphic>
+      </p:graphicFrame>
+      <p:pic>
+        <p:nvPicPr>
+          <p:cNvPr id="3096" name="Picture 24" descr="Apache icon" hidden="1"/>
+          <p:cNvPicPr>
+            <a:picLocks noChangeAspect="1" noChangeArrowheads="1"/>
+          </p:cNvPicPr>
+          <p:nvPr/>
+        </p:nvPicPr>
+        <p:blipFill>
+          <a:blip r:embed="rId7" cstate="print"/>
+          <a:srcRect/>
+          <a:stretch>
+            <a:fillRect/>
+          </a:stretch>
+        </p:blipFill>
+        <p:spPr bwMode="auto">
+          <a:xfrm>
+            <a:off x="3347864" y="2276872"/>
+            <a:ext cx="2438400" cy="2438400"/>
+          </a:xfrm>
+          <a:prstGeom prst="rect">
+            <a:avLst/>
+          </a:prstGeom>
+          <a:noFill/>
+        </p:spPr>
+      </p:pic>
+      <p:pic>
+        <p:nvPicPr>
+          <p:cNvPr id="3094" name="Picture 22" descr="MySQL icon" hidden="1"/>
+          <p:cNvPicPr>
+            <a:picLocks noChangeAspect="1" noChangeArrowheads="1"/>
+          </p:cNvPicPr>
+          <p:nvPr/>
+        </p:nvPicPr>
+        <p:blipFill>
+          <a:blip r:embed="rId8" cstate="print"/>
+          <a:srcRect/>
+          <a:stretch>
+            <a:fillRect/>
+          </a:stretch>
+        </p:blipFill>
+        <p:spPr bwMode="auto">
+          <a:xfrm>
+            <a:off x="3347864" y="2286744"/>
+            <a:ext cx="2438400" cy="2438400"/>
+          </a:xfrm>
+          <a:prstGeom prst="rect">
+            <a:avLst/>
+          </a:prstGeom>
+          <a:noFill/>
+        </p:spPr>
+      </p:pic>
+      <p:pic>
+        <p:nvPicPr>
+          <p:cNvPr id="3092" name="Picture 20" descr="Jquery icon" hidden="1"/>
+          <p:cNvPicPr>
+            <a:picLocks noChangeAspect="1" noChangeArrowheads="1"/>
+          </p:cNvPicPr>
+          <p:nvPr/>
+        </p:nvPicPr>
+        <p:blipFill>
+          <a:blip r:embed="rId9" cstate="print"/>
+          <a:srcRect/>
+          <a:stretch>
+            <a:fillRect/>
+          </a:stretch>
+        </p:blipFill>
+        <p:spPr bwMode="auto">
+          <a:xfrm>
+            <a:off x="3347864" y="2276872"/>
+            <a:ext cx="2438400" cy="2438400"/>
+          </a:xfrm>
+          <a:prstGeom prst="rect">
+            <a:avLst/>
+          </a:prstGeom>
+          <a:noFill/>
+        </p:spPr>
+      </p:pic>
+      <p:pic>
+        <p:nvPicPr>
+          <p:cNvPr id="18" name="圖片 17" descr="256-256-4ddcbea81acdb424a42477bf94d19537-photoshop.png" hidden="1"/>
+          <p:cNvPicPr>
+            <a:picLocks noChangeAspect="1"/>
+          </p:cNvPicPr>
+          <p:nvPr/>
+        </p:nvPicPr>
+        <p:blipFill>
+          <a:blip r:embed="rId10" cstate="print"/>
+          <a:stretch>
+            <a:fillRect/>
+          </a:stretch>
+        </p:blipFill>
+        <p:spPr>
+          <a:xfrm>
+            <a:off x="3352800" y="2276872"/>
+            <a:ext cx="2371328" cy="2371328"/>
+          </a:xfrm>
+          <a:prstGeom prst="rect">
+            <a:avLst/>
+          </a:prstGeom>
+        </p:spPr>
+      </p:pic>
+      <p:pic>
+        <p:nvPicPr>
+          <p:cNvPr id="3090" name="Picture 18" descr="http://www.mrbup.com/wp-content/uploads/2010/03/netbeans.png" hidden="1"/>
+          <p:cNvPicPr>
+            <a:picLocks noChangeAspect="1" noChangeArrowheads="1"/>
+          </p:cNvPicPr>
+          <p:nvPr/>
+        </p:nvPicPr>
+        <p:blipFill>
+          <a:blip r:embed="rId11" cstate="print"/>
+          <a:srcRect/>
+          <a:stretch>
+            <a:fillRect/>
+          </a:stretch>
+        </p:blipFill>
+        <p:spPr bwMode="auto">
+          <a:xfrm>
+            <a:off x="2750492" y="2635632"/>
+            <a:ext cx="3643017" cy="1586737"/>
+          </a:xfrm>
+          <a:prstGeom prst="rect">
+            <a:avLst/>
+          </a:prstGeom>
+          <a:noFill/>
+        </p:spPr>
+      </p:pic>
+      <p:pic>
+        <p:nvPicPr>
+          <p:cNvPr id="3086" name="Picture 14" descr="https://encrypted-tbn1.gstatic.com/images?q=tbn:ANd9GcSiTuBK8prws-0nywmU2O99jn9jH1AdTH8cIlvsjyRQQtlDR2RCGg" hidden="1"/>
+          <p:cNvPicPr>
+            <a:picLocks noChangeAspect="1" noChangeArrowheads="1"/>
+          </p:cNvPicPr>
+          <p:nvPr/>
+        </p:nvPicPr>
+        <p:blipFill>
+          <a:blip r:embed="rId12" cstate="print"/>
+          <a:srcRect/>
+          <a:stretch>
+            <a:fillRect/>
+          </a:stretch>
+        </p:blipFill>
+        <p:spPr bwMode="auto">
+          <a:xfrm>
+            <a:off x="3600450" y="2457450"/>
+            <a:ext cx="1943100" cy="1943101"/>
+          </a:xfrm>
+          <a:prstGeom prst="rect">
+            <a:avLst/>
+          </a:prstGeom>
+          <a:noFill/>
+        </p:spPr>
+      </p:pic>
+      <p:pic>
+        <p:nvPicPr>
+          <p:cNvPr id="3084" name="Picture 12" descr="https://assets-cdn.github.com/images/modules/logos_page/GitHub-Logo.png" hidden="1"/>
+          <p:cNvPicPr>
+            <a:picLocks noChangeAspect="1" noChangeArrowheads="1"/>
+          </p:cNvPicPr>
+          <p:nvPr/>
+        </p:nvPicPr>
+        <p:blipFill>
+          <a:blip r:embed="rId13" cstate="print"/>
+          <a:srcRect/>
+          <a:stretch>
+            <a:fillRect/>
+          </a:stretch>
+        </p:blipFill>
+        <p:spPr bwMode="auto">
+          <a:xfrm>
+            <a:off x="2729595" y="2947672"/>
+            <a:ext cx="3684811" cy="962657"/>
+          </a:xfrm>
+          <a:prstGeom prst="rect">
+            <a:avLst/>
+          </a:prstGeom>
+          <a:noFill/>
+        </p:spPr>
+      </p:pic>
+      <p:sp>
+        <p:nvSpPr>
+          <p:cNvPr id="3082" name="AutoShape 10" descr="data:image/png;base64,iVBORw0KGgoAAAANSUhEUgAAAOEAAADhCAMAAAAJbSJIAAAAhFBMVEX///8AAACPj4/6+vrv7+/IyMjj4+P09PSzs7PQ0NCurq7V1dVvb2/m5uYrKyv39/d8fHzb29s+Pj69vb2Xl5ckJCQ2NjaioqJWVlZhYWEXFxeCgoKWlpbX19dAQEB2dnZHR0dnZ2cmJiZQUFCKiooMDAwxMTEcHBxiYmLBwcELCwufn5/HyWo0AAALPUlEQVR4nO1daXfqug6FxgQIhHmGAgUKh/L//99rSIFMjrccT72v+8Ndd51FSjaJJVnalmq1P/wBhMcY63zjGv3n+/892zekCv3OdbwZLGaXz3oan5fZYrAZXzt927coDa99nSxnq7oIq9lycm3/tkcaNibHg5BbEofjpBHavm0QrDHYip9c4dPcDhrM9u2L4AfLqRS7B6bLlm+bBB/+27ESuweOb06SZK2FEnoxFmPHXlevs6v2cuYx3XXcsa/NYKuYXoxt0LRN7Q42ofkFCg43+y9ruNZGL8barpcMu5r5Reja49jU/fweWFtajxtD/CJsLPALDPKLEBjmN5wZJlivz4YG+XkD4/wiDIyFAOPsbtYUPsdG+IVLS/wiLA14jpZFfhFamvn1d5YJ1us7rYmdtnkTmseorY/gzTa5H9w08WvaNDFpfGgJ4/yRbV4JbDXkOa5y+TNdWF1VE5zbppTDXC1B+04ij4FKgu7YmCSWyvh5atKg6rFQFIp7ejJpKrBVQpH1bPMowUxBLo7pyxWqwKEyRaY6l60a04oUPZcCmWJUW4t99wl+7zWqbKdUlpP0oYJfdNPR5yFN0VRKuzrWcgRN53yrQCpf3LB91yQ06AR91x1hGlPyltjhYLQYe6pbNFEYVIsujeBvsjIPkKyNL/prX72e2bzNYXYWfoayFEXB2txnzB9e10YW63Qx7wxZk/kTwQe3OMGT4E9dnp8cahKaPLHqvqRuTPThE0pQ6AlTf2l40udXRkFqbySMIsF8vyf84swf8lp7JXyy2GVveCy8BHMZwsxhL39NR3268ZQvFTaF1m2HEGwLv7vQ8zDR4qXhVvg0xEm/d4ChOC/DS6iLbB2OCecbxG76LCYovs0vrt9RpGDocitLHfHFwspbKP4bZW7HL7Q5s+X6Foyv10boRwgb1+s4uK2XhfXWc5mqROz266JKP5C3KN9Rp+r8vd1NIGr2W7e0NLW84AJk3wUb/qv4L4iKPiwO2i+7AJf4DIPdJb49wRNA0g7ldTckQhFuNsf7dUA+E+OFwXov1MsgT6A0eIOkJOJHI5vBFF8ndmX1UkFKH8ngr2wK6YcIwzM/gQoVens2hcnhBblFrqVg0JZvZJJRFk3AXXy/ZryHgEli9wYJ5YFt1jiCWwa9AfW9SUJZYM+wfil+iKDcYm+UUgZNsFxbuBL7oGbN7joEGY6KHA8qq6xeda0AuGBb5BPhfbpJvXUWkD+McMxfi5cpNIofhYBiGs5d4rVCM2LrYogzNQ/kthjCHPALStVWRODFhtw+naDMs2lMCbqCrMMgJHZX9k5ahYRzEJlNFL6C6zYXIr4M61lbQ0p3FlhiQyBJCFP2gqh8svWaAmmyBFJqKSQ58IK1hRh+ke4zmW6h5eTtuXySuUim+D2SwFL3uZwykM4kJfLfpJ/mzR6/mri0mULnedkb4aqj3T4AJEX2a6tPOc1kc2cRAd5dfGMmc5Hp47h5UGQij9iUsHwtv6MRKO/pI/oiqIMk5GPKQRDcPfwFHtAQdUea8AHf7yG+gBAL2TYzMQh2I46+8JDtwzK1B/7BdxxX2nBv6MIqjICvxNgjwvtmssBRFzw4LxjnI+AfRPGJvwrADyRHn8bXrf1+Pw/gxjHy+bChsbe1zwP2+pGpgaMgXWfEZQC/plGUCe9+XWoTBy+tKKpBNxZfLrXh7KMMI2OKfvafbVYpwEUIQHj7gN29fRZwmMJq7+hHbaZn8oB3fEM8AuqIv9Yg4NRSA0+Uu2RoarUmettj/HG7EpTGEIvRf9CChb2A+NYoMNlJJDdGHf5M/KVGgbrxAXzU16rIpAAowwXM0C2Hjx/CXtTQkoUrGYwHPsD7Pv/nGfb+GD6xsE0pA3QP3IO3Fr/VW3z+WoZwhhBmePmlURvO8LfGpf8PDGEdlVvzNWCl4Qr2Fs4ULWLAG3fcHzpQ304C1lL24H2WY5kouF36CG+U5Eb99wG4Mo/vnooF/rbgwQKZZQ0/uutSKgrOedfXhP7/bhTxY+AlwRtBTONOgZQiS28RhMVQvwJDwOWiY0LVv+fOQuzjctEG5aCFOwVEggTIJwgVHCoCE/pT1CgM3UlkEPo51kjHUFzZXhBe0iiRTejW4Yq/IBxhig5dUNSltqn9gPCSRnVdylkLN8Iagvm/72rhQn5duoumYlC6jt51XITPc06BmwXpCNP9CkorXRdcIkXKHjs4yuSRnv2JhKTuzbH1J7Vite8wSE0r4/QZxdTY7WwSAewb8YOfuyVdYzshRZrY9yi20HrJ2fWJFF/4OvhE64lsN7Ch9VB/ZLEZbVIcryGeCdDa+n0+jQaxdeVvOUNa3z8vpA4CsrXZpxyyixBIX8ntw6QXWB+rBBJGkeQvvjGzkf/uUwkmpXjkvpwWHD8pMLkjaRJhofALpilSV1I9061VYhaJWYsqMToz3fpDZqyayfhNpk1xepNAC4Z+sDDlNTpSozMzdyc3UWZjwqYyuVkp2TZKpM4vL4yUjyHMwmtJNkTP3hlt25XAUa/FGct2tT/nshHy7biX2jh6Y/mpfXk7WGxrjkHUvLk9/yh9VY4tHekbNq8wleCzwAoWqRteLoUFpfbsfFJsV732oNJAgiLlSFE38OTL7M3Lu38uJr6qEmpzeKo6i6DwDFORw0i1OmUiEcto3WJVWTbDYCdr9V4oLgQWJjPSncuA2GnW3VxZX8ZPen3Weitf8DA4IrxCr592K0MsuvjaDzZBAy83+tf5207hnD5eLbc4I5U2u4wQQOGBq+rpGFwdZXHodk59nsGLhJKxUjvEjl+O56UVU93r0CCdpvRTOmmxJAThNQ1JHevC0qtTmrHpKxzHU3ZEi/t8UhShV4oqKZYM/YtQGnxwZQvJQ0HI700fK6nsPS0vVPNVjUnfD7ynyESbNIjZXj4EMTK/Opdcvh+ib5EpbigaGiXUo3P97jTx2whPUss0cVUzr28v/B5+YjHpMwSv1EVGPSWVK8oBWB78rXDyPS1PzsmNr1UxpB4aLsfdJKXmQ5fWYuUKcJQGlRxcxN9SK3sDU60xyijKdZhQML0WTKhwPXr6QALfMvCnepWi+kKENVtcjXHaRLZ5dncmtw3Gg3oO8L4P3CpIJmj3NkX18d5aMmeDt2HjgCCi4FbbsgssnGR+93O3IZ93qzjpnCRJ420y8lsir307js7f2O6780Y1KUq1IcS08/RNzmyrL61C6EoMD8R3h+cytEpNKu30yZl3TtAy1Vn7reLyJQ6Acn5QnTLhCgylbouzJdVYT5NnKHcUhDdbSV/lV5qhrLCXMxFE31KUZSg/rIGzV1zpEmDKMqSnTJ7gncXQ1H9PkmEly8DbP/BH9laBHMOKjQJ4FFc3DRylGFbuhMBNVxzWypejDEMFrR5KjmPsB+Nh3oyFBf+GQYKhktMR5Vm+6fHf7q01Ht4xDk7dxRRLBylhqKhZBzmRKat4IzNU1o2EKgw0xVCh06LNgzLFUGnHnCHpwIIRhqojK0bREZhgOFIeHXsfTjHU0uQQ/379DDXpk+FCtHaG2nbhDBQLama41ZkrwlSosrNYMYayEROIBjKeXLZpFsLwov0URBNQaGlkuDOhnb8KH6M2hgftwvkYnig3rYvhydyBsk55HUwPw6PZ2QWtsqNyOhiujE+fYCWOQwPDk402XCFXBKec4cBWd6N3TsFPMcNdhYxvZfiFz1Epw4HtJmr+Oq/FlO3Ol0/rTVWfVJECm2fV7bLD17N1ktncdp+RJxrL5MTs/LExEKkhqp9LtzoXh/OX7ET+zjqJx+dKc7gE3k/3KGBUJfgf3p/i6s2m9SzFsN2u+tOH7bYbPdP+4A7+B0aUsifMGkImAAAAAElFTkSuQmCC" hidden="1"/>
+          <p:cNvSpPr>
+            <a:spLocks noChangeAspect="1" noChangeArrowheads="1"/>
+          </p:cNvSpPr>
+          <p:nvPr/>
+        </p:nvSpPr>
+        <p:spPr bwMode="auto">
+          <a:xfrm>
+            <a:off x="155575" y="-144463"/>
+            <a:ext cx="304800" cy="304801"/>
+          </a:xfrm>
+          <a:prstGeom prst="rect">
+            <a:avLst/>
+          </a:prstGeom>
+          <a:noFill/>
+        </p:spPr>
+        <p:txBody>
+          <a:bodyPr vert="horz" wrap="square" lIns="91440" tIns="45720" rIns="91440" bIns="45720" numCol="1" anchor="t" anchorCtr="0" compatLnSpc="1">
+            <a:prstTxWarp prst="textNoShape">
+              <a:avLst/>
+            </a:prstTxWarp>
+          </a:bodyPr>
+          <a:lstStyle/>
+          <a:p>
+            <a:endParaRPr lang="zh-TW" altLang="en-US"/>
+          </a:p>
+        </p:txBody>
+      </p:sp>
+      <p:pic>
+        <p:nvPicPr>
+          <p:cNvPr id="9" name="圖片 8" descr="256-256-0148ab901cc8f25c9d7d25f6656b1297-java.png" hidden="1"/>
+          <p:cNvPicPr>
+            <a:picLocks noChangeAspect="1"/>
+          </p:cNvPicPr>
+          <p:nvPr/>
+        </p:nvPicPr>
+        <p:blipFill>
+          <a:blip r:embed="rId14" cstate="print"/>
+          <a:stretch>
+            <a:fillRect/>
+          </a:stretch>
+        </p:blipFill>
+        <p:spPr>
+          <a:xfrm>
+            <a:off x="3352800" y="2209800"/>
+            <a:ext cx="2438400" cy="2438400"/>
+          </a:xfrm>
+          <a:prstGeom prst="rect">
+            <a:avLst/>
+          </a:prstGeom>
+        </p:spPr>
+      </p:pic>
+      <p:pic>
+        <p:nvPicPr>
+          <p:cNvPr id="3074" name="Picture 2" descr="html5 icon" hidden="1"/>
+          <p:cNvPicPr>
+            <a:picLocks noChangeAspect="1" noChangeArrowheads="1"/>
+          </p:cNvPicPr>
+          <p:nvPr/>
+        </p:nvPicPr>
+        <p:blipFill>
+          <a:blip r:embed="rId15" cstate="print"/>
+          <a:srcRect/>
+          <a:stretch>
+            <a:fillRect/>
+          </a:stretch>
+        </p:blipFill>
+        <p:spPr bwMode="auto">
+          <a:xfrm>
+            <a:off x="3352800" y="2209800"/>
+            <a:ext cx="2438400" cy="2438400"/>
+          </a:xfrm>
+          <a:prstGeom prst="rect">
+            <a:avLst/>
+          </a:prstGeom>
+          <a:noFill/>
+        </p:spPr>
+      </p:pic>
+      <p:pic>
+        <p:nvPicPr>
+          <p:cNvPr id="6" name="圖片 5" descr="256-256-8b61de4c84033266e15317a6eb9fda2d-css3.png" hidden="1"/>
+          <p:cNvPicPr>
+            <a:picLocks noChangeAspect="1"/>
+          </p:cNvPicPr>
+          <p:nvPr/>
+        </p:nvPicPr>
+        <p:blipFill>
+          <a:blip r:embed="rId16" cstate="print"/>
+          <a:stretch>
+            <a:fillRect/>
+          </a:stretch>
+        </p:blipFill>
+        <p:spPr>
+          <a:xfrm>
+            <a:off x="3352800" y="2209800"/>
+            <a:ext cx="2438400" cy="2438400"/>
+          </a:xfrm>
+          <a:prstGeom prst="rect">
+            <a:avLst/>
+          </a:prstGeom>
+        </p:spPr>
+      </p:pic>
+    </p:spTree>
+  </p:cSld>
+  <p:clrMapOvr>
+    <a:masterClrMapping/>
+  </p:clrMapOvr>
+  <p:transition>
+    <p:dissolve/>
+  </p:transition>
+  <p:timing>
+    <p:tnLst>
+      <p:par>
+        <p:cTn id="1" dur="indefinite" restart="never" nodeType="tmRoot">
+          <p:childTnLst>
+            <p:seq concurrent="1" nextAc="seek">
+              <p:cTn id="2" dur="indefinite" nodeType="mainSeq">
+                <p:childTnLst>
+                  <p:par>
+                    <p:cTn id="3" fill="hold">
+                      <p:stCondLst>
+                        <p:cond delay="indefinite"/>
+                        <p:cond evt="onBegin" delay="0">
+                          <p:tn val="2"/>
+                        </p:cond>
+                      </p:stCondLst>
+                      <p:childTnLst>
+                        <p:par>
+                          <p:cTn id="4" fill="hold">
+                            <p:stCondLst>
+                              <p:cond delay="0"/>
+                            </p:stCondLst>
+                            <p:childTnLst>
+                              <p:par>
+                                <p:cTn id="5" presetID="2" presetClass="entr" presetSubtype="4" fill="hold" nodeType="afterEffect">
+                                  <p:stCondLst>
+                                    <p:cond delay="0"/>
+                                  </p:stCondLst>
+                                  <p:childTnLst>
+                                    <p:set>
+                                      <p:cBhvr>
+                                        <p:cTn id="6" dur="1" fill="hold">
+                                          <p:stCondLst>
+                                            <p:cond delay="0"/>
+                                          </p:stCondLst>
+                                        </p:cTn>
+                                        <p:tgtEl>
+                                          <p:spTgt spid="3096"/>
+                                        </p:tgtEl>
+                                        <p:attrNameLst>
+                                          <p:attrName>style.visibility</p:attrName>
+                                        </p:attrNameLst>
+                                      </p:cBhvr>
+                                      <p:to>
+                                        <p:strVal val="visible"/>
+                                      </p:to>
+                                    </p:set>
+                                    <p:anim calcmode="lin" valueType="num">
+                                      <p:cBhvr additive="base">
+                                        <p:cTn id="7" dur="500" fill="hold"/>
+                                        <p:tgtEl>
+                                          <p:spTgt spid="3096"/>
+                                        </p:tgtEl>
+                                        <p:attrNameLst>
+                                          <p:attrName>ppt_x</p:attrName>
+                                        </p:attrNameLst>
+                                      </p:cBhvr>
+                                      <p:tavLst>
+                                        <p:tav tm="0">
+                                          <p:val>
+                                            <p:strVal val="#ppt_x"/>
+                                          </p:val>
+                                        </p:tav>
+                                        <p:tav tm="100000">
+                                          <p:val>
+                                            <p:strVal val="#ppt_x"/>
+                                          </p:val>
+                                        </p:tav>
+                                      </p:tavLst>
+                                    </p:anim>
+                                    <p:anim calcmode="lin" valueType="num">
+                                      <p:cBhvr additive="base">
+                                        <p:cTn id="8" dur="500" fill="hold"/>
+                                        <p:tgtEl>
+                                          <p:spTgt spid="3096"/>
+                                        </p:tgtEl>
+                                        <p:attrNameLst>
+                                          <p:attrName>ppt_y</p:attrName>
+                                        </p:attrNameLst>
+                                      </p:cBhvr>
+                                      <p:tavLst>
+                                        <p:tav tm="0">
+                                          <p:val>
+                                            <p:strVal val="1+#ppt_h/2"/>
+                                          </p:val>
+                                        </p:tav>
+                                        <p:tav tm="100000">
+                                          <p:val>
+                                            <p:strVal val="#ppt_y"/>
+                                          </p:val>
+                                        </p:tav>
+                                      </p:tavLst>
+                                    </p:anim>
+                                  </p:childTnLst>
+                                </p:cTn>
+                              </p:par>
+                            </p:childTnLst>
+                          </p:cTn>
+                        </p:par>
+                        <p:par>
+                          <p:cTn id="9" fill="hold">
+                            <p:stCondLst>
+                              <p:cond delay="500"/>
+                            </p:stCondLst>
+                            <p:childTnLst>
+                              <p:par>
+                                <p:cTn id="10" presetID="2" presetClass="entr" presetSubtype="3" fill="hold" nodeType="afterEffect">
+                                  <p:stCondLst>
+                                    <p:cond delay="0"/>
+                                  </p:stCondLst>
+                                  <p:childTnLst>
+                                    <p:set>
+                                      <p:cBhvr>
+                                        <p:cTn id="11" dur="1" fill="hold">
+                                          <p:stCondLst>
+                                            <p:cond delay="0"/>
+                                          </p:stCondLst>
+                                        </p:cTn>
+                                        <p:tgtEl>
+                                          <p:spTgt spid="3094"/>
+                                        </p:tgtEl>
+                                        <p:attrNameLst>
+                                          <p:attrName>style.visibility</p:attrName>
+                                        </p:attrNameLst>
+                                      </p:cBhvr>
+                                      <p:to>
+                                        <p:strVal val="visible"/>
+                                      </p:to>
+                                    </p:set>
+                                    <p:anim calcmode="lin" valueType="num">
+                                      <p:cBhvr additive="base">
+                                        <p:cTn id="12" dur="500" fill="hold"/>
+                                        <p:tgtEl>
+                                          <p:spTgt spid="3094"/>
+                                        </p:tgtEl>
+                                        <p:attrNameLst>
+                                          <p:attrName>ppt_x</p:attrName>
+                                        </p:attrNameLst>
+                                      </p:cBhvr>
+                                      <p:tavLst>
+                                        <p:tav tm="0">
+                                          <p:val>
+                                            <p:strVal val="1+#ppt_w/2"/>
+                                          </p:val>
+                                        </p:tav>
+                                        <p:tav tm="100000">
+                                          <p:val>
+                                            <p:strVal val="#ppt_x"/>
+                                          </p:val>
+                                        </p:tav>
+                                      </p:tavLst>
+                                    </p:anim>
+                                    <p:anim calcmode="lin" valueType="num">
+                                      <p:cBhvr additive="base">
+                                        <p:cTn id="13" dur="500" fill="hold"/>
+                                        <p:tgtEl>
+                                          <p:spTgt spid="3094"/>
+                                        </p:tgtEl>
+                                        <p:attrNameLst>
+                                          <p:attrName>ppt_y</p:attrName>
+                                        </p:attrNameLst>
+                                      </p:cBhvr>
+                                      <p:tavLst>
+                                        <p:tav tm="0">
+                                          <p:val>
+                                            <p:strVal val="0-#ppt_h/2"/>
+                                          </p:val>
+                                        </p:tav>
+                                        <p:tav tm="100000">
+                                          <p:val>
+                                            <p:strVal val="#ppt_y"/>
+                                          </p:val>
+                                        </p:tav>
+                                      </p:tavLst>
+                                    </p:anim>
+                                  </p:childTnLst>
+                                </p:cTn>
+                              </p:par>
+                            </p:childTnLst>
+                          </p:cTn>
+                        </p:par>
+                        <p:par>
+                          <p:cTn id="14" fill="hold">
+                            <p:stCondLst>
+                              <p:cond delay="1000"/>
+                            </p:stCondLst>
+                            <p:childTnLst>
+                              <p:par>
+                                <p:cTn id="15" presetID="2" presetClass="entr" presetSubtype="2" fill="hold" nodeType="afterEffect">
+                                  <p:stCondLst>
+                                    <p:cond delay="0"/>
+                                  </p:stCondLst>
+                                  <p:childTnLst>
+                                    <p:set>
+                                      <p:cBhvr>
+                                        <p:cTn id="16" dur="1" fill="hold">
+                                          <p:stCondLst>
+                                            <p:cond delay="0"/>
+                                          </p:stCondLst>
+                                        </p:cTn>
+                                        <p:tgtEl>
+                                          <p:spTgt spid="3092"/>
+                                        </p:tgtEl>
+                                        <p:attrNameLst>
+                                          <p:attrName>style.visibility</p:attrName>
+                                        </p:attrNameLst>
+                                      </p:cBhvr>
+                                      <p:to>
+                                        <p:strVal val="visible"/>
+                                      </p:to>
+                                    </p:set>
+                                    <p:anim calcmode="lin" valueType="num">
+                                      <p:cBhvr additive="base">
+                                        <p:cTn id="17" dur="500" fill="hold"/>
+                                        <p:tgtEl>
+                                          <p:spTgt spid="3092"/>
+                                        </p:tgtEl>
+                                        <p:attrNameLst>
+                                          <p:attrName>ppt_x</p:attrName>
+                                        </p:attrNameLst>
+                                      </p:cBhvr>
+                                      <p:tavLst>
+                                        <p:tav tm="0">
+                                          <p:val>
+                                            <p:strVal val="1+#ppt_w/2"/>
+                                          </p:val>
+                                        </p:tav>
+                                        <p:tav tm="100000">
+                                          <p:val>
+                                            <p:strVal val="#ppt_x"/>
+                                          </p:val>
+                                        </p:tav>
+                                      </p:tavLst>
+                                    </p:anim>
+                                    <p:anim calcmode="lin" valueType="num">
+                                      <p:cBhvr additive="base">
+                                        <p:cTn id="18" dur="500" fill="hold"/>
+                                        <p:tgtEl>
+                                          <p:spTgt spid="3092"/>
+                                        </p:tgtEl>
+                                        <p:attrNameLst>
+                                          <p:attrName>ppt_y</p:attrName>
+                                        </p:attrNameLst>
+                                      </p:cBhvr>
+                                      <p:tavLst>
+                                        <p:tav tm="0">
+                                          <p:val>
+                                            <p:strVal val="#ppt_y"/>
+                                          </p:val>
+                                        </p:tav>
+                                        <p:tav tm="100000">
+                                          <p:val>
+                                            <p:strVal val="#ppt_y"/>
+                                          </p:val>
+                                        </p:tav>
+                                      </p:tavLst>
+                                    </p:anim>
+                                  </p:childTnLst>
+                                </p:cTn>
+                              </p:par>
+                            </p:childTnLst>
+                          </p:cTn>
+                        </p:par>
+                        <p:par>
+                          <p:cTn id="19" fill="hold">
+                            <p:stCondLst>
+                              <p:cond delay="1500"/>
+                            </p:stCondLst>
+                            <p:childTnLst>
+                              <p:par>
+                                <p:cTn id="20" presetID="2" presetClass="entr" presetSubtype="6" fill="hold" nodeType="afterEffect">
+                                  <p:stCondLst>
+                                    <p:cond delay="0"/>
+                                  </p:stCondLst>
+                                  <p:childTnLst>
+                                    <p:set>
+                                      <p:cBhvr>
+                                        <p:cTn id="21" dur="1" fill="hold">
+                                          <p:stCondLst>
+                                            <p:cond delay="0"/>
+                                          </p:stCondLst>
+                                        </p:cTn>
+                                        <p:tgtEl>
+                                          <p:spTgt spid="18"/>
+                                        </p:tgtEl>
+                                        <p:attrNameLst>
+                                          <p:attrName>style.visibility</p:attrName>
+                                        </p:attrNameLst>
+                                      </p:cBhvr>
+                                      <p:to>
+                                        <p:strVal val="visible"/>
+                                      </p:to>
+                                    </p:set>
+                                    <p:anim calcmode="lin" valueType="num">
+                                      <p:cBhvr additive="base">
+                                        <p:cTn id="22" dur="500" fill="hold"/>
+                                        <p:tgtEl>
+                                          <p:spTgt spid="18"/>
+                                        </p:tgtEl>
+                                        <p:attrNameLst>
+                                          <p:attrName>ppt_x</p:attrName>
+                                        </p:attrNameLst>
+                                      </p:cBhvr>
+                                      <p:tavLst>
+                                        <p:tav tm="0">
+                                          <p:val>
+                                            <p:strVal val="1+#ppt_w/2"/>
+                                          </p:val>
+                                        </p:tav>
+                                        <p:tav tm="100000">
+                                          <p:val>
+                                            <p:strVal val="#ppt_x"/>
+                                          </p:val>
+                                        </p:tav>
+                                      </p:tavLst>
+                                    </p:anim>
+                                    <p:anim calcmode="lin" valueType="num">
+                                      <p:cBhvr additive="base">
+                                        <p:cTn id="23" dur="500" fill="hold"/>
+                                        <p:tgtEl>
+                                          <p:spTgt spid="18"/>
+                                        </p:tgtEl>
+                                        <p:attrNameLst>
+                                          <p:attrName>ppt_y</p:attrName>
+                                        </p:attrNameLst>
+                                      </p:cBhvr>
+                                      <p:tavLst>
+                                        <p:tav tm="0">
+                                          <p:val>
+                                            <p:strVal val="1+#ppt_h/2"/>
+                                          </p:val>
+                                        </p:tav>
+                                        <p:tav tm="100000">
+                                          <p:val>
+                                            <p:strVal val="#ppt_y"/>
+                                          </p:val>
+                                        </p:tav>
+                                      </p:tavLst>
+                                    </p:anim>
+                                  </p:childTnLst>
+                                </p:cTn>
+                              </p:par>
+                            </p:childTnLst>
+                          </p:cTn>
+                        </p:par>
+                        <p:par>
+                          <p:cTn id="24" fill="hold">
+                            <p:stCondLst>
+                              <p:cond delay="2000"/>
+                            </p:stCondLst>
+                            <p:childTnLst>
+                              <p:par>
+                                <p:cTn id="25" presetID="2" presetClass="entr" presetSubtype="4" fill="hold" nodeType="afterEffect">
+                                  <p:stCondLst>
+                                    <p:cond delay="0"/>
+                                  </p:stCondLst>
+                                  <p:childTnLst>
+                                    <p:set>
+                                      <p:cBhvr>
+                                        <p:cTn id="26" dur="1" fill="hold">
+                                          <p:stCondLst>
+                                            <p:cond delay="0"/>
+                                          </p:stCondLst>
+                                        </p:cTn>
+                                        <p:tgtEl>
+                                          <p:spTgt spid="3090"/>
+                                        </p:tgtEl>
+                                        <p:attrNameLst>
+                                          <p:attrName>style.visibility</p:attrName>
+                                        </p:attrNameLst>
+                                      </p:cBhvr>
+                                      <p:to>
+                                        <p:strVal val="visible"/>
+                                      </p:to>
+                                    </p:set>
+                                    <p:anim calcmode="lin" valueType="num">
+                                      <p:cBhvr additive="base">
+                                        <p:cTn id="27" dur="500" fill="hold"/>
+                                        <p:tgtEl>
+                                          <p:spTgt spid="3090"/>
+                                        </p:tgtEl>
+                                        <p:attrNameLst>
+                                          <p:attrName>ppt_x</p:attrName>
+                                        </p:attrNameLst>
+                                      </p:cBhvr>
+                                      <p:tavLst>
+                                        <p:tav tm="0">
+                                          <p:val>
+                                            <p:strVal val="#ppt_x"/>
+                                          </p:val>
+                                        </p:tav>
+                                        <p:tav tm="100000">
+                                          <p:val>
+                                            <p:strVal val="#ppt_x"/>
+                                          </p:val>
+                                        </p:tav>
+                                      </p:tavLst>
+                                    </p:anim>
+                                    <p:anim calcmode="lin" valueType="num">
+                                      <p:cBhvr additive="base">
+                                        <p:cTn id="28" dur="500" fill="hold"/>
+                                        <p:tgtEl>
+                                          <p:spTgt spid="3090"/>
+                                        </p:tgtEl>
+                                        <p:attrNameLst>
+                                          <p:attrName>ppt_y</p:attrName>
+                                        </p:attrNameLst>
+                                      </p:cBhvr>
+                                      <p:tavLst>
+                                        <p:tav tm="0">
+                                          <p:val>
+                                            <p:strVal val="1+#ppt_h/2"/>
+                                          </p:val>
+                                        </p:tav>
+                                        <p:tav tm="100000">
+                                          <p:val>
+                                            <p:strVal val="#ppt_y"/>
+                                          </p:val>
+                                        </p:tav>
+                                      </p:tavLst>
+                                    </p:anim>
+                                  </p:childTnLst>
+                                </p:cTn>
+                              </p:par>
+                            </p:childTnLst>
+                          </p:cTn>
+                        </p:par>
+                        <p:par>
+                          <p:cTn id="29" fill="hold">
+                            <p:stCondLst>
+                              <p:cond delay="2500"/>
+                            </p:stCondLst>
+                            <p:childTnLst>
+                              <p:par>
+                                <p:cTn id="30" presetID="2" presetClass="entr" presetSubtype="12" fill="hold" nodeType="afterEffect">
+                                  <p:stCondLst>
+                                    <p:cond delay="0"/>
+                                  </p:stCondLst>
+                                  <p:childTnLst>
+                                    <p:set>
+                                      <p:cBhvr>
+                                        <p:cTn id="31" dur="1" fill="hold">
+                                          <p:stCondLst>
+                                            <p:cond delay="0"/>
+                                          </p:stCondLst>
+                                        </p:cTn>
+                                        <p:tgtEl>
+                                          <p:spTgt spid="3086"/>
+                                        </p:tgtEl>
+                                        <p:attrNameLst>
+                                          <p:attrName>style.visibility</p:attrName>
+                                        </p:attrNameLst>
+                                      </p:cBhvr>
+                                      <p:to>
+                                        <p:strVal val="visible"/>
+                                      </p:to>
+                                    </p:set>
+                                    <p:anim calcmode="lin" valueType="num">
+                                      <p:cBhvr additive="base">
+                                        <p:cTn id="32" dur="500" fill="hold"/>
+                                        <p:tgtEl>
+                                          <p:spTgt spid="3086"/>
+                                        </p:tgtEl>
+                                        <p:attrNameLst>
+                                          <p:attrName>ppt_x</p:attrName>
+                                        </p:attrNameLst>
+                                      </p:cBhvr>
+                                      <p:tavLst>
+                                        <p:tav tm="0">
+                                          <p:val>
+                                            <p:strVal val="0-#ppt_w/2"/>
+                                          </p:val>
+                                        </p:tav>
+                                        <p:tav tm="100000">
+                                          <p:val>
+                                            <p:strVal val="#ppt_x"/>
+                                          </p:val>
+                                        </p:tav>
+                                      </p:tavLst>
+                                    </p:anim>
+                                    <p:anim calcmode="lin" valueType="num">
+                                      <p:cBhvr additive="base">
+                                        <p:cTn id="33" dur="500" fill="hold"/>
+                                        <p:tgtEl>
+                                          <p:spTgt spid="3086"/>
+                                        </p:tgtEl>
+                                        <p:attrNameLst>
+                                          <p:attrName>ppt_y</p:attrName>
+                                        </p:attrNameLst>
+                                      </p:cBhvr>
+                                      <p:tavLst>
+                                        <p:tav tm="0">
+                                          <p:val>
+                                            <p:strVal val="1+#ppt_h/2"/>
+                                          </p:val>
+                                        </p:tav>
+                                        <p:tav tm="100000">
+                                          <p:val>
+                                            <p:strVal val="#ppt_y"/>
+                                          </p:val>
+                                        </p:tav>
+                                      </p:tavLst>
+                                    </p:anim>
+                                  </p:childTnLst>
+                                </p:cTn>
+                              </p:par>
+                            </p:childTnLst>
+                          </p:cTn>
+                        </p:par>
+                        <p:par>
+                          <p:cTn id="34" fill="hold">
+                            <p:stCondLst>
+                              <p:cond delay="3000"/>
+                            </p:stCondLst>
+                            <p:childTnLst>
+                              <p:par>
+                                <p:cTn id="35" presetID="2" presetClass="entr" presetSubtype="8" fill="hold" nodeType="afterEffect">
+                                  <p:stCondLst>
+                                    <p:cond delay="0"/>
+                                  </p:stCondLst>
+                                  <p:childTnLst>
+                                    <p:set>
+                                      <p:cBhvr>
+                                        <p:cTn id="36" dur="1" fill="hold">
+                                          <p:stCondLst>
+                                            <p:cond delay="0"/>
+                                          </p:stCondLst>
+                                        </p:cTn>
+                                        <p:tgtEl>
+                                          <p:spTgt spid="3084"/>
+                                        </p:tgtEl>
+                                        <p:attrNameLst>
+                                          <p:attrName>style.visibility</p:attrName>
+                                        </p:attrNameLst>
+                                      </p:cBhvr>
+                                      <p:to>
+                                        <p:strVal val="visible"/>
+                                      </p:to>
+                                    </p:set>
+                                    <p:anim calcmode="lin" valueType="num">
+                                      <p:cBhvr additive="base">
+                                        <p:cTn id="37" dur="500" fill="hold"/>
+                                        <p:tgtEl>
+                                          <p:spTgt spid="3084"/>
+                                        </p:tgtEl>
+                                        <p:attrNameLst>
+                                          <p:attrName>ppt_x</p:attrName>
+                                        </p:attrNameLst>
+                                      </p:cBhvr>
+                                      <p:tavLst>
+                                        <p:tav tm="0">
+                                          <p:val>
+                                            <p:strVal val="0-#ppt_w/2"/>
+                                          </p:val>
+                                        </p:tav>
+                                        <p:tav tm="100000">
+                                          <p:val>
+                                            <p:strVal val="#ppt_x"/>
+                                          </p:val>
+                                        </p:tav>
+                                      </p:tavLst>
+                                    </p:anim>
+                                    <p:anim calcmode="lin" valueType="num">
+                                      <p:cBhvr additive="base">
+                                        <p:cTn id="38" dur="500" fill="hold"/>
+                                        <p:tgtEl>
+                                          <p:spTgt spid="3084"/>
+                                        </p:tgtEl>
+                                        <p:attrNameLst>
+                                          <p:attrName>ppt_y</p:attrName>
+                                        </p:attrNameLst>
+                                      </p:cBhvr>
+                                      <p:tavLst>
+                                        <p:tav tm="0">
+                                          <p:val>
+                                            <p:strVal val="#ppt_y"/>
+                                          </p:val>
+                                        </p:tav>
+                                        <p:tav tm="100000">
+                                          <p:val>
+                                            <p:strVal val="#ppt_y"/>
+                                          </p:val>
+                                        </p:tav>
+                                      </p:tavLst>
+                                    </p:anim>
+                                  </p:childTnLst>
+                                </p:cTn>
+                              </p:par>
+                            </p:childTnLst>
+                          </p:cTn>
+                        </p:par>
+                        <p:par>
+                          <p:cTn id="39" fill="hold">
+                            <p:stCondLst>
+                              <p:cond delay="3500"/>
+                            </p:stCondLst>
+                            <p:childTnLst>
+                              <p:par>
+                                <p:cTn id="40" presetID="2" presetClass="entr" presetSubtype="9" fill="hold" grpId="0" nodeType="afterEffect" nodePh="1">
+                                  <p:stCondLst>
+                                    <p:cond delay="0"/>
+                                  </p:stCondLst>
+                                  <p:endCondLst>
+                                    <p:cond evt="begin" delay="0">
+                                      <p:tn val="40"/>
+                                    </p:cond>
+                                  </p:endCondLst>
+                                  <p:childTnLst>
+                                    <p:set>
+                                      <p:cBhvr>
+                                        <p:cTn id="41" dur="1" fill="hold">
+                                          <p:stCondLst>
+                                            <p:cond delay="0"/>
+                                          </p:stCondLst>
+                                        </p:cTn>
+                                        <p:tgtEl>
+                                          <p:spTgt spid="3082"/>
+                                        </p:tgtEl>
+                                        <p:attrNameLst>
+                                          <p:attrName>style.visibility</p:attrName>
+                                        </p:attrNameLst>
+                                      </p:cBhvr>
+                                      <p:to>
+                                        <p:strVal val="visible"/>
+                                      </p:to>
+                                    </p:set>
+                                    <p:anim calcmode="lin" valueType="num">
+                                      <p:cBhvr additive="base">
+                                        <p:cTn id="42" dur="500" fill="hold"/>
+                                        <p:tgtEl>
+                                          <p:spTgt spid="3082"/>
+                                        </p:tgtEl>
+                                        <p:attrNameLst>
+                                          <p:attrName>ppt_x</p:attrName>
+                                        </p:attrNameLst>
+                                      </p:cBhvr>
+                                      <p:tavLst>
+                                        <p:tav tm="0">
+                                          <p:val>
+                                            <p:strVal val="0-#ppt_w/2"/>
+                                          </p:val>
+                                        </p:tav>
+                                        <p:tav tm="100000">
+                                          <p:val>
+                                            <p:strVal val="#ppt_x"/>
+                                          </p:val>
+                                        </p:tav>
+                                      </p:tavLst>
+                                    </p:anim>
+                                    <p:anim calcmode="lin" valueType="num">
+                                      <p:cBhvr additive="base">
+                                        <p:cTn id="43" dur="500" fill="hold"/>
+                                        <p:tgtEl>
+                                          <p:spTgt spid="3082"/>
+                                        </p:tgtEl>
+                                        <p:attrNameLst>
+                                          <p:attrName>ppt_y</p:attrName>
+                                        </p:attrNameLst>
+                                      </p:cBhvr>
+                                      <p:tavLst>
+                                        <p:tav tm="0">
+                                          <p:val>
+                                            <p:strVal val="0-#ppt_h/2"/>
+                                          </p:val>
+                                        </p:tav>
+                                        <p:tav tm="100000">
+                                          <p:val>
+                                            <p:strVal val="#ppt_y"/>
+                                          </p:val>
+                                        </p:tav>
+                                      </p:tavLst>
+                                    </p:anim>
+                                  </p:childTnLst>
+                                </p:cTn>
+                              </p:par>
+                            </p:childTnLst>
+                          </p:cTn>
+                        </p:par>
+                        <p:par>
+                          <p:cTn id="44" fill="hold">
+                            <p:stCondLst>
+                              <p:cond delay="4000"/>
+                            </p:stCondLst>
+                            <p:childTnLst>
+                              <p:par>
+                                <p:cTn id="45" presetID="2" presetClass="entr" presetSubtype="1" fill="hold" nodeType="afterEffect">
+                                  <p:stCondLst>
+                                    <p:cond delay="0"/>
+                                  </p:stCondLst>
+                                  <p:childTnLst>
+                                    <p:set>
+                                      <p:cBhvr>
+                                        <p:cTn id="46" dur="1" fill="hold">
+                                          <p:stCondLst>
+                                            <p:cond delay="0"/>
+                                          </p:stCondLst>
+                                        </p:cTn>
+                                        <p:tgtEl>
+                                          <p:spTgt spid="9"/>
+                                        </p:tgtEl>
+                                        <p:attrNameLst>
+                                          <p:attrName>style.visibility</p:attrName>
+                                        </p:attrNameLst>
+                                      </p:cBhvr>
+                                      <p:to>
+                                        <p:strVal val="visible"/>
+                                      </p:to>
+                                    </p:set>
+                                    <p:anim calcmode="lin" valueType="num">
+                                      <p:cBhvr additive="base">
+                                        <p:cTn id="47" dur="500" fill="hold"/>
+                                        <p:tgtEl>
+                                          <p:spTgt spid="9"/>
+                                        </p:tgtEl>
+                                        <p:attrNameLst>
+                                          <p:attrName>ppt_x</p:attrName>
+                                        </p:attrNameLst>
+                                      </p:cBhvr>
+                                      <p:tavLst>
+                                        <p:tav tm="0">
+                                          <p:val>
+                                            <p:strVal val="#ppt_x"/>
+                                          </p:val>
+                                        </p:tav>
+                                        <p:tav tm="100000">
+                                          <p:val>
+                                            <p:strVal val="#ppt_x"/>
+                                          </p:val>
+                                        </p:tav>
+                                      </p:tavLst>
+                                    </p:anim>
+                                    <p:anim calcmode="lin" valueType="num">
+                                      <p:cBhvr additive="base">
+                                        <p:cTn id="48" dur="500" fill="hold"/>
+                                        <p:tgtEl>
+                                          <p:spTgt spid="9"/>
+                                        </p:tgtEl>
+                                        <p:attrNameLst>
+                                          <p:attrName>ppt_y</p:attrName>
+                                        </p:attrNameLst>
+                                      </p:cBhvr>
+                                      <p:tavLst>
+                                        <p:tav tm="0">
+                                          <p:val>
+                                            <p:strVal val="0-#ppt_h/2"/>
+                                          </p:val>
+                                        </p:tav>
+                                        <p:tav tm="100000">
+                                          <p:val>
+                                            <p:strVal val="#ppt_y"/>
+                                          </p:val>
+                                        </p:tav>
+                                      </p:tavLst>
+                                    </p:anim>
+                                  </p:childTnLst>
+                                </p:cTn>
+                              </p:par>
+                            </p:childTnLst>
+                          </p:cTn>
+                        </p:par>
+                        <p:par>
+                          <p:cTn id="49" fill="hold">
+                            <p:stCondLst>
+                              <p:cond delay="4500"/>
+                            </p:stCondLst>
+                            <p:childTnLst>
+                              <p:par>
+                                <p:cTn id="50" presetID="2" presetClass="entr" presetSubtype="3" fill="hold" nodeType="afterEffect">
+                                  <p:stCondLst>
+                                    <p:cond delay="0"/>
+                                  </p:stCondLst>
+                                  <p:childTnLst>
+                                    <p:set>
+                                      <p:cBhvr>
+                                        <p:cTn id="51" dur="1" fill="hold">
+                                          <p:stCondLst>
+                                            <p:cond delay="0"/>
+                                          </p:stCondLst>
+                                        </p:cTn>
+                                        <p:tgtEl>
+                                          <p:spTgt spid="3074"/>
+                                        </p:tgtEl>
+                                        <p:attrNameLst>
+                                          <p:attrName>style.visibility</p:attrName>
+                                        </p:attrNameLst>
+                                      </p:cBhvr>
+                                      <p:to>
+                                        <p:strVal val="visible"/>
+                                      </p:to>
+                                    </p:set>
+                                    <p:anim calcmode="lin" valueType="num">
+                                      <p:cBhvr additive="base">
+                                        <p:cTn id="52" dur="500" fill="hold"/>
+                                        <p:tgtEl>
+                                          <p:spTgt spid="3074"/>
+                                        </p:tgtEl>
+                                        <p:attrNameLst>
+                                          <p:attrName>ppt_x</p:attrName>
+                                        </p:attrNameLst>
+                                      </p:cBhvr>
+                                      <p:tavLst>
+                                        <p:tav tm="0">
+                                          <p:val>
+                                            <p:strVal val="1+#ppt_w/2"/>
+                                          </p:val>
+                                        </p:tav>
+                                        <p:tav tm="100000">
+                                          <p:val>
+                                            <p:strVal val="#ppt_x"/>
+                                          </p:val>
+                                        </p:tav>
+                                      </p:tavLst>
+                                    </p:anim>
+                                    <p:anim calcmode="lin" valueType="num">
+                                      <p:cBhvr additive="base">
+                                        <p:cTn id="53" dur="500" fill="hold"/>
+                                        <p:tgtEl>
+                                          <p:spTgt spid="3074"/>
+                                        </p:tgtEl>
+                                        <p:attrNameLst>
+                                          <p:attrName>ppt_y</p:attrName>
+                                        </p:attrNameLst>
+                                      </p:cBhvr>
+                                      <p:tavLst>
+                                        <p:tav tm="0">
+                                          <p:val>
+                                            <p:strVal val="0-#ppt_h/2"/>
+                                          </p:val>
+                                        </p:tav>
+                                        <p:tav tm="100000">
+                                          <p:val>
+                                            <p:strVal val="#ppt_y"/>
+                                          </p:val>
+                                        </p:tav>
+                                      </p:tavLst>
+                                    </p:anim>
+                                  </p:childTnLst>
+                                </p:cTn>
+                              </p:par>
+                            </p:childTnLst>
+                          </p:cTn>
+                        </p:par>
+                        <p:par>
+                          <p:cTn id="54" fill="hold">
+                            <p:stCondLst>
+                              <p:cond delay="5000"/>
+                            </p:stCondLst>
+                            <p:childTnLst>
+                              <p:par>
+                                <p:cTn id="55" presetID="2" presetClass="entr" presetSubtype="2" fill="hold" nodeType="afterEffect">
+                                  <p:stCondLst>
+                                    <p:cond delay="0"/>
+                                  </p:stCondLst>
+                                  <p:childTnLst>
+                                    <p:set>
+                                      <p:cBhvr>
+                                        <p:cTn id="56" dur="1" fill="hold">
+                                          <p:stCondLst>
+                                            <p:cond delay="0"/>
+                                          </p:stCondLst>
+                                        </p:cTn>
+                                        <p:tgtEl>
+                                          <p:spTgt spid="6"/>
+                                        </p:tgtEl>
+                                        <p:attrNameLst>
+                                          <p:attrName>style.visibility</p:attrName>
+                                        </p:attrNameLst>
+                                      </p:cBhvr>
+                                      <p:to>
+                                        <p:strVal val="visible"/>
+                                      </p:to>
+                                    </p:set>
+                                    <p:anim calcmode="lin" valueType="num">
+                                      <p:cBhvr additive="base">
+                                        <p:cTn id="57" dur="500" fill="hold"/>
+                                        <p:tgtEl>
+                                          <p:spTgt spid="6"/>
+                                        </p:tgtEl>
+                                        <p:attrNameLst>
+                                          <p:attrName>ppt_x</p:attrName>
+                                        </p:attrNameLst>
+                                      </p:cBhvr>
+                                      <p:tavLst>
+                                        <p:tav tm="0">
+                                          <p:val>
+                                            <p:strVal val="1+#ppt_w/2"/>
+                                          </p:val>
+                                        </p:tav>
+                                        <p:tav tm="100000">
+                                          <p:val>
+                                            <p:strVal val="#ppt_x"/>
+                                          </p:val>
+                                        </p:tav>
+                                      </p:tavLst>
+                                    </p:anim>
+                                    <p:anim calcmode="lin" valueType="num">
+                                      <p:cBhvr additive="base">
+                                        <p:cTn id="58" dur="500" fill="hold"/>
+                                        <p:tgtEl>
+                                          <p:spTgt spid="6"/>
+                                        </p:tgtEl>
+                                        <p:attrNameLst>
+                                          <p:attrName>ppt_y</p:attrName>
+                                        </p:attrNameLst>
+                                      </p:cBhvr>
+                                      <p:tavLst>
+                                        <p:tav tm="0">
+                                          <p:val>
+                                            <p:strVal val="#ppt_y"/>
+                                          </p:val>
+                                        </p:tav>
+                                        <p:tav tm="100000">
+                                          <p:val>
+                                            <p:strVal val="#ppt_y"/>
+                                          </p:val>
+                                        </p:tav>
+                                      </p:tavLst>
+                                    </p:anim>
+                                  </p:childTnLst>
+                                </p:cTn>
+                              </p:par>
+                            </p:childTnLst>
+                          </p:cTn>
+                        </p:par>
+                      </p:childTnLst>
+                    </p:cTn>
+                  </p:par>
+                </p:childTnLst>
+              </p:cTn>
+              <p:prevCondLst>
+                <p:cond evt="onPrev" delay="0">
+                  <p:tgtEl>
+                    <p:sldTgt/>
+                  </p:tgtEl>
+                </p:cond>
+              </p:prevCondLst>
+              <p:nextCondLst>
+                <p:cond evt="onNext" delay="0">
+                  <p:tgtEl>
+                    <p:sldTgt/>
+                  </p:tgtEl>
+                </p:cond>
+              </p:nextCondLst>
+            </p:seq>
+          </p:childTnLst>
+        </p:cTn>
+      </p:par>
+    </p:tnLst>
+    <p:bldLst>
+      <p:bldP spid="3082" grpId="0"/>
+    </p:bldLst>
+  </p:timing>
 </p:sld>
 </file>
 
@@ -4685,4 +13400,287 @@
   <a:objectDefaults/>
   <a:extraClrSchemeLst/>
 </a:theme>
+</file>
+
+<file path=ppt/theme/theme2.xml><?xml version="1.0" encoding="utf-8"?>
+<a:theme xmlns:a="http://schemas.openxmlformats.org/drawingml/2006/main" name="Office 佈景主題">
+  <a:themeElements>
+    <a:clrScheme name="Office">
+      <a:dk1>
+        <a:sysClr val="windowText" lastClr="000000"/>
+      </a:dk1>
+      <a:lt1>
+        <a:sysClr val="window" lastClr="FFFFFF"/>
+      </a:lt1>
+      <a:dk2>
+        <a:srgbClr val="1F497D"/>
+      </a:dk2>
+      <a:lt2>
+        <a:srgbClr val="EEECE1"/>
+      </a:lt2>
+      <a:accent1>
+        <a:srgbClr val="4F81BD"/>
+      </a:accent1>
+      <a:accent2>
+        <a:srgbClr val="C0504D"/>
+      </a:accent2>
+      <a:accent3>
+        <a:srgbClr val="9BBB59"/>
+      </a:accent3>
+      <a:accent4>
+        <a:srgbClr val="8064A2"/>
+      </a:accent4>
+      <a:accent5>
+        <a:srgbClr val="4BACC6"/>
+      </a:accent5>
+      <a:accent6>
+        <a:srgbClr val="F79646"/>
+      </a:accent6>
+      <a:hlink>
+        <a:srgbClr val="0000FF"/>
+      </a:hlink>
+      <a:folHlink>
+        <a:srgbClr val="800080"/>
+      </a:folHlink>
+    </a:clrScheme>
+    <a:fontScheme name="Office">
+      <a:majorFont>
+        <a:latin typeface="Calibri"/>
+        <a:ea typeface=""/>
+        <a:cs typeface=""/>
+        <a:font script="Jpan" typeface="ＭＳ Ｐゴシック"/>
+        <a:font script="Hang" typeface="맑은 고딕"/>
+        <a:font script="Hans" typeface="宋体"/>
+        <a:font script="Hant" typeface="新細明體"/>
+        <a:font script="Arab" typeface="Times New Roman"/>
+        <a:font script="Hebr" typeface="Times New Roman"/>
+        <a:font script="Thai" typeface="Angsana New"/>
+        <a:font script="Ethi" typeface="Nyala"/>
+        <a:font script="Beng" typeface="Vrinda"/>
+        <a:font script="Gujr" typeface="Shruti"/>
+        <a:font script="Khmr" typeface="MoolBoran"/>
+        <a:font script="Knda" typeface="Tunga"/>
+        <a:font script="Guru" typeface="Raavi"/>
+        <a:font script="Cans" typeface="Euphemia"/>
+        <a:font script="Cher" typeface="Plantagenet Cherokee"/>
+        <a:font script="Yiii" typeface="Microsoft Yi Baiti"/>
+        <a:font script="Tibt" typeface="Microsoft Himalaya"/>
+        <a:font script="Thaa" typeface="MV Boli"/>
+        <a:font script="Deva" typeface="Mangal"/>
+        <a:font script="Telu" typeface="Gautami"/>
+        <a:font script="Taml" typeface="Latha"/>
+        <a:font script="Syrc" typeface="Estrangelo Edessa"/>
+        <a:font script="Orya" typeface="Kalinga"/>
+        <a:font script="Mlym" typeface="Kartika"/>
+        <a:font script="Laoo" typeface="DokChampa"/>
+        <a:font script="Sinh" typeface="Iskoola Pota"/>
+        <a:font script="Mong" typeface="Mongolian Baiti"/>
+        <a:font script="Viet" typeface="Times New Roman"/>
+        <a:font script="Uigh" typeface="Microsoft Uighur"/>
+      </a:majorFont>
+      <a:minorFont>
+        <a:latin typeface="Calibri"/>
+        <a:ea typeface=""/>
+        <a:cs typeface=""/>
+        <a:font script="Jpan" typeface="ＭＳ Ｐゴシック"/>
+        <a:font script="Hang" typeface="맑은 고딕"/>
+        <a:font script="Hans" typeface="宋体"/>
+        <a:font script="Hant" typeface="新細明體"/>
+        <a:font script="Arab" typeface="Arial"/>
+        <a:font script="Hebr" typeface="Arial"/>
+        <a:font script="Thai" typeface="Cordia New"/>
+        <a:font script="Ethi" typeface="Nyala"/>
+        <a:font script="Beng" typeface="Vrinda"/>
+        <a:font script="Gujr" typeface="Shruti"/>
+        <a:font script="Khmr" typeface="DaunPenh"/>
+        <a:font script="Knda" typeface="Tunga"/>
+        <a:font script="Guru" typeface="Raavi"/>
+        <a:font script="Cans" typeface="Euphemia"/>
+        <a:font script="Cher" typeface="Plantagenet Cherokee"/>
+        <a:font script="Yiii" typeface="Microsoft Yi Baiti"/>
+        <a:font script="Tibt" typeface="Microsoft Himalaya"/>
+        <a:font script="Thaa" typeface="MV Boli"/>
+        <a:font script="Deva" typeface="Mangal"/>
+        <a:font script="Telu" typeface="Gautami"/>
+        <a:font script="Taml" typeface="Latha"/>
+        <a:font script="Syrc" typeface="Estrangelo Edessa"/>
+        <a:font script="Orya" typeface="Kalinga"/>
+        <a:font script="Mlym" typeface="Kartika"/>
+        <a:font script="Laoo" typeface="DokChampa"/>
+        <a:font script="Sinh" typeface="Iskoola Pota"/>
+        <a:font script="Mong" typeface="Mongolian Baiti"/>
+        <a:font script="Viet" typeface="Arial"/>
+        <a:font script="Uigh" typeface="Microsoft Uighur"/>
+      </a:minorFont>
+    </a:fontScheme>
+    <a:fmtScheme name="Office">
+      <a:fillStyleLst>
+        <a:solidFill>
+          <a:schemeClr val="phClr"/>
+        </a:solidFill>
+        <a:gradFill rotWithShape="1">
+          <a:gsLst>
+            <a:gs pos="0">
+              <a:schemeClr val="phClr">
+                <a:tint val="50000"/>
+                <a:satMod val="300000"/>
+              </a:schemeClr>
+            </a:gs>
+            <a:gs pos="35000">
+              <a:schemeClr val="phClr">
+                <a:tint val="37000"/>
+                <a:satMod val="300000"/>
+              </a:schemeClr>
+            </a:gs>
+            <a:gs pos="100000">
+              <a:schemeClr val="phClr">
+                <a:tint val="15000"/>
+                <a:satMod val="350000"/>
+              </a:schemeClr>
+            </a:gs>
+          </a:gsLst>
+          <a:lin ang="16200000" scaled="1"/>
+        </a:gradFill>
+        <a:gradFill rotWithShape="1">
+          <a:gsLst>
+            <a:gs pos="0">
+              <a:schemeClr val="phClr">
+                <a:shade val="51000"/>
+                <a:satMod val="130000"/>
+              </a:schemeClr>
+            </a:gs>
+            <a:gs pos="80000">
+              <a:schemeClr val="phClr">
+                <a:shade val="93000"/>
+                <a:satMod val="130000"/>
+              </a:schemeClr>
+            </a:gs>
+            <a:gs pos="100000">
+              <a:schemeClr val="phClr">
+                <a:shade val="94000"/>
+                <a:satMod val="135000"/>
+              </a:schemeClr>
+            </a:gs>
+          </a:gsLst>
+          <a:lin ang="16200000" scaled="0"/>
+        </a:gradFill>
+      </a:fillStyleLst>
+      <a:lnStyleLst>
+        <a:ln w="9525" cap="flat" cmpd="sng" algn="ctr">
+          <a:solidFill>
+            <a:schemeClr val="phClr">
+              <a:shade val="95000"/>
+              <a:satMod val="105000"/>
+            </a:schemeClr>
+          </a:solidFill>
+          <a:prstDash val="solid"/>
+        </a:ln>
+        <a:ln w="25400" cap="flat" cmpd="sng" algn="ctr">
+          <a:solidFill>
+            <a:schemeClr val="phClr"/>
+          </a:solidFill>
+          <a:prstDash val="solid"/>
+        </a:ln>
+        <a:ln w="38100" cap="flat" cmpd="sng" algn="ctr">
+          <a:solidFill>
+            <a:schemeClr val="phClr"/>
+          </a:solidFill>
+          <a:prstDash val="solid"/>
+        </a:ln>
+      </a:lnStyleLst>
+      <a:effectStyleLst>
+        <a:effectStyle>
+          <a:effectLst>
+            <a:outerShdw blurRad="40000" dist="20000" dir="5400000" rotWithShape="0">
+              <a:srgbClr val="000000">
+                <a:alpha val="38000"/>
+              </a:srgbClr>
+            </a:outerShdw>
+          </a:effectLst>
+        </a:effectStyle>
+        <a:effectStyle>
+          <a:effectLst>
+            <a:outerShdw blurRad="40000" dist="23000" dir="5400000" rotWithShape="0">
+              <a:srgbClr val="000000">
+                <a:alpha val="35000"/>
+              </a:srgbClr>
+            </a:outerShdw>
+          </a:effectLst>
+        </a:effectStyle>
+        <a:effectStyle>
+          <a:effectLst>
+            <a:outerShdw blurRad="40000" dist="23000" dir="5400000" rotWithShape="0">
+              <a:srgbClr val="000000">
+                <a:alpha val="35000"/>
+              </a:srgbClr>
+            </a:outerShdw>
+          </a:effectLst>
+          <a:scene3d>
+            <a:camera prst="orthographicFront">
+              <a:rot lat="0" lon="0" rev="0"/>
+            </a:camera>
+            <a:lightRig rig="threePt" dir="t">
+              <a:rot lat="0" lon="0" rev="1200000"/>
+            </a:lightRig>
+          </a:scene3d>
+          <a:sp3d>
+            <a:bevelT w="63500" h="25400"/>
+          </a:sp3d>
+        </a:effectStyle>
+      </a:effectStyleLst>
+      <a:bgFillStyleLst>
+        <a:solidFill>
+          <a:schemeClr val="phClr"/>
+        </a:solidFill>
+        <a:gradFill rotWithShape="1">
+          <a:gsLst>
+            <a:gs pos="0">
+              <a:schemeClr val="phClr">
+                <a:tint val="40000"/>
+                <a:satMod val="350000"/>
+              </a:schemeClr>
+            </a:gs>
+            <a:gs pos="40000">
+              <a:schemeClr val="phClr">
+                <a:tint val="45000"/>
+                <a:shade val="99000"/>
+                <a:satMod val="350000"/>
+              </a:schemeClr>
+            </a:gs>
+            <a:gs pos="100000">
+              <a:schemeClr val="phClr">
+                <a:shade val="20000"/>
+                <a:satMod val="255000"/>
+              </a:schemeClr>
+            </a:gs>
+          </a:gsLst>
+          <a:path path="circle">
+            <a:fillToRect l="50000" t="-80000" r="50000" b="180000"/>
+          </a:path>
+        </a:gradFill>
+        <a:gradFill rotWithShape="1">
+          <a:gsLst>
+            <a:gs pos="0">
+              <a:schemeClr val="phClr">
+                <a:tint val="80000"/>
+                <a:satMod val="300000"/>
+              </a:schemeClr>
+            </a:gs>
+            <a:gs pos="100000">
+              <a:schemeClr val="phClr">
+                <a:shade val="30000"/>
+                <a:satMod val="200000"/>
+              </a:schemeClr>
+            </a:gs>
+          </a:gsLst>
+          <a:path path="circle">
+            <a:fillToRect l="50000" t="50000" r="50000" b="50000"/>
+          </a:path>
+        </a:gradFill>
+      </a:bgFillStyleLst>
+    </a:fmtScheme>
+  </a:themeElements>
+  <a:objectDefaults/>
+  <a:extraClrSchemeLst/>
+</a:theme>
 </file>
--- a/報告用簡報.pptx
+++ b/報告用簡報.pptx
@@ -1633,6 +1633,13 @@
         </dgm:presLayoutVars>
       </dgm:prSet>
       <dgm:spPr/>
+      <dgm:t>
+        <a:bodyPr/>
+        <a:lstStyle/>
+        <a:p>
+          <a:endParaRPr lang="zh-TW" altLang="en-US"/>
+        </a:p>
+      </dgm:t>
     </dgm:pt>
     <dgm:pt modelId="{A843E040-918B-41DE-B55C-A1D9CA5E07BA}" type="pres">
       <dgm:prSet presAssocID="{8FBAAD78-E988-4C8D-9864-328B9B91ACED}" presName="composite" presStyleCnt="0"/>
@@ -1687,6 +1694,13 @@
         </dgm:presLayoutVars>
       </dgm:prSet>
       <dgm:spPr/>
+      <dgm:t>
+        <a:bodyPr/>
+        <a:lstStyle/>
+        <a:p>
+          <a:endParaRPr lang="zh-TW" altLang="en-US"/>
+        </a:p>
+      </dgm:t>
     </dgm:pt>
     <dgm:pt modelId="{DA0EBEFD-C79A-47BF-8CFA-100D24FDDCDF}" type="pres">
       <dgm:prSet presAssocID="{F8C10FD7-E254-4AFF-A982-BABFE085F7D4}" presName="desTx" presStyleLbl="alignAccFollowNode1" presStyleIdx="1" presStyleCnt="3">
@@ -1745,47 +1759,47 @@
     </dgm:pt>
   </dgm:ptLst>
   <dgm:cxnLst>
-    <dgm:cxn modelId="{1EE7C740-61BF-4509-B36D-B4919A350E13}" srcId="{AB698A50-665E-4178-AB8A-47D140CAB2FF}" destId="{8FBAAD78-E988-4C8D-9864-328B9B91ACED}" srcOrd="0" destOrd="0" parTransId="{63366CF2-5184-42E1-A272-9CEFF5C24AD6}" sibTransId="{B02F1293-5AF4-4042-9098-017FDCFBA6E5}"/>
-    <dgm:cxn modelId="{288A2443-4CF5-4264-A269-6E1B0D31B50F}" type="presOf" srcId="{49CC5307-C4B2-4F1C-922E-95C84BE64D3F}" destId="{737F2801-BDC3-4F68-A16A-2A4A99D14196}" srcOrd="0" destOrd="3" presId="urn:microsoft.com/office/officeart/2005/8/layout/hList1"/>
+    <dgm:cxn modelId="{8B8DA2A1-257B-4E8A-A950-A4058E019E9A}" srcId="{AB698A50-665E-4178-AB8A-47D140CAB2FF}" destId="{F8C10FD7-E254-4AFF-A982-BABFE085F7D4}" srcOrd="1" destOrd="0" parTransId="{76237B24-AE62-44CA-8B77-14C24F7E2318}" sibTransId="{E18BB3B4-FCE9-4F4C-95B2-686FB2634D7A}"/>
+    <dgm:cxn modelId="{6087C1C9-17A0-4DEF-A77F-2F49C1D55176}" srcId="{8FBAAD78-E988-4C8D-9864-328B9B91ACED}" destId="{A150236D-2139-4292-9A36-2FCDF0AFB94A}" srcOrd="2" destOrd="0" parTransId="{53EDF6FF-7435-4CFF-A24E-A51F9D706A6E}" sibTransId="{DBFBB943-51BB-49F9-8FEA-3B495DCF02E8}"/>
     <dgm:cxn modelId="{F22DBA15-4207-410F-BB40-B69C6521006C}" srcId="{8FBAAD78-E988-4C8D-9864-328B9B91ACED}" destId="{F8A0B711-52E2-4DE3-8CF4-23E74088D9CB}" srcOrd="1" destOrd="0" parTransId="{787DC713-C42E-437D-918C-025ABCEF2F51}" sibTransId="{E98F2866-2848-42D7-A615-F1B4266044A0}"/>
-    <dgm:cxn modelId="{7678E2F1-7B53-4B9C-B327-7420838F8A20}" srcId="{F8C10FD7-E254-4AFF-A982-BABFE085F7D4}" destId="{5B793D32-ADB6-4775-8580-9F47A4DB85D5}" srcOrd="2" destOrd="0" parTransId="{0169E46E-5C43-4CB8-807A-A0D5032BD40D}" sibTransId="{82B45D2C-72AD-4247-9131-9B190C41AA12}"/>
-    <dgm:cxn modelId="{D35BD593-F999-4EEE-A861-D810586C3322}" srcId="{F8C10FD7-E254-4AFF-A982-BABFE085F7D4}" destId="{5EC30141-15D2-489E-87E3-1D99F2306AE3}" srcOrd="1" destOrd="0" parTransId="{98AAF1F6-4AE2-445A-A7C8-148F7707EDCA}" sibTransId="{2D6A68EC-3ACF-4B56-82F4-89F4236915E2}"/>
-    <dgm:cxn modelId="{83DE7EF7-EA6F-43F1-9FB4-B4DEFD19A839}" type="presOf" srcId="{AB698A50-665E-4178-AB8A-47D140CAB2FF}" destId="{C6994C09-E26F-4346-8AF1-E309E17EB794}" srcOrd="0" destOrd="0" presId="urn:microsoft.com/office/officeart/2005/8/layout/hList1"/>
-    <dgm:cxn modelId="{4C71B11A-DF5B-4A56-B2F0-DDD58DD0418A}" type="presOf" srcId="{5EC30141-15D2-489E-87E3-1D99F2306AE3}" destId="{DA0EBEFD-C79A-47BF-8CFA-100D24FDDCDF}" srcOrd="0" destOrd="1" presId="urn:microsoft.com/office/officeart/2005/8/layout/hList1"/>
     <dgm:cxn modelId="{0850840B-021C-4874-97AD-3A2C06CCBD8C}" type="presOf" srcId="{1F4A4EC4-792E-4990-9FD7-38A02909BAB6}" destId="{DA0EBEFD-C79A-47BF-8CFA-100D24FDDCDF}" srcOrd="0" destOrd="4" presId="urn:microsoft.com/office/officeart/2005/8/layout/hList1"/>
-    <dgm:cxn modelId="{80B7EA35-A0B3-4F3D-89DB-04437AE80812}" srcId="{083F7AC3-65A5-4392-9373-9138FF937BD5}" destId="{49CC5307-C4B2-4F1C-922E-95C84BE64D3F}" srcOrd="3" destOrd="0" parTransId="{6D3DDD1D-93B9-41DE-899A-6C87837D836E}" sibTransId="{DFA2AE3D-7BB6-4076-AEA3-882D7FDA6007}"/>
     <dgm:cxn modelId="{0884240B-492A-4ACD-9D69-0A9CA2A1B132}" type="presOf" srcId="{A150236D-2139-4292-9A36-2FCDF0AFB94A}" destId="{6498C4BF-2B9C-4D46-B5EF-A70350E550FC}" srcOrd="0" destOrd="2" presId="urn:microsoft.com/office/officeart/2005/8/layout/hList1"/>
-    <dgm:cxn modelId="{6B3683A3-F882-4920-8C9A-FAB23A1E5E50}" type="presOf" srcId="{19E37A8F-B38C-4B6F-A44E-15290C639A69}" destId="{6498C4BF-2B9C-4D46-B5EF-A70350E550FC}" srcOrd="0" destOrd="3" presId="urn:microsoft.com/office/officeart/2005/8/layout/hList1"/>
+    <dgm:cxn modelId="{D7C07C6B-160B-44D2-A839-BFBA7B9F8955}" type="presOf" srcId="{8FBAAD78-E988-4C8D-9864-328B9B91ACED}" destId="{F5774E87-E1DC-4870-A387-2CF0F947A17D}" srcOrd="0" destOrd="0" presId="urn:microsoft.com/office/officeart/2005/8/layout/hList1"/>
+    <dgm:cxn modelId="{E7BECDCA-CC0F-4FB0-9DFC-B9BB0C5D39C5}" type="presOf" srcId="{AB66B9BE-BF51-47BE-A612-3BE94896F06E}" destId="{DA0EBEFD-C79A-47BF-8CFA-100D24FDDCDF}" srcOrd="0" destOrd="3" presId="urn:microsoft.com/office/officeart/2005/8/layout/hList1"/>
+    <dgm:cxn modelId="{BC36807D-AD19-4C7D-896F-058BDA938BA1}" srcId="{083F7AC3-65A5-4392-9373-9138FF937BD5}" destId="{0C2ADC60-BB94-4866-91EC-2CE2ED2198B2}" srcOrd="1" destOrd="0" parTransId="{7890BAAD-E71C-407B-9942-BFC5B99C655A}" sibTransId="{AD2ACCF7-C023-41A8-A43D-C2CC9FB756D0}"/>
+    <dgm:cxn modelId="{17170D0C-D877-4BEC-9B8F-7F4F1B83648A}" type="presOf" srcId="{959E4AE4-6F26-40DD-BDFE-79CC1381B4D3}" destId="{737F2801-BDC3-4F68-A16A-2A4A99D14196}" srcOrd="0" destOrd="6" presId="urn:microsoft.com/office/officeart/2005/8/layout/hList1"/>
     <dgm:cxn modelId="{A33E50B3-B4FE-41E4-A2E7-7D6CDB1BBD47}" type="presOf" srcId="{FE7F276A-AB35-484B-B489-DF332C3A339F}" destId="{DA0EBEFD-C79A-47BF-8CFA-100D24FDDCDF}" srcOrd="0" destOrd="5" presId="urn:microsoft.com/office/officeart/2005/8/layout/hList1"/>
-    <dgm:cxn modelId="{C90FFF5E-BC90-4D64-8E2D-AB22AA330848}" srcId="{8FBAAD78-E988-4C8D-9864-328B9B91ACED}" destId="{C44124C2-95FA-42FA-AA35-349D75C71768}" srcOrd="0" destOrd="0" parTransId="{5D402DB2-35F4-4B9E-9CDF-554752638135}" sibTransId="{7E13F29D-6ADF-4124-AABD-BBC2F19FB740}"/>
-    <dgm:cxn modelId="{06A1530C-0010-41BF-9C27-E180FD768705}" type="presOf" srcId="{083F7AC3-65A5-4392-9373-9138FF937BD5}" destId="{2663F2C0-F58D-451C-877F-121DF2901B69}" srcOrd="0" destOrd="0" presId="urn:microsoft.com/office/officeart/2005/8/layout/hList1"/>
-    <dgm:cxn modelId="{60854834-CCED-42B5-B97B-EBA73BFFCD4C}" srcId="{083F7AC3-65A5-4392-9373-9138FF937BD5}" destId="{959E4AE4-6F26-40DD-BDFE-79CC1381B4D3}" srcOrd="6" destOrd="0" parTransId="{27FB158F-0C30-48BC-9BE0-9BD588271DF9}" sibTransId="{C309FE9C-CEA2-4B42-8D21-C26A1B9DDD24}"/>
-    <dgm:cxn modelId="{6087C1C9-17A0-4DEF-A77F-2F49C1D55176}" srcId="{8FBAAD78-E988-4C8D-9864-328B9B91ACED}" destId="{A150236D-2139-4292-9A36-2FCDF0AFB94A}" srcOrd="2" destOrd="0" parTransId="{53EDF6FF-7435-4CFF-A24E-A51F9D706A6E}" sibTransId="{DBFBB943-51BB-49F9-8FEA-3B495DCF02E8}"/>
-    <dgm:cxn modelId="{B09CC504-D4CD-451E-824B-5782157B506B}" srcId="{F8C10FD7-E254-4AFF-A982-BABFE085F7D4}" destId="{FE7F276A-AB35-484B-B489-DF332C3A339F}" srcOrd="5" destOrd="0" parTransId="{50E4BF02-9CFE-49A8-A173-0CD4225DDC19}" sibTransId="{798033EB-11F7-4FD7-A65F-3C3F3AF53B13}"/>
-    <dgm:cxn modelId="{D7C07C6B-160B-44D2-A839-BFBA7B9F8955}" type="presOf" srcId="{8FBAAD78-E988-4C8D-9864-328B9B91ACED}" destId="{F5774E87-E1DC-4870-A387-2CF0F947A17D}" srcOrd="0" destOrd="0" presId="urn:microsoft.com/office/officeart/2005/8/layout/hList1"/>
-    <dgm:cxn modelId="{8501A141-0EF5-44DF-9266-605EC9D2D700}" srcId="{AB698A50-665E-4178-AB8A-47D140CAB2FF}" destId="{083F7AC3-65A5-4392-9373-9138FF937BD5}" srcOrd="2" destOrd="0" parTransId="{6FF2BDA4-8516-45A4-A186-2F56587B834C}" sibTransId="{41CCF7A0-1B32-485B-82CF-262F7435D81C}"/>
-    <dgm:cxn modelId="{F9693700-C86C-4E8A-AC78-EC12DD1AE066}" type="presOf" srcId="{E667E400-FE8F-4849-9150-4A89B188607C}" destId="{737F2801-BDC3-4F68-A16A-2A4A99D14196}" srcOrd="0" destOrd="0" presId="urn:microsoft.com/office/officeart/2005/8/layout/hList1"/>
-    <dgm:cxn modelId="{4578431B-70D7-43D4-BBF6-BDEB3C83795D}" srcId="{F8C10FD7-E254-4AFF-A982-BABFE085F7D4}" destId="{AB66B9BE-BF51-47BE-A612-3BE94896F06E}" srcOrd="3" destOrd="0" parTransId="{27DEA1D8-7D34-4BF3-A089-A7CF977B1981}" sibTransId="{B66F7415-53C9-465A-A693-A0358D1559AC}"/>
-    <dgm:cxn modelId="{1348FF91-70AA-4C24-8A69-B7BE6E5864CD}" type="presOf" srcId="{F8A0B711-52E2-4DE3-8CF4-23E74088D9CB}" destId="{6498C4BF-2B9C-4D46-B5EF-A70350E550FC}" srcOrd="0" destOrd="1" presId="urn:microsoft.com/office/officeart/2005/8/layout/hList1"/>
-    <dgm:cxn modelId="{39F189D2-B59D-4073-A069-3E866B2B5812}" srcId="{F8C10FD7-E254-4AFF-A982-BABFE085F7D4}" destId="{1F4A4EC4-792E-4990-9FD7-38A02909BAB6}" srcOrd="4" destOrd="0" parTransId="{161E20F0-795C-4206-A495-4C0930529515}" sibTransId="{5A035004-8424-4804-A119-31C1DE85B3A9}"/>
+    <dgm:cxn modelId="{41DFB640-D320-4BD4-B5A5-A051437B19F3}" type="presOf" srcId="{0385C40B-4E49-4718-AD1F-60699FC19C64}" destId="{737F2801-BDC3-4F68-A16A-2A4A99D14196}" srcOrd="0" destOrd="2" presId="urn:microsoft.com/office/officeart/2005/8/layout/hList1"/>
     <dgm:cxn modelId="{5332E601-7DF6-42B6-8F1D-58EE8E83C52B}" type="presOf" srcId="{395D26FE-342F-487A-ADA4-AA4154859C02}" destId="{DA0EBEFD-C79A-47BF-8CFA-100D24FDDCDF}" srcOrd="0" destOrd="0" presId="urn:microsoft.com/office/officeart/2005/8/layout/hList1"/>
-    <dgm:cxn modelId="{92360E6D-6DDC-4748-9EB4-07A6A2805CA3}" type="presOf" srcId="{9D42B3DD-C62E-4676-870D-A20B2D12019E}" destId="{737F2801-BDC3-4F68-A16A-2A4A99D14196}" srcOrd="0" destOrd="5" presId="urn:microsoft.com/office/officeart/2005/8/layout/hList1"/>
-    <dgm:cxn modelId="{E7BECDCA-CC0F-4FB0-9DFC-B9BB0C5D39C5}" type="presOf" srcId="{AB66B9BE-BF51-47BE-A612-3BE94896F06E}" destId="{DA0EBEFD-C79A-47BF-8CFA-100D24FDDCDF}" srcOrd="0" destOrd="3" presId="urn:microsoft.com/office/officeart/2005/8/layout/hList1"/>
-    <dgm:cxn modelId="{522DEE45-93FA-4A9F-98E6-3926BEE2CEFB}" type="presOf" srcId="{0C2ADC60-BB94-4866-91EC-2CE2ED2198B2}" destId="{737F2801-BDC3-4F68-A16A-2A4A99D14196}" srcOrd="0" destOrd="1" presId="urn:microsoft.com/office/officeart/2005/8/layout/hList1"/>
-    <dgm:cxn modelId="{BC36807D-AD19-4C7D-896F-058BDA938BA1}" srcId="{083F7AC3-65A5-4392-9373-9138FF937BD5}" destId="{0C2ADC60-BB94-4866-91EC-2CE2ED2198B2}" srcOrd="1" destOrd="0" parTransId="{7890BAAD-E71C-407B-9942-BFC5B99C655A}" sibTransId="{AD2ACCF7-C023-41A8-A43D-C2CC9FB756D0}"/>
-    <dgm:cxn modelId="{5B867E8F-39C3-4BCB-9AD1-D029D86BACF3}" srcId="{8FBAAD78-E988-4C8D-9864-328B9B91ACED}" destId="{19E37A8F-B38C-4B6F-A44E-15290C639A69}" srcOrd="3" destOrd="0" parTransId="{9F02B944-9218-45C2-9C1C-4E57FBF653E1}" sibTransId="{32C32F39-BCB6-4F6E-B794-2AAF97BFAE50}"/>
-    <dgm:cxn modelId="{063FBFB6-5D80-43BF-9316-B8143F9BD2EA}" srcId="{F8C10FD7-E254-4AFF-A982-BABFE085F7D4}" destId="{395D26FE-342F-487A-ADA4-AA4154859C02}" srcOrd="0" destOrd="0" parTransId="{82CD440F-AE95-450E-BB10-2CEAD3FCCEF7}" sibTransId="{DBE9C501-BD98-46C7-AE4E-909E6F28DF62}"/>
-    <dgm:cxn modelId="{B7C024F6-AB41-42D3-8F3A-DF02A0003704}" type="presOf" srcId="{C44124C2-95FA-42FA-AA35-349D75C71768}" destId="{6498C4BF-2B9C-4D46-B5EF-A70350E550FC}" srcOrd="0" destOrd="0" presId="urn:microsoft.com/office/officeart/2005/8/layout/hList1"/>
-    <dgm:cxn modelId="{DC4E8734-A38D-4270-B1A6-2742D63EBEE0}" srcId="{083F7AC3-65A5-4392-9373-9138FF937BD5}" destId="{E667E400-FE8F-4849-9150-4A89B188607C}" srcOrd="0" destOrd="0" parTransId="{05DA4D02-A254-4EEC-93B4-1CF8FFEA51E0}" sibTransId="{D1279CA7-4BF8-4DCC-8809-5B1E87D54BEB}"/>
-    <dgm:cxn modelId="{D133E937-CA62-4AD3-B656-A1FCAC50253A}" srcId="{083F7AC3-65A5-4392-9373-9138FF937BD5}" destId="{9D42B3DD-C62E-4676-870D-A20B2D12019E}" srcOrd="5" destOrd="0" parTransId="{BD4F5FF5-1386-412C-9979-97801A8BF76F}" sibTransId="{3EF892BB-E8B7-4499-B6EB-E63CD20A5783}"/>
-    <dgm:cxn modelId="{8B8DA2A1-257B-4E8A-A950-A4058E019E9A}" srcId="{AB698A50-665E-4178-AB8A-47D140CAB2FF}" destId="{F8C10FD7-E254-4AFF-A982-BABFE085F7D4}" srcOrd="1" destOrd="0" parTransId="{76237B24-AE62-44CA-8B77-14C24F7E2318}" sibTransId="{E18BB3B4-FCE9-4F4C-95B2-686FB2634D7A}"/>
-    <dgm:cxn modelId="{DDD4F812-FFE9-499E-8DD4-6842FCE2D318}" type="presOf" srcId="{5B793D32-ADB6-4775-8580-9F47A4DB85D5}" destId="{DA0EBEFD-C79A-47BF-8CFA-100D24FDDCDF}" srcOrd="0" destOrd="2" presId="urn:microsoft.com/office/officeart/2005/8/layout/hList1"/>
-    <dgm:cxn modelId="{88ECE59D-E6B8-4D72-BB7B-53736D385067}" srcId="{083F7AC3-65A5-4392-9373-9138FF937BD5}" destId="{CB878E19-E1DF-4EBC-A209-FC60BA78ED93}" srcOrd="4" destOrd="0" parTransId="{DD9EA74E-CFE9-4438-95FA-BA99E01D9C69}" sibTransId="{71621B82-3700-42DC-AC23-5D6B435A2770}"/>
-    <dgm:cxn modelId="{41DFB640-D320-4BD4-B5A5-A051437B19F3}" type="presOf" srcId="{0385C40B-4E49-4718-AD1F-60699FC19C64}" destId="{737F2801-BDC3-4F68-A16A-2A4A99D14196}" srcOrd="0" destOrd="2" presId="urn:microsoft.com/office/officeart/2005/8/layout/hList1"/>
-    <dgm:cxn modelId="{17170D0C-D877-4BEC-9B8F-7F4F1B83648A}" type="presOf" srcId="{959E4AE4-6F26-40DD-BDFE-79CC1381B4D3}" destId="{737F2801-BDC3-4F68-A16A-2A4A99D14196}" srcOrd="0" destOrd="6" presId="urn:microsoft.com/office/officeart/2005/8/layout/hList1"/>
     <dgm:cxn modelId="{D976BCA2-5329-4794-831F-8C7CA222C517}" type="presOf" srcId="{CB878E19-E1DF-4EBC-A209-FC60BA78ED93}" destId="{737F2801-BDC3-4F68-A16A-2A4A99D14196}" srcOrd="0" destOrd="4" presId="urn:microsoft.com/office/officeart/2005/8/layout/hList1"/>
     <dgm:cxn modelId="{8995382F-554A-4B2F-A068-ECE89B42E8FD}" srcId="{083F7AC3-65A5-4392-9373-9138FF937BD5}" destId="{0385C40B-4E49-4718-AD1F-60699FC19C64}" srcOrd="2" destOrd="0" parTransId="{A32F4E5D-8686-4004-A68B-DD48E38E41EA}" sibTransId="{D150301B-B36A-4A58-A441-5ACE29AF3514}"/>
+    <dgm:cxn modelId="{F9693700-C86C-4E8A-AC78-EC12DD1AE066}" type="presOf" srcId="{E667E400-FE8F-4849-9150-4A89B188607C}" destId="{737F2801-BDC3-4F68-A16A-2A4A99D14196}" srcOrd="0" destOrd="0" presId="urn:microsoft.com/office/officeart/2005/8/layout/hList1"/>
+    <dgm:cxn modelId="{7678E2F1-7B53-4B9C-B327-7420838F8A20}" srcId="{F8C10FD7-E254-4AFF-A982-BABFE085F7D4}" destId="{5B793D32-ADB6-4775-8580-9F47A4DB85D5}" srcOrd="2" destOrd="0" parTransId="{0169E46E-5C43-4CB8-807A-A0D5032BD40D}" sibTransId="{82B45D2C-72AD-4247-9131-9B190C41AA12}"/>
     <dgm:cxn modelId="{3FA84DA7-5262-49A9-9D41-073E22B77DE9}" type="presOf" srcId="{F8C10FD7-E254-4AFF-A982-BABFE085F7D4}" destId="{873465E8-B549-4CA8-911A-B5C026F3C662}" srcOrd="0" destOrd="0" presId="urn:microsoft.com/office/officeart/2005/8/layout/hList1"/>
+    <dgm:cxn modelId="{1348FF91-70AA-4C24-8A69-B7BE6E5864CD}" type="presOf" srcId="{F8A0B711-52E2-4DE3-8CF4-23E74088D9CB}" destId="{6498C4BF-2B9C-4D46-B5EF-A70350E550FC}" srcOrd="0" destOrd="1" presId="urn:microsoft.com/office/officeart/2005/8/layout/hList1"/>
+    <dgm:cxn modelId="{92360E6D-6DDC-4748-9EB4-07A6A2805CA3}" type="presOf" srcId="{9D42B3DD-C62E-4676-870D-A20B2D12019E}" destId="{737F2801-BDC3-4F68-A16A-2A4A99D14196}" srcOrd="0" destOrd="5" presId="urn:microsoft.com/office/officeart/2005/8/layout/hList1"/>
+    <dgm:cxn modelId="{8501A141-0EF5-44DF-9266-605EC9D2D700}" srcId="{AB698A50-665E-4178-AB8A-47D140CAB2FF}" destId="{083F7AC3-65A5-4392-9373-9138FF937BD5}" srcOrd="2" destOrd="0" parTransId="{6FF2BDA4-8516-45A4-A186-2F56587B834C}" sibTransId="{41CCF7A0-1B32-485B-82CF-262F7435D81C}"/>
+    <dgm:cxn modelId="{06A1530C-0010-41BF-9C27-E180FD768705}" type="presOf" srcId="{083F7AC3-65A5-4392-9373-9138FF937BD5}" destId="{2663F2C0-F58D-451C-877F-121DF2901B69}" srcOrd="0" destOrd="0" presId="urn:microsoft.com/office/officeart/2005/8/layout/hList1"/>
+    <dgm:cxn modelId="{1EE7C740-61BF-4509-B36D-B4919A350E13}" srcId="{AB698A50-665E-4178-AB8A-47D140CAB2FF}" destId="{8FBAAD78-E988-4C8D-9864-328B9B91ACED}" srcOrd="0" destOrd="0" parTransId="{63366CF2-5184-42E1-A272-9CEFF5C24AD6}" sibTransId="{B02F1293-5AF4-4042-9098-017FDCFBA6E5}"/>
+    <dgm:cxn modelId="{063FBFB6-5D80-43BF-9316-B8143F9BD2EA}" srcId="{F8C10FD7-E254-4AFF-A982-BABFE085F7D4}" destId="{395D26FE-342F-487A-ADA4-AA4154859C02}" srcOrd="0" destOrd="0" parTransId="{82CD440F-AE95-450E-BB10-2CEAD3FCCEF7}" sibTransId="{DBE9C501-BD98-46C7-AE4E-909E6F28DF62}"/>
+    <dgm:cxn modelId="{522DEE45-93FA-4A9F-98E6-3926BEE2CEFB}" type="presOf" srcId="{0C2ADC60-BB94-4866-91EC-2CE2ED2198B2}" destId="{737F2801-BDC3-4F68-A16A-2A4A99D14196}" srcOrd="0" destOrd="1" presId="urn:microsoft.com/office/officeart/2005/8/layout/hList1"/>
+    <dgm:cxn modelId="{5B867E8F-39C3-4BCB-9AD1-D029D86BACF3}" srcId="{8FBAAD78-E988-4C8D-9864-328B9B91ACED}" destId="{19E37A8F-B38C-4B6F-A44E-15290C639A69}" srcOrd="3" destOrd="0" parTransId="{9F02B944-9218-45C2-9C1C-4E57FBF653E1}" sibTransId="{32C32F39-BCB6-4F6E-B794-2AAF97BFAE50}"/>
+    <dgm:cxn modelId="{4C71B11A-DF5B-4A56-B2F0-DDD58DD0418A}" type="presOf" srcId="{5EC30141-15D2-489E-87E3-1D99F2306AE3}" destId="{DA0EBEFD-C79A-47BF-8CFA-100D24FDDCDF}" srcOrd="0" destOrd="1" presId="urn:microsoft.com/office/officeart/2005/8/layout/hList1"/>
+    <dgm:cxn modelId="{B7C024F6-AB41-42D3-8F3A-DF02A0003704}" type="presOf" srcId="{C44124C2-95FA-42FA-AA35-349D75C71768}" destId="{6498C4BF-2B9C-4D46-B5EF-A70350E550FC}" srcOrd="0" destOrd="0" presId="urn:microsoft.com/office/officeart/2005/8/layout/hList1"/>
+    <dgm:cxn modelId="{D133E937-CA62-4AD3-B656-A1FCAC50253A}" srcId="{083F7AC3-65A5-4392-9373-9138FF937BD5}" destId="{9D42B3DD-C62E-4676-870D-A20B2D12019E}" srcOrd="5" destOrd="0" parTransId="{BD4F5FF5-1386-412C-9979-97801A8BF76F}" sibTransId="{3EF892BB-E8B7-4499-B6EB-E63CD20A5783}"/>
+    <dgm:cxn modelId="{4578431B-70D7-43D4-BBF6-BDEB3C83795D}" srcId="{F8C10FD7-E254-4AFF-A982-BABFE085F7D4}" destId="{AB66B9BE-BF51-47BE-A612-3BE94896F06E}" srcOrd="3" destOrd="0" parTransId="{27DEA1D8-7D34-4BF3-A089-A7CF977B1981}" sibTransId="{B66F7415-53C9-465A-A693-A0358D1559AC}"/>
+    <dgm:cxn modelId="{288A2443-4CF5-4264-A269-6E1B0D31B50F}" type="presOf" srcId="{49CC5307-C4B2-4F1C-922E-95C84BE64D3F}" destId="{737F2801-BDC3-4F68-A16A-2A4A99D14196}" srcOrd="0" destOrd="3" presId="urn:microsoft.com/office/officeart/2005/8/layout/hList1"/>
+    <dgm:cxn modelId="{83DE7EF7-EA6F-43F1-9FB4-B4DEFD19A839}" type="presOf" srcId="{AB698A50-665E-4178-AB8A-47D140CAB2FF}" destId="{C6994C09-E26F-4346-8AF1-E309E17EB794}" srcOrd="0" destOrd="0" presId="urn:microsoft.com/office/officeart/2005/8/layout/hList1"/>
+    <dgm:cxn modelId="{39F189D2-B59D-4073-A069-3E866B2B5812}" srcId="{F8C10FD7-E254-4AFF-A982-BABFE085F7D4}" destId="{1F4A4EC4-792E-4990-9FD7-38A02909BAB6}" srcOrd="4" destOrd="0" parTransId="{161E20F0-795C-4206-A495-4C0930529515}" sibTransId="{5A035004-8424-4804-A119-31C1DE85B3A9}"/>
+    <dgm:cxn modelId="{6B3683A3-F882-4920-8C9A-FAB23A1E5E50}" type="presOf" srcId="{19E37A8F-B38C-4B6F-A44E-15290C639A69}" destId="{6498C4BF-2B9C-4D46-B5EF-A70350E550FC}" srcOrd="0" destOrd="3" presId="urn:microsoft.com/office/officeart/2005/8/layout/hList1"/>
+    <dgm:cxn modelId="{DDD4F812-FFE9-499E-8DD4-6842FCE2D318}" type="presOf" srcId="{5B793D32-ADB6-4775-8580-9F47A4DB85D5}" destId="{DA0EBEFD-C79A-47BF-8CFA-100D24FDDCDF}" srcOrd="0" destOrd="2" presId="urn:microsoft.com/office/officeart/2005/8/layout/hList1"/>
+    <dgm:cxn modelId="{D35BD593-F999-4EEE-A861-D810586C3322}" srcId="{F8C10FD7-E254-4AFF-A982-BABFE085F7D4}" destId="{5EC30141-15D2-489E-87E3-1D99F2306AE3}" srcOrd="1" destOrd="0" parTransId="{98AAF1F6-4AE2-445A-A7C8-148F7707EDCA}" sibTransId="{2D6A68EC-3ACF-4B56-82F4-89F4236915E2}"/>
+    <dgm:cxn modelId="{80B7EA35-A0B3-4F3D-89DB-04437AE80812}" srcId="{083F7AC3-65A5-4392-9373-9138FF937BD5}" destId="{49CC5307-C4B2-4F1C-922E-95C84BE64D3F}" srcOrd="3" destOrd="0" parTransId="{6D3DDD1D-93B9-41DE-899A-6C87837D836E}" sibTransId="{DFA2AE3D-7BB6-4076-AEA3-882D7FDA6007}"/>
+    <dgm:cxn modelId="{B09CC504-D4CD-451E-824B-5782157B506B}" srcId="{F8C10FD7-E254-4AFF-A982-BABFE085F7D4}" destId="{FE7F276A-AB35-484B-B489-DF332C3A339F}" srcOrd="5" destOrd="0" parTransId="{50E4BF02-9CFE-49A8-A173-0CD4225DDC19}" sibTransId="{798033EB-11F7-4FD7-A65F-3C3F3AF53B13}"/>
+    <dgm:cxn modelId="{60854834-CCED-42B5-B97B-EBA73BFFCD4C}" srcId="{083F7AC3-65A5-4392-9373-9138FF937BD5}" destId="{959E4AE4-6F26-40DD-BDFE-79CC1381B4D3}" srcOrd="6" destOrd="0" parTransId="{27FB158F-0C30-48BC-9BE0-9BD588271DF9}" sibTransId="{C309FE9C-CEA2-4B42-8D21-C26A1B9DDD24}"/>
+    <dgm:cxn modelId="{DC4E8734-A38D-4270-B1A6-2742D63EBEE0}" srcId="{083F7AC3-65A5-4392-9373-9138FF937BD5}" destId="{E667E400-FE8F-4849-9150-4A89B188607C}" srcOrd="0" destOrd="0" parTransId="{05DA4D02-A254-4EEC-93B4-1CF8FFEA51E0}" sibTransId="{D1279CA7-4BF8-4DCC-8809-5B1E87D54BEB}"/>
+    <dgm:cxn modelId="{C90FFF5E-BC90-4D64-8E2D-AB22AA330848}" srcId="{8FBAAD78-E988-4C8D-9864-328B9B91ACED}" destId="{C44124C2-95FA-42FA-AA35-349D75C71768}" srcOrd="0" destOrd="0" parTransId="{5D402DB2-35F4-4B9E-9CDF-554752638135}" sibTransId="{7E13F29D-6ADF-4124-AABD-BBC2F19FB740}"/>
+    <dgm:cxn modelId="{88ECE59D-E6B8-4D72-BB7B-53736D385067}" srcId="{083F7AC3-65A5-4392-9373-9138FF937BD5}" destId="{CB878E19-E1DF-4EBC-A209-FC60BA78ED93}" srcOrd="4" destOrd="0" parTransId="{DD9EA74E-CFE9-4438-95FA-BA99E01D9C69}" sibTransId="{71621B82-3700-42DC-AC23-5D6B435A2770}"/>
     <dgm:cxn modelId="{E95FB3BE-3D1E-4C50-BD58-E9EA4A4592F7}" type="presParOf" srcId="{C6994C09-E26F-4346-8AF1-E309E17EB794}" destId="{A843E040-918B-41DE-B55C-A1D9CA5E07BA}" srcOrd="0" destOrd="0" presId="urn:microsoft.com/office/officeart/2005/8/layout/hList1"/>
     <dgm:cxn modelId="{92993D1D-52F2-4926-BDCF-4F82DAE8E460}" type="presParOf" srcId="{A843E040-918B-41DE-B55C-A1D9CA5E07BA}" destId="{F5774E87-E1DC-4870-A387-2CF0F947A17D}" srcOrd="0" destOrd="0" presId="urn:microsoft.com/office/officeart/2005/8/layout/hList1"/>
     <dgm:cxn modelId="{F20D6926-B812-4EBE-A695-8A04C1149ABF}" type="presParOf" srcId="{A843E040-918B-41DE-B55C-A1D9CA5E07BA}" destId="{6498C4BF-2B9C-4D46-B5EF-A70350E550FC}" srcOrd="1" destOrd="0" presId="urn:microsoft.com/office/officeart/2005/8/layout/hList1"/>
@@ -3894,6 +3908,7 @@
           <a:p>
             <a:fld id="{E29A2734-3BDF-447D-A685-28FF2A03ED99}" type="datetimeFigureOut">
               <a:rPr lang="zh-TW" altLang="en-US" smtClean="0"/>
+              <a:pPr/>
               <a:t>2016/7/14</a:t>
             </a:fld>
             <a:endParaRPr lang="zh-TW" altLang="en-US"/>
@@ -3960,6 +3975,7 @@
           <a:p>
             <a:fld id="{2706C4AA-F17D-49A4-A273-06B6143A1D1E}" type="slidenum">
               <a:rPr lang="zh-TW" altLang="en-US" smtClean="0"/>
+              <a:pPr/>
               <a:t>‹#›</a:t>
             </a:fld>
             <a:endParaRPr lang="zh-TW" altLang="en-US"/>
@@ -8125,7 +8141,7 @@
         <p:spPr>
           <a:xfrm>
             <a:off x="1553343" y="2619871"/>
-            <a:ext cx="7051105" cy="3689449"/>
+            <a:ext cx="7051105" cy="2681337"/>
           </a:xfrm>
         </p:spPr>
         <p:txBody>
@@ -8150,23 +8166,7 @@
                   <a:srgbClr val="FF0000"/>
                 </a:solidFill>
               </a:rPr>
-              <a:t>店家加入</a:t>
-            </a:r>
-            <a:r>
-              <a:rPr lang="en-US" altLang="zh-TW" sz="2800" dirty="0" err="1" smtClean="0">
-                <a:solidFill>
-                  <a:srgbClr val="FF0000"/>
-                </a:solidFill>
-              </a:rPr>
-              <a:t>infowindow</a:t>
-            </a:r>
-            <a:r>
-              <a:rPr lang="en-US" altLang="zh-TW" sz="2800" dirty="0" smtClean="0">
-                <a:solidFill>
-                  <a:srgbClr val="FF0000"/>
-                </a:solidFill>
-              </a:rPr>
-              <a:t>,</a:t>
+              <a:t>加入</a:t>
             </a:r>
             <a:r>
               <a:rPr lang="zh-TW" altLang="en-US" sz="2800" dirty="0" smtClean="0">
@@ -8174,48 +8174,7 @@
                   <a:srgbClr val="FF0000"/>
                 </a:solidFill>
               </a:rPr>
-              <a:t>讓使用者點擊標示可以秀出店家詳細</a:t>
-            </a:r>
-            <a:r>
-              <a:rPr lang="zh-TW" altLang="en-US" sz="2800" dirty="0" smtClean="0">
-                <a:solidFill>
-                  <a:srgbClr val="FF0000"/>
-                </a:solidFill>
-              </a:rPr>
-              <a:t>的資訊</a:t>
-            </a:r>
-            <a:r>
-              <a:rPr lang="zh-TW" altLang="en-US" sz="2800" dirty="0" smtClean="0">
-                <a:solidFill>
-                  <a:srgbClr val="FF0000"/>
-                </a:solidFill>
-              </a:rPr>
-              <a:t>。</a:t>
-            </a:r>
-            <a:endParaRPr lang="en-US" altLang="zh-TW" sz="2800" dirty="0" smtClean="0">
-              <a:solidFill>
-                <a:srgbClr val="FF0000"/>
-              </a:solidFill>
-            </a:endParaRPr>
-          </a:p>
-          <a:p>
-            <a:pPr marL="0" lvl="1" indent="0">
-              <a:spcBef>
-                <a:spcPts val="1800"/>
-              </a:spcBef>
-              <a:buClr>
-                <a:srgbClr val="7030A0"/>
-              </a:buClr>
-              <a:buFont typeface="Wingdings" pitchFamily="2" charset="2"/>
-              <a:buChar char="p"/>
-            </a:pPr>
-            <a:r>
-              <a:rPr lang="zh-TW" altLang="en-US" sz="2800" dirty="0" smtClean="0">
-                <a:solidFill>
-                  <a:srgbClr val="FF0000"/>
-                </a:solidFill>
-              </a:rPr>
-              <a:t>加入購物車時可以改成</a:t>
+              <a:t>購物車時可以改成</a:t>
             </a:r>
             <a:r>
               <a:rPr lang="en-US" altLang="zh-TW" sz="2800" dirty="0" smtClean="0">
@@ -8542,112 +8501,6 @@
                                           <p:spTgt spid="4">
                                             <p:txEl>
                                               <p:pRg st="1" end="1"/>
-                                            </p:txEl>
-                                          </p:spTgt>
-                                        </p:tgtEl>
-                                      </p:cBhvr>
-                                    </p:animEffect>
-                                  </p:childTnLst>
-                                </p:cTn>
-                              </p:par>
-                            </p:childTnLst>
-                          </p:cTn>
-                        </p:par>
-                        <p:par>
-                          <p:cTn id="16" fill="hold">
-                            <p:stCondLst>
-                              <p:cond delay="2000"/>
-                            </p:stCondLst>
-                            <p:childTnLst>
-                              <p:par>
-                                <p:cTn id="17" presetID="50" presetClass="entr" presetSubtype="0" decel="100000" fill="hold" grpId="0" nodeType="afterEffect">
-                                  <p:stCondLst>
-                                    <p:cond delay="0"/>
-                                  </p:stCondLst>
-                                  <p:childTnLst>
-                                    <p:set>
-                                      <p:cBhvr>
-                                        <p:cTn id="18" dur="1" fill="hold">
-                                          <p:stCondLst>
-                                            <p:cond delay="0"/>
-                                          </p:stCondLst>
-                                        </p:cTn>
-                                        <p:tgtEl>
-                                          <p:spTgt spid="4">
-                                            <p:txEl>
-                                              <p:pRg st="2" end="2"/>
-                                            </p:txEl>
-                                          </p:spTgt>
-                                        </p:tgtEl>
-                                        <p:attrNameLst>
-                                          <p:attrName>style.visibility</p:attrName>
-                                        </p:attrNameLst>
-                                      </p:cBhvr>
-                                      <p:to>
-                                        <p:strVal val="visible"/>
-                                      </p:to>
-                                    </p:set>
-                                    <p:anim calcmode="lin" valueType="num">
-                                      <p:cBhvr>
-                                        <p:cTn id="19" dur="1000" fill="hold"/>
-                                        <p:tgtEl>
-                                          <p:spTgt spid="4">
-                                            <p:txEl>
-                                              <p:pRg st="2" end="2"/>
-                                            </p:txEl>
-                                          </p:spTgt>
-                                        </p:tgtEl>
-                                        <p:attrNameLst>
-                                          <p:attrName>ppt_w</p:attrName>
-                                        </p:attrNameLst>
-                                      </p:cBhvr>
-                                      <p:tavLst>
-                                        <p:tav tm="0">
-                                          <p:val>
-                                            <p:strVal val="#ppt_w+.3"/>
-                                          </p:val>
-                                        </p:tav>
-                                        <p:tav tm="100000">
-                                          <p:val>
-                                            <p:strVal val="#ppt_w"/>
-                                          </p:val>
-                                        </p:tav>
-                                      </p:tavLst>
-                                    </p:anim>
-                                    <p:anim calcmode="lin" valueType="num">
-                                      <p:cBhvr>
-                                        <p:cTn id="20" dur="1000" fill="hold"/>
-                                        <p:tgtEl>
-                                          <p:spTgt spid="4">
-                                            <p:txEl>
-                                              <p:pRg st="2" end="2"/>
-                                            </p:txEl>
-                                          </p:spTgt>
-                                        </p:tgtEl>
-                                        <p:attrNameLst>
-                                          <p:attrName>ppt_h</p:attrName>
-                                        </p:attrNameLst>
-                                      </p:cBhvr>
-                                      <p:tavLst>
-                                        <p:tav tm="0">
-                                          <p:val>
-                                            <p:strVal val="#ppt_h"/>
-                                          </p:val>
-                                        </p:tav>
-                                        <p:tav tm="100000">
-                                          <p:val>
-                                            <p:strVal val="#ppt_h"/>
-                                          </p:val>
-                                        </p:tav>
-                                      </p:tavLst>
-                                    </p:anim>
-                                    <p:animEffect transition="in" filter="fade">
-                                      <p:cBhvr>
-                                        <p:cTn id="21" dur="1000"/>
-                                        <p:tgtEl>
-                                          <p:spTgt spid="4">
-                                            <p:txEl>
-                                              <p:pRg st="2" end="2"/>
                                             </p:txEl>
                                           </p:spTgt>
                                         </p:tgtEl>
@@ -9523,16 +9376,7 @@
                 </a:solidFill>
                 <a:hlinkClick r:id="rId5"/>
               </a:rPr>
-              <a:t>忘記</a:t>
-            </a:r>
-            <a:r>
-              <a:rPr lang="zh-TW" altLang="en-US" dirty="0" smtClean="0">
-                <a:solidFill>
-                  <a:srgbClr val="FF0000"/>
-                </a:solidFill>
-                <a:hlinkClick r:id="rId5"/>
-              </a:rPr>
-              <a:t>密碼</a:t>
+              <a:t>忘記密碼</a:t>
             </a:r>
             <a:endParaRPr lang="en-US" altLang="zh-TW" dirty="0" smtClean="0">
               <a:solidFill>
@@ -10342,15 +10186,7 @@
                   <a:srgbClr val="FF0000"/>
                 </a:solidFill>
               </a:rPr>
-              <a:t>店家</a:t>
-            </a:r>
-            <a:r>
-              <a:rPr lang="zh-TW" altLang="en-US" dirty="0" smtClean="0">
-                <a:solidFill>
-                  <a:srgbClr val="FF0000"/>
-                </a:solidFill>
-              </a:rPr>
-              <a:t>位置</a:t>
+              <a:t>店家位置</a:t>
             </a:r>
             <a:endParaRPr lang="en-US" altLang="zh-TW" dirty="0" smtClean="0">
               <a:solidFill>
@@ -11618,23 +11454,8 @@
                   <a:schemeClr val="tx1"/>
                 </a:solidFill>
               </a:rPr>
-              <a:t>陳楷</a:t>
+              <a:t>陳楷升</a:t>
             </a:r>
-            <a:r>
-              <a:rPr lang="zh-TW" altLang="en-US" spc="300" dirty="0" smtClean="0">
-                <a:ln w="50800"/>
-                <a:solidFill>
-                  <a:schemeClr val="tx1"/>
-                </a:solidFill>
-              </a:rPr>
-              <a:t>升</a:t>
-            </a:r>
-            <a:endParaRPr lang="zh-TW" altLang="en-US" spc="300" dirty="0" smtClean="0">
-              <a:ln w="50800"/>
-              <a:solidFill>
-                <a:schemeClr val="tx1"/>
-              </a:solidFill>
-            </a:endParaRPr>
           </a:p>
         </p:txBody>
       </p:sp>
@@ -11662,12 +11483,6 @@
               </a:rPr>
               <a:t>高朝魁</a:t>
             </a:r>
-            <a:endParaRPr lang="zh-TW" altLang="en-US" spc="300" dirty="0" smtClean="0">
-              <a:ln w="50800"/>
-              <a:solidFill>
-                <a:schemeClr val="tx1"/>
-              </a:solidFill>
-            </a:endParaRPr>
           </a:p>
         </p:txBody>
       </p:sp>
